--- a/syllabus/main.pptx
+++ b/syllabus/main.pptx
@@ -2,7 +2,7 @@
 <file path=ppt/presentation.xml><?xml version="1.0" encoding="utf-8"?>
 <p:presentation xmlns:a="http://schemas.openxmlformats.org/drawingml/2006/main" xmlns:r="http://schemas.openxmlformats.org/officeDocument/2006/relationships" xmlns:p="http://schemas.openxmlformats.org/presentationml/2006/main" showSpecialPlsOnTitleSld="0" saveSubsetFonts="1">
   <p:sldMasterIdLst>
-    <p:sldMasterId id="2147483843" r:id="rId1"/>
+    <p:sldMasterId id="2147483856" r:id="rId1"/>
   </p:sldMasterIdLst>
   <p:notesMasterIdLst>
     <p:notesMasterId r:id="rId21"/>
@@ -4305,7 +4305,7 @@
           <a:p>
             <a:fld id="{FCE9742F-4DAE-47F5-9244-6ACC3985DD6B}" type="datetimeFigureOut">
               <a:rPr lang="fr-BE" smtClean="0"/>
-              <a:t>12-09-24</a:t>
+              <a:t>14-01-25</a:t>
             </a:fld>
             <a:endParaRPr lang="fr-BE"/>
           </a:p>
@@ -5743,7 +5743,12 @@
             <a:off x="1524000" y="1122363"/>
             <a:ext cx="9144000" cy="2387600"/>
           </a:xfrm>
-          <a:noFill/>
+          <a:solidFill>
+            <a:schemeClr val="accent3">
+              <a:lumMod val="40000"/>
+              <a:lumOff val="60000"/>
+            </a:schemeClr>
+          </a:solidFill>
         </p:spPr>
         <p:txBody>
           <a:bodyPr anchor="b">
@@ -5751,7 +5756,7 @@
           </a:bodyPr>
           <a:lstStyle>
             <a:lvl1pPr algn="ctr">
-              <a:defRPr sz="4400">
+              <a:defRPr lang="fr-BE">
                 <a:solidFill>
                   <a:schemeClr val="accent2"/>
                 </a:solidFill>
@@ -5836,10 +5841,93 @@
           </a:p>
         </p:txBody>
       </p:sp>
+      <p:sp>
+        <p:nvSpPr>
+          <p:cNvPr id="4" name="Espace réservé de la date 3">
+            <a:extLst>
+              <a:ext uri="{FF2B5EF4-FFF2-40B4-BE49-F238E27FC236}">
+                <a16:creationId xmlns:a16="http://schemas.microsoft.com/office/drawing/2014/main" id="{7F8EFA58-10A1-BAA7-B65E-A754A43B7544}"/>
+              </a:ext>
+            </a:extLst>
+          </p:cNvPr>
+          <p:cNvSpPr>
+            <a:spLocks noGrp="1"/>
+          </p:cNvSpPr>
+          <p:nvPr>
+            <p:ph type="dt" sz="half" idx="10"/>
+          </p:nvPr>
+        </p:nvSpPr>
+        <p:spPr/>
+        <p:txBody>
+          <a:bodyPr/>
+          <a:lstStyle/>
+          <a:p>
+            <a:fld id="{F3953782-D06E-4853-BE3C-64C197273937}" type="datetimeFigureOut">
+              <a:rPr lang="fr-BE" smtClean="0"/>
+              <a:t>14-01-25</a:t>
+            </a:fld>
+            <a:endParaRPr lang="fr-BE"/>
+          </a:p>
+        </p:txBody>
+      </p:sp>
+      <p:sp>
+        <p:nvSpPr>
+          <p:cNvPr id="5" name="Espace réservé du pied de page 4">
+            <a:extLst>
+              <a:ext uri="{FF2B5EF4-FFF2-40B4-BE49-F238E27FC236}">
+                <a16:creationId xmlns:a16="http://schemas.microsoft.com/office/drawing/2014/main" id="{314B8606-B65F-6EB2-899E-91B5C83E7578}"/>
+              </a:ext>
+            </a:extLst>
+          </p:cNvPr>
+          <p:cNvSpPr>
+            <a:spLocks noGrp="1"/>
+          </p:cNvSpPr>
+          <p:nvPr>
+            <p:ph type="ftr" sz="quarter" idx="11"/>
+          </p:nvPr>
+        </p:nvSpPr>
+        <p:spPr/>
+        <p:txBody>
+          <a:bodyPr/>
+          <a:lstStyle/>
+          <a:p>
+            <a:endParaRPr lang="fr-BE"/>
+          </a:p>
+        </p:txBody>
+      </p:sp>
+      <p:sp>
+        <p:nvSpPr>
+          <p:cNvPr id="6" name="Espace réservé du numéro de diapositive 5">
+            <a:extLst>
+              <a:ext uri="{FF2B5EF4-FFF2-40B4-BE49-F238E27FC236}">
+                <a16:creationId xmlns:a16="http://schemas.microsoft.com/office/drawing/2014/main" id="{CB2FA919-3ED3-80D3-E61B-53F97BE66BE0}"/>
+              </a:ext>
+            </a:extLst>
+          </p:cNvPr>
+          <p:cNvSpPr>
+            <a:spLocks noGrp="1"/>
+          </p:cNvSpPr>
+          <p:nvPr>
+            <p:ph type="sldNum" sz="quarter" idx="12"/>
+          </p:nvPr>
+        </p:nvSpPr>
+        <p:spPr/>
+        <p:txBody>
+          <a:bodyPr/>
+          <a:lstStyle/>
+          <a:p>
+            <a:fld id="{02C092ED-0E97-497E-99D9-BB9DD7276F53}" type="slidenum">
+              <a:rPr lang="fr-BE" smtClean="0"/>
+              <a:t>‹N°›</a:t>
+            </a:fld>
+            <a:endParaRPr lang="fr-BE"/>
+          </a:p>
+        </p:txBody>
+      </p:sp>
     </p:spTree>
     <p:extLst>
       <p:ext uri="{BB962C8B-B14F-4D97-AF65-F5344CB8AC3E}">
-        <p14:creationId xmlns:p14="http://schemas.microsoft.com/office/powerpoint/2010/main" val="3827274572"/>
+        <p14:creationId xmlns:p14="http://schemas.microsoft.com/office/powerpoint/2010/main" val="86043422"/>
       </p:ext>
     </p:extLst>
   </p:cSld>
@@ -5862,8 +5950,8 @@
 </file>
 
 <file path=ppt/slideLayouts/slideLayout10.xml><?xml version="1.0" encoding="utf-8"?>
-<p:sldLayout xmlns:a="http://schemas.openxmlformats.org/drawingml/2006/main" xmlns:r="http://schemas.openxmlformats.org/officeDocument/2006/relationships" xmlns:p="http://schemas.openxmlformats.org/presentationml/2006/main" type="objTx" preserve="1">
-  <p:cSld name="Contenu avec légende">
+<p:sldLayout xmlns:a="http://schemas.openxmlformats.org/drawingml/2006/main" xmlns:r="http://schemas.openxmlformats.org/officeDocument/2006/relationships" xmlns:p="http://schemas.openxmlformats.org/presentationml/2006/main" userDrawn="1">
+  <p:cSld name="Comparaison 3">
     <p:spTree>
       <p:nvGrpSpPr>
         <p:cNvPr id="1" name=""/>
@@ -5890,73 +5978,106 @@
         </p:nvSpPr>
         <p:spPr>
           <a:xfrm>
-            <a:off x="839788" y="457200"/>
-            <a:ext cx="3932237" cy="1600200"/>
+            <a:off x="839788" y="365125"/>
+            <a:ext cx="10515600" cy="1325563"/>
+          </a:xfrm>
+        </p:spPr>
+        <p:txBody>
+          <a:bodyPr/>
+          <a:lstStyle/>
+          <a:p>
+            <a:r>
+              <a:rPr lang="fr-FR"/>
+              <a:t>Modifiez le style du titre</a:t>
+            </a:r>
+            <a:endParaRPr lang="fr-BE"/>
+          </a:p>
+        </p:txBody>
+      </p:sp>
+      <p:sp>
+        <p:nvSpPr>
+          <p:cNvPr id="3" name="Text Placeholder 2"/>
+          <p:cNvSpPr>
+            <a:spLocks noGrp="1"/>
+          </p:cNvSpPr>
+          <p:nvPr>
+            <p:ph type="body" idx="1"/>
+          </p:nvPr>
+        </p:nvSpPr>
+        <p:spPr>
+          <a:xfrm>
+            <a:off x="839789" y="1681163"/>
+            <a:ext cx="3420000" cy="823912"/>
           </a:xfrm>
         </p:spPr>
         <p:txBody>
           <a:bodyPr anchor="b"/>
           <a:lstStyle>
-            <a:lvl1pPr>
-              <a:defRPr sz="3200"/>
+            <a:lvl1pPr marL="0" indent="0">
+              <a:buNone/>
+              <a:defRPr sz="2400" b="1"/>
             </a:lvl1pPr>
+            <a:lvl2pPr marL="457189" indent="0">
+              <a:buNone/>
+              <a:defRPr sz="2000" b="1"/>
+            </a:lvl2pPr>
+            <a:lvl3pPr marL="914377" indent="0">
+              <a:buNone/>
+              <a:defRPr sz="1800" b="1"/>
+            </a:lvl3pPr>
+            <a:lvl4pPr marL="1371566" indent="0">
+              <a:buNone/>
+              <a:defRPr sz="1600" b="1"/>
+            </a:lvl4pPr>
+            <a:lvl5pPr marL="1828754" indent="0">
+              <a:buNone/>
+              <a:defRPr sz="1600" b="1"/>
+            </a:lvl5pPr>
+            <a:lvl6pPr marL="2285943" indent="0">
+              <a:buNone/>
+              <a:defRPr sz="1600" b="1"/>
+            </a:lvl6pPr>
+            <a:lvl7pPr marL="2743131" indent="0">
+              <a:buNone/>
+              <a:defRPr sz="1600" b="1"/>
+            </a:lvl7pPr>
+            <a:lvl8pPr marL="3200320" indent="0">
+              <a:buNone/>
+              <a:defRPr sz="1600" b="1"/>
+            </a:lvl8pPr>
+            <a:lvl9pPr marL="3657509" indent="0">
+              <a:buNone/>
+              <a:defRPr sz="1600" b="1"/>
+            </a:lvl9pPr>
           </a:lstStyle>
           <a:p>
+            <a:pPr lvl="0"/>
             <a:r>
               <a:rPr lang="fr-FR"/>
-              <a:t>Modifiez le style du titre</a:t>
-            </a:r>
-            <a:endParaRPr lang="fr-BE"/>
+              <a:t>Cliquez pour modifier les styles du texte du masque</a:t>
+            </a:r>
           </a:p>
         </p:txBody>
       </p:sp>
       <p:sp>
         <p:nvSpPr>
-          <p:cNvPr id="3" name="Content Placeholder 2"/>
+          <p:cNvPr id="4" name="Content Placeholder 3"/>
           <p:cNvSpPr>
             <a:spLocks noGrp="1"/>
           </p:cNvSpPr>
           <p:nvPr>
-            <p:ph idx="1"/>
+            <p:ph sz="half" idx="2"/>
           </p:nvPr>
         </p:nvSpPr>
         <p:spPr>
           <a:xfrm>
-            <a:off x="5183188" y="457200"/>
-            <a:ext cx="6172200" cy="5403851"/>
+            <a:off x="839789" y="2505075"/>
+            <a:ext cx="3420000" cy="3684588"/>
           </a:xfrm>
         </p:spPr>
         <p:txBody>
           <a:bodyPr/>
-          <a:lstStyle>
-            <a:lvl1pPr>
-              <a:defRPr sz="3200"/>
-            </a:lvl1pPr>
-            <a:lvl2pPr>
-              <a:defRPr sz="2800"/>
-            </a:lvl2pPr>
-            <a:lvl3pPr>
-              <a:defRPr sz="2400"/>
-            </a:lvl3pPr>
-            <a:lvl4pPr>
-              <a:defRPr sz="2000"/>
-            </a:lvl4pPr>
-            <a:lvl5pPr>
-              <a:defRPr sz="2000"/>
-            </a:lvl5pPr>
-            <a:lvl6pPr>
-              <a:defRPr sz="2000"/>
-            </a:lvl6pPr>
-            <a:lvl7pPr>
-              <a:defRPr sz="2000"/>
-            </a:lvl7pPr>
-            <a:lvl8pPr>
-              <a:defRPr sz="2000"/>
-            </a:lvl8pPr>
-            <a:lvl9pPr>
-              <a:defRPr sz="2000"/>
-            </a:lvl9pPr>
-          </a:lstStyle>
+          <a:lstStyle/>
           <a:p>
             <a:pPr lvl="0"/>
             <a:r>
@@ -5991,64 +6112,192 @@
               <a:rPr lang="fr-FR"/>
               <a:t>Cinquième niveau</a:t>
             </a:r>
-            <a:endParaRPr lang="fr-BE" dirty="0"/>
+            <a:endParaRPr lang="fr-BE"/>
           </a:p>
         </p:txBody>
       </p:sp>
       <p:sp>
         <p:nvSpPr>
-          <p:cNvPr id="4" name="Text Placeholder 3"/>
+          <p:cNvPr id="5" name="Text Placeholder 4"/>
           <p:cNvSpPr>
             <a:spLocks noGrp="1"/>
           </p:cNvSpPr>
           <p:nvPr>
-            <p:ph type="body" sz="half" idx="2"/>
+            <p:ph type="body" sz="quarter" idx="3"/>
           </p:nvPr>
         </p:nvSpPr>
         <p:spPr>
           <a:xfrm>
-            <a:off x="839788" y="2057401"/>
-            <a:ext cx="3932237" cy="3811588"/>
+            <a:off x="4394665" y="1681163"/>
+            <a:ext cx="3420000" cy="823912"/>
+          </a:xfrm>
+        </p:spPr>
+        <p:txBody>
+          <a:bodyPr anchor="b"/>
+          <a:lstStyle>
+            <a:lvl1pPr marL="0" indent="0">
+              <a:buNone/>
+              <a:defRPr sz="2400" b="1"/>
+            </a:lvl1pPr>
+            <a:lvl2pPr marL="457189" indent="0">
+              <a:buNone/>
+              <a:defRPr sz="2000" b="1"/>
+            </a:lvl2pPr>
+            <a:lvl3pPr marL="914377" indent="0">
+              <a:buNone/>
+              <a:defRPr sz="1800" b="1"/>
+            </a:lvl3pPr>
+            <a:lvl4pPr marL="1371566" indent="0">
+              <a:buNone/>
+              <a:defRPr sz="1600" b="1"/>
+            </a:lvl4pPr>
+            <a:lvl5pPr marL="1828754" indent="0">
+              <a:buNone/>
+              <a:defRPr sz="1600" b="1"/>
+            </a:lvl5pPr>
+            <a:lvl6pPr marL="2285943" indent="0">
+              <a:buNone/>
+              <a:defRPr sz="1600" b="1"/>
+            </a:lvl6pPr>
+            <a:lvl7pPr marL="2743131" indent="0">
+              <a:buNone/>
+              <a:defRPr sz="1600" b="1"/>
+            </a:lvl7pPr>
+            <a:lvl8pPr marL="3200320" indent="0">
+              <a:buNone/>
+              <a:defRPr sz="1600" b="1"/>
+            </a:lvl8pPr>
+            <a:lvl9pPr marL="3657509" indent="0">
+              <a:buNone/>
+              <a:defRPr sz="1600" b="1"/>
+            </a:lvl9pPr>
+          </a:lstStyle>
+          <a:p>
+            <a:pPr lvl="0"/>
+            <a:r>
+              <a:rPr lang="fr-FR"/>
+              <a:t>Cliquez pour modifier les styles du texte du masque</a:t>
+            </a:r>
+          </a:p>
+        </p:txBody>
+      </p:sp>
+      <p:sp>
+        <p:nvSpPr>
+          <p:cNvPr id="6" name="Content Placeholder 5"/>
+          <p:cNvSpPr>
+            <a:spLocks noGrp="1"/>
+          </p:cNvSpPr>
+          <p:nvPr>
+            <p:ph sz="quarter" idx="4"/>
+          </p:nvPr>
+        </p:nvSpPr>
+        <p:spPr>
+          <a:xfrm>
+            <a:off x="4394664" y="2505075"/>
+            <a:ext cx="3420000" cy="3684588"/>
           </a:xfrm>
         </p:spPr>
         <p:txBody>
           <a:bodyPr/>
+          <a:lstStyle/>
+          <a:p>
+            <a:pPr lvl="0"/>
+            <a:r>
+              <a:rPr lang="fr-FR"/>
+              <a:t>Cliquez pour modifier les styles du texte du masque</a:t>
+            </a:r>
+          </a:p>
+          <a:p>
+            <a:pPr lvl="1"/>
+            <a:r>
+              <a:rPr lang="fr-FR"/>
+              <a:t>Deuxième niveau</a:t>
+            </a:r>
+          </a:p>
+          <a:p>
+            <a:pPr lvl="2"/>
+            <a:r>
+              <a:rPr lang="fr-FR"/>
+              <a:t>Troisième niveau</a:t>
+            </a:r>
+          </a:p>
+          <a:p>
+            <a:pPr lvl="3"/>
+            <a:r>
+              <a:rPr lang="fr-FR"/>
+              <a:t>Quatrième niveau</a:t>
+            </a:r>
+          </a:p>
+          <a:p>
+            <a:pPr lvl="4"/>
+            <a:r>
+              <a:rPr lang="fr-FR"/>
+              <a:t>Cinquième niveau</a:t>
+            </a:r>
+            <a:endParaRPr lang="fr-BE"/>
+          </a:p>
+        </p:txBody>
+      </p:sp>
+      <p:sp>
+        <p:nvSpPr>
+          <p:cNvPr id="7" name="Text Placeholder 4">
+            <a:extLst>
+              <a:ext uri="{FF2B5EF4-FFF2-40B4-BE49-F238E27FC236}">
+                <a16:creationId xmlns:a16="http://schemas.microsoft.com/office/drawing/2014/main" id="{E6C2DDCC-4649-4342-9099-2651FC4091A6}"/>
+              </a:ext>
+            </a:extLst>
+          </p:cNvPr>
+          <p:cNvSpPr>
+            <a:spLocks noGrp="1"/>
+          </p:cNvSpPr>
+          <p:nvPr>
+            <p:ph type="body" sz="quarter" idx="10"/>
+          </p:nvPr>
+        </p:nvSpPr>
+        <p:spPr>
+          <a:xfrm>
+            <a:off x="7948775" y="1703284"/>
+            <a:ext cx="3420000" cy="823912"/>
+          </a:xfrm>
+        </p:spPr>
+        <p:txBody>
+          <a:bodyPr anchor="b"/>
           <a:lstStyle>
             <a:lvl1pPr marL="0" indent="0">
               <a:buNone/>
-              <a:defRPr sz="1600"/>
+              <a:defRPr sz="2400" b="1"/>
             </a:lvl1pPr>
             <a:lvl2pPr marL="457189" indent="0">
               <a:buNone/>
-              <a:defRPr sz="1400"/>
+              <a:defRPr sz="2000" b="1"/>
             </a:lvl2pPr>
             <a:lvl3pPr marL="914377" indent="0">
               <a:buNone/>
-              <a:defRPr sz="1200"/>
+              <a:defRPr sz="1800" b="1"/>
             </a:lvl3pPr>
             <a:lvl4pPr marL="1371566" indent="0">
               <a:buNone/>
-              <a:defRPr sz="1000"/>
+              <a:defRPr sz="1600" b="1"/>
             </a:lvl4pPr>
             <a:lvl5pPr marL="1828754" indent="0">
               <a:buNone/>
-              <a:defRPr sz="1000"/>
+              <a:defRPr sz="1600" b="1"/>
             </a:lvl5pPr>
             <a:lvl6pPr marL="2285943" indent="0">
               <a:buNone/>
-              <a:defRPr sz="1000"/>
+              <a:defRPr sz="1600" b="1"/>
             </a:lvl6pPr>
             <a:lvl7pPr marL="2743131" indent="0">
               <a:buNone/>
-              <a:defRPr sz="1000"/>
+              <a:defRPr sz="1600" b="1"/>
             </a:lvl7pPr>
             <a:lvl8pPr marL="3200320" indent="0">
               <a:buNone/>
-              <a:defRPr sz="1000"/>
+              <a:defRPr sz="1600" b="1"/>
             </a:lvl8pPr>
             <a:lvl9pPr marL="3657509" indent="0">
               <a:buNone/>
-              <a:defRPr sz="1000"/>
+              <a:defRPr sz="1600" b="1"/>
             </a:lvl9pPr>
           </a:lstStyle>
           <a:p>
@@ -6057,13 +6306,76 @@
               <a:rPr lang="fr-FR"/>
               <a:t>Cliquez pour modifier les styles du texte du masque</a:t>
             </a:r>
+          </a:p>
+        </p:txBody>
+      </p:sp>
+      <p:sp>
+        <p:nvSpPr>
+          <p:cNvPr id="8" name="Content Placeholder 5">
+            <a:extLst>
+              <a:ext uri="{FF2B5EF4-FFF2-40B4-BE49-F238E27FC236}">
+                <a16:creationId xmlns:a16="http://schemas.microsoft.com/office/drawing/2014/main" id="{D21B8FB4-9E8F-4AB9-AD34-A145578BF13C}"/>
+              </a:ext>
+            </a:extLst>
+          </p:cNvPr>
+          <p:cNvSpPr>
+            <a:spLocks noGrp="1"/>
+          </p:cNvSpPr>
+          <p:nvPr>
+            <p:ph sz="quarter" idx="11"/>
+          </p:nvPr>
+        </p:nvSpPr>
+        <p:spPr>
+          <a:xfrm>
+            <a:off x="7957311" y="2527196"/>
+            <a:ext cx="3420000" cy="3684588"/>
+          </a:xfrm>
+        </p:spPr>
+        <p:txBody>
+          <a:bodyPr/>
+          <a:lstStyle/>
+          <a:p>
+            <a:pPr lvl="0"/>
+            <a:r>
+              <a:rPr lang="fr-FR"/>
+              <a:t>Cliquez pour modifier les styles du texte du masque</a:t>
+            </a:r>
+          </a:p>
+          <a:p>
+            <a:pPr lvl="1"/>
+            <a:r>
+              <a:rPr lang="fr-FR"/>
+              <a:t>Deuxième niveau</a:t>
+            </a:r>
+          </a:p>
+          <a:p>
+            <a:pPr lvl="2"/>
+            <a:r>
+              <a:rPr lang="fr-FR"/>
+              <a:t>Troisième niveau</a:t>
+            </a:r>
+          </a:p>
+          <a:p>
+            <a:pPr lvl="3"/>
+            <a:r>
+              <a:rPr lang="fr-FR"/>
+              <a:t>Quatrième niveau</a:t>
+            </a:r>
+          </a:p>
+          <a:p>
+            <a:pPr lvl="4"/>
+            <a:r>
+              <a:rPr lang="fr-FR"/>
+              <a:t>Cinquième niveau</a:t>
+            </a:r>
+            <a:endParaRPr lang="fr-BE"/>
           </a:p>
         </p:txBody>
       </p:sp>
     </p:spTree>
     <p:extLst>
       <p:ext uri="{BB962C8B-B14F-4D97-AF65-F5344CB8AC3E}">
-        <p14:creationId xmlns:p14="http://schemas.microsoft.com/office/powerpoint/2010/main" val="3017668453"/>
+        <p14:creationId xmlns:p14="http://schemas.microsoft.com/office/powerpoint/2010/main" val="4198406165"/>
       </p:ext>
     </p:extLst>
   </p:cSld>
@@ -6086,358 +6398,8 @@
 </file>
 
 <file path=ppt/slideLayouts/slideLayout11.xml><?xml version="1.0" encoding="utf-8"?>
-<p:sldLayout xmlns:a="http://schemas.openxmlformats.org/drawingml/2006/main" xmlns:r="http://schemas.openxmlformats.org/officeDocument/2006/relationships" xmlns:p="http://schemas.openxmlformats.org/presentationml/2006/main" type="secHead">
-  <p:cSld name="Section Header">
-    <p:spTree>
-      <p:nvGrpSpPr>
-        <p:cNvPr id="1" name=""/>
-        <p:cNvGrpSpPr/>
-        <p:nvPr/>
-      </p:nvGrpSpPr>
-      <p:grpSpPr>
-        <a:xfrm>
-          <a:off x="0" y="0"/>
-          <a:ext cx="0" cy="0"/>
-          <a:chOff x="0" y="0"/>
-          <a:chExt cx="0" cy="0"/>
-        </a:xfrm>
-      </p:grpSpPr>
-      <p:sp>
-        <p:nvSpPr>
-          <p:cNvPr id="2" name="Title 1"/>
-          <p:cNvSpPr>
-            <a:spLocks noGrp="1"/>
-          </p:cNvSpPr>
-          <p:nvPr>
-            <p:ph type="title"/>
-          </p:nvPr>
-        </p:nvSpPr>
-        <p:spPr>
-          <a:xfrm>
-            <a:off x="831851" y="1709740"/>
-            <a:ext cx="10515600" cy="2852737"/>
-          </a:xfrm>
-        </p:spPr>
-        <p:txBody>
-          <a:bodyPr anchor="b">
-            <a:normAutofit/>
-          </a:bodyPr>
-          <a:lstStyle>
-            <a:lvl1pPr>
-              <a:defRPr sz="4400"/>
-            </a:lvl1pPr>
-          </a:lstStyle>
-          <a:p>
-            <a:r>
-              <a:rPr lang="en-US"/>
-              <a:t>Click to edit Master title style</a:t>
-            </a:r>
-            <a:endParaRPr lang="fr-BE"/>
-          </a:p>
-        </p:txBody>
-      </p:sp>
-      <p:sp>
-        <p:nvSpPr>
-          <p:cNvPr id="3" name="Text Placeholder 2"/>
-          <p:cNvSpPr>
-            <a:spLocks noGrp="1"/>
-          </p:cNvSpPr>
-          <p:nvPr>
-            <p:ph type="body" idx="1"/>
-          </p:nvPr>
-        </p:nvSpPr>
-        <p:spPr>
-          <a:xfrm>
-            <a:off x="831851" y="4589464"/>
-            <a:ext cx="10515600" cy="1500187"/>
-          </a:xfrm>
-        </p:spPr>
-        <p:txBody>
-          <a:bodyPr/>
-          <a:lstStyle>
-            <a:lvl1pPr marL="0" indent="0">
-              <a:buNone/>
-              <a:defRPr sz="2400">
-                <a:solidFill>
-                  <a:schemeClr val="tx1">
-                    <a:lumMod val="65000"/>
-                    <a:lumOff val="35000"/>
-                  </a:schemeClr>
-                </a:solidFill>
-              </a:defRPr>
-            </a:lvl1pPr>
-            <a:lvl2pPr marL="457189" indent="0">
-              <a:buNone/>
-              <a:defRPr sz="2000">
-                <a:solidFill>
-                  <a:schemeClr val="tx1">
-                    <a:tint val="75000"/>
-                  </a:schemeClr>
-                </a:solidFill>
-              </a:defRPr>
-            </a:lvl2pPr>
-            <a:lvl3pPr marL="914377" indent="0">
-              <a:buNone/>
-              <a:defRPr sz="1800">
-                <a:solidFill>
-                  <a:schemeClr val="tx1">
-                    <a:tint val="75000"/>
-                  </a:schemeClr>
-                </a:solidFill>
-              </a:defRPr>
-            </a:lvl3pPr>
-            <a:lvl4pPr marL="1371566" indent="0">
-              <a:buNone/>
-              <a:defRPr sz="1600">
-                <a:solidFill>
-                  <a:schemeClr val="tx1">
-                    <a:tint val="75000"/>
-                  </a:schemeClr>
-                </a:solidFill>
-              </a:defRPr>
-            </a:lvl4pPr>
-            <a:lvl5pPr marL="1828754" indent="0">
-              <a:buNone/>
-              <a:defRPr sz="1600">
-                <a:solidFill>
-                  <a:schemeClr val="tx1">
-                    <a:tint val="75000"/>
-                  </a:schemeClr>
-                </a:solidFill>
-              </a:defRPr>
-            </a:lvl5pPr>
-            <a:lvl6pPr marL="2285943" indent="0">
-              <a:buNone/>
-              <a:defRPr sz="1600">
-                <a:solidFill>
-                  <a:schemeClr val="tx1">
-                    <a:tint val="75000"/>
-                  </a:schemeClr>
-                </a:solidFill>
-              </a:defRPr>
-            </a:lvl6pPr>
-            <a:lvl7pPr marL="2743131" indent="0">
-              <a:buNone/>
-              <a:defRPr sz="1600">
-                <a:solidFill>
-                  <a:schemeClr val="tx1">
-                    <a:tint val="75000"/>
-                  </a:schemeClr>
-                </a:solidFill>
-              </a:defRPr>
-            </a:lvl7pPr>
-            <a:lvl8pPr marL="3200320" indent="0">
-              <a:buNone/>
-              <a:defRPr sz="1600">
-                <a:solidFill>
-                  <a:schemeClr val="tx1">
-                    <a:tint val="75000"/>
-                  </a:schemeClr>
-                </a:solidFill>
-              </a:defRPr>
-            </a:lvl8pPr>
-            <a:lvl9pPr marL="3657509" indent="0">
-              <a:buNone/>
-              <a:defRPr sz="1600">
-                <a:solidFill>
-                  <a:schemeClr val="tx1">
-                    <a:tint val="75000"/>
-                  </a:schemeClr>
-                </a:solidFill>
-              </a:defRPr>
-            </a:lvl9pPr>
-          </a:lstStyle>
-          <a:p>
-            <a:pPr lvl="0"/>
-            <a:r>
-              <a:rPr lang="en-US"/>
-              <a:t>Edit Master text styles</a:t>
-            </a:r>
-          </a:p>
-        </p:txBody>
-      </p:sp>
-    </p:spTree>
-    <p:extLst>
-      <p:ext uri="{BB962C8B-B14F-4D97-AF65-F5344CB8AC3E}">
-        <p14:creationId xmlns:p14="http://schemas.microsoft.com/office/powerpoint/2010/main" val="2051832078"/>
-      </p:ext>
-    </p:extLst>
-  </p:cSld>
-  <p:clrMapOvr>
-    <a:masterClrMapping/>
-  </p:clrMapOvr>
-  <mc:AlternateContent xmlns:mc="http://schemas.openxmlformats.org/markup-compatibility/2006" xmlns:p14="http://schemas.microsoft.com/office/powerpoint/2010/main">
-    <mc:Choice Requires="p14">
-      <p:transition spd="slow">
-        <p14:reveal/>
-      </p:transition>
-    </mc:Choice>
-    <mc:Fallback xmlns="">
-      <p:transition spd="slow">
-        <p:fade/>
-      </p:transition>
-    </mc:Fallback>
-  </mc:AlternateContent>
-  <p:hf sldNum="0" hdr="0" ftr="0" dt="0"/>
-</p:sldLayout>
-</file>
-
-<file path=ppt/slideLayouts/slideLayout2.xml><?xml version="1.0" encoding="utf-8"?>
-<p:sldLayout xmlns:a="http://schemas.openxmlformats.org/drawingml/2006/main" xmlns:r="http://schemas.openxmlformats.org/officeDocument/2006/relationships" xmlns:p="http://schemas.openxmlformats.org/presentationml/2006/main" type="obj" preserve="1">
-  <p:cSld name="Titre et contenu">
-    <p:spTree>
-      <p:nvGrpSpPr>
-        <p:cNvPr id="1" name=""/>
-        <p:cNvGrpSpPr/>
-        <p:nvPr/>
-      </p:nvGrpSpPr>
-      <p:grpSpPr>
-        <a:xfrm>
-          <a:off x="0" y="0"/>
-          <a:ext cx="0" cy="0"/>
-          <a:chOff x="0" y="0"/>
-          <a:chExt cx="0" cy="0"/>
-        </a:xfrm>
-      </p:grpSpPr>
-      <p:sp>
-        <p:nvSpPr>
-          <p:cNvPr id="2" name="Title 1"/>
-          <p:cNvSpPr>
-            <a:spLocks noGrp="1"/>
-          </p:cNvSpPr>
-          <p:nvPr>
-            <p:ph type="title"/>
-          </p:nvPr>
-        </p:nvSpPr>
-        <p:spPr/>
-        <p:txBody>
-          <a:bodyPr/>
-          <a:lstStyle/>
-          <a:p>
-            <a:r>
-              <a:rPr lang="fr-FR"/>
-              <a:t>Modifiez le style du titre</a:t>
-            </a:r>
-            <a:endParaRPr lang="fr-BE"/>
-          </a:p>
-        </p:txBody>
-      </p:sp>
-      <p:sp>
-        <p:nvSpPr>
-          <p:cNvPr id="3" name="Content Placeholder 2"/>
-          <p:cNvSpPr>
-            <a:spLocks noGrp="1"/>
-          </p:cNvSpPr>
-          <p:nvPr>
-            <p:ph idx="1"/>
-          </p:nvPr>
-        </p:nvSpPr>
-        <p:spPr>
-          <a:xfrm>
-            <a:off x="838200" y="1690689"/>
-            <a:ext cx="10515600" cy="4486276"/>
-          </a:xfrm>
-        </p:spPr>
-        <p:txBody>
-          <a:bodyPr/>
-          <a:lstStyle>
-            <a:lvl1pPr marL="384175" indent="-384175">
-              <a:lnSpc>
-                <a:spcPct val="100000"/>
-              </a:lnSpc>
-              <a:defRPr/>
-            </a:lvl1pPr>
-            <a:lvl2pPr marL="809625" indent="-355600">
-              <a:lnSpc>
-                <a:spcPct val="100000"/>
-              </a:lnSpc>
-              <a:defRPr/>
-            </a:lvl2pPr>
-            <a:lvl3pPr marL="1257300" indent="-346075">
-              <a:lnSpc>
-                <a:spcPct val="100000"/>
-              </a:lnSpc>
-              <a:defRPr/>
-            </a:lvl3pPr>
-            <a:lvl4pPr marL="1704975" indent="-276225">
-              <a:lnSpc>
-                <a:spcPct val="100000"/>
-              </a:lnSpc>
-              <a:defRPr/>
-            </a:lvl4pPr>
-            <a:lvl5pPr marL="2152650" indent="-327025">
-              <a:lnSpc>
-                <a:spcPct val="100000"/>
-              </a:lnSpc>
-              <a:defRPr/>
-            </a:lvl5pPr>
-          </a:lstStyle>
-          <a:p>
-            <a:pPr lvl="0"/>
-            <a:r>
-              <a:rPr lang="fr-FR"/>
-              <a:t>Cliquez pour modifier les styles du texte du masque</a:t>
-            </a:r>
-          </a:p>
-          <a:p>
-            <a:pPr lvl="1"/>
-            <a:r>
-              <a:rPr lang="fr-FR"/>
-              <a:t>Deuxième niveau</a:t>
-            </a:r>
-          </a:p>
-          <a:p>
-            <a:pPr lvl="2"/>
-            <a:r>
-              <a:rPr lang="fr-FR"/>
-              <a:t>Troisième niveau</a:t>
-            </a:r>
-          </a:p>
-          <a:p>
-            <a:pPr lvl="3"/>
-            <a:r>
-              <a:rPr lang="fr-FR"/>
-              <a:t>Quatrième niveau</a:t>
-            </a:r>
-          </a:p>
-          <a:p>
-            <a:pPr lvl="4"/>
-            <a:r>
-              <a:rPr lang="fr-FR"/>
-              <a:t>Cinquième niveau</a:t>
-            </a:r>
-            <a:endParaRPr lang="fr-BE"/>
-          </a:p>
-        </p:txBody>
-      </p:sp>
-    </p:spTree>
-    <p:extLst>
-      <p:ext uri="{BB962C8B-B14F-4D97-AF65-F5344CB8AC3E}">
-        <p14:creationId xmlns:p14="http://schemas.microsoft.com/office/powerpoint/2010/main" val="1049464146"/>
-      </p:ext>
-    </p:extLst>
-  </p:cSld>
-  <p:clrMapOvr>
-    <a:masterClrMapping/>
-  </p:clrMapOvr>
-  <mc:AlternateContent xmlns:mc="http://schemas.openxmlformats.org/markup-compatibility/2006" xmlns:p14="http://schemas.microsoft.com/office/powerpoint/2010/main">
-    <mc:Choice Requires="p14">
-      <p:transition spd="slow">
-        <p14:reveal/>
-      </p:transition>
-    </mc:Choice>
-    <mc:Fallback xmlns="">
-      <p:transition spd="slow">
-        <p:fade/>
-      </p:transition>
-    </mc:Fallback>
-  </mc:AlternateContent>
-</p:sldLayout>
-</file>
-
-<file path=ppt/slideLayouts/slideLayout3.xml><?xml version="1.0" encoding="utf-8"?>
 <p:sldLayout xmlns:a="http://schemas.openxmlformats.org/drawingml/2006/main" xmlns:r="http://schemas.openxmlformats.org/officeDocument/2006/relationships" xmlns:p="http://schemas.openxmlformats.org/presentationml/2006/main" preserve="1" userDrawn="1">
-  <p:cSld name="Titre de section">
+  <p:cSld name="1_Titre de section">
     <p:spTree>
       <p:nvGrpSpPr>
         <p:cNvPr id="1" name=""/>
@@ -6668,9 +6630,9 @@
 </p:sldLayout>
 </file>
 
-<file path=ppt/slideLayouts/slideLayout4.xml><?xml version="1.0" encoding="utf-8"?>
+<file path=ppt/slideLayouts/slideLayout12.xml><?xml version="1.0" encoding="utf-8"?>
 <p:sldLayout xmlns:a="http://schemas.openxmlformats.org/drawingml/2006/main" xmlns:r="http://schemas.openxmlformats.org/officeDocument/2006/relationships" xmlns:p="http://schemas.openxmlformats.org/presentationml/2006/main" preserve="1" userDrawn="1">
-  <p:cSld name="Sub-Section Header">
+  <p:cSld name="1_Sub-Section Header">
     <p:spTree>
       <p:nvGrpSpPr>
         <p:cNvPr id="1" name=""/>
@@ -6757,6 +6719,724 @@
     <p:extLst>
       <p:ext uri="{BB962C8B-B14F-4D97-AF65-F5344CB8AC3E}">
         <p14:creationId xmlns:p14="http://schemas.microsoft.com/office/powerpoint/2010/main" val="3785747613"/>
+      </p:ext>
+    </p:extLst>
+  </p:cSld>
+  <p:clrMapOvr>
+    <a:masterClrMapping/>
+  </p:clrMapOvr>
+  <mc:AlternateContent xmlns:mc="http://schemas.openxmlformats.org/markup-compatibility/2006" xmlns:p14="http://schemas.microsoft.com/office/powerpoint/2010/main">
+    <mc:Choice Requires="p14">
+      <p:transition spd="slow">
+        <p14:reveal/>
+      </p:transition>
+    </mc:Choice>
+    <mc:Fallback xmlns="">
+      <p:transition spd="slow">
+        <p:fade/>
+      </p:transition>
+    </mc:Fallback>
+  </mc:AlternateContent>
+</p:sldLayout>
+</file>
+
+<file path=ppt/slideLayouts/slideLayout2.xml><?xml version="1.0" encoding="utf-8"?>
+<p:sldLayout xmlns:a="http://schemas.openxmlformats.org/drawingml/2006/main" xmlns:r="http://schemas.openxmlformats.org/officeDocument/2006/relationships" xmlns:p="http://schemas.openxmlformats.org/presentationml/2006/main" type="obj" preserve="1">
+  <p:cSld name="Titre et contenu">
+    <p:spTree>
+      <p:nvGrpSpPr>
+        <p:cNvPr id="1" name=""/>
+        <p:cNvGrpSpPr/>
+        <p:nvPr/>
+      </p:nvGrpSpPr>
+      <p:grpSpPr>
+        <a:xfrm>
+          <a:off x="0" y="0"/>
+          <a:ext cx="0" cy="0"/>
+          <a:chOff x="0" y="0"/>
+          <a:chExt cx="0" cy="0"/>
+        </a:xfrm>
+      </p:grpSpPr>
+      <p:sp>
+        <p:nvSpPr>
+          <p:cNvPr id="2" name="Title 1"/>
+          <p:cNvSpPr>
+            <a:spLocks noGrp="1"/>
+          </p:cNvSpPr>
+          <p:nvPr>
+            <p:ph type="title"/>
+          </p:nvPr>
+        </p:nvSpPr>
+        <p:spPr/>
+        <p:txBody>
+          <a:bodyPr/>
+          <a:lstStyle/>
+          <a:p>
+            <a:r>
+              <a:rPr lang="fr-FR"/>
+              <a:t>Modifiez le style du titre</a:t>
+            </a:r>
+            <a:endParaRPr lang="fr-BE"/>
+          </a:p>
+        </p:txBody>
+      </p:sp>
+      <p:sp>
+        <p:nvSpPr>
+          <p:cNvPr id="3" name="Content Placeholder 2"/>
+          <p:cNvSpPr>
+            <a:spLocks noGrp="1"/>
+          </p:cNvSpPr>
+          <p:nvPr>
+            <p:ph idx="1"/>
+          </p:nvPr>
+        </p:nvSpPr>
+        <p:spPr>
+          <a:xfrm>
+            <a:off x="838200" y="1690689"/>
+            <a:ext cx="10515600" cy="4486276"/>
+          </a:xfrm>
+        </p:spPr>
+        <p:txBody>
+          <a:bodyPr/>
+          <a:lstStyle/>
+          <a:p>
+            <a:pPr lvl="0"/>
+            <a:r>
+              <a:rPr lang="fr-FR"/>
+              <a:t>Cliquez pour modifier les styles du texte du masque</a:t>
+            </a:r>
+          </a:p>
+          <a:p>
+            <a:pPr lvl="1"/>
+            <a:r>
+              <a:rPr lang="fr-FR"/>
+              <a:t>Deuxième niveau</a:t>
+            </a:r>
+          </a:p>
+          <a:p>
+            <a:pPr lvl="2"/>
+            <a:r>
+              <a:rPr lang="fr-FR"/>
+              <a:t>Troisième niveau</a:t>
+            </a:r>
+          </a:p>
+          <a:p>
+            <a:pPr lvl="3"/>
+            <a:r>
+              <a:rPr lang="fr-FR"/>
+              <a:t>Quatrième niveau</a:t>
+            </a:r>
+          </a:p>
+          <a:p>
+            <a:pPr lvl="4"/>
+            <a:r>
+              <a:rPr lang="fr-FR"/>
+              <a:t>Cinquième niveau</a:t>
+            </a:r>
+            <a:endParaRPr lang="fr-BE"/>
+          </a:p>
+        </p:txBody>
+      </p:sp>
+      <p:sp>
+        <p:nvSpPr>
+          <p:cNvPr id="4" name="Espace réservé de la date 3">
+            <a:extLst>
+              <a:ext uri="{FF2B5EF4-FFF2-40B4-BE49-F238E27FC236}">
+                <a16:creationId xmlns:a16="http://schemas.microsoft.com/office/drawing/2014/main" id="{3268EF8D-0946-4672-F93D-1040FBC99710}"/>
+              </a:ext>
+            </a:extLst>
+          </p:cNvPr>
+          <p:cNvSpPr>
+            <a:spLocks noGrp="1"/>
+          </p:cNvSpPr>
+          <p:nvPr>
+            <p:ph type="dt" sz="half" idx="10"/>
+          </p:nvPr>
+        </p:nvSpPr>
+        <p:spPr/>
+        <p:txBody>
+          <a:bodyPr/>
+          <a:lstStyle/>
+          <a:p>
+            <a:fld id="{F3953782-D06E-4853-BE3C-64C197273937}" type="datetimeFigureOut">
+              <a:rPr lang="fr-BE" smtClean="0"/>
+              <a:t>14-01-25</a:t>
+            </a:fld>
+            <a:endParaRPr lang="fr-BE"/>
+          </a:p>
+        </p:txBody>
+      </p:sp>
+      <p:sp>
+        <p:nvSpPr>
+          <p:cNvPr id="5" name="Espace réservé du pied de page 4">
+            <a:extLst>
+              <a:ext uri="{FF2B5EF4-FFF2-40B4-BE49-F238E27FC236}">
+                <a16:creationId xmlns:a16="http://schemas.microsoft.com/office/drawing/2014/main" id="{8F8A40D7-7FAD-432F-7B9F-71125A565A95}"/>
+              </a:ext>
+            </a:extLst>
+          </p:cNvPr>
+          <p:cNvSpPr>
+            <a:spLocks noGrp="1"/>
+          </p:cNvSpPr>
+          <p:nvPr>
+            <p:ph type="ftr" sz="quarter" idx="11"/>
+          </p:nvPr>
+        </p:nvSpPr>
+        <p:spPr/>
+        <p:txBody>
+          <a:bodyPr/>
+          <a:lstStyle/>
+          <a:p>
+            <a:endParaRPr lang="fr-BE"/>
+          </a:p>
+        </p:txBody>
+      </p:sp>
+      <p:sp>
+        <p:nvSpPr>
+          <p:cNvPr id="6" name="Espace réservé du numéro de diapositive 5">
+            <a:extLst>
+              <a:ext uri="{FF2B5EF4-FFF2-40B4-BE49-F238E27FC236}">
+                <a16:creationId xmlns:a16="http://schemas.microsoft.com/office/drawing/2014/main" id="{54A3E5DF-3F32-A840-9AC0-4B04DF13C487}"/>
+              </a:ext>
+            </a:extLst>
+          </p:cNvPr>
+          <p:cNvSpPr>
+            <a:spLocks noGrp="1"/>
+          </p:cNvSpPr>
+          <p:nvPr>
+            <p:ph type="sldNum" sz="quarter" idx="12"/>
+          </p:nvPr>
+        </p:nvSpPr>
+        <p:spPr/>
+        <p:txBody>
+          <a:bodyPr/>
+          <a:lstStyle/>
+          <a:p>
+            <a:fld id="{02C092ED-0E97-497E-99D9-BB9DD7276F53}" type="slidenum">
+              <a:rPr lang="fr-BE" smtClean="0"/>
+              <a:t>‹N°›</a:t>
+            </a:fld>
+            <a:endParaRPr lang="fr-BE"/>
+          </a:p>
+        </p:txBody>
+      </p:sp>
+    </p:spTree>
+    <p:extLst>
+      <p:ext uri="{BB962C8B-B14F-4D97-AF65-F5344CB8AC3E}">
+        <p14:creationId xmlns:p14="http://schemas.microsoft.com/office/powerpoint/2010/main" val="3580694023"/>
+      </p:ext>
+    </p:extLst>
+  </p:cSld>
+  <p:clrMapOvr>
+    <a:masterClrMapping/>
+  </p:clrMapOvr>
+  <mc:AlternateContent xmlns:mc="http://schemas.openxmlformats.org/markup-compatibility/2006" xmlns:p14="http://schemas.microsoft.com/office/powerpoint/2010/main">
+    <mc:Choice Requires="p14">
+      <p:transition spd="slow">
+        <p14:reveal/>
+      </p:transition>
+    </mc:Choice>
+    <mc:Fallback xmlns="">
+      <p:transition spd="slow">
+        <p:fade/>
+      </p:transition>
+    </mc:Fallback>
+  </mc:AlternateContent>
+</p:sldLayout>
+</file>
+
+<file path=ppt/slideLayouts/slideLayout3.xml><?xml version="1.0" encoding="utf-8"?>
+<p:sldLayout xmlns:a="http://schemas.openxmlformats.org/drawingml/2006/main" xmlns:r="http://schemas.openxmlformats.org/officeDocument/2006/relationships" xmlns:p="http://schemas.openxmlformats.org/presentationml/2006/main" preserve="1">
+  <p:cSld name="Titre de section">
+    <p:spTree>
+      <p:nvGrpSpPr>
+        <p:cNvPr id="1" name=""/>
+        <p:cNvGrpSpPr/>
+        <p:nvPr/>
+      </p:nvGrpSpPr>
+      <p:grpSpPr>
+        <a:xfrm>
+          <a:off x="0" y="0"/>
+          <a:ext cx="0" cy="0"/>
+          <a:chOff x="0" y="0"/>
+          <a:chExt cx="0" cy="0"/>
+        </a:xfrm>
+      </p:grpSpPr>
+      <p:sp>
+        <p:nvSpPr>
+          <p:cNvPr id="2" name="Title 1"/>
+          <p:cNvSpPr>
+            <a:spLocks noGrp="1"/>
+          </p:cNvSpPr>
+          <p:nvPr>
+            <p:ph type="title"/>
+          </p:nvPr>
+        </p:nvSpPr>
+        <p:spPr>
+          <a:xfrm>
+            <a:off x="831851" y="1709740"/>
+            <a:ext cx="10515600" cy="2852737"/>
+          </a:xfrm>
+        </p:spPr>
+        <p:txBody>
+          <a:bodyPr anchor="b">
+            <a:normAutofit/>
+          </a:bodyPr>
+          <a:lstStyle>
+            <a:lvl1pPr>
+              <a:defRPr lang="fr-BE">
+                <a:solidFill>
+                  <a:schemeClr val="accent2"/>
+                </a:solidFill>
+              </a:defRPr>
+            </a:lvl1pPr>
+          </a:lstStyle>
+          <a:p>
+            <a:r>
+              <a:rPr lang="fr-FR"/>
+              <a:t>Modifiez le style du titre</a:t>
+            </a:r>
+            <a:endParaRPr lang="fr-BE"/>
+          </a:p>
+        </p:txBody>
+      </p:sp>
+      <p:sp>
+        <p:nvSpPr>
+          <p:cNvPr id="3" name="Text Placeholder 2"/>
+          <p:cNvSpPr>
+            <a:spLocks noGrp="1"/>
+          </p:cNvSpPr>
+          <p:nvPr>
+            <p:ph type="body" idx="1"/>
+          </p:nvPr>
+        </p:nvSpPr>
+        <p:spPr>
+          <a:xfrm>
+            <a:off x="831851" y="4589464"/>
+            <a:ext cx="10515600" cy="1500187"/>
+          </a:xfrm>
+        </p:spPr>
+        <p:txBody>
+          <a:bodyPr/>
+          <a:lstStyle>
+            <a:lvl1pPr marL="0" indent="0">
+              <a:buNone/>
+              <a:defRPr sz="2400">
+                <a:solidFill>
+                  <a:schemeClr val="tx1">
+                    <a:tint val="75000"/>
+                  </a:schemeClr>
+                </a:solidFill>
+              </a:defRPr>
+            </a:lvl1pPr>
+            <a:lvl2pPr marL="457189" indent="0">
+              <a:buNone/>
+              <a:defRPr sz="2000">
+                <a:solidFill>
+                  <a:schemeClr val="tx1">
+                    <a:tint val="75000"/>
+                  </a:schemeClr>
+                </a:solidFill>
+              </a:defRPr>
+            </a:lvl2pPr>
+            <a:lvl3pPr marL="914377" indent="0">
+              <a:buNone/>
+              <a:defRPr sz="1800">
+                <a:solidFill>
+                  <a:schemeClr val="tx1">
+                    <a:tint val="75000"/>
+                  </a:schemeClr>
+                </a:solidFill>
+              </a:defRPr>
+            </a:lvl3pPr>
+            <a:lvl4pPr marL="1371566" indent="0">
+              <a:buNone/>
+              <a:defRPr sz="1600">
+                <a:solidFill>
+                  <a:schemeClr val="tx1">
+                    <a:tint val="75000"/>
+                  </a:schemeClr>
+                </a:solidFill>
+              </a:defRPr>
+            </a:lvl4pPr>
+            <a:lvl5pPr marL="1828754" indent="0">
+              <a:buNone/>
+              <a:defRPr sz="1600">
+                <a:solidFill>
+                  <a:schemeClr val="tx1">
+                    <a:tint val="75000"/>
+                  </a:schemeClr>
+                </a:solidFill>
+              </a:defRPr>
+            </a:lvl5pPr>
+            <a:lvl6pPr marL="2285943" indent="0">
+              <a:buNone/>
+              <a:defRPr sz="1600">
+                <a:solidFill>
+                  <a:schemeClr val="tx1">
+                    <a:tint val="75000"/>
+                  </a:schemeClr>
+                </a:solidFill>
+              </a:defRPr>
+            </a:lvl6pPr>
+            <a:lvl7pPr marL="2743131" indent="0">
+              <a:buNone/>
+              <a:defRPr sz="1600">
+                <a:solidFill>
+                  <a:schemeClr val="tx1">
+                    <a:tint val="75000"/>
+                  </a:schemeClr>
+                </a:solidFill>
+              </a:defRPr>
+            </a:lvl7pPr>
+            <a:lvl8pPr marL="3200320" indent="0">
+              <a:buNone/>
+              <a:defRPr sz="1600">
+                <a:solidFill>
+                  <a:schemeClr val="tx1">
+                    <a:tint val="75000"/>
+                  </a:schemeClr>
+                </a:solidFill>
+              </a:defRPr>
+            </a:lvl8pPr>
+            <a:lvl9pPr marL="3657509" indent="0">
+              <a:buNone/>
+              <a:defRPr sz="1600">
+                <a:solidFill>
+                  <a:schemeClr val="tx1">
+                    <a:tint val="75000"/>
+                  </a:schemeClr>
+                </a:solidFill>
+              </a:defRPr>
+            </a:lvl9pPr>
+          </a:lstStyle>
+          <a:p>
+            <a:pPr lvl="0"/>
+            <a:r>
+              <a:rPr lang="fr-FR"/>
+              <a:t>Cliquez pour modifier les styles du texte du masque</a:t>
+            </a:r>
+          </a:p>
+        </p:txBody>
+      </p:sp>
+      <p:sp>
+        <p:nvSpPr>
+          <p:cNvPr id="5" name="Espace réservé pour une image  4">
+            <a:extLst>
+              <a:ext uri="{FF2B5EF4-FFF2-40B4-BE49-F238E27FC236}">
+                <a16:creationId xmlns:a16="http://schemas.microsoft.com/office/drawing/2014/main" id="{83B7C617-6903-4988-8F47-3C72C68028FF}"/>
+              </a:ext>
+            </a:extLst>
+          </p:cNvPr>
+          <p:cNvSpPr>
+            <a:spLocks noGrp="1"/>
+          </p:cNvSpPr>
+          <p:nvPr>
+            <p:ph type="pic" sz="quarter" idx="10"/>
+          </p:nvPr>
+        </p:nvSpPr>
+        <p:spPr>
+          <a:xfrm>
+            <a:off x="9000000" y="720000"/>
+            <a:ext cx="2160000" cy="2160000"/>
+          </a:xfrm>
+        </p:spPr>
+        <p:txBody>
+          <a:bodyPr/>
+          <a:lstStyle/>
+          <a:p>
+            <a:r>
+              <a:rPr lang="fr-FR"/>
+              <a:t>Cliquez sur l'icône pour ajouter une image</a:t>
+            </a:r>
+            <a:endParaRPr lang="fr-BE" dirty="0"/>
+          </a:p>
+        </p:txBody>
+      </p:sp>
+      <p:sp>
+        <p:nvSpPr>
+          <p:cNvPr id="4" name="Espace réservé de la date 3">
+            <a:extLst>
+              <a:ext uri="{FF2B5EF4-FFF2-40B4-BE49-F238E27FC236}">
+                <a16:creationId xmlns:a16="http://schemas.microsoft.com/office/drawing/2014/main" id="{F2D67B63-F450-35EF-442C-62311487D2F4}"/>
+              </a:ext>
+            </a:extLst>
+          </p:cNvPr>
+          <p:cNvSpPr>
+            <a:spLocks noGrp="1"/>
+          </p:cNvSpPr>
+          <p:nvPr>
+            <p:ph type="dt" sz="half" idx="11"/>
+          </p:nvPr>
+        </p:nvSpPr>
+        <p:spPr/>
+        <p:txBody>
+          <a:bodyPr/>
+          <a:lstStyle/>
+          <a:p>
+            <a:fld id="{F3953782-D06E-4853-BE3C-64C197273937}" type="datetimeFigureOut">
+              <a:rPr lang="fr-BE" smtClean="0"/>
+              <a:t>14-01-25</a:t>
+            </a:fld>
+            <a:endParaRPr lang="fr-BE"/>
+          </a:p>
+        </p:txBody>
+      </p:sp>
+      <p:sp>
+        <p:nvSpPr>
+          <p:cNvPr id="6" name="Espace réservé du pied de page 5">
+            <a:extLst>
+              <a:ext uri="{FF2B5EF4-FFF2-40B4-BE49-F238E27FC236}">
+                <a16:creationId xmlns:a16="http://schemas.microsoft.com/office/drawing/2014/main" id="{EBC20ED6-7274-FD2F-773B-9069D53732E9}"/>
+              </a:ext>
+            </a:extLst>
+          </p:cNvPr>
+          <p:cNvSpPr>
+            <a:spLocks noGrp="1"/>
+          </p:cNvSpPr>
+          <p:nvPr>
+            <p:ph type="ftr" sz="quarter" idx="12"/>
+          </p:nvPr>
+        </p:nvSpPr>
+        <p:spPr/>
+        <p:txBody>
+          <a:bodyPr/>
+          <a:lstStyle/>
+          <a:p>
+            <a:endParaRPr lang="fr-BE"/>
+          </a:p>
+        </p:txBody>
+      </p:sp>
+      <p:sp>
+        <p:nvSpPr>
+          <p:cNvPr id="7" name="Espace réservé du numéro de diapositive 6">
+            <a:extLst>
+              <a:ext uri="{FF2B5EF4-FFF2-40B4-BE49-F238E27FC236}">
+                <a16:creationId xmlns:a16="http://schemas.microsoft.com/office/drawing/2014/main" id="{DB282271-26EC-908B-2E9D-6EE95CFBEB1C}"/>
+              </a:ext>
+            </a:extLst>
+          </p:cNvPr>
+          <p:cNvSpPr>
+            <a:spLocks noGrp="1"/>
+          </p:cNvSpPr>
+          <p:nvPr>
+            <p:ph type="sldNum" sz="quarter" idx="13"/>
+          </p:nvPr>
+        </p:nvSpPr>
+        <p:spPr/>
+        <p:txBody>
+          <a:bodyPr/>
+          <a:lstStyle/>
+          <a:p>
+            <a:fld id="{02C092ED-0E97-497E-99D9-BB9DD7276F53}" type="slidenum">
+              <a:rPr lang="fr-BE" smtClean="0"/>
+              <a:t>‹N°›</a:t>
+            </a:fld>
+            <a:endParaRPr lang="fr-BE"/>
+          </a:p>
+        </p:txBody>
+      </p:sp>
+    </p:spTree>
+    <p:extLst>
+      <p:ext uri="{BB962C8B-B14F-4D97-AF65-F5344CB8AC3E}">
+        <p14:creationId xmlns:p14="http://schemas.microsoft.com/office/powerpoint/2010/main" val="539258584"/>
+      </p:ext>
+    </p:extLst>
+  </p:cSld>
+  <p:clrMapOvr>
+    <a:masterClrMapping/>
+  </p:clrMapOvr>
+  <mc:AlternateContent xmlns:mc="http://schemas.openxmlformats.org/markup-compatibility/2006" xmlns:p14="http://schemas.microsoft.com/office/powerpoint/2010/main">
+    <mc:Choice Requires="p14">
+      <p:transition spd="slow">
+        <p14:reveal/>
+      </p:transition>
+    </mc:Choice>
+    <mc:Fallback xmlns="">
+      <p:transition spd="slow">
+        <p:fade/>
+      </p:transition>
+    </mc:Fallback>
+  </mc:AlternateContent>
+</p:sldLayout>
+</file>
+
+<file path=ppt/slideLayouts/slideLayout4.xml><?xml version="1.0" encoding="utf-8"?>
+<p:sldLayout xmlns:a="http://schemas.openxmlformats.org/drawingml/2006/main" xmlns:r="http://schemas.openxmlformats.org/officeDocument/2006/relationships" xmlns:p="http://schemas.openxmlformats.org/presentationml/2006/main" preserve="1">
+  <p:cSld name="Sub-Section Header">
+    <p:spTree>
+      <p:nvGrpSpPr>
+        <p:cNvPr id="1" name=""/>
+        <p:cNvGrpSpPr/>
+        <p:nvPr/>
+      </p:nvGrpSpPr>
+      <p:grpSpPr>
+        <a:xfrm>
+          <a:off x="0" y="0"/>
+          <a:ext cx="0" cy="0"/>
+          <a:chOff x="0" y="0"/>
+          <a:chExt cx="0" cy="0"/>
+        </a:xfrm>
+      </p:grpSpPr>
+      <p:sp>
+        <p:nvSpPr>
+          <p:cNvPr id="2" name="Title 1"/>
+          <p:cNvSpPr>
+            <a:spLocks noGrp="1"/>
+          </p:cNvSpPr>
+          <p:nvPr>
+            <p:ph type="title"/>
+          </p:nvPr>
+        </p:nvSpPr>
+        <p:spPr>
+          <a:xfrm>
+            <a:off x="831851" y="4544704"/>
+            <a:ext cx="10515600" cy="1628211"/>
+          </a:xfrm>
+        </p:spPr>
+        <p:txBody>
+          <a:bodyPr anchor="b">
+            <a:normAutofit/>
+          </a:bodyPr>
+          <a:lstStyle>
+            <a:lvl1pPr>
+              <a:defRPr sz="3600">
+                <a:solidFill>
+                  <a:schemeClr val="accent2"/>
+                </a:solidFill>
+              </a:defRPr>
+            </a:lvl1pPr>
+          </a:lstStyle>
+          <a:p>
+            <a:r>
+              <a:rPr lang="fr-FR"/>
+              <a:t>Modifiez le style du titre</a:t>
+            </a:r>
+            <a:endParaRPr lang="fr-BE" dirty="0"/>
+          </a:p>
+        </p:txBody>
+      </p:sp>
+      <p:sp>
+        <p:nvSpPr>
+          <p:cNvPr id="5" name="Espace réservé pour une image  4">
+            <a:extLst>
+              <a:ext uri="{FF2B5EF4-FFF2-40B4-BE49-F238E27FC236}">
+                <a16:creationId xmlns:a16="http://schemas.microsoft.com/office/drawing/2014/main" id="{4FDD30A2-EFB1-4B31-8365-64458F4E13E2}"/>
+              </a:ext>
+            </a:extLst>
+          </p:cNvPr>
+          <p:cNvSpPr>
+            <a:spLocks noGrp="1"/>
+          </p:cNvSpPr>
+          <p:nvPr>
+            <p:ph type="pic" sz="quarter" idx="10"/>
+          </p:nvPr>
+        </p:nvSpPr>
+        <p:spPr>
+          <a:xfrm>
+            <a:off x="9000000" y="720000"/>
+            <a:ext cx="1440000" cy="1440000"/>
+          </a:xfrm>
+        </p:spPr>
+        <p:txBody>
+          <a:bodyPr/>
+          <a:lstStyle/>
+          <a:p>
+            <a:r>
+              <a:rPr lang="fr-FR"/>
+              <a:t>Cliquez sur l'icône pour ajouter une image</a:t>
+            </a:r>
+            <a:endParaRPr lang="fr-BE" dirty="0"/>
+          </a:p>
+        </p:txBody>
+      </p:sp>
+      <p:sp>
+        <p:nvSpPr>
+          <p:cNvPr id="3" name="Espace réservé de la date 2">
+            <a:extLst>
+              <a:ext uri="{FF2B5EF4-FFF2-40B4-BE49-F238E27FC236}">
+                <a16:creationId xmlns:a16="http://schemas.microsoft.com/office/drawing/2014/main" id="{B8BD7575-5E4D-B6F7-D511-002E7EBB1A2F}"/>
+              </a:ext>
+            </a:extLst>
+          </p:cNvPr>
+          <p:cNvSpPr>
+            <a:spLocks noGrp="1"/>
+          </p:cNvSpPr>
+          <p:nvPr>
+            <p:ph type="dt" sz="half" idx="11"/>
+          </p:nvPr>
+        </p:nvSpPr>
+        <p:spPr/>
+        <p:txBody>
+          <a:bodyPr/>
+          <a:lstStyle/>
+          <a:p>
+            <a:fld id="{F3953782-D06E-4853-BE3C-64C197273937}" type="datetimeFigureOut">
+              <a:rPr lang="fr-BE" smtClean="0"/>
+              <a:t>14-01-25</a:t>
+            </a:fld>
+            <a:endParaRPr lang="fr-BE"/>
+          </a:p>
+        </p:txBody>
+      </p:sp>
+      <p:sp>
+        <p:nvSpPr>
+          <p:cNvPr id="4" name="Espace réservé du pied de page 3">
+            <a:extLst>
+              <a:ext uri="{FF2B5EF4-FFF2-40B4-BE49-F238E27FC236}">
+                <a16:creationId xmlns:a16="http://schemas.microsoft.com/office/drawing/2014/main" id="{F57AA542-0BD3-6896-CFBC-925661457ED8}"/>
+              </a:ext>
+            </a:extLst>
+          </p:cNvPr>
+          <p:cNvSpPr>
+            <a:spLocks noGrp="1"/>
+          </p:cNvSpPr>
+          <p:nvPr>
+            <p:ph type="ftr" sz="quarter" idx="12"/>
+          </p:nvPr>
+        </p:nvSpPr>
+        <p:spPr/>
+        <p:txBody>
+          <a:bodyPr/>
+          <a:lstStyle/>
+          <a:p>
+            <a:endParaRPr lang="fr-BE"/>
+          </a:p>
+        </p:txBody>
+      </p:sp>
+      <p:sp>
+        <p:nvSpPr>
+          <p:cNvPr id="6" name="Espace réservé du numéro de diapositive 5">
+            <a:extLst>
+              <a:ext uri="{FF2B5EF4-FFF2-40B4-BE49-F238E27FC236}">
+                <a16:creationId xmlns:a16="http://schemas.microsoft.com/office/drawing/2014/main" id="{FF1D4A95-E4A4-1574-4F11-DE8F1961354B}"/>
+              </a:ext>
+            </a:extLst>
+          </p:cNvPr>
+          <p:cNvSpPr>
+            <a:spLocks noGrp="1"/>
+          </p:cNvSpPr>
+          <p:nvPr>
+            <p:ph type="sldNum" sz="quarter" idx="13"/>
+          </p:nvPr>
+        </p:nvSpPr>
+        <p:spPr/>
+        <p:txBody>
+          <a:bodyPr/>
+          <a:lstStyle/>
+          <a:p>
+            <a:fld id="{02C092ED-0E97-497E-99D9-BB9DD7276F53}" type="slidenum">
+              <a:rPr lang="fr-BE" smtClean="0"/>
+              <a:t>‹N°›</a:t>
+            </a:fld>
+            <a:endParaRPr lang="fr-BE"/>
+          </a:p>
+        </p:txBody>
+      </p:sp>
+    </p:spTree>
+    <p:extLst>
+      <p:ext uri="{BB962C8B-B14F-4D97-AF65-F5344CB8AC3E}">
+        <p14:creationId xmlns:p14="http://schemas.microsoft.com/office/powerpoint/2010/main" val="167683378"/>
       </p:ext>
     </p:extLst>
   </p:cSld>
@@ -6932,10 +7612,93 @@
           </a:p>
         </p:txBody>
       </p:sp>
+      <p:sp>
+        <p:nvSpPr>
+          <p:cNvPr id="5" name="Espace réservé de la date 4">
+            <a:extLst>
+              <a:ext uri="{FF2B5EF4-FFF2-40B4-BE49-F238E27FC236}">
+                <a16:creationId xmlns:a16="http://schemas.microsoft.com/office/drawing/2014/main" id="{023EE368-836F-D6B7-3720-94E515B8ED49}"/>
+              </a:ext>
+            </a:extLst>
+          </p:cNvPr>
+          <p:cNvSpPr>
+            <a:spLocks noGrp="1"/>
+          </p:cNvSpPr>
+          <p:nvPr>
+            <p:ph type="dt" sz="half" idx="10"/>
+          </p:nvPr>
+        </p:nvSpPr>
+        <p:spPr/>
+        <p:txBody>
+          <a:bodyPr/>
+          <a:lstStyle/>
+          <a:p>
+            <a:fld id="{F3953782-D06E-4853-BE3C-64C197273937}" type="datetimeFigureOut">
+              <a:rPr lang="fr-BE" smtClean="0"/>
+              <a:t>14-01-25</a:t>
+            </a:fld>
+            <a:endParaRPr lang="fr-BE"/>
+          </a:p>
+        </p:txBody>
+      </p:sp>
+      <p:sp>
+        <p:nvSpPr>
+          <p:cNvPr id="6" name="Espace réservé du pied de page 5">
+            <a:extLst>
+              <a:ext uri="{FF2B5EF4-FFF2-40B4-BE49-F238E27FC236}">
+                <a16:creationId xmlns:a16="http://schemas.microsoft.com/office/drawing/2014/main" id="{940FC0D1-460C-5274-B67A-CADD301151E8}"/>
+              </a:ext>
+            </a:extLst>
+          </p:cNvPr>
+          <p:cNvSpPr>
+            <a:spLocks noGrp="1"/>
+          </p:cNvSpPr>
+          <p:nvPr>
+            <p:ph type="ftr" sz="quarter" idx="11"/>
+          </p:nvPr>
+        </p:nvSpPr>
+        <p:spPr/>
+        <p:txBody>
+          <a:bodyPr/>
+          <a:lstStyle/>
+          <a:p>
+            <a:endParaRPr lang="fr-BE"/>
+          </a:p>
+        </p:txBody>
+      </p:sp>
+      <p:sp>
+        <p:nvSpPr>
+          <p:cNvPr id="7" name="Espace réservé du numéro de diapositive 6">
+            <a:extLst>
+              <a:ext uri="{FF2B5EF4-FFF2-40B4-BE49-F238E27FC236}">
+                <a16:creationId xmlns:a16="http://schemas.microsoft.com/office/drawing/2014/main" id="{7D5E82B2-87DB-8B8E-12FD-843E81352499}"/>
+              </a:ext>
+            </a:extLst>
+          </p:cNvPr>
+          <p:cNvSpPr>
+            <a:spLocks noGrp="1"/>
+          </p:cNvSpPr>
+          <p:nvPr>
+            <p:ph type="sldNum" sz="quarter" idx="12"/>
+          </p:nvPr>
+        </p:nvSpPr>
+        <p:spPr/>
+        <p:txBody>
+          <a:bodyPr/>
+          <a:lstStyle/>
+          <a:p>
+            <a:fld id="{02C092ED-0E97-497E-99D9-BB9DD7276F53}" type="slidenum">
+              <a:rPr lang="fr-BE" smtClean="0"/>
+              <a:t>‹N°›</a:t>
+            </a:fld>
+            <a:endParaRPr lang="fr-BE"/>
+          </a:p>
+        </p:txBody>
+      </p:sp>
     </p:spTree>
     <p:extLst>
       <p:ext uri="{BB962C8B-B14F-4D97-AF65-F5344CB8AC3E}">
-        <p14:creationId xmlns:p14="http://schemas.microsoft.com/office/powerpoint/2010/main" val="2662045599"/>
+        <p14:creationId xmlns:p14="http://schemas.microsoft.com/office/powerpoint/2010/main" val="3335651681"/>
       </p:ext>
     </p:extLst>
   </p:cSld>
@@ -6960,7 +7723,7 @@
 
 <file path=ppt/slideLayouts/slideLayout6.xml><?xml version="1.0" encoding="utf-8"?>
 <p:sldLayout xmlns:a="http://schemas.openxmlformats.org/drawingml/2006/main" xmlns:r="http://schemas.openxmlformats.org/officeDocument/2006/relationships" xmlns:p="http://schemas.openxmlformats.org/presentationml/2006/main" type="twoTxTwoObj" preserve="1">
-  <p:cSld name="Comparaison 2">
+  <p:cSld name="Comparaison">
     <p:spTree>
       <p:nvGrpSpPr>
         <p:cNvPr id="1" name=""/>
@@ -7247,10 +8010,93 @@
           </a:p>
         </p:txBody>
       </p:sp>
+      <p:sp>
+        <p:nvSpPr>
+          <p:cNvPr id="7" name="Espace réservé de la date 6">
+            <a:extLst>
+              <a:ext uri="{FF2B5EF4-FFF2-40B4-BE49-F238E27FC236}">
+                <a16:creationId xmlns:a16="http://schemas.microsoft.com/office/drawing/2014/main" id="{D605DBAD-E815-DA9F-C843-1DE122AA5FFF}"/>
+              </a:ext>
+            </a:extLst>
+          </p:cNvPr>
+          <p:cNvSpPr>
+            <a:spLocks noGrp="1"/>
+          </p:cNvSpPr>
+          <p:nvPr>
+            <p:ph type="dt" sz="half" idx="10"/>
+          </p:nvPr>
+        </p:nvSpPr>
+        <p:spPr/>
+        <p:txBody>
+          <a:bodyPr/>
+          <a:lstStyle/>
+          <a:p>
+            <a:fld id="{F3953782-D06E-4853-BE3C-64C197273937}" type="datetimeFigureOut">
+              <a:rPr lang="fr-BE" smtClean="0"/>
+              <a:t>14-01-25</a:t>
+            </a:fld>
+            <a:endParaRPr lang="fr-BE"/>
+          </a:p>
+        </p:txBody>
+      </p:sp>
+      <p:sp>
+        <p:nvSpPr>
+          <p:cNvPr id="8" name="Espace réservé du pied de page 7">
+            <a:extLst>
+              <a:ext uri="{FF2B5EF4-FFF2-40B4-BE49-F238E27FC236}">
+                <a16:creationId xmlns:a16="http://schemas.microsoft.com/office/drawing/2014/main" id="{F344211E-58E3-3B61-D18C-DCC7772A096B}"/>
+              </a:ext>
+            </a:extLst>
+          </p:cNvPr>
+          <p:cNvSpPr>
+            <a:spLocks noGrp="1"/>
+          </p:cNvSpPr>
+          <p:nvPr>
+            <p:ph type="ftr" sz="quarter" idx="11"/>
+          </p:nvPr>
+        </p:nvSpPr>
+        <p:spPr/>
+        <p:txBody>
+          <a:bodyPr/>
+          <a:lstStyle/>
+          <a:p>
+            <a:endParaRPr lang="fr-BE"/>
+          </a:p>
+        </p:txBody>
+      </p:sp>
+      <p:sp>
+        <p:nvSpPr>
+          <p:cNvPr id="9" name="Espace réservé du numéro de diapositive 8">
+            <a:extLst>
+              <a:ext uri="{FF2B5EF4-FFF2-40B4-BE49-F238E27FC236}">
+                <a16:creationId xmlns:a16="http://schemas.microsoft.com/office/drawing/2014/main" id="{85F2F6A2-3605-D138-CBD4-299C105E107C}"/>
+              </a:ext>
+            </a:extLst>
+          </p:cNvPr>
+          <p:cNvSpPr>
+            <a:spLocks noGrp="1"/>
+          </p:cNvSpPr>
+          <p:nvPr>
+            <p:ph type="sldNum" sz="quarter" idx="12"/>
+          </p:nvPr>
+        </p:nvSpPr>
+        <p:spPr/>
+        <p:txBody>
+          <a:bodyPr/>
+          <a:lstStyle/>
+          <a:p>
+            <a:fld id="{02C092ED-0E97-497E-99D9-BB9DD7276F53}" type="slidenum">
+              <a:rPr lang="fr-BE" smtClean="0"/>
+              <a:t>‹N°›</a:t>
+            </a:fld>
+            <a:endParaRPr lang="fr-BE"/>
+          </a:p>
+        </p:txBody>
+      </p:sp>
     </p:spTree>
     <p:extLst>
       <p:ext uri="{BB962C8B-B14F-4D97-AF65-F5344CB8AC3E}">
-        <p14:creationId xmlns:p14="http://schemas.microsoft.com/office/powerpoint/2010/main" val="732305386"/>
+        <p14:creationId xmlns:p14="http://schemas.microsoft.com/office/powerpoint/2010/main" val="505455637"/>
       </p:ext>
     </p:extLst>
   </p:cSld>
@@ -7269,458 +8115,11 @@
       </p:transition>
     </mc:Fallback>
   </mc:AlternateContent>
+  <p:hf hdr="0" ftr="0"/>
 </p:sldLayout>
 </file>
 
 <file path=ppt/slideLayouts/slideLayout7.xml><?xml version="1.0" encoding="utf-8"?>
-<p:sldLayout xmlns:a="http://schemas.openxmlformats.org/drawingml/2006/main" xmlns:r="http://schemas.openxmlformats.org/officeDocument/2006/relationships" xmlns:p="http://schemas.openxmlformats.org/presentationml/2006/main" preserve="1" userDrawn="1">
-  <p:cSld name="Comparaison 3">
-    <p:spTree>
-      <p:nvGrpSpPr>
-        <p:cNvPr id="1" name=""/>
-        <p:cNvGrpSpPr/>
-        <p:nvPr/>
-      </p:nvGrpSpPr>
-      <p:grpSpPr>
-        <a:xfrm>
-          <a:off x="0" y="0"/>
-          <a:ext cx="0" cy="0"/>
-          <a:chOff x="0" y="0"/>
-          <a:chExt cx="0" cy="0"/>
-        </a:xfrm>
-      </p:grpSpPr>
-      <p:sp>
-        <p:nvSpPr>
-          <p:cNvPr id="2" name="Title 1"/>
-          <p:cNvSpPr>
-            <a:spLocks noGrp="1"/>
-          </p:cNvSpPr>
-          <p:nvPr>
-            <p:ph type="title"/>
-          </p:nvPr>
-        </p:nvSpPr>
-        <p:spPr>
-          <a:xfrm>
-            <a:off x="839788" y="365125"/>
-            <a:ext cx="10515600" cy="1325563"/>
-          </a:xfrm>
-        </p:spPr>
-        <p:txBody>
-          <a:bodyPr/>
-          <a:lstStyle/>
-          <a:p>
-            <a:r>
-              <a:rPr lang="fr-FR"/>
-              <a:t>Modifiez le style du titre</a:t>
-            </a:r>
-            <a:endParaRPr lang="fr-BE"/>
-          </a:p>
-        </p:txBody>
-      </p:sp>
-      <p:sp>
-        <p:nvSpPr>
-          <p:cNvPr id="3" name="Text Placeholder 2"/>
-          <p:cNvSpPr>
-            <a:spLocks noGrp="1"/>
-          </p:cNvSpPr>
-          <p:nvPr>
-            <p:ph type="body" idx="1"/>
-          </p:nvPr>
-        </p:nvSpPr>
-        <p:spPr>
-          <a:xfrm>
-            <a:off x="839789" y="1681163"/>
-            <a:ext cx="3420000" cy="823912"/>
-          </a:xfrm>
-        </p:spPr>
-        <p:txBody>
-          <a:bodyPr anchor="b"/>
-          <a:lstStyle>
-            <a:lvl1pPr marL="0" indent="0">
-              <a:buNone/>
-              <a:defRPr sz="2400" b="1"/>
-            </a:lvl1pPr>
-            <a:lvl2pPr marL="457189" indent="0">
-              <a:buNone/>
-              <a:defRPr sz="2000" b="1"/>
-            </a:lvl2pPr>
-            <a:lvl3pPr marL="914377" indent="0">
-              <a:buNone/>
-              <a:defRPr sz="1800" b="1"/>
-            </a:lvl3pPr>
-            <a:lvl4pPr marL="1371566" indent="0">
-              <a:buNone/>
-              <a:defRPr sz="1600" b="1"/>
-            </a:lvl4pPr>
-            <a:lvl5pPr marL="1828754" indent="0">
-              <a:buNone/>
-              <a:defRPr sz="1600" b="1"/>
-            </a:lvl5pPr>
-            <a:lvl6pPr marL="2285943" indent="0">
-              <a:buNone/>
-              <a:defRPr sz="1600" b="1"/>
-            </a:lvl6pPr>
-            <a:lvl7pPr marL="2743131" indent="0">
-              <a:buNone/>
-              <a:defRPr sz="1600" b="1"/>
-            </a:lvl7pPr>
-            <a:lvl8pPr marL="3200320" indent="0">
-              <a:buNone/>
-              <a:defRPr sz="1600" b="1"/>
-            </a:lvl8pPr>
-            <a:lvl9pPr marL="3657509" indent="0">
-              <a:buNone/>
-              <a:defRPr sz="1600" b="1"/>
-            </a:lvl9pPr>
-          </a:lstStyle>
-          <a:p>
-            <a:pPr lvl="0"/>
-            <a:r>
-              <a:rPr lang="fr-FR"/>
-              <a:t>Cliquez pour modifier les styles du texte du masque</a:t>
-            </a:r>
-          </a:p>
-        </p:txBody>
-      </p:sp>
-      <p:sp>
-        <p:nvSpPr>
-          <p:cNvPr id="4" name="Content Placeholder 3"/>
-          <p:cNvSpPr>
-            <a:spLocks noGrp="1"/>
-          </p:cNvSpPr>
-          <p:nvPr>
-            <p:ph sz="half" idx="2"/>
-          </p:nvPr>
-        </p:nvSpPr>
-        <p:spPr>
-          <a:xfrm>
-            <a:off x="839789" y="2505075"/>
-            <a:ext cx="3420000" cy="3684588"/>
-          </a:xfrm>
-        </p:spPr>
-        <p:txBody>
-          <a:bodyPr/>
-          <a:lstStyle/>
-          <a:p>
-            <a:pPr lvl="0"/>
-            <a:r>
-              <a:rPr lang="fr-FR"/>
-              <a:t>Cliquez pour modifier les styles du texte du masque</a:t>
-            </a:r>
-          </a:p>
-          <a:p>
-            <a:pPr lvl="1"/>
-            <a:r>
-              <a:rPr lang="fr-FR"/>
-              <a:t>Deuxième niveau</a:t>
-            </a:r>
-          </a:p>
-          <a:p>
-            <a:pPr lvl="2"/>
-            <a:r>
-              <a:rPr lang="fr-FR"/>
-              <a:t>Troisième niveau</a:t>
-            </a:r>
-          </a:p>
-          <a:p>
-            <a:pPr lvl="3"/>
-            <a:r>
-              <a:rPr lang="fr-FR"/>
-              <a:t>Quatrième niveau</a:t>
-            </a:r>
-          </a:p>
-          <a:p>
-            <a:pPr lvl="4"/>
-            <a:r>
-              <a:rPr lang="fr-FR"/>
-              <a:t>Cinquième niveau</a:t>
-            </a:r>
-            <a:endParaRPr lang="fr-BE"/>
-          </a:p>
-        </p:txBody>
-      </p:sp>
-      <p:sp>
-        <p:nvSpPr>
-          <p:cNvPr id="5" name="Text Placeholder 4"/>
-          <p:cNvSpPr>
-            <a:spLocks noGrp="1"/>
-          </p:cNvSpPr>
-          <p:nvPr>
-            <p:ph type="body" sz="quarter" idx="3"/>
-          </p:nvPr>
-        </p:nvSpPr>
-        <p:spPr>
-          <a:xfrm>
-            <a:off x="4394665" y="1681163"/>
-            <a:ext cx="3420000" cy="823912"/>
-          </a:xfrm>
-        </p:spPr>
-        <p:txBody>
-          <a:bodyPr anchor="b"/>
-          <a:lstStyle>
-            <a:lvl1pPr marL="0" indent="0">
-              <a:buNone/>
-              <a:defRPr sz="2400" b="1"/>
-            </a:lvl1pPr>
-            <a:lvl2pPr marL="457189" indent="0">
-              <a:buNone/>
-              <a:defRPr sz="2000" b="1"/>
-            </a:lvl2pPr>
-            <a:lvl3pPr marL="914377" indent="0">
-              <a:buNone/>
-              <a:defRPr sz="1800" b="1"/>
-            </a:lvl3pPr>
-            <a:lvl4pPr marL="1371566" indent="0">
-              <a:buNone/>
-              <a:defRPr sz="1600" b="1"/>
-            </a:lvl4pPr>
-            <a:lvl5pPr marL="1828754" indent="0">
-              <a:buNone/>
-              <a:defRPr sz="1600" b="1"/>
-            </a:lvl5pPr>
-            <a:lvl6pPr marL="2285943" indent="0">
-              <a:buNone/>
-              <a:defRPr sz="1600" b="1"/>
-            </a:lvl6pPr>
-            <a:lvl7pPr marL="2743131" indent="0">
-              <a:buNone/>
-              <a:defRPr sz="1600" b="1"/>
-            </a:lvl7pPr>
-            <a:lvl8pPr marL="3200320" indent="0">
-              <a:buNone/>
-              <a:defRPr sz="1600" b="1"/>
-            </a:lvl8pPr>
-            <a:lvl9pPr marL="3657509" indent="0">
-              <a:buNone/>
-              <a:defRPr sz="1600" b="1"/>
-            </a:lvl9pPr>
-          </a:lstStyle>
-          <a:p>
-            <a:pPr lvl="0"/>
-            <a:r>
-              <a:rPr lang="fr-FR"/>
-              <a:t>Cliquez pour modifier les styles du texte du masque</a:t>
-            </a:r>
-          </a:p>
-        </p:txBody>
-      </p:sp>
-      <p:sp>
-        <p:nvSpPr>
-          <p:cNvPr id="6" name="Content Placeholder 5"/>
-          <p:cNvSpPr>
-            <a:spLocks noGrp="1"/>
-          </p:cNvSpPr>
-          <p:nvPr>
-            <p:ph sz="quarter" idx="4"/>
-          </p:nvPr>
-        </p:nvSpPr>
-        <p:spPr>
-          <a:xfrm>
-            <a:off x="4394664" y="2505075"/>
-            <a:ext cx="3420000" cy="3684588"/>
-          </a:xfrm>
-        </p:spPr>
-        <p:txBody>
-          <a:bodyPr/>
-          <a:lstStyle/>
-          <a:p>
-            <a:pPr lvl="0"/>
-            <a:r>
-              <a:rPr lang="fr-FR"/>
-              <a:t>Cliquez pour modifier les styles du texte du masque</a:t>
-            </a:r>
-          </a:p>
-          <a:p>
-            <a:pPr lvl="1"/>
-            <a:r>
-              <a:rPr lang="fr-FR"/>
-              <a:t>Deuxième niveau</a:t>
-            </a:r>
-          </a:p>
-          <a:p>
-            <a:pPr lvl="2"/>
-            <a:r>
-              <a:rPr lang="fr-FR"/>
-              <a:t>Troisième niveau</a:t>
-            </a:r>
-          </a:p>
-          <a:p>
-            <a:pPr lvl="3"/>
-            <a:r>
-              <a:rPr lang="fr-FR"/>
-              <a:t>Quatrième niveau</a:t>
-            </a:r>
-          </a:p>
-          <a:p>
-            <a:pPr lvl="4"/>
-            <a:r>
-              <a:rPr lang="fr-FR"/>
-              <a:t>Cinquième niveau</a:t>
-            </a:r>
-            <a:endParaRPr lang="fr-BE"/>
-          </a:p>
-        </p:txBody>
-      </p:sp>
-      <p:sp>
-        <p:nvSpPr>
-          <p:cNvPr id="7" name="Text Placeholder 4">
-            <a:extLst>
-              <a:ext uri="{FF2B5EF4-FFF2-40B4-BE49-F238E27FC236}">
-                <a16:creationId xmlns:a16="http://schemas.microsoft.com/office/drawing/2014/main" id="{E6C2DDCC-4649-4342-9099-2651FC4091A6}"/>
-              </a:ext>
-            </a:extLst>
-          </p:cNvPr>
-          <p:cNvSpPr>
-            <a:spLocks noGrp="1"/>
-          </p:cNvSpPr>
-          <p:nvPr>
-            <p:ph type="body" sz="quarter" idx="10"/>
-          </p:nvPr>
-        </p:nvSpPr>
-        <p:spPr>
-          <a:xfrm>
-            <a:off x="7948775" y="1703284"/>
-            <a:ext cx="3420000" cy="823912"/>
-          </a:xfrm>
-        </p:spPr>
-        <p:txBody>
-          <a:bodyPr anchor="b"/>
-          <a:lstStyle>
-            <a:lvl1pPr marL="0" indent="0">
-              <a:buNone/>
-              <a:defRPr sz="2400" b="1"/>
-            </a:lvl1pPr>
-            <a:lvl2pPr marL="457189" indent="0">
-              <a:buNone/>
-              <a:defRPr sz="2000" b="1"/>
-            </a:lvl2pPr>
-            <a:lvl3pPr marL="914377" indent="0">
-              <a:buNone/>
-              <a:defRPr sz="1800" b="1"/>
-            </a:lvl3pPr>
-            <a:lvl4pPr marL="1371566" indent="0">
-              <a:buNone/>
-              <a:defRPr sz="1600" b="1"/>
-            </a:lvl4pPr>
-            <a:lvl5pPr marL="1828754" indent="0">
-              <a:buNone/>
-              <a:defRPr sz="1600" b="1"/>
-            </a:lvl5pPr>
-            <a:lvl6pPr marL="2285943" indent="0">
-              <a:buNone/>
-              <a:defRPr sz="1600" b="1"/>
-            </a:lvl6pPr>
-            <a:lvl7pPr marL="2743131" indent="0">
-              <a:buNone/>
-              <a:defRPr sz="1600" b="1"/>
-            </a:lvl7pPr>
-            <a:lvl8pPr marL="3200320" indent="0">
-              <a:buNone/>
-              <a:defRPr sz="1600" b="1"/>
-            </a:lvl8pPr>
-            <a:lvl9pPr marL="3657509" indent="0">
-              <a:buNone/>
-              <a:defRPr sz="1600" b="1"/>
-            </a:lvl9pPr>
-          </a:lstStyle>
-          <a:p>
-            <a:pPr lvl="0"/>
-            <a:r>
-              <a:rPr lang="fr-FR"/>
-              <a:t>Cliquez pour modifier les styles du texte du masque</a:t>
-            </a:r>
-          </a:p>
-        </p:txBody>
-      </p:sp>
-      <p:sp>
-        <p:nvSpPr>
-          <p:cNvPr id="8" name="Content Placeholder 5">
-            <a:extLst>
-              <a:ext uri="{FF2B5EF4-FFF2-40B4-BE49-F238E27FC236}">
-                <a16:creationId xmlns:a16="http://schemas.microsoft.com/office/drawing/2014/main" id="{D21B8FB4-9E8F-4AB9-AD34-A145578BF13C}"/>
-              </a:ext>
-            </a:extLst>
-          </p:cNvPr>
-          <p:cNvSpPr>
-            <a:spLocks noGrp="1"/>
-          </p:cNvSpPr>
-          <p:nvPr>
-            <p:ph sz="quarter" idx="11"/>
-          </p:nvPr>
-        </p:nvSpPr>
-        <p:spPr>
-          <a:xfrm>
-            <a:off x="7957311" y="2527196"/>
-            <a:ext cx="3420000" cy="3684588"/>
-          </a:xfrm>
-        </p:spPr>
-        <p:txBody>
-          <a:bodyPr/>
-          <a:lstStyle/>
-          <a:p>
-            <a:pPr lvl="0"/>
-            <a:r>
-              <a:rPr lang="fr-FR"/>
-              <a:t>Cliquez pour modifier les styles du texte du masque</a:t>
-            </a:r>
-          </a:p>
-          <a:p>
-            <a:pPr lvl="1"/>
-            <a:r>
-              <a:rPr lang="fr-FR"/>
-              <a:t>Deuxième niveau</a:t>
-            </a:r>
-          </a:p>
-          <a:p>
-            <a:pPr lvl="2"/>
-            <a:r>
-              <a:rPr lang="fr-FR"/>
-              <a:t>Troisième niveau</a:t>
-            </a:r>
-          </a:p>
-          <a:p>
-            <a:pPr lvl="3"/>
-            <a:r>
-              <a:rPr lang="fr-FR"/>
-              <a:t>Quatrième niveau</a:t>
-            </a:r>
-          </a:p>
-          <a:p>
-            <a:pPr lvl="4"/>
-            <a:r>
-              <a:rPr lang="fr-FR"/>
-              <a:t>Cinquième niveau</a:t>
-            </a:r>
-            <a:endParaRPr lang="fr-BE"/>
-          </a:p>
-        </p:txBody>
-      </p:sp>
-    </p:spTree>
-    <p:extLst>
-      <p:ext uri="{BB962C8B-B14F-4D97-AF65-F5344CB8AC3E}">
-        <p14:creationId xmlns:p14="http://schemas.microsoft.com/office/powerpoint/2010/main" val="3406485167"/>
-      </p:ext>
-    </p:extLst>
-  </p:cSld>
-  <p:clrMapOvr>
-    <a:masterClrMapping/>
-  </p:clrMapOvr>
-  <mc:AlternateContent xmlns:mc="http://schemas.openxmlformats.org/markup-compatibility/2006" xmlns:p14="http://schemas.microsoft.com/office/powerpoint/2010/main">
-    <mc:Choice Requires="p14">
-      <p:transition spd="slow">
-        <p14:reveal/>
-      </p:transition>
-    </mc:Choice>
-    <mc:Fallback xmlns="">
-      <p:transition spd="slow">
-        <p:fade/>
-      </p:transition>
-    </mc:Fallback>
-  </mc:AlternateContent>
-</p:sldLayout>
-</file>
-
-<file path=ppt/slideLayouts/slideLayout8.xml><?xml version="1.0" encoding="utf-8"?>
 <p:sldLayout xmlns:a="http://schemas.openxmlformats.org/drawingml/2006/main" xmlns:r="http://schemas.openxmlformats.org/officeDocument/2006/relationships" xmlns:p="http://schemas.openxmlformats.org/presentationml/2006/main" type="titleOnly" preserve="1">
   <p:cSld name="Titre seul">
     <p:spTree>
@@ -7760,10 +8159,135 @@
           </a:p>
         </p:txBody>
       </p:sp>
+      <p:sp>
+        <p:nvSpPr>
+          <p:cNvPr id="3" name="Espace réservé de la date 2">
+            <a:extLst>
+              <a:ext uri="{FF2B5EF4-FFF2-40B4-BE49-F238E27FC236}">
+                <a16:creationId xmlns:a16="http://schemas.microsoft.com/office/drawing/2014/main" id="{BB23E5C8-1D92-E25A-D482-9866759B5BD2}"/>
+              </a:ext>
+            </a:extLst>
+          </p:cNvPr>
+          <p:cNvSpPr>
+            <a:spLocks noGrp="1"/>
+          </p:cNvSpPr>
+          <p:nvPr>
+            <p:ph type="dt" sz="half" idx="10"/>
+          </p:nvPr>
+        </p:nvSpPr>
+        <p:spPr/>
+        <p:txBody>
+          <a:bodyPr/>
+          <a:lstStyle/>
+          <a:p>
+            <a:fld id="{F3953782-D06E-4853-BE3C-64C197273937}" type="datetimeFigureOut">
+              <a:rPr lang="fr-BE" smtClean="0"/>
+              <a:t>14-01-25</a:t>
+            </a:fld>
+            <a:endParaRPr lang="fr-BE"/>
+          </a:p>
+        </p:txBody>
+      </p:sp>
+      <p:sp>
+        <p:nvSpPr>
+          <p:cNvPr id="4" name="Espace réservé du pied de page 3">
+            <a:extLst>
+              <a:ext uri="{FF2B5EF4-FFF2-40B4-BE49-F238E27FC236}">
+                <a16:creationId xmlns:a16="http://schemas.microsoft.com/office/drawing/2014/main" id="{55ACAADE-10AC-A5C6-B021-C668BC2068AC}"/>
+              </a:ext>
+            </a:extLst>
+          </p:cNvPr>
+          <p:cNvSpPr>
+            <a:spLocks noGrp="1"/>
+          </p:cNvSpPr>
+          <p:nvPr>
+            <p:ph type="ftr" sz="quarter" idx="11"/>
+          </p:nvPr>
+        </p:nvSpPr>
+        <p:spPr/>
+        <p:txBody>
+          <a:bodyPr/>
+          <a:lstStyle/>
+          <a:p>
+            <a:endParaRPr lang="fr-BE"/>
+          </a:p>
+        </p:txBody>
+      </p:sp>
+      <p:sp>
+        <p:nvSpPr>
+          <p:cNvPr id="5" name="Espace réservé du numéro de diapositive 4">
+            <a:extLst>
+              <a:ext uri="{FF2B5EF4-FFF2-40B4-BE49-F238E27FC236}">
+                <a16:creationId xmlns:a16="http://schemas.microsoft.com/office/drawing/2014/main" id="{64BD460E-C94D-0F17-7C77-D32F9CC12D7A}"/>
+              </a:ext>
+            </a:extLst>
+          </p:cNvPr>
+          <p:cNvSpPr>
+            <a:spLocks noGrp="1"/>
+          </p:cNvSpPr>
+          <p:nvPr>
+            <p:ph type="sldNum" sz="quarter" idx="12"/>
+          </p:nvPr>
+        </p:nvSpPr>
+        <p:spPr/>
+        <p:txBody>
+          <a:bodyPr/>
+          <a:lstStyle/>
+          <a:p>
+            <a:fld id="{02C092ED-0E97-497E-99D9-BB9DD7276F53}" type="slidenum">
+              <a:rPr lang="fr-BE" smtClean="0"/>
+              <a:t>‹N°›</a:t>
+            </a:fld>
+            <a:endParaRPr lang="fr-BE"/>
+          </a:p>
+        </p:txBody>
+      </p:sp>
     </p:spTree>
     <p:extLst>
       <p:ext uri="{BB962C8B-B14F-4D97-AF65-F5344CB8AC3E}">
-        <p14:creationId xmlns:p14="http://schemas.microsoft.com/office/powerpoint/2010/main" val="1351765376"/>
+        <p14:creationId xmlns:p14="http://schemas.microsoft.com/office/powerpoint/2010/main" val="2314906856"/>
+      </p:ext>
+    </p:extLst>
+  </p:cSld>
+  <p:clrMapOvr>
+    <a:masterClrMapping/>
+  </p:clrMapOvr>
+  <mc:AlternateContent xmlns:mc="http://schemas.openxmlformats.org/markup-compatibility/2006" xmlns:p14="http://schemas.microsoft.com/office/powerpoint/2010/main">
+    <mc:Choice Requires="p14">
+      <p:transition spd="slow">
+        <p14:reveal/>
+      </p:transition>
+    </mc:Choice>
+    <mc:Fallback xmlns="">
+      <p:transition spd="slow">
+        <p:fade/>
+      </p:transition>
+    </mc:Fallback>
+  </mc:AlternateContent>
+</p:sldLayout>
+</file>
+
+<file path=ppt/slideLayouts/slideLayout8.xml><?xml version="1.0" encoding="utf-8"?>
+<p:sldLayout xmlns:a="http://schemas.openxmlformats.org/drawingml/2006/main" xmlns:r="http://schemas.openxmlformats.org/officeDocument/2006/relationships" xmlns:p="http://schemas.openxmlformats.org/presentationml/2006/main" type="blank" preserve="1">
+  <p:cSld name="Vide">
+    <p:spTree>
+      <p:nvGrpSpPr>
+        <p:cNvPr id="1" name=""/>
+        <p:cNvGrpSpPr/>
+        <p:nvPr/>
+      </p:nvGrpSpPr>
+      <p:grpSpPr>
+        <a:xfrm>
+          <a:off x="0" y="0"/>
+          <a:ext cx="0" cy="0"/>
+          <a:chOff x="0" y="0"/>
+          <a:chExt cx="0" cy="0"/>
+        </a:xfrm>
+      </p:grpSpPr>
+    </p:spTree>
+    <p:extLst>
+      <p:ext uri="{BB962C8B-B14F-4D97-AF65-F5344CB8AC3E}">
+        <p14:creationId xmlns:p14="http://schemas.microsoft.com/office/powerpoint/2010/main" val="3854796658"/>
       </p:ext>
     </p:extLst>
   </p:cSld>
@@ -7786,8 +8310,8 @@
 </file>
 
 <file path=ppt/slideLayouts/slideLayout9.xml><?xml version="1.0" encoding="utf-8"?>
-<p:sldLayout xmlns:a="http://schemas.openxmlformats.org/drawingml/2006/main" xmlns:r="http://schemas.openxmlformats.org/officeDocument/2006/relationships" xmlns:p="http://schemas.openxmlformats.org/presentationml/2006/main" type="blank" preserve="1">
-  <p:cSld name="Vide">
+<p:sldLayout xmlns:a="http://schemas.openxmlformats.org/drawingml/2006/main" xmlns:r="http://schemas.openxmlformats.org/officeDocument/2006/relationships" xmlns:p="http://schemas.openxmlformats.org/presentationml/2006/main" type="objTx" preserve="1">
+  <p:cSld name="Contenu avec légende">
     <p:spTree>
       <p:nvGrpSpPr>
         <p:cNvPr id="1" name=""/>
@@ -7802,10 +8326,275 @@
           <a:chExt cx="0" cy="0"/>
         </a:xfrm>
       </p:grpSpPr>
+      <p:sp>
+        <p:nvSpPr>
+          <p:cNvPr id="2" name="Title 1"/>
+          <p:cNvSpPr>
+            <a:spLocks noGrp="1"/>
+          </p:cNvSpPr>
+          <p:nvPr>
+            <p:ph type="title"/>
+          </p:nvPr>
+        </p:nvSpPr>
+        <p:spPr>
+          <a:xfrm>
+            <a:off x="839788" y="457200"/>
+            <a:ext cx="3932237" cy="1600200"/>
+          </a:xfrm>
+        </p:spPr>
+        <p:txBody>
+          <a:bodyPr anchor="b"/>
+          <a:lstStyle>
+            <a:lvl1pPr>
+              <a:defRPr sz="3200"/>
+            </a:lvl1pPr>
+          </a:lstStyle>
+          <a:p>
+            <a:r>
+              <a:rPr lang="fr-FR"/>
+              <a:t>Modifiez le style du titre</a:t>
+            </a:r>
+            <a:endParaRPr lang="fr-BE"/>
+          </a:p>
+        </p:txBody>
+      </p:sp>
+      <p:sp>
+        <p:nvSpPr>
+          <p:cNvPr id="3" name="Content Placeholder 2"/>
+          <p:cNvSpPr>
+            <a:spLocks noGrp="1"/>
+          </p:cNvSpPr>
+          <p:nvPr>
+            <p:ph idx="1"/>
+          </p:nvPr>
+        </p:nvSpPr>
+        <p:spPr>
+          <a:xfrm>
+            <a:off x="5183188" y="457200"/>
+            <a:ext cx="6172200" cy="5403851"/>
+          </a:xfrm>
+        </p:spPr>
+        <p:txBody>
+          <a:bodyPr/>
+          <a:lstStyle>
+            <a:lvl1pPr>
+              <a:defRPr sz="3200"/>
+            </a:lvl1pPr>
+            <a:lvl2pPr>
+              <a:defRPr sz="2800"/>
+            </a:lvl2pPr>
+            <a:lvl3pPr>
+              <a:defRPr sz="2400"/>
+            </a:lvl3pPr>
+            <a:lvl4pPr>
+              <a:defRPr sz="2000"/>
+            </a:lvl4pPr>
+            <a:lvl5pPr>
+              <a:defRPr sz="2000"/>
+            </a:lvl5pPr>
+            <a:lvl6pPr>
+              <a:defRPr sz="2000"/>
+            </a:lvl6pPr>
+            <a:lvl7pPr>
+              <a:defRPr sz="2000"/>
+            </a:lvl7pPr>
+            <a:lvl8pPr>
+              <a:defRPr sz="2000"/>
+            </a:lvl8pPr>
+            <a:lvl9pPr>
+              <a:defRPr sz="2000"/>
+            </a:lvl9pPr>
+          </a:lstStyle>
+          <a:p>
+            <a:pPr lvl="0"/>
+            <a:r>
+              <a:rPr lang="fr-FR"/>
+              <a:t>Cliquez pour modifier les styles du texte du masque</a:t>
+            </a:r>
+          </a:p>
+          <a:p>
+            <a:pPr lvl="1"/>
+            <a:r>
+              <a:rPr lang="fr-FR"/>
+              <a:t>Deuxième niveau</a:t>
+            </a:r>
+          </a:p>
+          <a:p>
+            <a:pPr lvl="2"/>
+            <a:r>
+              <a:rPr lang="fr-FR"/>
+              <a:t>Troisième niveau</a:t>
+            </a:r>
+          </a:p>
+          <a:p>
+            <a:pPr lvl="3"/>
+            <a:r>
+              <a:rPr lang="fr-FR"/>
+              <a:t>Quatrième niveau</a:t>
+            </a:r>
+          </a:p>
+          <a:p>
+            <a:pPr lvl="4"/>
+            <a:r>
+              <a:rPr lang="fr-FR"/>
+              <a:t>Cinquième niveau</a:t>
+            </a:r>
+            <a:endParaRPr lang="fr-BE" dirty="0"/>
+          </a:p>
+        </p:txBody>
+      </p:sp>
+      <p:sp>
+        <p:nvSpPr>
+          <p:cNvPr id="4" name="Text Placeholder 3"/>
+          <p:cNvSpPr>
+            <a:spLocks noGrp="1"/>
+          </p:cNvSpPr>
+          <p:nvPr>
+            <p:ph type="body" sz="half" idx="2"/>
+          </p:nvPr>
+        </p:nvSpPr>
+        <p:spPr>
+          <a:xfrm>
+            <a:off x="839788" y="2057401"/>
+            <a:ext cx="3932237" cy="3811588"/>
+          </a:xfrm>
+        </p:spPr>
+        <p:txBody>
+          <a:bodyPr/>
+          <a:lstStyle>
+            <a:lvl1pPr marL="0" indent="0">
+              <a:buNone/>
+              <a:defRPr sz="1600"/>
+            </a:lvl1pPr>
+            <a:lvl2pPr marL="457189" indent="0">
+              <a:buNone/>
+              <a:defRPr sz="1400"/>
+            </a:lvl2pPr>
+            <a:lvl3pPr marL="914377" indent="0">
+              <a:buNone/>
+              <a:defRPr sz="1200"/>
+            </a:lvl3pPr>
+            <a:lvl4pPr marL="1371566" indent="0">
+              <a:buNone/>
+              <a:defRPr sz="1000"/>
+            </a:lvl4pPr>
+            <a:lvl5pPr marL="1828754" indent="0">
+              <a:buNone/>
+              <a:defRPr sz="1000"/>
+            </a:lvl5pPr>
+            <a:lvl6pPr marL="2285943" indent="0">
+              <a:buNone/>
+              <a:defRPr sz="1000"/>
+            </a:lvl6pPr>
+            <a:lvl7pPr marL="2743131" indent="0">
+              <a:buNone/>
+              <a:defRPr sz="1000"/>
+            </a:lvl7pPr>
+            <a:lvl8pPr marL="3200320" indent="0">
+              <a:buNone/>
+              <a:defRPr sz="1000"/>
+            </a:lvl8pPr>
+            <a:lvl9pPr marL="3657509" indent="0">
+              <a:buNone/>
+              <a:defRPr sz="1000"/>
+            </a:lvl9pPr>
+          </a:lstStyle>
+          <a:p>
+            <a:pPr lvl="0"/>
+            <a:r>
+              <a:rPr lang="fr-FR"/>
+              <a:t>Cliquez pour modifier les styles du texte du masque</a:t>
+            </a:r>
+          </a:p>
+        </p:txBody>
+      </p:sp>
+      <p:sp>
+        <p:nvSpPr>
+          <p:cNvPr id="5" name="Espace réservé de la date 4">
+            <a:extLst>
+              <a:ext uri="{FF2B5EF4-FFF2-40B4-BE49-F238E27FC236}">
+                <a16:creationId xmlns:a16="http://schemas.microsoft.com/office/drawing/2014/main" id="{433BACDB-1022-3581-CB46-1F85D70253ED}"/>
+              </a:ext>
+            </a:extLst>
+          </p:cNvPr>
+          <p:cNvSpPr>
+            <a:spLocks noGrp="1"/>
+          </p:cNvSpPr>
+          <p:nvPr>
+            <p:ph type="dt" sz="half" idx="10"/>
+          </p:nvPr>
+        </p:nvSpPr>
+        <p:spPr/>
+        <p:txBody>
+          <a:bodyPr/>
+          <a:lstStyle/>
+          <a:p>
+            <a:fld id="{F3953782-D06E-4853-BE3C-64C197273937}" type="datetimeFigureOut">
+              <a:rPr lang="fr-BE" smtClean="0"/>
+              <a:t>14-01-25</a:t>
+            </a:fld>
+            <a:endParaRPr lang="fr-BE"/>
+          </a:p>
+        </p:txBody>
+      </p:sp>
+      <p:sp>
+        <p:nvSpPr>
+          <p:cNvPr id="6" name="Espace réservé du pied de page 5">
+            <a:extLst>
+              <a:ext uri="{FF2B5EF4-FFF2-40B4-BE49-F238E27FC236}">
+                <a16:creationId xmlns:a16="http://schemas.microsoft.com/office/drawing/2014/main" id="{9C8F4609-0312-F825-CC91-FAC10F330180}"/>
+              </a:ext>
+            </a:extLst>
+          </p:cNvPr>
+          <p:cNvSpPr>
+            <a:spLocks noGrp="1"/>
+          </p:cNvSpPr>
+          <p:nvPr>
+            <p:ph type="ftr" sz="quarter" idx="11"/>
+          </p:nvPr>
+        </p:nvSpPr>
+        <p:spPr/>
+        <p:txBody>
+          <a:bodyPr/>
+          <a:lstStyle/>
+          <a:p>
+            <a:endParaRPr lang="fr-BE"/>
+          </a:p>
+        </p:txBody>
+      </p:sp>
+      <p:sp>
+        <p:nvSpPr>
+          <p:cNvPr id="7" name="Espace réservé du numéro de diapositive 6">
+            <a:extLst>
+              <a:ext uri="{FF2B5EF4-FFF2-40B4-BE49-F238E27FC236}">
+                <a16:creationId xmlns:a16="http://schemas.microsoft.com/office/drawing/2014/main" id="{91F0E555-3A77-670E-9C69-DE1D8DE232F9}"/>
+              </a:ext>
+            </a:extLst>
+          </p:cNvPr>
+          <p:cNvSpPr>
+            <a:spLocks noGrp="1"/>
+          </p:cNvSpPr>
+          <p:nvPr>
+            <p:ph type="sldNum" sz="quarter" idx="12"/>
+          </p:nvPr>
+        </p:nvSpPr>
+        <p:spPr/>
+        <p:txBody>
+          <a:bodyPr/>
+          <a:lstStyle/>
+          <a:p>
+            <a:fld id="{02C092ED-0E97-497E-99D9-BB9DD7276F53}" type="slidenum">
+              <a:rPr lang="fr-BE" smtClean="0"/>
+              <a:t>‹N°›</a:t>
+            </a:fld>
+            <a:endParaRPr lang="fr-BE"/>
+          </a:p>
+        </p:txBody>
+      </p:sp>
     </p:spTree>
     <p:extLst>
       <p:ext uri="{BB962C8B-B14F-4D97-AF65-F5344CB8AC3E}">
-        <p14:creationId xmlns:p14="http://schemas.microsoft.com/office/powerpoint/2010/main" val="3931488030"/>
+        <p14:creationId xmlns:p14="http://schemas.microsoft.com/office/powerpoint/2010/main" val="922941396"/>
       </p:ext>
     </p:extLst>
   </p:cSld>
@@ -7833,7 +8622,10 @@
     <p:bg>
       <p:bgPr>
         <a:solidFill>
-          <a:schemeClr val="accent6"/>
+          <a:schemeClr val="accent3">
+            <a:lumMod val="40000"/>
+            <a:lumOff val="60000"/>
+          </a:schemeClr>
         </a:solidFill>
         <a:effectLst/>
       </p:bgPr>
@@ -7905,7 +8697,7 @@
           </a:prstGeom>
         </p:spPr>
         <p:txBody>
-          <a:bodyPr vert="horz" lIns="91440" tIns="45720" rIns="91440" bIns="45720" spcCol="180000" rtlCol="0">
+          <a:bodyPr vert="horz" lIns="91440" tIns="45720" rIns="91440" bIns="45720" rtlCol="0">
             <a:normAutofit/>
           </a:bodyPr>
           <a:lstStyle/>
@@ -7953,10 +8745,183 @@
           <p:cNvPicPr>
             <a:picLocks noChangeAspect="1"/>
           </p:cNvPicPr>
+          <p:nvPr/>
+        </p:nvPicPr>
+        <p:blipFill>
+          <a:blip r:embed="rId14">
+            <a:extLst>
+              <a:ext uri="{28A0092B-C50C-407E-A947-70E740481C1C}">
+                <a14:useLocalDpi xmlns:a14="http://schemas.microsoft.com/office/drawing/2010/main" val="0"/>
+              </a:ext>
+            </a:extLst>
+          </a:blip>
+          <a:stretch>
+            <a:fillRect/>
+          </a:stretch>
+        </p:blipFill>
+        <p:spPr>
+          <a:xfrm>
+            <a:off x="10830515" y="5719725"/>
+            <a:ext cx="1046571" cy="914479"/>
+          </a:xfrm>
+          <a:prstGeom prst="rect">
+            <a:avLst/>
+          </a:prstGeom>
+        </p:spPr>
+      </p:pic>
+      <p:sp>
+        <p:nvSpPr>
+          <p:cNvPr id="4" name="Espace réservé du numéro de diapositive 3">
+            <a:extLst>
+              <a:ext uri="{FF2B5EF4-FFF2-40B4-BE49-F238E27FC236}">
+                <a16:creationId xmlns:a16="http://schemas.microsoft.com/office/drawing/2014/main" id="{FD73148E-CCCA-4F1F-A836-655D884BBFFF}"/>
+              </a:ext>
+            </a:extLst>
+          </p:cNvPr>
+          <p:cNvSpPr>
+            <a:spLocks noGrp="1"/>
+          </p:cNvSpPr>
+          <p:nvPr>
+            <p:ph type="sldNum" sz="quarter" idx="4"/>
+          </p:nvPr>
+        </p:nvSpPr>
+        <p:spPr>
+          <a:xfrm>
+            <a:off x="8610600" y="6359526"/>
+            <a:ext cx="2743200" cy="365125"/>
+          </a:xfrm>
+          <a:prstGeom prst="rect">
+            <a:avLst/>
+          </a:prstGeom>
+        </p:spPr>
+        <p:txBody>
+          <a:bodyPr vert="horz" lIns="91440" tIns="45720" rIns="91440" bIns="45720" rtlCol="0" anchor="ctr"/>
+          <a:lstStyle>
+            <a:lvl1pPr algn="r">
+              <a:defRPr sz="1200">
+                <a:solidFill>
+                  <a:schemeClr val="tx1">
+                    <a:tint val="75000"/>
+                  </a:schemeClr>
+                </a:solidFill>
+              </a:defRPr>
+            </a:lvl1pPr>
+          </a:lstStyle>
+          <a:p>
+            <a:fld id="{02C092ED-0E97-497E-99D9-BB9DD7276F53}" type="slidenum">
+              <a:rPr lang="fr-BE" smtClean="0"/>
+              <a:t>‹N°›</a:t>
+            </a:fld>
+            <a:endParaRPr lang="fr-BE"/>
+          </a:p>
+        </p:txBody>
+      </p:sp>
+      <p:sp>
+        <p:nvSpPr>
+          <p:cNvPr id="5" name="Espace réservé de la date 4">
+            <a:extLst>
+              <a:ext uri="{FF2B5EF4-FFF2-40B4-BE49-F238E27FC236}">
+                <a16:creationId xmlns:a16="http://schemas.microsoft.com/office/drawing/2014/main" id="{7E29B381-A1A5-FC30-27CA-947A2690386C}"/>
+              </a:ext>
+            </a:extLst>
+          </p:cNvPr>
+          <p:cNvSpPr>
+            <a:spLocks noGrp="1"/>
+          </p:cNvSpPr>
+          <p:nvPr>
+            <p:ph type="dt" sz="half" idx="2"/>
+          </p:nvPr>
+        </p:nvSpPr>
+        <p:spPr>
+          <a:xfrm>
+            <a:off x="838200" y="6356350"/>
+            <a:ext cx="2743200" cy="365125"/>
+          </a:xfrm>
+          <a:prstGeom prst="rect">
+            <a:avLst/>
+          </a:prstGeom>
+        </p:spPr>
+        <p:txBody>
+          <a:bodyPr vert="horz" lIns="91440" tIns="45720" rIns="91440" bIns="45720" rtlCol="0" anchor="ctr"/>
+          <a:lstStyle>
+            <a:lvl1pPr algn="l">
+              <a:defRPr sz="1200">
+                <a:solidFill>
+                  <a:schemeClr val="tx1">
+                    <a:tint val="75000"/>
+                  </a:schemeClr>
+                </a:solidFill>
+              </a:defRPr>
+            </a:lvl1pPr>
+          </a:lstStyle>
+          <a:p>
+            <a:fld id="{F3953782-D06E-4853-BE3C-64C197273937}" type="datetimeFigureOut">
+              <a:rPr lang="fr-BE" smtClean="0"/>
+              <a:t>14-01-25</a:t>
+            </a:fld>
+            <a:endParaRPr lang="fr-BE"/>
+          </a:p>
+        </p:txBody>
+      </p:sp>
+      <p:sp>
+        <p:nvSpPr>
+          <p:cNvPr id="6" name="Espace réservé du pied de page 5">
+            <a:extLst>
+              <a:ext uri="{FF2B5EF4-FFF2-40B4-BE49-F238E27FC236}">
+                <a16:creationId xmlns:a16="http://schemas.microsoft.com/office/drawing/2014/main" id="{7BFB2116-0A00-B6AB-43FF-F23B8EB09A31}"/>
+              </a:ext>
+            </a:extLst>
+          </p:cNvPr>
+          <p:cNvSpPr>
+            <a:spLocks noGrp="1"/>
+          </p:cNvSpPr>
+          <p:nvPr>
+            <p:ph type="ftr" sz="quarter" idx="3"/>
+          </p:nvPr>
+        </p:nvSpPr>
+        <p:spPr>
+          <a:xfrm>
+            <a:off x="4038600" y="6356350"/>
+            <a:ext cx="4114800" cy="365125"/>
+          </a:xfrm>
+          <a:prstGeom prst="rect">
+            <a:avLst/>
+          </a:prstGeom>
+        </p:spPr>
+        <p:txBody>
+          <a:bodyPr vert="horz" lIns="91440" tIns="45720" rIns="91440" bIns="45720" rtlCol="0" anchor="ctr"/>
+          <a:lstStyle>
+            <a:lvl1pPr algn="ctr">
+              <a:defRPr sz="1200">
+                <a:solidFill>
+                  <a:schemeClr val="tx1">
+                    <a:tint val="75000"/>
+                  </a:schemeClr>
+                </a:solidFill>
+              </a:defRPr>
+            </a:lvl1pPr>
+          </a:lstStyle>
+          <a:p>
+            <a:endParaRPr lang="fr-BE"/>
+          </a:p>
+        </p:txBody>
+      </p:sp>
+      <p:pic>
+        <p:nvPicPr>
+          <p:cNvPr id="7" name="Picture 7">
+            <a:extLst>
+              <a:ext uri="{FF2B5EF4-FFF2-40B4-BE49-F238E27FC236}">
+                <a16:creationId xmlns:a16="http://schemas.microsoft.com/office/drawing/2014/main" id="{0B85E74B-56CF-25E7-7FB9-569690D69168}"/>
+              </a:ext>
+            </a:extLst>
+          </p:cNvPr>
+          <p:cNvPicPr>
+            <a:picLocks noChangeAspect="1"/>
+          </p:cNvPicPr>
           <p:nvPr userDrawn="1"/>
         </p:nvPicPr>
         <p:blipFill>
-          <a:blip r:embed="rId13">
+          <a:blip r:embed="rId14">
             <a:extLst>
               <a:ext uri="{28A0092B-C50C-407E-A947-70E740481C1C}">
                 <a14:useLocalDpi xmlns:a14="http://schemas.microsoft.com/office/drawing/2010/main" val="0"/>
@@ -7980,23 +8945,24 @@
     </p:spTree>
     <p:extLst>
       <p:ext uri="{BB962C8B-B14F-4D97-AF65-F5344CB8AC3E}">
-        <p14:creationId xmlns:p14="http://schemas.microsoft.com/office/powerpoint/2010/main" val="87028773"/>
+        <p14:creationId xmlns:p14="http://schemas.microsoft.com/office/powerpoint/2010/main" val="3666621483"/>
       </p:ext>
     </p:extLst>
   </p:cSld>
   <p:clrMap bg1="lt1" tx1="dk1" bg2="lt2" tx2="dk2" accent1="accent1" accent2="accent2" accent3="accent3" accent4="accent4" accent5="accent5" accent6="accent6" hlink="hlink" folHlink="folHlink"/>
   <p:sldLayoutIdLst>
-    <p:sldLayoutId id="2147483844" r:id="rId1"/>
-    <p:sldLayoutId id="2147483845" r:id="rId2"/>
-    <p:sldLayoutId id="2147483853" r:id="rId3"/>
-    <p:sldLayoutId id="2147483852" r:id="rId4"/>
-    <p:sldLayoutId id="2147483847" r:id="rId5"/>
-    <p:sldLayoutId id="2147483848" r:id="rId6"/>
-    <p:sldLayoutId id="2147483855" r:id="rId7"/>
-    <p:sldLayoutId id="2147483849" r:id="rId8"/>
-    <p:sldLayoutId id="2147483850" r:id="rId9"/>
-    <p:sldLayoutId id="2147483851" r:id="rId10"/>
-    <p:sldLayoutId id="2147483854" r:id="rId11"/>
+    <p:sldLayoutId id="2147483857" r:id="rId1"/>
+    <p:sldLayoutId id="2147483858" r:id="rId2"/>
+    <p:sldLayoutId id="2147483859" r:id="rId3"/>
+    <p:sldLayoutId id="2147483860" r:id="rId4"/>
+    <p:sldLayoutId id="2147483861" r:id="rId5"/>
+    <p:sldLayoutId id="2147483862" r:id="rId6"/>
+    <p:sldLayoutId id="2147483863" r:id="rId7"/>
+    <p:sldLayoutId id="2147483864" r:id="rId8"/>
+    <p:sldLayoutId id="2147483865" r:id="rId9"/>
+    <p:sldLayoutId id="2147483866" r:id="rId10"/>
+    <p:sldLayoutId id="2147483853" r:id="rId11"/>
+    <p:sldLayoutId id="2147483852" r:id="rId12"/>
   </p:sldLayoutIdLst>
   <mc:AlternateContent xmlns:mc="http://schemas.openxmlformats.org/markup-compatibility/2006" xmlns:p14="http://schemas.microsoft.com/office/powerpoint/2010/main">
     <mc:Choice Requires="p14">
@@ -8088,17 +9054,21 @@
       </a:lvl9pPr>
     </p:titleStyle>
     <p:bodyStyle>
-      <a:lvl1pPr marL="469900" indent="-469900" algn="l" defTabSz="540000" rtl="0" eaLnBrk="1" latinLnBrk="0" hangingPunct="1">
+      <a:lvl1pPr marL="228594" indent="-228594" algn="l" defTabSz="914377" rtl="0" eaLnBrk="1" latinLnBrk="0" hangingPunct="1">
         <a:lnSpc>
           <a:spcPct val="90000"/>
         </a:lnSpc>
         <a:spcBef>
           <a:spcPts val="1000"/>
         </a:spcBef>
+        <a:buClr>
+          <a:schemeClr val="bg1">
+            <a:lumMod val="50000"/>
+          </a:schemeClr>
+        </a:buClr>
         <a:buFont typeface="Wingdings" panose="05000000000000000000" pitchFamily="2" charset="2"/>
         <a:buChar char="§"/>
-        <a:tabLst/>
-        <a:defRPr lang="fr-FR" sz="3600" kern="1200">
+        <a:defRPr sz="3600" kern="1200">
           <a:solidFill>
             <a:schemeClr val="tx1"/>
           </a:solidFill>
@@ -8107,19 +9077,21 @@
           <a:cs typeface="+mn-cs"/>
         </a:defRPr>
       </a:lvl1pPr>
-      <a:lvl2pPr marL="968375" indent="-430213" algn="l" defTabSz="540000" rtl="0" eaLnBrk="1" latinLnBrk="0" hangingPunct="1">
+      <a:lvl2pPr marL="685783" indent="-228594" algn="l" defTabSz="914377" rtl="0" eaLnBrk="1" latinLnBrk="0" hangingPunct="1">
         <a:lnSpc>
           <a:spcPct val="90000"/>
         </a:lnSpc>
         <a:spcBef>
           <a:spcPts val="500"/>
         </a:spcBef>
-        <a:buFont typeface="Arial" panose="020B0604020202020204" pitchFamily="34" charset="0"/>
-        <a:buChar char="•"/>
-        <a:tabLst>
-          <a:tab pos="360000" algn="l"/>
-        </a:tabLst>
-        <a:defRPr lang="fr-FR" sz="3200" kern="1200">
+        <a:buClr>
+          <a:schemeClr val="bg1">
+            <a:lumMod val="50000"/>
+          </a:schemeClr>
+        </a:buClr>
+        <a:buFont typeface="Wingdings" panose="05000000000000000000" pitchFamily="2" charset="2"/>
+        <a:buChar char="§"/>
+        <a:defRPr sz="3200" kern="1200">
           <a:solidFill>
             <a:schemeClr val="tx1"/>
           </a:solidFill>
@@ -8128,20 +9100,21 @@
           <a:cs typeface="+mn-cs"/>
         </a:defRPr>
       </a:lvl2pPr>
-      <a:lvl3pPr marL="1425575" indent="-349250" algn="l" defTabSz="540000" rtl="0" eaLnBrk="1" latinLnBrk="0" hangingPunct="1">
+      <a:lvl3pPr marL="1142971" indent="-228594" algn="l" defTabSz="914377" rtl="0" eaLnBrk="1" latinLnBrk="0" hangingPunct="1">
         <a:lnSpc>
           <a:spcPct val="90000"/>
         </a:lnSpc>
         <a:spcBef>
           <a:spcPts val="500"/>
         </a:spcBef>
-        <a:buSzPct val="80000"/>
-        <a:buFont typeface="Courier New" panose="02070309020205020404" pitchFamily="49" charset="0"/>
-        <a:buChar char="o"/>
-        <a:tabLst>
-          <a:tab pos="360000" algn="l"/>
-        </a:tabLst>
-        <a:defRPr lang="fr-FR" sz="2800" kern="1200">
+        <a:buClr>
+          <a:schemeClr val="bg1">
+            <a:lumMod val="50000"/>
+          </a:schemeClr>
+        </a:buClr>
+        <a:buFont typeface="Wingdings" panose="05000000000000000000" pitchFamily="2" charset="2"/>
+        <a:buChar char="§"/>
+        <a:defRPr sz="2800" kern="1200">
           <a:solidFill>
             <a:schemeClr val="tx1"/>
           </a:solidFill>
@@ -8150,19 +9123,21 @@
           <a:cs typeface="+mn-cs"/>
         </a:defRPr>
       </a:lvl3pPr>
-      <a:lvl4pPr marL="1825625" indent="-390525" algn="l" defTabSz="540000" rtl="0" eaLnBrk="1" latinLnBrk="0" hangingPunct="1">
+      <a:lvl4pPr marL="1600160" indent="-228594" algn="l" defTabSz="914377" rtl="0" eaLnBrk="1" latinLnBrk="0" hangingPunct="1">
         <a:lnSpc>
           <a:spcPct val="90000"/>
         </a:lnSpc>
         <a:spcBef>
           <a:spcPts val="500"/>
         </a:spcBef>
-        <a:buFont typeface="Garamond" panose="02020404030301010803" pitchFamily="18" charset="0"/>
-        <a:buChar char="–"/>
-        <a:tabLst>
-          <a:tab pos="360000" algn="l"/>
-        </a:tabLst>
-        <a:defRPr lang="fr-FR" sz="2400" kern="1200">
+        <a:buClr>
+          <a:schemeClr val="bg1">
+            <a:lumMod val="50000"/>
+          </a:schemeClr>
+        </a:buClr>
+        <a:buFont typeface="Wingdings" panose="05000000000000000000" pitchFamily="2" charset="2"/>
+        <a:buChar char="§"/>
+        <a:defRPr sz="2400" kern="1200">
           <a:solidFill>
             <a:schemeClr val="tx1"/>
           </a:solidFill>
@@ -8171,19 +9146,21 @@
           <a:cs typeface="+mn-cs"/>
         </a:defRPr>
       </a:lvl4pPr>
-      <a:lvl5pPr marL="2284412" indent="-457200" algn="l" defTabSz="540000" rtl="0" eaLnBrk="1" latinLnBrk="0" hangingPunct="1">
+      <a:lvl5pPr marL="2057349" indent="-228594" algn="l" defTabSz="914377" rtl="0" eaLnBrk="1" latinLnBrk="0" hangingPunct="1">
         <a:lnSpc>
           <a:spcPct val="90000"/>
         </a:lnSpc>
         <a:spcBef>
           <a:spcPts val="500"/>
         </a:spcBef>
-        <a:buFont typeface="Arial" panose="020B0604020202020204" pitchFamily="34" charset="0"/>
-        <a:buChar char="•"/>
-        <a:tabLst>
-          <a:tab pos="360000" algn="l"/>
-        </a:tabLst>
-        <a:defRPr lang="fr-BE" sz="2400" kern="1200">
+        <a:buClr>
+          <a:schemeClr val="bg1">
+            <a:lumMod val="50000"/>
+          </a:schemeClr>
+        </a:buClr>
+        <a:buFont typeface="Wingdings" panose="05000000000000000000" pitchFamily="2" charset="2"/>
+        <a:buChar char="§"/>
+        <a:defRPr sz="2400" kern="1200">
           <a:solidFill>
             <a:schemeClr val="tx1"/>
           </a:solidFill>
@@ -8583,7 +9560,7 @@
         </p:spPr>
         <p:txBody>
           <a:bodyPr numCol="1">
-            <a:normAutofit fontScale="92500" lnSpcReduction="20000"/>
+            <a:normAutofit fontScale="92500" lnSpcReduction="10000"/>
           </a:bodyPr>
           <a:lstStyle/>
           <a:p>
@@ -8715,12 +9692,7 @@
             <p:ph type="title"/>
           </p:nvPr>
         </p:nvSpPr>
-        <p:spPr>
-          <a:xfrm>
-            <a:off x="838200" y="365125"/>
-            <a:ext cx="10515600" cy="1325563"/>
-          </a:xfrm>
-        </p:spPr>
+        <p:spPr/>
         <p:txBody>
           <a:bodyPr/>
           <a:lstStyle/>
@@ -8754,7 +9726,7 @@
         </p:spPr>
         <p:txBody>
           <a:bodyPr numCol="1">
-            <a:normAutofit fontScale="92500" lnSpcReduction="10000"/>
+            <a:normAutofit lnSpcReduction="10000"/>
           </a:bodyPr>
           <a:lstStyle/>
           <a:p>
@@ -8878,12 +9850,7 @@
             <p:ph type="title"/>
           </p:nvPr>
         </p:nvSpPr>
-        <p:spPr>
-          <a:xfrm>
-            <a:off x="838200" y="365125"/>
-            <a:ext cx="10515600" cy="1325563"/>
-          </a:xfrm>
-        </p:spPr>
+        <p:spPr/>
         <p:txBody>
           <a:bodyPr/>
           <a:lstStyle/>
@@ -9142,7 +10109,7 @@
 </file>
 
 <file path=ppt/slides/slide14.xml><?xml version="1.0" encoding="utf-8"?>
-<p:sld xmlns:a="http://schemas.openxmlformats.org/drawingml/2006/main" xmlns:r="http://schemas.openxmlformats.org/officeDocument/2006/relationships" xmlns:p="http://schemas.openxmlformats.org/presentationml/2006/main">
+<p:sld xmlns:a="http://schemas.openxmlformats.org/drawingml/2006/main" xmlns:r="http://schemas.openxmlformats.org/officeDocument/2006/relationships" xmlns:p="http://schemas.openxmlformats.org/presentationml/2006/main" show="0">
   <p:cSld>
     <p:spTree>
       <p:nvGrpSpPr>
@@ -9492,13 +10459,13 @@
   <p:clrMapOvr>
     <a:masterClrMapping/>
   </p:clrMapOvr>
-  <mc:AlternateContent xmlns:mc="http://schemas.openxmlformats.org/markup-compatibility/2006" xmlns:p14="http://schemas.microsoft.com/office/powerpoint/2010/main">
-    <mc:Choice Requires="p14">
+  <mc:AlternateContent xmlns:mc="http://schemas.openxmlformats.org/markup-compatibility/2006">
+    <mc:Choice xmlns:p14="http://schemas.microsoft.com/office/powerpoint/2010/main" Requires="p14">
       <p:transition spd="slow">
         <p14:reveal/>
       </p:transition>
     </mc:Choice>
-    <mc:Fallback xmlns="">
+    <mc:Fallback>
       <p:transition spd="slow">
         <p:fade/>
       </p:transition>
@@ -9571,7 +10538,7 @@
         <p:spPr/>
         <p:txBody>
           <a:bodyPr>
-            <a:normAutofit fontScale="85000" lnSpcReduction="20000"/>
+            <a:normAutofit fontScale="92500" lnSpcReduction="20000"/>
           </a:bodyPr>
           <a:lstStyle/>
           <a:p>
@@ -9781,12 +10748,7 @@
             <p:ph type="title"/>
           </p:nvPr>
         </p:nvSpPr>
-        <p:spPr>
-          <a:xfrm>
-            <a:off x="838200" y="365125"/>
-            <a:ext cx="10515600" cy="1325563"/>
-          </a:xfrm>
-        </p:spPr>
+        <p:spPr/>
         <p:txBody>
           <a:bodyPr>
             <a:spAutoFit/>
@@ -9824,7 +10786,7 @@
         </p:nvGraphicFramePr>
         <p:xfrm>
           <a:off x="838200" y="1690688"/>
-          <a:ext cx="10515599" cy="4115299"/>
+          <a:ext cx="10515600" cy="4486275"/>
         </p:xfrm>
         <a:graphic>
           <a:graphicData uri="http://schemas.openxmlformats.org/drawingml/2006/table">
@@ -10489,12 +11451,7 @@
             <p:ph type="title"/>
           </p:nvPr>
         </p:nvSpPr>
-        <p:spPr>
-          <a:xfrm>
-            <a:off x="838200" y="365125"/>
-            <a:ext cx="10515600" cy="1325563"/>
-          </a:xfrm>
-        </p:spPr>
+        <p:spPr/>
         <p:txBody>
           <a:bodyPr>
             <a:spAutoFit/>
@@ -10532,7 +11489,7 @@
         </p:nvGraphicFramePr>
         <p:xfrm>
           <a:off x="838200" y="1690688"/>
-          <a:ext cx="10515599" cy="3517344"/>
+          <a:ext cx="10515600" cy="4486275"/>
         </p:xfrm>
         <a:graphic>
           <a:graphicData uri="http://schemas.openxmlformats.org/drawingml/2006/table">
@@ -11205,7 +12162,7 @@
         </p:nvGraphicFramePr>
         <p:xfrm>
           <a:off x="838200" y="1690688"/>
-          <a:ext cx="10515596" cy="2008208"/>
+          <a:ext cx="10515600" cy="4486275"/>
         </p:xfrm>
         <a:graphic>
           <a:graphicData uri="http://schemas.openxmlformats.org/drawingml/2006/table">
@@ -12634,12 +13591,7 @@
             <p:ph type="title"/>
           </p:nvPr>
         </p:nvSpPr>
-        <p:spPr>
-          <a:xfrm>
-            <a:off x="838200" y="365125"/>
-            <a:ext cx="10515600" cy="1325563"/>
-          </a:xfrm>
-        </p:spPr>
+        <p:spPr/>
         <p:txBody>
           <a:bodyPr/>
           <a:lstStyle/>
@@ -12669,7 +13621,7 @@
         </p:spPr>
         <p:txBody>
           <a:bodyPr numCol="1" spcCol="0">
-            <a:normAutofit fontScale="77500" lnSpcReduction="20000"/>
+            <a:normAutofit fontScale="85000" lnSpcReduction="10000"/>
           </a:bodyPr>
           <a:lstStyle/>
           <a:p>
@@ -13289,7 +14241,7 @@
         <p:spPr/>
         <p:txBody>
           <a:bodyPr numCol="1" spcCol="180000">
-            <a:normAutofit fontScale="70000" lnSpcReduction="20000"/>
+            <a:normAutofit fontScale="77500" lnSpcReduction="20000"/>
           </a:bodyPr>
           <a:lstStyle/>
           <a:p>
@@ -13381,7 +14333,7 @@
         <p:spPr/>
         <p:txBody>
           <a:bodyPr>
-            <a:normAutofit fontScale="70000" lnSpcReduction="20000"/>
+            <a:normAutofit fontScale="77500" lnSpcReduction="20000"/>
           </a:bodyPr>
           <a:lstStyle/>
           <a:p>
@@ -13553,12 +14505,7 @@
             <p:ph type="title"/>
           </p:nvPr>
         </p:nvSpPr>
-        <p:spPr>
-          <a:xfrm>
-            <a:off x="838200" y="365125"/>
-            <a:ext cx="10515600" cy="1325563"/>
-          </a:xfrm>
-        </p:spPr>
+        <p:spPr/>
         <p:txBody>
           <a:bodyPr/>
           <a:lstStyle/>
@@ -13580,12 +14527,7 @@
             <p:ph idx="1"/>
           </p:nvPr>
         </p:nvSpPr>
-        <p:spPr>
-          <a:xfrm>
-            <a:off x="838200" y="1690689"/>
-            <a:ext cx="10515600" cy="4486276"/>
-          </a:xfrm>
-        </p:spPr>
+        <p:spPr/>
         <p:txBody>
           <a:bodyPr numCol="1" spcCol="0">
             <a:normAutofit/>
@@ -13874,6 +14816,35 @@
           </a:p>
         </p:txBody>
       </p:sp>
+      <p:pic>
+        <p:nvPicPr>
+          <p:cNvPr id="6" name="Espace réservé du contenu 5">
+            <a:extLst>
+              <a:ext uri="{FF2B5EF4-FFF2-40B4-BE49-F238E27FC236}">
+                <a16:creationId xmlns:a16="http://schemas.microsoft.com/office/drawing/2014/main" id="{99AD7AD2-886C-4308-BE45-42935A027DFC}"/>
+              </a:ext>
+            </a:extLst>
+          </p:cNvPr>
+          <p:cNvPicPr>
+            <a:picLocks noGrp="1" noChangeAspect="1"/>
+          </p:cNvPicPr>
+          <p:nvPr>
+            <p:ph sz="quarter" idx="4"/>
+          </p:nvPr>
+        </p:nvPicPr>
+        <p:blipFill>
+          <a:blip r:embed="rId6"/>
+          <a:stretch>
+            <a:fillRect/>
+          </a:stretch>
+        </p:blipFill>
+        <p:spPr>
+          <a:xfrm>
+            <a:off x="4394200" y="2620798"/>
+            <a:ext cx="3421063" cy="3197110"/>
+          </a:xfrm>
+        </p:spPr>
+      </p:pic>
       <p:sp>
         <p:nvSpPr>
           <p:cNvPr id="2" name="Espace réservé du texte 1">
@@ -13907,13 +14878,13 @@
                 <a:solidFill>
                   <a:schemeClr val="accent2"/>
                 </a:solidFill>
-                <a:hlinkClick r:id="rId6"/>
+                <a:hlinkClick r:id="rId7"/>
               </a:rPr>
               <a:t>JetBrains PyCharm</a:t>
             </a:r>
             <a:r>
               <a:rPr lang="fr-BE">
-                <a:hlinkClick r:id="rId6"/>
+                <a:hlinkClick r:id="rId7"/>
               </a:rPr>
               <a:t> </a:t>
             </a:r>
@@ -13924,39 +14895,6 @@
           </a:p>
         </p:txBody>
       </p:sp>
-      <p:pic>
-        <p:nvPicPr>
-          <p:cNvPr id="290" name="Google Shape;290;p34"/>
-          <p:cNvPicPr preferRelativeResize="0"/>
-          <p:nvPr/>
-        </p:nvPicPr>
-        <p:blipFill>
-          <a:blip r:embed="rId7" cstate="email">
-            <a:alphaModFix/>
-            <a:extLst>
-              <a:ext uri="{28A0092B-C50C-407E-A947-70E740481C1C}">
-                <a14:useLocalDpi xmlns:a14="http://schemas.microsoft.com/office/drawing/2010/main"/>
-              </a:ext>
-            </a:extLst>
-          </a:blip>
-          <a:stretch>
-            <a:fillRect/>
-          </a:stretch>
-        </p:blipFill>
-        <p:spPr>
-          <a:xfrm>
-            <a:off x="1865576" y="2838538"/>
-            <a:ext cx="1636312" cy="1180923"/>
-          </a:xfrm>
-          <a:prstGeom prst="rect">
-            <a:avLst/>
-          </a:prstGeom>
-          <a:noFill/>
-          <a:ln>
-            <a:noFill/>
-          </a:ln>
-        </p:spPr>
-      </p:pic>
       <p:pic>
         <p:nvPicPr>
           <p:cNvPr id="10" name="Picture 2" descr="PyCharm">
@@ -14006,31 +14944,35 @@
       </p:pic>
       <p:pic>
         <p:nvPicPr>
-          <p:cNvPr id="6" name="Espace réservé du contenu 5">
+          <p:cNvPr id="290" name="Google Shape;290;p34"/>
+          <p:cNvPicPr preferRelativeResize="0"/>
+          <p:nvPr/>
+        </p:nvPicPr>
+        <p:blipFill>
+          <a:blip r:embed="rId9" cstate="email">
+            <a:alphaModFix/>
             <a:extLst>
-              <a:ext uri="{FF2B5EF4-FFF2-40B4-BE49-F238E27FC236}">
-                <a16:creationId xmlns:a16="http://schemas.microsoft.com/office/drawing/2014/main" id="{99AD7AD2-886C-4308-BE45-42935A027DFC}"/>
+              <a:ext uri="{28A0092B-C50C-407E-A947-70E740481C1C}">
+                <a14:useLocalDpi xmlns:a14="http://schemas.microsoft.com/office/drawing/2010/main"/>
               </a:ext>
             </a:extLst>
-          </p:cNvPr>
-          <p:cNvPicPr>
-            <a:picLocks noGrp="1" noChangeAspect="1"/>
-          </p:cNvPicPr>
-          <p:nvPr>
-            <p:ph sz="quarter" idx="4"/>
-          </p:nvPr>
-        </p:nvPicPr>
-        <p:blipFill>
-          <a:blip r:embed="rId9"/>
+          </a:blip>
           <a:stretch>
             <a:fillRect/>
           </a:stretch>
         </p:blipFill>
         <p:spPr>
           <a:xfrm>
-            <a:off x="4394200" y="2620798"/>
-            <a:ext cx="3421063" cy="3197110"/>
+            <a:off x="1865576" y="2838538"/>
+            <a:ext cx="1636312" cy="1180923"/>
           </a:xfrm>
+          <a:prstGeom prst="rect">
+            <a:avLst/>
+          </a:prstGeom>
+          <a:noFill/>
+          <a:ln>
+            <a:noFill/>
+          </a:ln>
         </p:spPr>
       </p:pic>
       <p:pic>
@@ -14600,7 +15542,7 @@
         <p:spPr/>
         <p:txBody>
           <a:bodyPr>
-            <a:normAutofit fontScale="92500" lnSpcReduction="10000"/>
+            <a:normAutofit lnSpcReduction="10000"/>
           </a:bodyPr>
           <a:lstStyle/>
           <a:p>
@@ -14829,7 +15771,7 @@
         <p:spPr/>
         <p:txBody>
           <a:bodyPr>
-            <a:normAutofit fontScale="92500" lnSpcReduction="10000"/>
+            <a:normAutofit lnSpcReduction="10000"/>
           </a:bodyPr>
           <a:lstStyle/>
           <a:p>
@@ -14983,13 +15925,13 @@
   <p:clrMapOvr>
     <a:masterClrMapping/>
   </p:clrMapOvr>
-  <mc:AlternateContent xmlns:mc="http://schemas.openxmlformats.org/markup-compatibility/2006">
-    <mc:Choice xmlns:p14="http://schemas.microsoft.com/office/powerpoint/2010/main" Requires="p14">
+  <mc:AlternateContent xmlns:mc="http://schemas.openxmlformats.org/markup-compatibility/2006" xmlns:p14="http://schemas.microsoft.com/office/powerpoint/2010/main">
+    <mc:Choice Requires="p14">
       <p:transition spd="slow">
         <p14:reveal/>
       </p:transition>
     </mc:Choice>
-    <mc:Fallback>
+    <mc:Fallback xmlns="">
       <p:transition spd="slow">
         <p:fade/>
       </p:transition>
@@ -15025,12 +15967,7 @@
             <p:ph type="title"/>
           </p:nvPr>
         </p:nvSpPr>
-        <p:spPr>
-          <a:xfrm>
-            <a:off x="838200" y="365125"/>
-            <a:ext cx="10515600" cy="1325563"/>
-          </a:xfrm>
-        </p:spPr>
+        <p:spPr/>
         <p:txBody>
           <a:bodyPr/>
           <a:lstStyle/>
@@ -15052,15 +15989,10 @@
             <p:ph idx="1"/>
           </p:nvPr>
         </p:nvSpPr>
-        <p:spPr>
-          <a:xfrm>
-            <a:off x="838200" y="1690689"/>
-            <a:ext cx="10515600" cy="4486276"/>
-          </a:xfrm>
-        </p:spPr>
+        <p:spPr/>
         <p:txBody>
           <a:bodyPr numCol="1">
-            <a:normAutofit fontScale="77500" lnSpcReduction="20000"/>
+            <a:normAutofit fontScale="85000" lnSpcReduction="20000"/>
           </a:bodyPr>
           <a:lstStyle/>
           <a:p>
@@ -15463,7 +16395,7 @@
         <a:font script="Geor" typeface="Sylfaen"/>
       </a:minorFont>
     </a:fontScheme>
-    <a:fmtScheme name="Subtle Solids">
+    <a:fmtScheme name="Solides discrets">
       <a:fillStyleLst>
         <a:solidFill>
           <a:schemeClr val="phClr"/>
@@ -15549,28 +16481,11 @@
       </a:bgFillStyleLst>
     </a:fmtScheme>
   </a:themeElements>
-  <a:objectDefaults>
-    <a:lnDef>
-      <a:spPr>
-        <a:noFill/>
-        <a:ln w="76200" cap="flat" cmpd="sng">
-          <a:solidFill>
-            <a:schemeClr val="dk2"/>
-          </a:solidFill>
-          <a:prstDash val="solid"/>
-          <a:round/>
-          <a:headEnd type="none" w="med" len="med"/>
-          <a:tailEnd type="triangle" w="med" len="med"/>
-        </a:ln>
-      </a:spPr>
-      <a:bodyPr/>
-      <a:lstStyle/>
-    </a:lnDef>
-  </a:objectDefaults>
+  <a:objectDefaults/>
   <a:extraClrSchemeLst/>
   <a:extLst>
     <a:ext uri="{05A4C25C-085E-4340-85A3-A5531E510DB2}">
-      <thm15:themeFamily xmlns:thm15="http://schemas.microsoft.com/office/thememl/2012/main" name="burotix2020.potx" id="{B92524B4-BEEA-4B97-B375-A904F228DAF8}" vid="{CE07423F-07A9-4193-9AF7-63482ADD9406}"/>
+      <thm15:themeFamily xmlns:thm15="http://schemas.microsoft.com/office/thememl/2012/main" name="burotix2022.potm" id="{7A707283-01BA-4932-B574-4A389620091B}" vid="{093B5C4F-DD58-40B6-A0EE-0D8451AE628D}"/>
     </a:ext>
   </a:extLst>
 </a:theme>

--- a/syllabus/main.pptx
+++ b/syllabus/main.pptx
@@ -5,7 +5,7 @@
     <p:sldMasterId id="2147483856" r:id="rId1"/>
   </p:sldMasterIdLst>
   <p:notesMasterIdLst>
-    <p:notesMasterId r:id="rId21"/>
+    <p:notesMasterId r:id="rId20"/>
   </p:notesMasterIdLst>
   <p:sldIdLst>
     <p:sldId id="473" r:id="rId2"/>
@@ -14,19 +14,18 @@
     <p:sldId id="287" r:id="rId5"/>
     <p:sldId id="282" r:id="rId6"/>
     <p:sldId id="501" r:id="rId7"/>
-    <p:sldId id="502" r:id="rId8"/>
-    <p:sldId id="496" r:id="rId9"/>
-    <p:sldId id="489" r:id="rId10"/>
-    <p:sldId id="499" r:id="rId11"/>
-    <p:sldId id="500" r:id="rId12"/>
-    <p:sldId id="497" r:id="rId13"/>
-    <p:sldId id="492" r:id="rId14"/>
-    <p:sldId id="494" r:id="rId15"/>
-    <p:sldId id="495" r:id="rId16"/>
-    <p:sldId id="294" r:id="rId17"/>
-    <p:sldId id="295" r:id="rId18"/>
-    <p:sldId id="296" r:id="rId19"/>
-    <p:sldId id="498" r:id="rId20"/>
+    <p:sldId id="496" r:id="rId8"/>
+    <p:sldId id="489" r:id="rId9"/>
+    <p:sldId id="499" r:id="rId10"/>
+    <p:sldId id="500" r:id="rId11"/>
+    <p:sldId id="497" r:id="rId12"/>
+    <p:sldId id="492" r:id="rId13"/>
+    <p:sldId id="494" r:id="rId14"/>
+    <p:sldId id="495" r:id="rId15"/>
+    <p:sldId id="294" r:id="rId16"/>
+    <p:sldId id="295" r:id="rId17"/>
+    <p:sldId id="296" r:id="rId18"/>
+    <p:sldId id="498" r:id="rId19"/>
   </p:sldIdLst>
   <p:sldSz cx="12192000" cy="6858000"/>
   <p:notesSz cx="6858000" cy="9144000"/>
@@ -4305,7 +4304,7 @@
           <a:p>
             <a:fld id="{FCE9742F-4DAE-47F5-9244-6ACC3985DD6B}" type="datetimeFigureOut">
               <a:rPr lang="fr-BE" smtClean="0"/>
-              <a:t>14-01-25</a:t>
+              <a:t>11-09-25</a:t>
             </a:fld>
             <a:endParaRPr lang="fr-BE"/>
           </a:p>
@@ -4706,115 +4705,6 @@
 </p:notes>
 </file>
 
-<file path=ppt/notesSlides/notesSlide10.xml><?xml version="1.0" encoding="utf-8"?>
-<p:notes xmlns:a="http://schemas.openxmlformats.org/drawingml/2006/main" xmlns:r="http://schemas.openxmlformats.org/officeDocument/2006/relationships" xmlns:p="http://schemas.openxmlformats.org/presentationml/2006/main" showMasterSp="0" showMasterPhAnim="0">
-  <p:cSld>
-    <p:spTree>
-      <p:nvGrpSpPr>
-        <p:cNvPr id="1" name="Shape 320"/>
-        <p:cNvGrpSpPr/>
-        <p:nvPr/>
-      </p:nvGrpSpPr>
-      <p:grpSpPr>
-        <a:xfrm>
-          <a:off x="0" y="0"/>
-          <a:ext cx="0" cy="0"/>
-          <a:chOff x="0" y="0"/>
-          <a:chExt cx="0" cy="0"/>
-        </a:xfrm>
-      </p:grpSpPr>
-      <p:sp>
-        <p:nvSpPr>
-          <p:cNvPr id="321" name="Google Shape;321;ga8102acf_165:notes"/>
-          <p:cNvSpPr>
-            <a:spLocks noGrp="1" noRot="1" noChangeAspect="1"/>
-          </p:cNvSpPr>
-          <p:nvPr>
-            <p:ph type="sldImg" idx="2"/>
-          </p:nvPr>
-        </p:nvSpPr>
-        <p:spPr>
-          <a:xfrm>
-            <a:off x="381000" y="685800"/>
-            <a:ext cx="6096000" cy="3429000"/>
-          </a:xfrm>
-          <a:custGeom>
-            <a:avLst/>
-            <a:gdLst/>
-            <a:ahLst/>
-            <a:cxnLst/>
-            <a:rect l="l" t="t" r="r" b="b"/>
-            <a:pathLst>
-              <a:path w="120000" h="120000" extrusionOk="0">
-                <a:moveTo>
-                  <a:pt x="0" y="0"/>
-                </a:moveTo>
-                <a:lnTo>
-                  <a:pt x="120000" y="0"/>
-                </a:lnTo>
-                <a:lnTo>
-                  <a:pt x="120000" y="120000"/>
-                </a:lnTo>
-                <a:lnTo>
-                  <a:pt x="0" y="120000"/>
-                </a:lnTo>
-                <a:close/>
-              </a:path>
-            </a:pathLst>
-          </a:custGeom>
-        </p:spPr>
-      </p:sp>
-      <p:sp>
-        <p:nvSpPr>
-          <p:cNvPr id="322" name="Google Shape;322;ga8102acf_165:notes"/>
-          <p:cNvSpPr txBox="1">
-            <a:spLocks noGrp="1"/>
-          </p:cNvSpPr>
-          <p:nvPr>
-            <p:ph type="body" idx="1"/>
-          </p:nvPr>
-        </p:nvSpPr>
-        <p:spPr>
-          <a:xfrm>
-            <a:off x="685800" y="4343400"/>
-            <a:ext cx="5486400" cy="4114800"/>
-          </a:xfrm>
-          <a:prstGeom prst="rect">
-            <a:avLst/>
-          </a:prstGeom>
-        </p:spPr>
-        <p:txBody>
-          <a:bodyPr spcFirstLastPara="1" wrap="square" lIns="91425" tIns="91425" rIns="91425" bIns="91425" anchor="t" anchorCtr="0">
-            <a:noAutofit/>
-          </a:bodyPr>
-          <a:lstStyle/>
-          <a:p>
-            <a:pPr marL="0" lvl="0" indent="0" algn="l" rtl="0">
-              <a:spcBef>
-                <a:spcPts val="0"/>
-              </a:spcBef>
-              <a:spcAft>
-                <a:spcPts val="0"/>
-              </a:spcAft>
-              <a:buNone/>
-            </a:pPr>
-            <a:endParaRPr/>
-          </a:p>
-        </p:txBody>
-      </p:sp>
-    </p:spTree>
-    <p:extLst>
-      <p:ext uri="{BB962C8B-B14F-4D97-AF65-F5344CB8AC3E}">
-        <p14:creationId xmlns:p14="http://schemas.microsoft.com/office/powerpoint/2010/main" val="2117483403"/>
-      </p:ext>
-    </p:extLst>
-  </p:cSld>
-  <p:clrMapOvr>
-    <a:masterClrMapping/>
-  </p:clrMapOvr>
-</p:notes>
-</file>
-
 <file path=ppt/notesSlides/notesSlide2.xml><?xml version="1.0" encoding="utf-8"?>
 <p:notes xmlns:a="http://schemas.openxmlformats.org/drawingml/2006/main" xmlns:r="http://schemas.openxmlformats.org/officeDocument/2006/relationships" xmlns:p="http://schemas.openxmlformats.org/presentationml/2006/main" showMasterSp="0" showMasterPhAnim="0">
   <p:cSld>
@@ -5237,115 +5127,6 @@
 </file>
 
 <file path=ppt/notesSlides/notesSlide6.xml><?xml version="1.0" encoding="utf-8"?>
-<p:notes xmlns:a="http://schemas.openxmlformats.org/drawingml/2006/main" xmlns:r="http://schemas.openxmlformats.org/officeDocument/2006/relationships" xmlns:p="http://schemas.openxmlformats.org/presentationml/2006/main" showMasterSp="0" showMasterPhAnim="0">
-  <p:cSld>
-    <p:spTree>
-      <p:nvGrpSpPr>
-        <p:cNvPr id="1" name="Shape 284"/>
-        <p:cNvGrpSpPr/>
-        <p:nvPr/>
-      </p:nvGrpSpPr>
-      <p:grpSpPr>
-        <a:xfrm>
-          <a:off x="0" y="0"/>
-          <a:ext cx="0" cy="0"/>
-          <a:chOff x="0" y="0"/>
-          <a:chExt cx="0" cy="0"/>
-        </a:xfrm>
-      </p:grpSpPr>
-      <p:sp>
-        <p:nvSpPr>
-          <p:cNvPr id="285" name="Google Shape;285;g2a8427162_00:notes"/>
-          <p:cNvSpPr>
-            <a:spLocks noGrp="1" noRot="1" noChangeAspect="1"/>
-          </p:cNvSpPr>
-          <p:nvPr>
-            <p:ph type="sldImg" idx="2"/>
-          </p:nvPr>
-        </p:nvSpPr>
-        <p:spPr>
-          <a:xfrm>
-            <a:off x="381000" y="685800"/>
-            <a:ext cx="6096000" cy="3429000"/>
-          </a:xfrm>
-          <a:custGeom>
-            <a:avLst/>
-            <a:gdLst/>
-            <a:ahLst/>
-            <a:cxnLst/>
-            <a:rect l="l" t="t" r="r" b="b"/>
-            <a:pathLst>
-              <a:path w="120000" h="120000" extrusionOk="0">
-                <a:moveTo>
-                  <a:pt x="0" y="0"/>
-                </a:moveTo>
-                <a:lnTo>
-                  <a:pt x="120000" y="0"/>
-                </a:lnTo>
-                <a:lnTo>
-                  <a:pt x="120000" y="120000"/>
-                </a:lnTo>
-                <a:lnTo>
-                  <a:pt x="0" y="120000"/>
-                </a:lnTo>
-                <a:close/>
-              </a:path>
-            </a:pathLst>
-          </a:custGeom>
-        </p:spPr>
-      </p:sp>
-      <p:sp>
-        <p:nvSpPr>
-          <p:cNvPr id="286" name="Google Shape;286;g2a8427162_00:notes"/>
-          <p:cNvSpPr txBox="1">
-            <a:spLocks noGrp="1"/>
-          </p:cNvSpPr>
-          <p:nvPr>
-            <p:ph type="body" idx="1"/>
-          </p:nvPr>
-        </p:nvSpPr>
-        <p:spPr>
-          <a:xfrm>
-            <a:off x="685800" y="4343400"/>
-            <a:ext cx="5486400" cy="4114800"/>
-          </a:xfrm>
-          <a:prstGeom prst="rect">
-            <a:avLst/>
-          </a:prstGeom>
-        </p:spPr>
-        <p:txBody>
-          <a:bodyPr spcFirstLastPara="1" wrap="square" lIns="91425" tIns="91425" rIns="91425" bIns="91425" anchor="t" anchorCtr="0">
-            <a:noAutofit/>
-          </a:bodyPr>
-          <a:lstStyle/>
-          <a:p>
-            <a:pPr marL="0" lvl="0" indent="0" algn="l" rtl="0">
-              <a:spcBef>
-                <a:spcPts val="0"/>
-              </a:spcBef>
-              <a:spcAft>
-                <a:spcPts val="0"/>
-              </a:spcAft>
-              <a:buNone/>
-            </a:pPr>
-            <a:endParaRPr/>
-          </a:p>
-        </p:txBody>
-      </p:sp>
-    </p:spTree>
-    <p:extLst>
-      <p:ext uri="{BB962C8B-B14F-4D97-AF65-F5344CB8AC3E}">
-        <p14:creationId xmlns:p14="http://schemas.microsoft.com/office/powerpoint/2010/main" val="2484944622"/>
-      </p:ext>
-    </p:extLst>
-  </p:cSld>
-  <p:clrMapOvr>
-    <a:masterClrMapping/>
-  </p:clrMapOvr>
-</p:notes>
-</file>
-
-<file path=ppt/notesSlides/notesSlide7.xml><?xml version="1.0" encoding="utf-8"?>
 <p:notes xmlns:a="http://schemas.openxmlformats.org/drawingml/2006/main" xmlns:r="http://schemas.openxmlformats.org/officeDocument/2006/relationships" xmlns:p="http://schemas.openxmlformats.org/presentationml/2006/main">
   <p:cSld>
     <p:spTree>
@@ -5389,7 +5170,7 @@
           <a:p>
             <a:pPr lvl="0"/>
             <a:fld id="{33E75513-7354-418E-8A09-C27CD2BB6C8E}" type="slidenum">
-              <a:t>16</a:t>
+              <a:t>15</a:t>
             </a:fld>
             <a:r>
               <a:rPr lang="fr-BE"/>
@@ -5467,7 +5248,7 @@
 </p:notes>
 </file>
 
-<file path=ppt/notesSlides/notesSlide8.xml><?xml version="1.0" encoding="utf-8"?>
+<file path=ppt/notesSlides/notesSlide7.xml><?xml version="1.0" encoding="utf-8"?>
 <p:notes xmlns:a="http://schemas.openxmlformats.org/drawingml/2006/main" xmlns:r="http://schemas.openxmlformats.org/officeDocument/2006/relationships" xmlns:p="http://schemas.openxmlformats.org/presentationml/2006/main">
   <p:cSld>
     <p:spTree>
@@ -5511,7 +5292,7 @@
           <a:p>
             <a:pPr lvl="0"/>
             <a:fld id="{BDC3591C-D3B1-4F5C-B15C-73AB2A2D0F18}" type="slidenum">
-              <a:t>17</a:t>
+              <a:t>16</a:t>
             </a:fld>
             <a:r>
               <a:rPr lang="fr-BE"/>
@@ -5589,7 +5370,7 @@
 </p:notes>
 </file>
 
-<file path=ppt/notesSlides/notesSlide9.xml><?xml version="1.0" encoding="utf-8"?>
+<file path=ppt/notesSlides/notesSlide8.xml><?xml version="1.0" encoding="utf-8"?>
 <p:notes xmlns:a="http://schemas.openxmlformats.org/drawingml/2006/main" xmlns:r="http://schemas.openxmlformats.org/officeDocument/2006/relationships" xmlns:p="http://schemas.openxmlformats.org/presentationml/2006/main">
   <p:cSld>
     <p:spTree>
@@ -5633,7 +5414,7 @@
           <a:p>
             <a:pPr lvl="0"/>
             <a:fld id="{A7A88272-21C9-4E8D-862D-21AE64E1805B}" type="slidenum">
-              <a:t>18</a:t>
+              <a:t>17</a:t>
             </a:fld>
             <a:r>
               <a:rPr lang="fr-BE"/>
@@ -5704,6 +5485,115 @@
         </p:txBody>
       </p:sp>
     </p:spTree>
+  </p:cSld>
+  <p:clrMapOvr>
+    <a:masterClrMapping/>
+  </p:clrMapOvr>
+</p:notes>
+</file>
+
+<file path=ppt/notesSlides/notesSlide9.xml><?xml version="1.0" encoding="utf-8"?>
+<p:notes xmlns:a="http://schemas.openxmlformats.org/drawingml/2006/main" xmlns:r="http://schemas.openxmlformats.org/officeDocument/2006/relationships" xmlns:p="http://schemas.openxmlformats.org/presentationml/2006/main" showMasterSp="0" showMasterPhAnim="0">
+  <p:cSld>
+    <p:spTree>
+      <p:nvGrpSpPr>
+        <p:cNvPr id="1" name="Shape 320"/>
+        <p:cNvGrpSpPr/>
+        <p:nvPr/>
+      </p:nvGrpSpPr>
+      <p:grpSpPr>
+        <a:xfrm>
+          <a:off x="0" y="0"/>
+          <a:ext cx="0" cy="0"/>
+          <a:chOff x="0" y="0"/>
+          <a:chExt cx="0" cy="0"/>
+        </a:xfrm>
+      </p:grpSpPr>
+      <p:sp>
+        <p:nvSpPr>
+          <p:cNvPr id="321" name="Google Shape;321;ga8102acf_165:notes"/>
+          <p:cNvSpPr>
+            <a:spLocks noGrp="1" noRot="1" noChangeAspect="1"/>
+          </p:cNvSpPr>
+          <p:nvPr>
+            <p:ph type="sldImg" idx="2"/>
+          </p:nvPr>
+        </p:nvSpPr>
+        <p:spPr>
+          <a:xfrm>
+            <a:off x="381000" y="685800"/>
+            <a:ext cx="6096000" cy="3429000"/>
+          </a:xfrm>
+          <a:custGeom>
+            <a:avLst/>
+            <a:gdLst/>
+            <a:ahLst/>
+            <a:cxnLst/>
+            <a:rect l="l" t="t" r="r" b="b"/>
+            <a:pathLst>
+              <a:path w="120000" h="120000" extrusionOk="0">
+                <a:moveTo>
+                  <a:pt x="0" y="0"/>
+                </a:moveTo>
+                <a:lnTo>
+                  <a:pt x="120000" y="0"/>
+                </a:lnTo>
+                <a:lnTo>
+                  <a:pt x="120000" y="120000"/>
+                </a:lnTo>
+                <a:lnTo>
+                  <a:pt x="0" y="120000"/>
+                </a:lnTo>
+                <a:close/>
+              </a:path>
+            </a:pathLst>
+          </a:custGeom>
+        </p:spPr>
+      </p:sp>
+      <p:sp>
+        <p:nvSpPr>
+          <p:cNvPr id="322" name="Google Shape;322;ga8102acf_165:notes"/>
+          <p:cNvSpPr txBox="1">
+            <a:spLocks noGrp="1"/>
+          </p:cNvSpPr>
+          <p:nvPr>
+            <p:ph type="body" idx="1"/>
+          </p:nvPr>
+        </p:nvSpPr>
+        <p:spPr>
+          <a:xfrm>
+            <a:off x="685800" y="4343400"/>
+            <a:ext cx="5486400" cy="4114800"/>
+          </a:xfrm>
+          <a:prstGeom prst="rect">
+            <a:avLst/>
+          </a:prstGeom>
+        </p:spPr>
+        <p:txBody>
+          <a:bodyPr spcFirstLastPara="1" wrap="square" lIns="91425" tIns="91425" rIns="91425" bIns="91425" anchor="t" anchorCtr="0">
+            <a:noAutofit/>
+          </a:bodyPr>
+          <a:lstStyle/>
+          <a:p>
+            <a:pPr marL="0" lvl="0" indent="0" algn="l" rtl="0">
+              <a:spcBef>
+                <a:spcPts val="0"/>
+              </a:spcBef>
+              <a:spcAft>
+                <a:spcPts val="0"/>
+              </a:spcAft>
+              <a:buNone/>
+            </a:pPr>
+            <a:endParaRPr/>
+          </a:p>
+        </p:txBody>
+      </p:sp>
+    </p:spTree>
+    <p:extLst>
+      <p:ext uri="{BB962C8B-B14F-4D97-AF65-F5344CB8AC3E}">
+        <p14:creationId xmlns:p14="http://schemas.microsoft.com/office/powerpoint/2010/main" val="2117483403"/>
+      </p:ext>
+    </p:extLst>
   </p:cSld>
   <p:clrMapOvr>
     <a:masterClrMapping/>
@@ -5864,7 +5754,7 @@
           <a:p>
             <a:fld id="{F3953782-D06E-4853-BE3C-64C197273937}" type="datetimeFigureOut">
               <a:rPr lang="fr-BE" smtClean="0"/>
-              <a:t>14-01-25</a:t>
+              <a:t>11-09-25</a:t>
             </a:fld>
             <a:endParaRPr lang="fr-BE"/>
           </a:p>
@@ -6860,7 +6750,7 @@
           <a:p>
             <a:fld id="{F3953782-D06E-4853-BE3C-64C197273937}" type="datetimeFigureOut">
               <a:rPr lang="fr-BE" smtClean="0"/>
-              <a:t>14-01-25</a:t>
+              <a:t>11-09-25</a:t>
             </a:fld>
             <a:endParaRPr lang="fr-BE"/>
           </a:p>
@@ -7176,7 +7066,7 @@
           <a:p>
             <a:fld id="{F3953782-D06E-4853-BE3C-64C197273937}" type="datetimeFigureOut">
               <a:rPr lang="fr-BE" smtClean="0"/>
-              <a:t>14-01-25</a:t>
+              <a:t>11-09-25</a:t>
             </a:fld>
             <a:endParaRPr lang="fr-BE"/>
           </a:p>
@@ -7373,7 +7263,7 @@
           <a:p>
             <a:fld id="{F3953782-D06E-4853-BE3C-64C197273937}" type="datetimeFigureOut">
               <a:rPr lang="fr-BE" smtClean="0"/>
-              <a:t>14-01-25</a:t>
+              <a:t>11-09-25</a:t>
             </a:fld>
             <a:endParaRPr lang="fr-BE"/>
           </a:p>
@@ -7635,7 +7525,7 @@
           <a:p>
             <a:fld id="{F3953782-D06E-4853-BE3C-64C197273937}" type="datetimeFigureOut">
               <a:rPr lang="fr-BE" smtClean="0"/>
-              <a:t>14-01-25</a:t>
+              <a:t>11-09-25</a:t>
             </a:fld>
             <a:endParaRPr lang="fr-BE"/>
           </a:p>
@@ -8033,7 +7923,7 @@
           <a:p>
             <a:fld id="{F3953782-D06E-4853-BE3C-64C197273937}" type="datetimeFigureOut">
               <a:rPr lang="fr-BE" smtClean="0"/>
-              <a:t>14-01-25</a:t>
+              <a:t>11-09-25</a:t>
             </a:fld>
             <a:endParaRPr lang="fr-BE"/>
           </a:p>
@@ -8182,7 +8072,7 @@
           <a:p>
             <a:fld id="{F3953782-D06E-4853-BE3C-64C197273937}" type="datetimeFigureOut">
               <a:rPr lang="fr-BE" smtClean="0"/>
-              <a:t>14-01-25</a:t>
+              <a:t>11-09-25</a:t>
             </a:fld>
             <a:endParaRPr lang="fr-BE"/>
           </a:p>
@@ -8531,7 +8421,7 @@
           <a:p>
             <a:fld id="{F3953782-D06E-4853-BE3C-64C197273937}" type="datetimeFigureOut">
               <a:rPr lang="fr-BE" smtClean="0"/>
-              <a:t>14-01-25</a:t>
+              <a:t>11-09-25</a:t>
             </a:fld>
             <a:endParaRPr lang="fr-BE"/>
           </a:p>
@@ -8857,7 +8747,7 @@
           <a:p>
             <a:fld id="{F3953782-D06E-4853-BE3C-64C197273937}" type="datetimeFigureOut">
               <a:rPr lang="fr-BE" smtClean="0"/>
-              <a:t>14-01-25</a:t>
+              <a:t>11-09-25</a:t>
             </a:fld>
             <a:endParaRPr lang="fr-BE"/>
           </a:p>
@@ -9537,8 +9427,9 @@
             </a:pPr>
             <a:r>
               <a:rPr lang="fr-BE"/>
-              <a:t>11. Programmation orientée objet : bases </a:t>
-            </a:r>
+              <a:t>13. Programmation orientée objet : aspects avancés</a:t>
+            </a:r>
+            <a:endParaRPr lang="fr-BE" dirty="0"/>
           </a:p>
         </p:txBody>
       </p:sp>
@@ -9554,69 +9445,61 @@
         </p:nvSpPr>
         <p:spPr>
           <a:xfrm>
-            <a:off x="838200" y="1690688"/>
-            <a:ext cx="10515600" cy="5073905"/>
+            <a:off x="838200" y="1690689"/>
+            <a:ext cx="10515600" cy="4918658"/>
           </a:xfrm>
         </p:spPr>
         <p:txBody>
           <a:bodyPr numCol="1">
-            <a:normAutofit fontScale="92500" lnSpcReduction="10000"/>
+            <a:normAutofit lnSpcReduction="10000"/>
           </a:bodyPr>
           <a:lstStyle/>
           <a:p>
             <a:pPr marL="601662" indent="-571500"/>
             <a:r>
               <a:rPr lang="fr-BE"/>
-              <a:t>Module</a:t>
+              <a:t>Associations entre objets</a:t>
             </a:r>
           </a:p>
           <a:p>
             <a:pPr marL="601662" indent="-571500"/>
             <a:r>
               <a:rPr lang="fr-BE"/>
-              <a:t>Manipulation d'un objet </a:t>
-            </a:r>
+              <a:t>Héritage simple</a:t>
+            </a:r>
+            <a:endParaRPr lang="fr-BE" dirty="0"/>
           </a:p>
           <a:p>
             <a:pPr marL="601662" indent="-571500"/>
             <a:r>
               <a:rPr lang="fr-BE"/>
-              <a:t>Conception et modélisation d'un objet</a:t>
-            </a:r>
+              <a:t>Classe abstraite</a:t>
+            </a:r>
+            <a:endParaRPr lang="fr-BE" dirty="0"/>
           </a:p>
           <a:p>
             <a:pPr marL="601662" indent="-571500"/>
             <a:r>
               <a:rPr lang="fr-BE"/>
-              <a:t>Paramètre et méthode d'un objet</a:t>
+              <a:t>Polymorphisme</a:t>
             </a:r>
           </a:p>
           <a:p>
             <a:pPr marL="601662" indent="-571500"/>
             <a:r>
               <a:rPr lang="fr-BE"/>
-              <a:t>Attribut public ou privé</a:t>
+              <a:t>Surcharge</a:t>
             </a:r>
           </a:p>
           <a:p>
             <a:pPr marL="601662" indent="-571500"/>
             <a:r>
               <a:rPr lang="fr-BE"/>
-              <a:t>Encapsulation</a:t>
+              <a:t>Héritage multiple</a:t>
             </a:r>
           </a:p>
           <a:p>
             <a:pPr marL="601662" indent="-571500"/>
-            <a:r>
-              <a:rPr lang="fr-BE"/>
-              <a:t>Variable et méthode de classe</a:t>
-            </a:r>
-          </a:p>
-          <a:p>
-            <a:pPr indent="-354013">
-              <a:buFont typeface="Arial" panose="020B0604020202020204" pitchFamily="34" charset="0"/>
-              <a:buChar char="•"/>
-            </a:pPr>
             <a:endParaRPr lang="fr-BE"/>
           </a:p>
           <a:p>
@@ -9630,7 +9513,7 @@
                 </a:solidFill>
                 <a:sym typeface="Wingdings" panose="05000000000000000000" pitchFamily="2" charset="2"/>
               </a:rPr>
-              <a:t>🏛  Orienté Objet  11-POO-basic</a:t>
+              <a:t>🏛  Orienté Objet  13-POO-advanced</a:t>
             </a:r>
             <a:endParaRPr lang="fr-BE">
               <a:solidFill>
@@ -9643,7 +9526,7 @@
     </p:spTree>
     <p:extLst>
       <p:ext uri="{BB962C8B-B14F-4D97-AF65-F5344CB8AC3E}">
-        <p14:creationId xmlns:p14="http://schemas.microsoft.com/office/powerpoint/2010/main" val="3095309843"/>
+        <p14:creationId xmlns:p14="http://schemas.microsoft.com/office/powerpoint/2010/main" val="4088597914"/>
       </p:ext>
     </p:extLst>
   </p:cSld>
@@ -9702,164 +9585,6 @@
             </a:pPr>
             <a:r>
               <a:rPr lang="fr-BE"/>
-              <a:t>13. Programmation orientée objet : aspects avancés</a:t>
-            </a:r>
-            <a:endParaRPr lang="fr-BE" dirty="0"/>
-          </a:p>
-        </p:txBody>
-      </p:sp>
-      <p:sp>
-        <p:nvSpPr>
-          <p:cNvPr id="5" name="Content Placeholder 4"/>
-          <p:cNvSpPr>
-            <a:spLocks noGrp="1"/>
-          </p:cNvSpPr>
-          <p:nvPr>
-            <p:ph idx="1"/>
-          </p:nvPr>
-        </p:nvSpPr>
-        <p:spPr>
-          <a:xfrm>
-            <a:off x="838200" y="1690689"/>
-            <a:ext cx="10515600" cy="4918658"/>
-          </a:xfrm>
-        </p:spPr>
-        <p:txBody>
-          <a:bodyPr numCol="1">
-            <a:normAutofit lnSpcReduction="10000"/>
-          </a:bodyPr>
-          <a:lstStyle/>
-          <a:p>
-            <a:pPr marL="601662" indent="-571500"/>
-            <a:r>
-              <a:rPr lang="fr-BE"/>
-              <a:t>Associations entre objets</a:t>
-            </a:r>
-          </a:p>
-          <a:p>
-            <a:pPr marL="601662" indent="-571500"/>
-            <a:r>
-              <a:rPr lang="fr-BE"/>
-              <a:t>Héritage simple</a:t>
-            </a:r>
-            <a:endParaRPr lang="fr-BE" dirty="0"/>
-          </a:p>
-          <a:p>
-            <a:pPr marL="601662" indent="-571500"/>
-            <a:r>
-              <a:rPr lang="fr-BE"/>
-              <a:t>Classe abstraite</a:t>
-            </a:r>
-            <a:endParaRPr lang="fr-BE" dirty="0"/>
-          </a:p>
-          <a:p>
-            <a:pPr marL="601662" indent="-571500"/>
-            <a:r>
-              <a:rPr lang="fr-BE"/>
-              <a:t>Polymorphisme</a:t>
-            </a:r>
-          </a:p>
-          <a:p>
-            <a:pPr marL="601662" indent="-571500"/>
-            <a:r>
-              <a:rPr lang="fr-BE"/>
-              <a:t>Surcharge</a:t>
-            </a:r>
-          </a:p>
-          <a:p>
-            <a:pPr marL="601662" indent="-571500"/>
-            <a:r>
-              <a:rPr lang="fr-BE"/>
-              <a:t>Héritage multiple</a:t>
-            </a:r>
-          </a:p>
-          <a:p>
-            <a:pPr marL="601662" indent="-571500"/>
-            <a:endParaRPr lang="fr-BE"/>
-          </a:p>
-          <a:p>
-            <a:pPr marL="30162" indent="0">
-              <a:buNone/>
-            </a:pPr>
-            <a:r>
-              <a:rPr lang="fr-BE">
-                <a:solidFill>
-                  <a:schemeClr val="accent2"/>
-                </a:solidFill>
-                <a:sym typeface="Wingdings" panose="05000000000000000000" pitchFamily="2" charset="2"/>
-              </a:rPr>
-              <a:t>🏛  Orienté Objet  13-POO-advanced</a:t>
-            </a:r>
-            <a:endParaRPr lang="fr-BE">
-              <a:solidFill>
-                <a:schemeClr val="accent2"/>
-              </a:solidFill>
-            </a:endParaRPr>
-          </a:p>
-        </p:txBody>
-      </p:sp>
-    </p:spTree>
-    <p:extLst>
-      <p:ext uri="{BB962C8B-B14F-4D97-AF65-F5344CB8AC3E}">
-        <p14:creationId xmlns:p14="http://schemas.microsoft.com/office/powerpoint/2010/main" val="4088597914"/>
-      </p:ext>
-    </p:extLst>
-  </p:cSld>
-  <p:clrMapOvr>
-    <a:masterClrMapping/>
-  </p:clrMapOvr>
-  <mc:AlternateContent xmlns:mc="http://schemas.openxmlformats.org/markup-compatibility/2006" xmlns:p14="http://schemas.microsoft.com/office/powerpoint/2010/main">
-    <mc:Choice Requires="p14">
-      <p:transition spd="slow">
-        <p14:reveal/>
-      </p:transition>
-    </mc:Choice>
-    <mc:Fallback xmlns="">
-      <p:transition spd="slow">
-        <p:fade/>
-      </p:transition>
-    </mc:Fallback>
-  </mc:AlternateContent>
-</p:sld>
-</file>
-
-<file path=ppt/slides/slide12.xml><?xml version="1.0" encoding="utf-8"?>
-<p:sld xmlns:a="http://schemas.openxmlformats.org/drawingml/2006/main" xmlns:r="http://schemas.openxmlformats.org/officeDocument/2006/relationships" xmlns:p="http://schemas.openxmlformats.org/presentationml/2006/main">
-  <p:cSld>
-    <p:spTree>
-      <p:nvGrpSpPr>
-        <p:cNvPr id="1" name=""/>
-        <p:cNvGrpSpPr/>
-        <p:nvPr/>
-      </p:nvGrpSpPr>
-      <p:grpSpPr>
-        <a:xfrm>
-          <a:off x="0" y="0"/>
-          <a:ext cx="0" cy="0"/>
-          <a:chOff x="0" y="0"/>
-          <a:chExt cx="0" cy="0"/>
-        </a:xfrm>
-      </p:grpSpPr>
-      <p:sp>
-        <p:nvSpPr>
-          <p:cNvPr id="4" name="Title 3"/>
-          <p:cNvSpPr>
-            <a:spLocks noGrp="1"/>
-          </p:cNvSpPr>
-          <p:nvPr>
-            <p:ph type="title"/>
-          </p:nvPr>
-        </p:nvSpPr>
-        <p:spPr/>
-        <p:txBody>
-          <a:bodyPr/>
-          <a:lstStyle/>
-          <a:p>
-            <a:pPr marL="0" indent="0">
-              <a:buNone/>
-            </a:pPr>
-            <a:r>
-              <a:rPr lang="fr-BE"/>
               <a:t>17. Patron de conception (</a:t>
             </a:r>
             <a:r>
@@ -9952,6 +9677,141 @@
     <p:extLst>
       <p:ext uri="{BB962C8B-B14F-4D97-AF65-F5344CB8AC3E}">
         <p14:creationId xmlns:p14="http://schemas.microsoft.com/office/powerpoint/2010/main" val="3396502111"/>
+      </p:ext>
+    </p:extLst>
+  </p:cSld>
+  <p:clrMapOvr>
+    <a:masterClrMapping/>
+  </p:clrMapOvr>
+  <mc:AlternateContent xmlns:mc="http://schemas.openxmlformats.org/markup-compatibility/2006" xmlns:p14="http://schemas.microsoft.com/office/powerpoint/2010/main">
+    <mc:Choice Requires="p14">
+      <p:transition spd="slow">
+        <p14:reveal/>
+      </p:transition>
+    </mc:Choice>
+    <mc:Fallback xmlns="">
+      <p:transition spd="slow">
+        <p:fade/>
+      </p:transition>
+    </mc:Fallback>
+  </mc:AlternateContent>
+</p:sld>
+</file>
+
+<file path=ppt/slides/slide12.xml><?xml version="1.0" encoding="utf-8"?>
+<p:sld xmlns:a="http://schemas.openxmlformats.org/drawingml/2006/main" xmlns:r="http://schemas.openxmlformats.org/officeDocument/2006/relationships" xmlns:p="http://schemas.openxmlformats.org/presentationml/2006/main" show="0">
+  <p:cSld>
+    <p:spTree>
+      <p:nvGrpSpPr>
+        <p:cNvPr id="1" name=""/>
+        <p:cNvGrpSpPr/>
+        <p:nvPr/>
+      </p:nvGrpSpPr>
+      <p:grpSpPr>
+        <a:xfrm>
+          <a:off x="0" y="0"/>
+          <a:ext cx="0" cy="0"/>
+          <a:chOff x="0" y="0"/>
+          <a:chExt cx="0" cy="0"/>
+        </a:xfrm>
+      </p:grpSpPr>
+      <p:sp>
+        <p:nvSpPr>
+          <p:cNvPr id="2" name="Titre 1">
+            <a:extLst>
+              <a:ext uri="{FF2B5EF4-FFF2-40B4-BE49-F238E27FC236}">
+                <a16:creationId xmlns:a16="http://schemas.microsoft.com/office/drawing/2014/main" id="{42B5415B-F92E-4E91-ABC1-D37371775D27}"/>
+              </a:ext>
+            </a:extLst>
+          </p:cNvPr>
+          <p:cNvSpPr>
+            <a:spLocks noGrp="1"/>
+          </p:cNvSpPr>
+          <p:nvPr>
+            <p:ph type="title"/>
+          </p:nvPr>
+        </p:nvSpPr>
+        <p:spPr/>
+        <p:txBody>
+          <a:bodyPr>
+            <a:normAutofit/>
+          </a:bodyPr>
+          <a:lstStyle/>
+          <a:p>
+            <a:r>
+              <a:rPr lang="fr-BE"/>
+              <a:t>18. Programmation orientée objet : travail en équipe (TBD)</a:t>
+            </a:r>
+          </a:p>
+        </p:txBody>
+      </p:sp>
+      <p:sp>
+        <p:nvSpPr>
+          <p:cNvPr id="3" name="Espace réservé du contenu 2">
+            <a:extLst>
+              <a:ext uri="{FF2B5EF4-FFF2-40B4-BE49-F238E27FC236}">
+                <a16:creationId xmlns:a16="http://schemas.microsoft.com/office/drawing/2014/main" id="{1E5965D9-A73B-483F-B935-96AC4C16FF09}"/>
+              </a:ext>
+            </a:extLst>
+          </p:cNvPr>
+          <p:cNvSpPr>
+            <a:spLocks noGrp="1"/>
+          </p:cNvSpPr>
+          <p:nvPr>
+            <p:ph idx="1"/>
+          </p:nvPr>
+        </p:nvSpPr>
+        <p:spPr/>
+        <p:txBody>
+          <a:bodyPr>
+            <a:normAutofit/>
+          </a:bodyPr>
+          <a:lstStyle/>
+          <a:p>
+            <a:r>
+              <a:rPr lang="fr-BE"/>
+              <a:t>Documentation du logiciel</a:t>
+            </a:r>
+          </a:p>
+          <a:p>
+            <a:r>
+              <a:rPr lang="fr-BE"/>
+              <a:t>Respect des standards de programmation de l’équipe</a:t>
+            </a:r>
+          </a:p>
+          <a:p>
+            <a:r>
+              <a:rPr lang="fr-BE"/>
+              <a:t>Emploi de dictionnaires de données</a:t>
+            </a:r>
+          </a:p>
+          <a:p>
+            <a:r>
+              <a:rPr lang="fr-BE"/>
+              <a:t>Emploi de bibliothèques de fonctions et de procédures</a:t>
+            </a:r>
+          </a:p>
+          <a:p>
+            <a:r>
+              <a:rPr lang="fr-BE"/>
+              <a:t>Mise en œuvre d'une procédure de test</a:t>
+            </a:r>
+          </a:p>
+          <a:p>
+            <a:r>
+              <a:rPr lang="fr-BE"/>
+              <a:t>Utilisation de la documentation disponible</a:t>
+            </a:r>
+          </a:p>
+          <a:p>
+            <a:endParaRPr lang="fr-BE"/>
+          </a:p>
+        </p:txBody>
+      </p:sp>
+    </p:spTree>
+    <p:extLst>
+      <p:ext uri="{BB962C8B-B14F-4D97-AF65-F5344CB8AC3E}">
+        <p14:creationId xmlns:p14="http://schemas.microsoft.com/office/powerpoint/2010/main" val="190142403"/>
       </p:ext>
     </p:extLst>
   </p:cSld>
@@ -9995,141 +9855,6 @@
           <p:cNvPr id="2" name="Titre 1">
             <a:extLst>
               <a:ext uri="{FF2B5EF4-FFF2-40B4-BE49-F238E27FC236}">
-                <a16:creationId xmlns:a16="http://schemas.microsoft.com/office/drawing/2014/main" id="{42B5415B-F92E-4E91-ABC1-D37371775D27}"/>
-              </a:ext>
-            </a:extLst>
-          </p:cNvPr>
-          <p:cNvSpPr>
-            <a:spLocks noGrp="1"/>
-          </p:cNvSpPr>
-          <p:nvPr>
-            <p:ph type="title"/>
-          </p:nvPr>
-        </p:nvSpPr>
-        <p:spPr/>
-        <p:txBody>
-          <a:bodyPr>
-            <a:normAutofit/>
-          </a:bodyPr>
-          <a:lstStyle/>
-          <a:p>
-            <a:r>
-              <a:rPr lang="fr-BE"/>
-              <a:t>18. Programmation orientée objet : travail en équipe (TBD)</a:t>
-            </a:r>
-          </a:p>
-        </p:txBody>
-      </p:sp>
-      <p:sp>
-        <p:nvSpPr>
-          <p:cNvPr id="3" name="Espace réservé du contenu 2">
-            <a:extLst>
-              <a:ext uri="{FF2B5EF4-FFF2-40B4-BE49-F238E27FC236}">
-                <a16:creationId xmlns:a16="http://schemas.microsoft.com/office/drawing/2014/main" id="{1E5965D9-A73B-483F-B935-96AC4C16FF09}"/>
-              </a:ext>
-            </a:extLst>
-          </p:cNvPr>
-          <p:cNvSpPr>
-            <a:spLocks noGrp="1"/>
-          </p:cNvSpPr>
-          <p:nvPr>
-            <p:ph idx="1"/>
-          </p:nvPr>
-        </p:nvSpPr>
-        <p:spPr/>
-        <p:txBody>
-          <a:bodyPr>
-            <a:normAutofit/>
-          </a:bodyPr>
-          <a:lstStyle/>
-          <a:p>
-            <a:r>
-              <a:rPr lang="fr-BE"/>
-              <a:t>Documentation du logiciel</a:t>
-            </a:r>
-          </a:p>
-          <a:p>
-            <a:r>
-              <a:rPr lang="fr-BE"/>
-              <a:t>Respect des standards de programmation de l’équipe</a:t>
-            </a:r>
-          </a:p>
-          <a:p>
-            <a:r>
-              <a:rPr lang="fr-BE"/>
-              <a:t>Emploi de dictionnaires de données</a:t>
-            </a:r>
-          </a:p>
-          <a:p>
-            <a:r>
-              <a:rPr lang="fr-BE"/>
-              <a:t>Emploi de bibliothèques de fonctions et de procédures</a:t>
-            </a:r>
-          </a:p>
-          <a:p>
-            <a:r>
-              <a:rPr lang="fr-BE"/>
-              <a:t>Mise en œuvre d'une procédure de test</a:t>
-            </a:r>
-          </a:p>
-          <a:p>
-            <a:r>
-              <a:rPr lang="fr-BE"/>
-              <a:t>Utilisation de la documentation disponible</a:t>
-            </a:r>
-          </a:p>
-          <a:p>
-            <a:endParaRPr lang="fr-BE"/>
-          </a:p>
-        </p:txBody>
-      </p:sp>
-    </p:spTree>
-    <p:extLst>
-      <p:ext uri="{BB962C8B-B14F-4D97-AF65-F5344CB8AC3E}">
-        <p14:creationId xmlns:p14="http://schemas.microsoft.com/office/powerpoint/2010/main" val="190142403"/>
-      </p:ext>
-    </p:extLst>
-  </p:cSld>
-  <p:clrMapOvr>
-    <a:masterClrMapping/>
-  </p:clrMapOvr>
-  <mc:AlternateContent xmlns:mc="http://schemas.openxmlformats.org/markup-compatibility/2006" xmlns:p14="http://schemas.microsoft.com/office/powerpoint/2010/main">
-    <mc:Choice Requires="p14">
-      <p:transition spd="slow">
-        <p14:reveal/>
-      </p:transition>
-    </mc:Choice>
-    <mc:Fallback xmlns="">
-      <p:transition spd="slow">
-        <p:fade/>
-      </p:transition>
-    </mc:Fallback>
-  </mc:AlternateContent>
-</p:sld>
-</file>
-
-<file path=ppt/slides/slide14.xml><?xml version="1.0" encoding="utf-8"?>
-<p:sld xmlns:a="http://schemas.openxmlformats.org/drawingml/2006/main" xmlns:r="http://schemas.openxmlformats.org/officeDocument/2006/relationships" xmlns:p="http://schemas.openxmlformats.org/presentationml/2006/main" show="0">
-  <p:cSld>
-    <p:spTree>
-      <p:nvGrpSpPr>
-        <p:cNvPr id="1" name=""/>
-        <p:cNvGrpSpPr/>
-        <p:nvPr/>
-      </p:nvGrpSpPr>
-      <p:grpSpPr>
-        <a:xfrm>
-          <a:off x="0" y="0"/>
-          <a:ext cx="0" cy="0"/>
-          <a:chOff x="0" y="0"/>
-          <a:chExt cx="0" cy="0"/>
-        </a:xfrm>
-      </p:grpSpPr>
-      <p:sp>
-        <p:nvSpPr>
-          <p:cNvPr id="2" name="Titre 1">
-            <a:extLst>
-              <a:ext uri="{FF2B5EF4-FFF2-40B4-BE49-F238E27FC236}">
                 <a16:creationId xmlns:a16="http://schemas.microsoft.com/office/drawing/2014/main" id="{5661E78C-5B5F-4998-839C-CBBB5A1F83D8}"/>
               </a:ext>
             </a:extLst>
@@ -10459,13 +10184,13 @@
   <p:clrMapOvr>
     <a:masterClrMapping/>
   </p:clrMapOvr>
-  <mc:AlternateContent xmlns:mc="http://schemas.openxmlformats.org/markup-compatibility/2006">
-    <mc:Choice xmlns:p14="http://schemas.microsoft.com/office/powerpoint/2010/main" Requires="p14">
+  <mc:AlternateContent xmlns:mc="http://schemas.openxmlformats.org/markup-compatibility/2006" xmlns:p14="http://schemas.microsoft.com/office/powerpoint/2010/main">
+    <mc:Choice Requires="p14">
       <p:transition spd="slow">
         <p14:reveal/>
       </p:transition>
     </mc:Choice>
-    <mc:Fallback>
+    <mc:Fallback xmlns="">
       <p:transition spd="slow">
         <p:fade/>
       </p:transition>
@@ -10474,7 +10199,7 @@
 </p:sld>
 </file>
 
-<file path=ppt/slides/slide15.xml><?xml version="1.0" encoding="utf-8"?>
+<file path=ppt/slides/slide14.xml><?xml version="1.0" encoding="utf-8"?>
 <p:sld xmlns:a="http://schemas.openxmlformats.org/drawingml/2006/main" xmlns:r="http://schemas.openxmlformats.org/officeDocument/2006/relationships" xmlns:p="http://schemas.openxmlformats.org/presentationml/2006/main">
   <p:cSld>
     <p:spTree>
@@ -10715,7 +10440,7 @@
 </p:sld>
 </file>
 
-<file path=ppt/slides/slide16.xml><?xml version="1.0" encoding="utf-8"?>
+<file path=ppt/slides/slide15.xml><?xml version="1.0" encoding="utf-8"?>
 <p:sld xmlns:a="http://schemas.openxmlformats.org/drawingml/2006/main" xmlns:r="http://schemas.openxmlformats.org/officeDocument/2006/relationships" xmlns:p="http://schemas.openxmlformats.org/presentationml/2006/main">
   <p:cSld>
     <p:spTree>
@@ -10786,7 +10511,7 @@
         </p:nvGraphicFramePr>
         <p:xfrm>
           <a:off x="838200" y="1690688"/>
-          <a:ext cx="10515600" cy="4486275"/>
+          <a:ext cx="10515599" cy="4115299"/>
         </p:xfrm>
         <a:graphic>
           <a:graphicData uri="http://schemas.openxmlformats.org/drawingml/2006/table">
@@ -11418,7 +11143,7 @@
 </p:sld>
 </file>
 
-<file path=ppt/slides/slide17.xml><?xml version="1.0" encoding="utf-8"?>
+<file path=ppt/slides/slide16.xml><?xml version="1.0" encoding="utf-8"?>
 <p:sld xmlns:a="http://schemas.openxmlformats.org/drawingml/2006/main" xmlns:r="http://schemas.openxmlformats.org/officeDocument/2006/relationships" xmlns:p="http://schemas.openxmlformats.org/presentationml/2006/main">
   <p:cSld>
     <p:spTree>
@@ -11489,7 +11214,7 @@
         </p:nvGraphicFramePr>
         <p:xfrm>
           <a:off x="838200" y="1690688"/>
-          <a:ext cx="10515600" cy="4486275"/>
+          <a:ext cx="10515599" cy="3517344"/>
         </p:xfrm>
         <a:graphic>
           <a:graphicData uri="http://schemas.openxmlformats.org/drawingml/2006/table">
@@ -12086,7 +11811,7 @@
 </p:sld>
 </file>
 
-<file path=ppt/slides/slide18.xml><?xml version="1.0" encoding="utf-8"?>
+<file path=ppt/slides/slide17.xml><?xml version="1.0" encoding="utf-8"?>
 <p:sld xmlns:a="http://schemas.openxmlformats.org/drawingml/2006/main" xmlns:r="http://schemas.openxmlformats.org/officeDocument/2006/relationships" xmlns:p="http://schemas.openxmlformats.org/presentationml/2006/main">
   <p:cSld>
     <p:spTree>
@@ -12119,12 +11844,7 @@
             <p:ph type="title"/>
           </p:nvPr>
         </p:nvSpPr>
-        <p:spPr>
-          <a:xfrm>
-            <a:off x="838200" y="674027"/>
-            <a:ext cx="10515600" cy="707758"/>
-          </a:xfrm>
-        </p:spPr>
+        <p:spPr/>
         <p:txBody>
           <a:bodyPr>
             <a:spAutoFit/>
@@ -12155,52 +11875,61 @@
             <p:ph idx="1"/>
             <p:extLst>
               <p:ext uri="{D42A27DB-BD31-4B8C-83A1-F6EECF244321}">
-                <p14:modId xmlns:p14="http://schemas.microsoft.com/office/powerpoint/2010/main" val="41558675"/>
+                <p14:modId xmlns:p14="http://schemas.microsoft.com/office/powerpoint/2010/main" val="3597047766"/>
               </p:ext>
             </p:extLst>
           </p:nvPr>
         </p:nvGraphicFramePr>
         <p:xfrm>
           <a:off x="838200" y="1690688"/>
-          <a:ext cx="10515600" cy="4486275"/>
+          <a:ext cx="10515597" cy="3499373"/>
         </p:xfrm>
         <a:graphic>
           <a:graphicData uri="http://schemas.openxmlformats.org/drawingml/2006/table">
             <a:tbl>
-              <a:tblPr firstRow="1" bandRow="1"/>
+              <a:tblPr bandCol="1">
+                <a:tableStyleId>{5FD0F851-EC5A-4D38-B0AD-8093EC10F338}</a:tableStyleId>
+              </a:tblPr>
               <a:tblGrid>
-                <a:gridCol w="2102785">
+                <a:gridCol w="1751904">
                   <a:extLst>
                     <a:ext uri="{9D8B030D-6E8A-4147-A177-3AD203B41FA5}">
                       <a16:colId xmlns:a16="http://schemas.microsoft.com/office/drawing/2014/main" val="2455002708"/>
                     </a:ext>
                   </a:extLst>
                 </a:gridCol>
-                <a:gridCol w="2102785">
+                <a:gridCol w="1751904">
                   <a:extLst>
                     <a:ext uri="{9D8B030D-6E8A-4147-A177-3AD203B41FA5}">
                       <a16:colId xmlns:a16="http://schemas.microsoft.com/office/drawing/2014/main" val="4159990022"/>
                     </a:ext>
                   </a:extLst>
                 </a:gridCol>
-                <a:gridCol w="2102785">
+                <a:gridCol w="1751904">
                   <a:extLst>
                     <a:ext uri="{9D8B030D-6E8A-4147-A177-3AD203B41FA5}">
                       <a16:colId xmlns:a16="http://schemas.microsoft.com/office/drawing/2014/main" val="1348571956"/>
                     </a:ext>
                   </a:extLst>
                 </a:gridCol>
-                <a:gridCol w="2102785">
+                <a:gridCol w="1753295">
                   <a:extLst>
                     <a:ext uri="{9D8B030D-6E8A-4147-A177-3AD203B41FA5}">
-                      <a16:colId xmlns:a16="http://schemas.microsoft.com/office/drawing/2014/main" val="544414235"/>
+                      <a16:colId xmlns:a16="http://schemas.microsoft.com/office/drawing/2014/main" val="3597397567"/>
                     </a:ext>
                   </a:extLst>
                 </a:gridCol>
-                <a:gridCol w="2104456">
+                <a:gridCol w="1753295">
                   <a:extLst>
                     <a:ext uri="{9D8B030D-6E8A-4147-A177-3AD203B41FA5}">
-                      <a16:colId xmlns:a16="http://schemas.microsoft.com/office/drawing/2014/main" val="3597397567"/>
+                      <a16:colId xmlns:a16="http://schemas.microsoft.com/office/drawing/2014/main" val="1687287666"/>
+                    </a:ext>
+                  </a:extLst>
+                </a:gridCol>
+                <a:gridCol w="1753295">
+                  <a:extLst>
+                    <a:ext uri="{9D8B030D-6E8A-4147-A177-3AD203B41FA5}">
+                      <a16:colId xmlns:a16="http://schemas.microsoft.com/office/drawing/2014/main" val="3536104553"/>
                     </a:ext>
                   </a:extLst>
                 </a:gridCol>
@@ -12225,19 +11954,61 @@
                         <a:tabLst/>
                       </a:pPr>
                       <a:r>
-                        <a:rPr lang="fr-BE" sz="2200" b="0" i="0" u="none" strike="noStrike" kern="1200">
+                        <a:rPr lang="fr-BE" sz="2000" b="1" u="none" strike="noStrike" kern="1200">
                           <a:ln>
                             <a:noFill/>
                           </a:ln>
-                          <a:latin typeface="+mn-lt"/>
-                          <a:ea typeface="Microsoft YaHei" pitchFamily="2"/>
-                          <a:cs typeface="Mangal" pitchFamily="2"/>
                         </a:rPr>
-                        <a:t>JAVA</a:t>
+                        <a:t>Java</a:t>
                       </a:r>
+                      <a:endParaRPr lang="fr-BE" sz="2000" b="1" i="0" u="none" strike="noStrike" kern="1200">
+                        <a:ln>
+                          <a:noFill/>
+                        </a:ln>
+                        <a:latin typeface="+mn-lt"/>
+                        <a:ea typeface="Microsoft YaHei" pitchFamily="2"/>
+                        <a:cs typeface="Mangal" pitchFamily="2"/>
+                      </a:endParaRPr>
                     </a:p>
                   </a:txBody>
-                  <a:tcPr marL="82953" marR="82953" marT="41476" marB="41476"/>
+                  <a:tcPr marL="82953" marR="82953" marT="41476" marB="41476">
+                    <a:lnL w="12700" cap="flat" cmpd="sng" algn="ctr">
+                      <a:solidFill>
+                        <a:schemeClr val="tx1"/>
+                      </a:solidFill>
+                      <a:prstDash val="solid"/>
+                      <a:round/>
+                      <a:headEnd type="none" w="med" len="med"/>
+                      <a:tailEnd type="none" w="med" len="med"/>
+                    </a:lnL>
+                    <a:lnR w="12700" cap="flat" cmpd="sng" algn="ctr">
+                      <a:solidFill>
+                        <a:schemeClr val="tx1"/>
+                      </a:solidFill>
+                      <a:prstDash val="solid"/>
+                      <a:round/>
+                      <a:headEnd type="none" w="med" len="med"/>
+                      <a:tailEnd type="none" w="med" len="med"/>
+                    </a:lnR>
+                    <a:lnT w="12700" cap="flat" cmpd="sng" algn="ctr">
+                      <a:solidFill>
+                        <a:schemeClr val="tx1"/>
+                      </a:solidFill>
+                      <a:prstDash val="solid"/>
+                      <a:round/>
+                      <a:headEnd type="none" w="med" len="med"/>
+                      <a:tailEnd type="none" w="med" len="med"/>
+                    </a:lnT>
+                    <a:lnB w="12700" cap="flat" cmpd="sng" algn="ctr">
+                      <a:solidFill>
+                        <a:schemeClr val="tx1"/>
+                      </a:solidFill>
+                      <a:prstDash val="solid"/>
+                      <a:round/>
+                      <a:headEnd type="none" w="med" len="med"/>
+                      <a:tailEnd type="none" w="med" len="med"/>
+                    </a:lnB>
+                  </a:tcPr>
                 </a:tc>
                 <a:tc>
                   <a:txBody>
@@ -12258,19 +12029,61 @@
                         <a:tabLst/>
                       </a:pPr>
                       <a:r>
-                        <a:rPr lang="fr-BE" sz="2200" b="0" i="0" u="none" strike="noStrike" kern="1200">
+                        <a:rPr lang="fr-BE" sz="2000" b="1" u="none" strike="noStrike" kern="1200">
                           <a:ln>
                             <a:noFill/>
                           </a:ln>
-                          <a:latin typeface="+mn-lt"/>
-                          <a:ea typeface="Microsoft YaHei" pitchFamily="2"/>
-                          <a:cs typeface="Mangal" pitchFamily="2"/>
                         </a:rPr>
                         <a:t>C#</a:t>
                       </a:r>
+                      <a:endParaRPr lang="fr-BE" sz="2000" b="1" i="0" u="none" strike="noStrike" kern="1200">
+                        <a:ln>
+                          <a:noFill/>
+                        </a:ln>
+                        <a:latin typeface="+mn-lt"/>
+                        <a:ea typeface="Microsoft YaHei" pitchFamily="2"/>
+                        <a:cs typeface="Mangal" pitchFamily="2"/>
+                      </a:endParaRPr>
                     </a:p>
                   </a:txBody>
-                  <a:tcPr marL="82953" marR="82953" marT="41476" marB="41476"/>
+                  <a:tcPr marL="82953" marR="82953" marT="41476" marB="41476">
+                    <a:lnL w="12700" cap="flat" cmpd="sng" algn="ctr">
+                      <a:solidFill>
+                        <a:schemeClr val="tx1"/>
+                      </a:solidFill>
+                      <a:prstDash val="solid"/>
+                      <a:round/>
+                      <a:headEnd type="none" w="med" len="med"/>
+                      <a:tailEnd type="none" w="med" len="med"/>
+                    </a:lnL>
+                    <a:lnR w="12700" cap="flat" cmpd="sng" algn="ctr">
+                      <a:solidFill>
+                        <a:schemeClr val="tx1"/>
+                      </a:solidFill>
+                      <a:prstDash val="solid"/>
+                      <a:round/>
+                      <a:headEnd type="none" w="med" len="med"/>
+                      <a:tailEnd type="none" w="med" len="med"/>
+                    </a:lnR>
+                    <a:lnT w="12700" cap="flat" cmpd="sng" algn="ctr">
+                      <a:solidFill>
+                        <a:schemeClr val="tx1"/>
+                      </a:solidFill>
+                      <a:prstDash val="solid"/>
+                      <a:round/>
+                      <a:headEnd type="none" w="med" len="med"/>
+                      <a:tailEnd type="none" w="med" len="med"/>
+                    </a:lnT>
+                    <a:lnB w="12700" cap="flat" cmpd="sng" algn="ctr">
+                      <a:solidFill>
+                        <a:schemeClr val="tx1"/>
+                      </a:solidFill>
+                      <a:prstDash val="solid"/>
+                      <a:round/>
+                      <a:headEnd type="none" w="med" len="med"/>
+                      <a:tailEnd type="none" w="med" len="med"/>
+                    </a:lnB>
+                  </a:tcPr>
                 </a:tc>
                 <a:tc>
                   <a:txBody>
@@ -12291,19 +12104,61 @@
                         <a:tabLst/>
                       </a:pPr>
                       <a:r>
-                        <a:rPr lang="fr-BE" sz="2200" b="0" i="0" u="none" strike="noStrike" kern="1200">
+                        <a:rPr lang="fr-BE" sz="2000" b="1" u="none" strike="noStrike" kern="1200">
                           <a:ln>
                             <a:noFill/>
                           </a:ln>
-                          <a:latin typeface="+mn-lt"/>
-                          <a:ea typeface="Microsoft YaHei" pitchFamily="2"/>
-                          <a:cs typeface="Mangal" pitchFamily="2"/>
                         </a:rPr>
                         <a:t>Python</a:t>
                       </a:r>
+                      <a:endParaRPr lang="fr-BE" sz="2000" b="1" i="0" u="none" strike="noStrike" kern="1200">
+                        <a:ln>
+                          <a:noFill/>
+                        </a:ln>
+                        <a:latin typeface="+mn-lt"/>
+                        <a:ea typeface="Microsoft YaHei" pitchFamily="2"/>
+                        <a:cs typeface="Mangal" pitchFamily="2"/>
+                      </a:endParaRPr>
                     </a:p>
                   </a:txBody>
-                  <a:tcPr marL="82953" marR="82953" marT="41476" marB="41476"/>
+                  <a:tcPr marL="82953" marR="82953" marT="41476" marB="41476">
+                    <a:lnL w="12700" cap="flat" cmpd="sng" algn="ctr">
+                      <a:solidFill>
+                        <a:schemeClr val="tx1"/>
+                      </a:solidFill>
+                      <a:prstDash val="solid"/>
+                      <a:round/>
+                      <a:headEnd type="none" w="med" len="med"/>
+                      <a:tailEnd type="none" w="med" len="med"/>
+                    </a:lnL>
+                    <a:lnR w="12700" cap="flat" cmpd="sng" algn="ctr">
+                      <a:solidFill>
+                        <a:schemeClr val="tx1"/>
+                      </a:solidFill>
+                      <a:prstDash val="solid"/>
+                      <a:round/>
+                      <a:headEnd type="none" w="med" len="med"/>
+                      <a:tailEnd type="none" w="med" len="med"/>
+                    </a:lnR>
+                    <a:lnT w="12700" cap="flat" cmpd="sng" algn="ctr">
+                      <a:solidFill>
+                        <a:schemeClr val="tx1"/>
+                      </a:solidFill>
+                      <a:prstDash val="solid"/>
+                      <a:round/>
+                      <a:headEnd type="none" w="med" len="med"/>
+                      <a:tailEnd type="none" w="med" len="med"/>
+                    </a:lnT>
+                    <a:lnB w="12700" cap="flat" cmpd="sng" algn="ctr">
+                      <a:solidFill>
+                        <a:schemeClr val="tx1"/>
+                      </a:solidFill>
+                      <a:prstDash val="solid"/>
+                      <a:round/>
+                      <a:headEnd type="none" w="med" len="med"/>
+                      <a:tailEnd type="none" w="med" len="med"/>
+                    </a:lnB>
+                  </a:tcPr>
                 </a:tc>
                 <a:tc>
                   <a:txBody>
@@ -12324,19 +12179,61 @@
                         <a:tabLst/>
                       </a:pPr>
                       <a:r>
-                        <a:rPr lang="fr-BE" sz="2200" b="0" i="0" u="none" strike="noStrike" kern="1200">
+                        <a:rPr lang="fr-BE" sz="2000" b="1" u="none" strike="noStrike" kern="1200">
                           <a:ln>
                             <a:noFill/>
                           </a:ln>
-                          <a:latin typeface="+mn-lt"/>
-                          <a:ea typeface="Microsoft YaHei" pitchFamily="2"/>
-                          <a:cs typeface="Mangal" pitchFamily="2"/>
                         </a:rPr>
-                        <a:t>PHP</a:t>
+                        <a:t>C++</a:t>
                       </a:r>
+                      <a:endParaRPr lang="fr-BE" sz="2000" b="1" i="0" u="none" strike="noStrike" kern="1200">
+                        <a:ln>
+                          <a:noFill/>
+                        </a:ln>
+                        <a:latin typeface="+mn-lt"/>
+                        <a:ea typeface="Microsoft YaHei" pitchFamily="2"/>
+                        <a:cs typeface="Mangal" pitchFamily="2"/>
+                      </a:endParaRPr>
                     </a:p>
                   </a:txBody>
-                  <a:tcPr marL="82953" marR="82953" marT="41476" marB="41476"/>
+                  <a:tcPr marL="82953" marR="82953" marT="41476" marB="41476">
+                    <a:lnL w="12700" cap="flat" cmpd="sng" algn="ctr">
+                      <a:solidFill>
+                        <a:schemeClr val="tx1"/>
+                      </a:solidFill>
+                      <a:prstDash val="solid"/>
+                      <a:round/>
+                      <a:headEnd type="none" w="med" len="med"/>
+                      <a:tailEnd type="none" w="med" len="med"/>
+                    </a:lnL>
+                    <a:lnR w="12700" cap="flat" cmpd="sng" algn="ctr">
+                      <a:solidFill>
+                        <a:schemeClr val="tx1"/>
+                      </a:solidFill>
+                      <a:prstDash val="solid"/>
+                      <a:round/>
+                      <a:headEnd type="none" w="med" len="med"/>
+                      <a:tailEnd type="none" w="med" len="med"/>
+                    </a:lnR>
+                    <a:lnT w="12700" cap="flat" cmpd="sng" algn="ctr">
+                      <a:solidFill>
+                        <a:schemeClr val="tx1"/>
+                      </a:solidFill>
+                      <a:prstDash val="solid"/>
+                      <a:round/>
+                      <a:headEnd type="none" w="med" len="med"/>
+                      <a:tailEnd type="none" w="med" len="med"/>
+                    </a:lnT>
+                    <a:lnB w="12700" cap="flat" cmpd="sng" algn="ctr">
+                      <a:solidFill>
+                        <a:schemeClr val="tx1"/>
+                      </a:solidFill>
+                      <a:prstDash val="solid"/>
+                      <a:round/>
+                      <a:headEnd type="none" w="med" len="med"/>
+                      <a:tailEnd type="none" w="med" len="med"/>
+                    </a:lnB>
+                  </a:tcPr>
                 </a:tc>
                 <a:tc>
                   <a:txBody>
@@ -12357,7 +12254,7 @@
                         <a:tabLst/>
                       </a:pPr>
                       <a:r>
-                        <a:rPr lang="fr-BE" sz="2200" b="0" i="0" u="none" strike="noStrike" kern="1200">
+                        <a:rPr lang="fr-BE" sz="2000" b="1" i="0" u="none" strike="noStrike" kern="1200">
                           <a:ln>
                             <a:noFill/>
                           </a:ln>
@@ -12365,11 +12262,118 @@
                           <a:ea typeface="Microsoft YaHei" pitchFamily="2"/>
                           <a:cs typeface="Mangal" pitchFamily="2"/>
                         </a:rPr>
-                        <a:t>C++</a:t>
+                        <a:t>JavaScript</a:t>
                       </a:r>
                     </a:p>
                   </a:txBody>
-                  <a:tcPr marL="82953" marR="82953" marT="41476" marB="41476"/>
+                  <a:tcPr marL="82953" marR="82953" marT="41476" marB="41476">
+                    <a:lnL w="12700" cap="flat" cmpd="sng" algn="ctr">
+                      <a:solidFill>
+                        <a:schemeClr val="tx1"/>
+                      </a:solidFill>
+                      <a:prstDash val="solid"/>
+                      <a:round/>
+                      <a:headEnd type="none" w="med" len="med"/>
+                      <a:tailEnd type="none" w="med" len="med"/>
+                    </a:lnL>
+                    <a:lnR w="12700" cap="flat" cmpd="sng" algn="ctr">
+                      <a:solidFill>
+                        <a:schemeClr val="tx1"/>
+                      </a:solidFill>
+                      <a:prstDash val="solid"/>
+                      <a:round/>
+                      <a:headEnd type="none" w="med" len="med"/>
+                      <a:tailEnd type="none" w="med" len="med"/>
+                    </a:lnR>
+                    <a:lnT w="12700" cap="flat" cmpd="sng" algn="ctr">
+                      <a:solidFill>
+                        <a:schemeClr val="tx1"/>
+                      </a:solidFill>
+                      <a:prstDash val="solid"/>
+                      <a:round/>
+                      <a:headEnd type="none" w="med" len="med"/>
+                      <a:tailEnd type="none" w="med" len="med"/>
+                    </a:lnT>
+                    <a:lnB w="12700" cap="flat" cmpd="sng" algn="ctr">
+                      <a:solidFill>
+                        <a:schemeClr val="tx1"/>
+                      </a:solidFill>
+                      <a:prstDash val="solid"/>
+                      <a:round/>
+                      <a:headEnd type="none" w="med" len="med"/>
+                      <a:tailEnd type="none" w="med" len="med"/>
+                    </a:lnB>
+                  </a:tcPr>
+                </a:tc>
+                <a:tc>
+                  <a:txBody>
+                    <a:bodyPr/>
+                    <a:lstStyle/>
+                    <a:p>
+                      <a:pPr marL="0" marR="0" lvl="0" indent="0" algn="ctr" rtl="0" hangingPunct="0">
+                        <a:lnSpc>
+                          <a:spcPct val="100000"/>
+                        </a:lnSpc>
+                        <a:spcBef>
+                          <a:spcPts val="2611"/>
+                        </a:spcBef>
+                        <a:spcAft>
+                          <a:spcPts val="2611"/>
+                        </a:spcAft>
+                        <a:buNone/>
+                        <a:tabLst/>
+                      </a:pPr>
+                      <a:r>
+                        <a:rPr lang="fr-BE" sz="2000" b="1" i="0" u="none" strike="noStrike" kern="1200">
+                          <a:ln>
+                            <a:noFill/>
+                          </a:ln>
+                          <a:latin typeface="+mn-lt"/>
+                          <a:ea typeface="Microsoft YaHei" pitchFamily="2"/>
+                          <a:cs typeface="Mangal" pitchFamily="2"/>
+                        </a:rPr>
+                        <a:t>Node.js</a:t>
+                      </a:r>
+                    </a:p>
+                  </a:txBody>
+                  <a:tcPr marL="82953" marR="82953" marT="41476" marB="41476">
+                    <a:lnL w="12700" cap="flat" cmpd="sng" algn="ctr">
+                      <a:solidFill>
+                        <a:schemeClr val="tx1"/>
+                      </a:solidFill>
+                      <a:prstDash val="solid"/>
+                      <a:round/>
+                      <a:headEnd type="none" w="med" len="med"/>
+                      <a:tailEnd type="none" w="med" len="med"/>
+                    </a:lnL>
+                    <a:lnR w="12700" cap="flat" cmpd="sng" algn="ctr">
+                      <a:solidFill>
+                        <a:schemeClr val="tx1"/>
+                      </a:solidFill>
+                      <a:prstDash val="solid"/>
+                      <a:round/>
+                      <a:headEnd type="none" w="med" len="med"/>
+                      <a:tailEnd type="none" w="med" len="med"/>
+                    </a:lnR>
+                    <a:lnT w="12700" cap="flat" cmpd="sng" algn="ctr">
+                      <a:solidFill>
+                        <a:schemeClr val="tx1"/>
+                      </a:solidFill>
+                      <a:prstDash val="solid"/>
+                      <a:round/>
+                      <a:headEnd type="none" w="med" len="med"/>
+                      <a:tailEnd type="none" w="med" len="med"/>
+                    </a:lnT>
+                    <a:lnB w="12700" cap="flat" cmpd="sng" algn="ctr">
+                      <a:solidFill>
+                        <a:schemeClr val="tx1"/>
+                      </a:solidFill>
+                      <a:prstDash val="solid"/>
+                      <a:round/>
+                      <a:headEnd type="none" w="med" len="med"/>
+                      <a:tailEnd type="none" w="med" len="med"/>
+                    </a:lnB>
+                  </a:tcPr>
                 </a:tc>
                 <a:extLst>
                   <a:ext uri="{0D108BD9-81ED-4DB2-BD59-A6C34878D82A}">
@@ -12397,19 +12401,61 @@
                         <a:tabLst/>
                       </a:pPr>
                       <a:r>
-                        <a:rPr lang="fr-BE" sz="2200" b="0" i="0" u="none" strike="noStrike" kern="1200">
+                        <a:rPr lang="fr-BE" sz="2000" b="0" u="none" strike="noStrike" kern="1200">
                           <a:ln>
                             <a:noFill/>
                           </a:ln>
-                          <a:latin typeface="+mn-lt"/>
-                          <a:ea typeface="Microsoft YaHei" pitchFamily="2"/>
-                          <a:cs typeface="Mangal" pitchFamily="2"/>
                         </a:rPr>
                         <a:t>compilé</a:t>
                       </a:r>
+                      <a:endParaRPr lang="fr-BE" sz="2000" b="0" i="0" u="none" strike="noStrike" kern="1200">
+                        <a:ln>
+                          <a:noFill/>
+                        </a:ln>
+                        <a:latin typeface="+mn-lt"/>
+                        <a:ea typeface="Microsoft YaHei" pitchFamily="2"/>
+                        <a:cs typeface="Mangal" pitchFamily="2"/>
+                      </a:endParaRPr>
                     </a:p>
                   </a:txBody>
-                  <a:tcPr marL="82953" marR="82953" marT="41476" marB="41476"/>
+                  <a:tcPr marL="82953" marR="82953" marT="41476" marB="41476">
+                    <a:lnL w="12700" cap="flat" cmpd="sng" algn="ctr">
+                      <a:solidFill>
+                        <a:schemeClr val="tx1"/>
+                      </a:solidFill>
+                      <a:prstDash val="solid"/>
+                      <a:round/>
+                      <a:headEnd type="none" w="med" len="med"/>
+                      <a:tailEnd type="none" w="med" len="med"/>
+                    </a:lnL>
+                    <a:lnR w="12700" cap="flat" cmpd="sng" algn="ctr">
+                      <a:solidFill>
+                        <a:schemeClr val="tx1"/>
+                      </a:solidFill>
+                      <a:prstDash val="solid"/>
+                      <a:round/>
+                      <a:headEnd type="none" w="med" len="med"/>
+                      <a:tailEnd type="none" w="med" len="med"/>
+                    </a:lnR>
+                    <a:lnT w="12700" cap="flat" cmpd="sng" algn="ctr">
+                      <a:solidFill>
+                        <a:schemeClr val="tx1"/>
+                      </a:solidFill>
+                      <a:prstDash val="solid"/>
+                      <a:round/>
+                      <a:headEnd type="none" w="med" len="med"/>
+                      <a:tailEnd type="none" w="med" len="med"/>
+                    </a:lnT>
+                    <a:lnB w="12700" cap="flat" cmpd="sng" algn="ctr">
+                      <a:solidFill>
+                        <a:schemeClr val="tx1"/>
+                      </a:solidFill>
+                      <a:prstDash val="solid"/>
+                      <a:round/>
+                      <a:headEnd type="none" w="med" len="med"/>
+                      <a:tailEnd type="none" w="med" len="med"/>
+                    </a:lnB>
+                  </a:tcPr>
                 </a:tc>
                 <a:tc>
                   <a:txBody>
@@ -12430,19 +12476,61 @@
                         <a:tabLst/>
                       </a:pPr>
                       <a:r>
-                        <a:rPr lang="fr-BE" sz="2200" b="0" i="0" u="none" strike="noStrike" kern="1200">
+                        <a:rPr lang="fr-BE" sz="2000" b="0" u="none" strike="noStrike" kern="1200">
                           <a:ln>
                             <a:noFill/>
                           </a:ln>
-                          <a:latin typeface="+mn-lt"/>
-                          <a:ea typeface="Microsoft YaHei" pitchFamily="2"/>
-                          <a:cs typeface="Mangal" pitchFamily="2"/>
                         </a:rPr>
                         <a:t>compilé</a:t>
                       </a:r>
+                      <a:endParaRPr lang="fr-BE" sz="2000" b="0" i="0" u="none" strike="noStrike" kern="1200">
+                        <a:ln>
+                          <a:noFill/>
+                        </a:ln>
+                        <a:latin typeface="+mn-lt"/>
+                        <a:ea typeface="Microsoft YaHei" pitchFamily="2"/>
+                        <a:cs typeface="Mangal" pitchFamily="2"/>
+                      </a:endParaRPr>
                     </a:p>
                   </a:txBody>
-                  <a:tcPr marL="82953" marR="82953" marT="41476" marB="41476"/>
+                  <a:tcPr marL="82953" marR="82953" marT="41476" marB="41476">
+                    <a:lnL w="12700" cap="flat" cmpd="sng" algn="ctr">
+                      <a:solidFill>
+                        <a:schemeClr val="tx1"/>
+                      </a:solidFill>
+                      <a:prstDash val="solid"/>
+                      <a:round/>
+                      <a:headEnd type="none" w="med" len="med"/>
+                      <a:tailEnd type="none" w="med" len="med"/>
+                    </a:lnL>
+                    <a:lnR w="12700" cap="flat" cmpd="sng" algn="ctr">
+                      <a:solidFill>
+                        <a:schemeClr val="tx1"/>
+                      </a:solidFill>
+                      <a:prstDash val="solid"/>
+                      <a:round/>
+                      <a:headEnd type="none" w="med" len="med"/>
+                      <a:tailEnd type="none" w="med" len="med"/>
+                    </a:lnR>
+                    <a:lnT w="12700" cap="flat" cmpd="sng" algn="ctr">
+                      <a:solidFill>
+                        <a:schemeClr val="tx1"/>
+                      </a:solidFill>
+                      <a:prstDash val="solid"/>
+                      <a:round/>
+                      <a:headEnd type="none" w="med" len="med"/>
+                      <a:tailEnd type="none" w="med" len="med"/>
+                    </a:lnT>
+                    <a:lnB w="12700" cap="flat" cmpd="sng" algn="ctr">
+                      <a:solidFill>
+                        <a:schemeClr val="tx1"/>
+                      </a:solidFill>
+                      <a:prstDash val="solid"/>
+                      <a:round/>
+                      <a:headEnd type="none" w="med" len="med"/>
+                      <a:tailEnd type="none" w="med" len="med"/>
+                    </a:lnB>
+                  </a:tcPr>
                 </a:tc>
                 <a:tc>
                   <a:txBody>
@@ -12463,19 +12551,136 @@
                         <a:tabLst/>
                       </a:pPr>
                       <a:r>
-                        <a:rPr lang="fr-BE" sz="2200" b="0" i="0" u="none" strike="noStrike" kern="1200">
+                        <a:rPr lang="fr-BE" sz="2000" b="0" u="none" strike="noStrike" kern="1200">
                           <a:ln>
                             <a:noFill/>
                           </a:ln>
-                          <a:latin typeface="+mn-lt"/>
-                          <a:ea typeface="Microsoft YaHei" pitchFamily="2"/>
-                          <a:cs typeface="Mangal" pitchFamily="2"/>
                         </a:rPr>
                         <a:t>interprêté</a:t>
                       </a:r>
+                      <a:endParaRPr lang="fr-BE" sz="2000" b="0" i="0" u="none" strike="noStrike" kern="1200">
+                        <a:ln>
+                          <a:noFill/>
+                        </a:ln>
+                        <a:latin typeface="+mn-lt"/>
+                        <a:ea typeface="Microsoft YaHei" pitchFamily="2"/>
+                        <a:cs typeface="Mangal" pitchFamily="2"/>
+                      </a:endParaRPr>
                     </a:p>
                   </a:txBody>
-                  <a:tcPr marL="82953" marR="82953" marT="41476" marB="41476"/>
+                  <a:tcPr marL="82953" marR="82953" marT="41476" marB="41476">
+                    <a:lnL w="12700" cap="flat" cmpd="sng" algn="ctr">
+                      <a:solidFill>
+                        <a:schemeClr val="tx1"/>
+                      </a:solidFill>
+                      <a:prstDash val="solid"/>
+                      <a:round/>
+                      <a:headEnd type="none" w="med" len="med"/>
+                      <a:tailEnd type="none" w="med" len="med"/>
+                    </a:lnL>
+                    <a:lnR w="12700" cap="flat" cmpd="sng" algn="ctr">
+                      <a:solidFill>
+                        <a:schemeClr val="tx1"/>
+                      </a:solidFill>
+                      <a:prstDash val="solid"/>
+                      <a:round/>
+                      <a:headEnd type="none" w="med" len="med"/>
+                      <a:tailEnd type="none" w="med" len="med"/>
+                    </a:lnR>
+                    <a:lnT w="12700" cap="flat" cmpd="sng" algn="ctr">
+                      <a:solidFill>
+                        <a:schemeClr val="tx1"/>
+                      </a:solidFill>
+                      <a:prstDash val="solid"/>
+                      <a:round/>
+                      <a:headEnd type="none" w="med" len="med"/>
+                      <a:tailEnd type="none" w="med" len="med"/>
+                    </a:lnT>
+                    <a:lnB w="12700" cap="flat" cmpd="sng" algn="ctr">
+                      <a:solidFill>
+                        <a:schemeClr val="tx1"/>
+                      </a:solidFill>
+                      <a:prstDash val="solid"/>
+                      <a:round/>
+                      <a:headEnd type="none" w="med" len="med"/>
+                      <a:tailEnd type="none" w="med" len="med"/>
+                    </a:lnB>
+                  </a:tcPr>
+                </a:tc>
+                <a:tc>
+                  <a:txBody>
+                    <a:bodyPr/>
+                    <a:lstStyle/>
+                    <a:p>
+                      <a:pPr marL="0" marR="0" lvl="0" indent="0" algn="ctr" rtl="0" hangingPunct="0">
+                        <a:lnSpc>
+                          <a:spcPct val="100000"/>
+                        </a:lnSpc>
+                        <a:spcBef>
+                          <a:spcPts val="0"/>
+                        </a:spcBef>
+                        <a:spcAft>
+                          <a:spcPts val="0"/>
+                        </a:spcAft>
+                        <a:buNone/>
+                        <a:tabLst/>
+                      </a:pPr>
+                      <a:r>
+                        <a:rPr lang="fr-BE" sz="2000" b="0" u="none" strike="noStrike" kern="1200">
+                          <a:ln>
+                            <a:noFill/>
+                          </a:ln>
+                        </a:rPr>
+                        <a:t>compilé</a:t>
+                      </a:r>
+                      <a:endParaRPr lang="fr-BE" sz="2000" b="0" i="0" u="none" strike="noStrike" kern="1200">
+                        <a:ln>
+                          <a:noFill/>
+                        </a:ln>
+                        <a:latin typeface="+mn-lt"/>
+                        <a:ea typeface="Microsoft YaHei" pitchFamily="2"/>
+                        <a:cs typeface="Mangal" pitchFamily="2"/>
+                      </a:endParaRPr>
+                    </a:p>
+                  </a:txBody>
+                  <a:tcPr marL="82953" marR="82953" marT="41476" marB="41476">
+                    <a:lnL w="12700" cap="flat" cmpd="sng" algn="ctr">
+                      <a:solidFill>
+                        <a:schemeClr val="tx1"/>
+                      </a:solidFill>
+                      <a:prstDash val="solid"/>
+                      <a:round/>
+                      <a:headEnd type="none" w="med" len="med"/>
+                      <a:tailEnd type="none" w="med" len="med"/>
+                    </a:lnL>
+                    <a:lnR w="12700" cap="flat" cmpd="sng" algn="ctr">
+                      <a:solidFill>
+                        <a:schemeClr val="tx1"/>
+                      </a:solidFill>
+                      <a:prstDash val="solid"/>
+                      <a:round/>
+                      <a:headEnd type="none" w="med" len="med"/>
+                      <a:tailEnd type="none" w="med" len="med"/>
+                    </a:lnR>
+                    <a:lnT w="12700" cap="flat" cmpd="sng" algn="ctr">
+                      <a:solidFill>
+                        <a:schemeClr val="tx1"/>
+                      </a:solidFill>
+                      <a:prstDash val="solid"/>
+                      <a:round/>
+                      <a:headEnd type="none" w="med" len="med"/>
+                      <a:tailEnd type="none" w="med" len="med"/>
+                    </a:lnT>
+                    <a:lnB w="12700" cap="flat" cmpd="sng" algn="ctr">
+                      <a:solidFill>
+                        <a:schemeClr val="tx1"/>
+                      </a:solidFill>
+                      <a:prstDash val="solid"/>
+                      <a:round/>
+                      <a:headEnd type="none" w="med" len="med"/>
+                      <a:tailEnd type="none" w="med" len="med"/>
+                    </a:lnB>
+                  </a:tcPr>
                 </a:tc>
                 <a:tc>
                   <a:txBody>
@@ -12508,7 +12713,44 @@
                       </a:r>
                     </a:p>
                   </a:txBody>
-                  <a:tcPr marL="82953" marR="82953" marT="41476" marB="41476"/>
+                  <a:tcPr marL="82953" marR="82953" marT="41476" marB="41476">
+                    <a:lnL w="12700" cap="flat" cmpd="sng" algn="ctr">
+                      <a:solidFill>
+                        <a:schemeClr val="tx1"/>
+                      </a:solidFill>
+                      <a:prstDash val="solid"/>
+                      <a:round/>
+                      <a:headEnd type="none" w="med" len="med"/>
+                      <a:tailEnd type="none" w="med" len="med"/>
+                    </a:lnL>
+                    <a:lnR w="12700" cap="flat" cmpd="sng" algn="ctr">
+                      <a:solidFill>
+                        <a:schemeClr val="tx1"/>
+                      </a:solidFill>
+                      <a:prstDash val="solid"/>
+                      <a:round/>
+                      <a:headEnd type="none" w="med" len="med"/>
+                      <a:tailEnd type="none" w="med" len="med"/>
+                    </a:lnR>
+                    <a:lnT w="12700" cap="flat" cmpd="sng" algn="ctr">
+                      <a:solidFill>
+                        <a:schemeClr val="tx1"/>
+                      </a:solidFill>
+                      <a:prstDash val="solid"/>
+                      <a:round/>
+                      <a:headEnd type="none" w="med" len="med"/>
+                      <a:tailEnd type="none" w="med" len="med"/>
+                    </a:lnT>
+                    <a:lnB w="12700" cap="flat" cmpd="sng" algn="ctr">
+                      <a:solidFill>
+                        <a:schemeClr val="tx1"/>
+                      </a:solidFill>
+                      <a:prstDash val="solid"/>
+                      <a:round/>
+                      <a:headEnd type="none" w="med" len="med"/>
+                      <a:tailEnd type="none" w="med" len="med"/>
+                    </a:lnB>
+                  </a:tcPr>
                 </a:tc>
                 <a:tc>
                   <a:txBody>
@@ -12529,7 +12771,7 @@
                         <a:tabLst/>
                       </a:pPr>
                       <a:r>
-                        <a:rPr lang="fr-BE" sz="2200" b="0" i="0" u="none" strike="noStrike" kern="1200">
+                        <a:rPr lang="fr-BE" sz="2000" b="0" i="0" u="none" strike="noStrike" kern="1200">
                           <a:ln>
                             <a:noFill/>
                           </a:ln>
@@ -12537,11 +12779,48 @@
                           <a:ea typeface="Microsoft YaHei" pitchFamily="2"/>
                           <a:cs typeface="Mangal" pitchFamily="2"/>
                         </a:rPr>
-                        <a:t>compilé</a:t>
+                        <a:t>comp. + inte.</a:t>
                       </a:r>
                     </a:p>
                   </a:txBody>
-                  <a:tcPr marL="82953" marR="82953" marT="41476" marB="41476"/>
+                  <a:tcPr marL="82953" marR="82953" marT="41476" marB="41476">
+                    <a:lnL w="12700" cap="flat" cmpd="sng" algn="ctr">
+                      <a:solidFill>
+                        <a:schemeClr val="tx1"/>
+                      </a:solidFill>
+                      <a:prstDash val="solid"/>
+                      <a:round/>
+                      <a:headEnd type="none" w="med" len="med"/>
+                      <a:tailEnd type="none" w="med" len="med"/>
+                    </a:lnL>
+                    <a:lnR w="12700" cap="flat" cmpd="sng" algn="ctr">
+                      <a:solidFill>
+                        <a:schemeClr val="tx1"/>
+                      </a:solidFill>
+                      <a:prstDash val="solid"/>
+                      <a:round/>
+                      <a:headEnd type="none" w="med" len="med"/>
+                      <a:tailEnd type="none" w="med" len="med"/>
+                    </a:lnR>
+                    <a:lnT w="12700" cap="flat" cmpd="sng" algn="ctr">
+                      <a:solidFill>
+                        <a:schemeClr val="tx1"/>
+                      </a:solidFill>
+                      <a:prstDash val="solid"/>
+                      <a:round/>
+                      <a:headEnd type="none" w="med" len="med"/>
+                      <a:tailEnd type="none" w="med" len="med"/>
+                    </a:lnT>
+                    <a:lnB w="12700" cap="flat" cmpd="sng" algn="ctr">
+                      <a:solidFill>
+                        <a:schemeClr val="tx1"/>
+                      </a:solidFill>
+                      <a:prstDash val="solid"/>
+                      <a:round/>
+                      <a:headEnd type="none" w="med" len="med"/>
+                      <a:tailEnd type="none" w="med" len="med"/>
+                    </a:lnB>
+                  </a:tcPr>
                 </a:tc>
                 <a:extLst>
                   <a:ext uri="{0D108BD9-81ED-4DB2-BD59-A6C34878D82A}">
@@ -12549,7 +12828,7 @@
                   </a:ext>
                 </a:extLst>
               </a:tr>
-              <a:tr h="746574">
+              <a:tr h="455213">
                 <a:tc>
                   <a:txBody>
                     <a:bodyPr/>
@@ -12569,19 +12848,61 @@
                         <a:tabLst/>
                       </a:pPr>
                       <a:r>
-                        <a:rPr lang="fr-BE" sz="2200" b="0" i="0" u="none" strike="noStrike" kern="1200">
+                        <a:rPr lang="fr-BE" sz="2000" b="0" u="none" strike="noStrike" kern="1200">
                           <a:ln>
                             <a:noFill/>
                           </a:ln>
-                          <a:latin typeface="+mn-lt"/>
-                          <a:ea typeface="Microsoft YaHei" pitchFamily="2"/>
-                          <a:cs typeface="Mangal" pitchFamily="2"/>
                         </a:rPr>
-                        <a:t>Full OO</a:t>
+                        <a:t>full OO</a:t>
                       </a:r>
+                      <a:endParaRPr lang="fr-BE" sz="2000" b="0" i="0" u="none" strike="noStrike" kern="1200">
+                        <a:ln>
+                          <a:noFill/>
+                        </a:ln>
+                        <a:latin typeface="+mn-lt"/>
+                        <a:ea typeface="Microsoft YaHei" pitchFamily="2"/>
+                        <a:cs typeface="Mangal" pitchFamily="2"/>
+                      </a:endParaRPr>
                     </a:p>
                   </a:txBody>
-                  <a:tcPr marL="82953" marR="82953" marT="41476" marB="41476"/>
+                  <a:tcPr marL="82953" marR="82953" marT="41476" marB="41476">
+                    <a:lnL w="12700" cap="flat" cmpd="sng" algn="ctr">
+                      <a:solidFill>
+                        <a:schemeClr val="tx1"/>
+                      </a:solidFill>
+                      <a:prstDash val="solid"/>
+                      <a:round/>
+                      <a:headEnd type="none" w="med" len="med"/>
+                      <a:tailEnd type="none" w="med" len="med"/>
+                    </a:lnL>
+                    <a:lnR w="12700" cap="flat" cmpd="sng" algn="ctr">
+                      <a:solidFill>
+                        <a:schemeClr val="tx1"/>
+                      </a:solidFill>
+                      <a:prstDash val="solid"/>
+                      <a:round/>
+                      <a:headEnd type="none" w="med" len="med"/>
+                      <a:tailEnd type="none" w="med" len="med"/>
+                    </a:lnR>
+                    <a:lnT w="12700" cap="flat" cmpd="sng" algn="ctr">
+                      <a:solidFill>
+                        <a:schemeClr val="tx1"/>
+                      </a:solidFill>
+                      <a:prstDash val="solid"/>
+                      <a:round/>
+                      <a:headEnd type="none" w="med" len="med"/>
+                      <a:tailEnd type="none" w="med" len="med"/>
+                    </a:lnT>
+                    <a:lnB w="12700" cap="flat" cmpd="sng" algn="ctr">
+                      <a:solidFill>
+                        <a:schemeClr val="tx1"/>
+                      </a:solidFill>
+                      <a:prstDash val="solid"/>
+                      <a:round/>
+                      <a:headEnd type="none" w="med" len="med"/>
+                      <a:tailEnd type="none" w="med" len="med"/>
+                    </a:lnB>
+                  </a:tcPr>
                 </a:tc>
                 <a:tc>
                   <a:txBody>
@@ -12602,19 +12923,61 @@
                         <a:tabLst/>
                       </a:pPr>
                       <a:r>
-                        <a:rPr lang="fr-BE" sz="2200" b="0" i="0" u="none" strike="noStrike" kern="1200">
+                        <a:rPr lang="fr-BE" sz="2000" b="0" u="none" strike="noStrike" kern="1200">
                           <a:ln>
                             <a:noFill/>
                           </a:ln>
-                          <a:latin typeface="+mn-lt"/>
-                          <a:ea typeface="Microsoft YaHei" pitchFamily="2"/>
-                          <a:cs typeface="Mangal" pitchFamily="2"/>
                         </a:rPr>
-                        <a:t>Full OO</a:t>
+                        <a:t>full OO</a:t>
                       </a:r>
+                      <a:endParaRPr lang="fr-BE" sz="2000" b="0" i="0" u="none" strike="noStrike" kern="1200">
+                        <a:ln>
+                          <a:noFill/>
+                        </a:ln>
+                        <a:latin typeface="+mn-lt"/>
+                        <a:ea typeface="Microsoft YaHei" pitchFamily="2"/>
+                        <a:cs typeface="Mangal" pitchFamily="2"/>
+                      </a:endParaRPr>
                     </a:p>
                   </a:txBody>
-                  <a:tcPr marL="82953" marR="82953" marT="41476" marB="41476"/>
+                  <a:tcPr marL="82953" marR="82953" marT="41476" marB="41476">
+                    <a:lnL w="12700" cap="flat" cmpd="sng" algn="ctr">
+                      <a:solidFill>
+                        <a:schemeClr val="tx1"/>
+                      </a:solidFill>
+                      <a:prstDash val="solid"/>
+                      <a:round/>
+                      <a:headEnd type="none" w="med" len="med"/>
+                      <a:tailEnd type="none" w="med" len="med"/>
+                    </a:lnL>
+                    <a:lnR w="12700" cap="flat" cmpd="sng" algn="ctr">
+                      <a:solidFill>
+                        <a:schemeClr val="tx1"/>
+                      </a:solidFill>
+                      <a:prstDash val="solid"/>
+                      <a:round/>
+                      <a:headEnd type="none" w="med" len="med"/>
+                      <a:tailEnd type="none" w="med" len="med"/>
+                    </a:lnR>
+                    <a:lnT w="12700" cap="flat" cmpd="sng" algn="ctr">
+                      <a:solidFill>
+                        <a:schemeClr val="tx1"/>
+                      </a:solidFill>
+                      <a:prstDash val="solid"/>
+                      <a:round/>
+                      <a:headEnd type="none" w="med" len="med"/>
+                      <a:tailEnd type="none" w="med" len="med"/>
+                    </a:lnT>
+                    <a:lnB w="12700" cap="flat" cmpd="sng" algn="ctr">
+                      <a:solidFill>
+                        <a:schemeClr val="tx1"/>
+                      </a:solidFill>
+                      <a:prstDash val="solid"/>
+                      <a:round/>
+                      <a:headEnd type="none" w="med" len="med"/>
+                      <a:tailEnd type="none" w="med" len="med"/>
+                    </a:lnB>
+                  </a:tcPr>
                 </a:tc>
                 <a:tc>
                   <a:txBody>
@@ -12635,40 +12998,61 @@
                         <a:tabLst/>
                       </a:pPr>
                       <a:r>
-                        <a:rPr lang="fr-BE" sz="2200" b="0" i="0" u="none" strike="noStrike" kern="1200">
+                        <a:rPr lang="fr-BE" sz="2000" b="0" u="none" strike="noStrike" kern="1200">
                           <a:ln>
                             <a:noFill/>
                           </a:ln>
-                          <a:latin typeface="+mn-lt"/>
-                          <a:ea typeface="Microsoft YaHei" pitchFamily="2"/>
-                          <a:cs typeface="Mangal" pitchFamily="2"/>
                         </a:rPr>
-                        <a:t>Procédural</a:t>
+                        <a:t>procéd. + OO</a:t>
                       </a:r>
-                      <a:br>
-                        <a:rPr lang="fr-BE" sz="2200" b="0" i="0" u="none" strike="noStrike" kern="1200">
-                          <a:ln>
-                            <a:noFill/>
-                          </a:ln>
-                          <a:latin typeface="+mn-lt"/>
-                          <a:ea typeface="Microsoft YaHei" pitchFamily="2"/>
-                          <a:cs typeface="Mangal" pitchFamily="2"/>
-                        </a:rPr>
-                      </a:br>
-                      <a:r>
-                        <a:rPr lang="fr-BE" sz="2200" b="0" i="0" u="none" strike="noStrike" kern="1200">
-                          <a:ln>
-                            <a:noFill/>
-                          </a:ln>
-                          <a:latin typeface="+mn-lt"/>
-                          <a:ea typeface="Microsoft YaHei" pitchFamily="2"/>
-                          <a:cs typeface="Mangal" pitchFamily="2"/>
-                        </a:rPr>
-                        <a:t> + OO</a:t>
-                      </a:r>
+                      <a:endParaRPr lang="fr-BE" sz="2000" b="0" i="0" u="none" strike="noStrike" kern="1200">
+                        <a:ln>
+                          <a:noFill/>
+                        </a:ln>
+                        <a:latin typeface="+mn-lt"/>
+                        <a:ea typeface="Microsoft YaHei" pitchFamily="2"/>
+                        <a:cs typeface="Mangal" pitchFamily="2"/>
+                      </a:endParaRPr>
                     </a:p>
                   </a:txBody>
-                  <a:tcPr marL="82953" marR="82953" marT="41476" marB="41476"/>
+                  <a:tcPr marL="82953" marR="82953" marT="41476" marB="41476">
+                    <a:lnL w="12700" cap="flat" cmpd="sng" algn="ctr">
+                      <a:solidFill>
+                        <a:schemeClr val="tx1"/>
+                      </a:solidFill>
+                      <a:prstDash val="solid"/>
+                      <a:round/>
+                      <a:headEnd type="none" w="med" len="med"/>
+                      <a:tailEnd type="none" w="med" len="med"/>
+                    </a:lnL>
+                    <a:lnR w="12700" cap="flat" cmpd="sng" algn="ctr">
+                      <a:solidFill>
+                        <a:schemeClr val="tx1"/>
+                      </a:solidFill>
+                      <a:prstDash val="solid"/>
+                      <a:round/>
+                      <a:headEnd type="none" w="med" len="med"/>
+                      <a:tailEnd type="none" w="med" len="med"/>
+                    </a:lnR>
+                    <a:lnT w="12700" cap="flat" cmpd="sng" algn="ctr">
+                      <a:solidFill>
+                        <a:schemeClr val="tx1"/>
+                      </a:solidFill>
+                      <a:prstDash val="solid"/>
+                      <a:round/>
+                      <a:headEnd type="none" w="med" len="med"/>
+                      <a:tailEnd type="none" w="med" len="med"/>
+                    </a:lnT>
+                    <a:lnB w="12700" cap="flat" cmpd="sng" algn="ctr">
+                      <a:solidFill>
+                        <a:schemeClr val="tx1"/>
+                      </a:solidFill>
+                      <a:prstDash val="solid"/>
+                      <a:round/>
+                      <a:headEnd type="none" w="med" len="med"/>
+                      <a:tailEnd type="none" w="med" len="med"/>
+                    </a:lnB>
+                  </a:tcPr>
                 </a:tc>
                 <a:tc>
                   <a:txBody>
@@ -12689,40 +13073,61 @@
                         <a:tabLst/>
                       </a:pPr>
                       <a:r>
-                        <a:rPr lang="fr-BE" sz="2200" b="0" i="0" u="none" strike="noStrike" kern="1200">
+                        <a:rPr lang="fr-BE" sz="2000" b="0" u="none" strike="noStrike" kern="1200">
                           <a:ln>
                             <a:noFill/>
                           </a:ln>
-                          <a:latin typeface="+mn-lt"/>
-                          <a:ea typeface="Microsoft YaHei" pitchFamily="2"/>
-                          <a:cs typeface="Mangal" pitchFamily="2"/>
                         </a:rPr>
-                        <a:t>Procédural</a:t>
+                        <a:t>procéd. + OO</a:t>
                       </a:r>
-                      <a:br>
-                        <a:rPr lang="fr-BE" sz="2200" b="0" i="0" u="none" strike="noStrike" kern="1200">
-                          <a:ln>
-                            <a:noFill/>
-                          </a:ln>
-                          <a:latin typeface="+mn-lt"/>
-                          <a:ea typeface="Microsoft YaHei" pitchFamily="2"/>
-                          <a:cs typeface="Mangal" pitchFamily="2"/>
-                        </a:rPr>
-                      </a:br>
-                      <a:r>
-                        <a:rPr lang="fr-BE" sz="2200" b="0" i="0" u="none" strike="noStrike" kern="1200">
-                          <a:ln>
-                            <a:noFill/>
-                          </a:ln>
-                          <a:latin typeface="+mn-lt"/>
-                          <a:ea typeface="Microsoft YaHei" pitchFamily="2"/>
-                          <a:cs typeface="Mangal" pitchFamily="2"/>
-                        </a:rPr>
-                        <a:t> + OO</a:t>
-                      </a:r>
+                      <a:endParaRPr lang="fr-BE" sz="2000" b="0" i="0" u="none" strike="noStrike" kern="1200">
+                        <a:ln>
+                          <a:noFill/>
+                        </a:ln>
+                        <a:latin typeface="+mn-lt"/>
+                        <a:ea typeface="Microsoft YaHei" pitchFamily="2"/>
+                        <a:cs typeface="Mangal" pitchFamily="2"/>
+                      </a:endParaRPr>
                     </a:p>
                   </a:txBody>
-                  <a:tcPr marL="82953" marR="82953" marT="41476" marB="41476"/>
+                  <a:tcPr marL="82953" marR="82953" marT="41476" marB="41476">
+                    <a:lnL w="12700" cap="flat" cmpd="sng" algn="ctr">
+                      <a:solidFill>
+                        <a:schemeClr val="tx1"/>
+                      </a:solidFill>
+                      <a:prstDash val="solid"/>
+                      <a:round/>
+                      <a:headEnd type="none" w="med" len="med"/>
+                      <a:tailEnd type="none" w="med" len="med"/>
+                    </a:lnL>
+                    <a:lnR w="12700" cap="flat" cmpd="sng" algn="ctr">
+                      <a:solidFill>
+                        <a:schemeClr val="tx1"/>
+                      </a:solidFill>
+                      <a:prstDash val="solid"/>
+                      <a:round/>
+                      <a:headEnd type="none" w="med" len="med"/>
+                      <a:tailEnd type="none" w="med" len="med"/>
+                    </a:lnR>
+                    <a:lnT w="12700" cap="flat" cmpd="sng" algn="ctr">
+                      <a:solidFill>
+                        <a:schemeClr val="tx1"/>
+                      </a:solidFill>
+                      <a:prstDash val="solid"/>
+                      <a:round/>
+                      <a:headEnd type="none" w="med" len="med"/>
+                      <a:tailEnd type="none" w="med" len="med"/>
+                    </a:lnT>
+                    <a:lnB w="12700" cap="flat" cmpd="sng" algn="ctr">
+                      <a:solidFill>
+                        <a:schemeClr val="tx1"/>
+                      </a:solidFill>
+                      <a:prstDash val="solid"/>
+                      <a:round/>
+                      <a:headEnd type="none" w="med" len="med"/>
+                      <a:tailEnd type="none" w="med" len="med"/>
+                    </a:lnB>
+                  </a:tcPr>
                 </a:tc>
                 <a:tc>
                   <a:txBody>
@@ -12743,7 +13148,7 @@
                         <a:tabLst/>
                       </a:pPr>
                       <a:r>
-                        <a:rPr lang="fr-BE" sz="2200" b="0" i="0" u="none" strike="noStrike" kern="1200">
+                        <a:rPr lang="fr-BE" sz="2000" b="0" i="0" u="none" strike="noStrike" kern="1200">
                           <a:ln>
                             <a:noFill/>
                           </a:ln>
@@ -12751,10 +13156,69 @@
                           <a:ea typeface="Microsoft YaHei" pitchFamily="2"/>
                           <a:cs typeface="Mangal" pitchFamily="2"/>
                         </a:rPr>
-                        <a:t>Procédural</a:t>
+                        <a:t>prototype</a:t>
                       </a:r>
-                      <a:br>
-                        <a:rPr lang="fr-BE" sz="2200" b="0" i="0" u="none" strike="noStrike" kern="1200">
+                    </a:p>
+                  </a:txBody>
+                  <a:tcPr marL="82953" marR="82953" marT="41476" marB="41476">
+                    <a:lnL w="12700" cap="flat" cmpd="sng" algn="ctr">
+                      <a:solidFill>
+                        <a:schemeClr val="tx1"/>
+                      </a:solidFill>
+                      <a:prstDash val="solid"/>
+                      <a:round/>
+                      <a:headEnd type="none" w="med" len="med"/>
+                      <a:tailEnd type="none" w="med" len="med"/>
+                    </a:lnL>
+                    <a:lnR w="12700" cap="flat" cmpd="sng" algn="ctr">
+                      <a:solidFill>
+                        <a:schemeClr val="tx1"/>
+                      </a:solidFill>
+                      <a:prstDash val="solid"/>
+                      <a:round/>
+                      <a:headEnd type="none" w="med" len="med"/>
+                      <a:tailEnd type="none" w="med" len="med"/>
+                    </a:lnR>
+                    <a:lnT w="12700" cap="flat" cmpd="sng" algn="ctr">
+                      <a:solidFill>
+                        <a:schemeClr val="tx1"/>
+                      </a:solidFill>
+                      <a:prstDash val="solid"/>
+                      <a:round/>
+                      <a:headEnd type="none" w="med" len="med"/>
+                      <a:tailEnd type="none" w="med" len="med"/>
+                    </a:lnT>
+                    <a:lnB w="12700" cap="flat" cmpd="sng" algn="ctr">
+                      <a:solidFill>
+                        <a:schemeClr val="tx1"/>
+                      </a:solidFill>
+                      <a:prstDash val="solid"/>
+                      <a:round/>
+                      <a:headEnd type="none" w="med" len="med"/>
+                      <a:tailEnd type="none" w="med" len="med"/>
+                    </a:lnB>
+                  </a:tcPr>
+                </a:tc>
+                <a:tc>
+                  <a:txBody>
+                    <a:bodyPr/>
+                    <a:lstStyle/>
+                    <a:p>
+                      <a:pPr marL="0" marR="0" lvl="0" indent="0" algn="ctr" rtl="0" hangingPunct="0">
+                        <a:lnSpc>
+                          <a:spcPct val="100000"/>
+                        </a:lnSpc>
+                        <a:spcBef>
+                          <a:spcPts val="0"/>
+                        </a:spcBef>
+                        <a:spcAft>
+                          <a:spcPts val="0"/>
+                        </a:spcAft>
+                        <a:buNone/>
+                        <a:tabLst/>
+                      </a:pPr>
+                      <a:r>
+                        <a:rPr lang="fr-BE" sz="2000" b="0" i="0" u="none" strike="noStrike" kern="1200">
                           <a:ln>
                             <a:noFill/>
                           </a:ln>
@@ -12762,21 +13226,48 @@
                           <a:ea typeface="Microsoft YaHei" pitchFamily="2"/>
                           <a:cs typeface="Mangal" pitchFamily="2"/>
                         </a:rPr>
-                      </a:br>
-                      <a:r>
-                        <a:rPr lang="fr-BE" sz="2200" b="0" i="0" u="none" strike="noStrike" kern="1200">
-                          <a:ln>
-                            <a:noFill/>
-                          </a:ln>
-                          <a:latin typeface="+mn-lt"/>
-                          <a:ea typeface="Microsoft YaHei" pitchFamily="2"/>
-                          <a:cs typeface="Mangal" pitchFamily="2"/>
-                        </a:rPr>
-                        <a:t> + OO</a:t>
+                        <a:t>prototype</a:t>
                       </a:r>
                     </a:p>
                   </a:txBody>
-                  <a:tcPr marL="82953" marR="82953" marT="41476" marB="41476"/>
+                  <a:tcPr marL="82953" marR="82953" marT="41476" marB="41476">
+                    <a:lnL w="12700" cap="flat" cmpd="sng" algn="ctr">
+                      <a:solidFill>
+                        <a:schemeClr val="tx1"/>
+                      </a:solidFill>
+                      <a:prstDash val="solid"/>
+                      <a:round/>
+                      <a:headEnd type="none" w="med" len="med"/>
+                      <a:tailEnd type="none" w="med" len="med"/>
+                    </a:lnL>
+                    <a:lnR w="12700" cap="flat" cmpd="sng" algn="ctr">
+                      <a:solidFill>
+                        <a:schemeClr val="tx1"/>
+                      </a:solidFill>
+                      <a:prstDash val="solid"/>
+                      <a:round/>
+                      <a:headEnd type="none" w="med" len="med"/>
+                      <a:tailEnd type="none" w="med" len="med"/>
+                    </a:lnR>
+                    <a:lnT w="12700" cap="flat" cmpd="sng" algn="ctr">
+                      <a:solidFill>
+                        <a:schemeClr val="tx1"/>
+                      </a:solidFill>
+                      <a:prstDash val="solid"/>
+                      <a:round/>
+                      <a:headEnd type="none" w="med" len="med"/>
+                      <a:tailEnd type="none" w="med" len="med"/>
+                    </a:lnT>
+                    <a:lnB w="12700" cap="flat" cmpd="sng" algn="ctr">
+                      <a:solidFill>
+                        <a:schemeClr val="tx1"/>
+                      </a:solidFill>
+                      <a:prstDash val="solid"/>
+                      <a:round/>
+                      <a:headEnd type="none" w="med" len="med"/>
+                      <a:tailEnd type="none" w="med" len="med"/>
+                    </a:lnB>
+                  </a:tcPr>
                 </a:tc>
                 <a:extLst>
                   <a:ext uri="{0D108BD9-81ED-4DB2-BD59-A6C34878D82A}">
@@ -12804,19 +13295,284 @@
                         <a:tabLst/>
                       </a:pPr>
                       <a:r>
-                        <a:rPr lang="fr-BE" sz="2200" b="0" i="0" u="none" strike="noStrike" kern="1200">
+                        <a:rPr lang="fr-BE" sz="2000" b="0" u="none" strike="noStrike" kern="1200">
                           <a:ln>
                             <a:noFill/>
                           </a:ln>
-                          <a:latin typeface="+mn-lt"/>
-                          <a:ea typeface="Microsoft YaHei" pitchFamily="2"/>
-                          <a:cs typeface="Mangal" pitchFamily="2"/>
                         </a:rPr>
                         <a:t>générique</a:t>
                       </a:r>
+                      <a:endParaRPr lang="fr-BE" sz="2000" b="0" i="0" u="none" strike="noStrike" kern="1200">
+                        <a:ln>
+                          <a:noFill/>
+                        </a:ln>
+                        <a:latin typeface="+mn-lt"/>
+                        <a:ea typeface="Microsoft YaHei" pitchFamily="2"/>
+                        <a:cs typeface="Mangal" pitchFamily="2"/>
+                      </a:endParaRPr>
                     </a:p>
                   </a:txBody>
-                  <a:tcPr marL="82953" marR="82953" marT="41476" marB="41476"/>
+                  <a:tcPr marL="82953" marR="82953" marT="41476" marB="41476">
+                    <a:lnL w="12700" cap="flat" cmpd="sng" algn="ctr">
+                      <a:solidFill>
+                        <a:schemeClr val="tx1"/>
+                      </a:solidFill>
+                      <a:prstDash val="solid"/>
+                      <a:round/>
+                      <a:headEnd type="none" w="med" len="med"/>
+                      <a:tailEnd type="none" w="med" len="med"/>
+                    </a:lnL>
+                    <a:lnR w="12700" cap="flat" cmpd="sng" algn="ctr">
+                      <a:solidFill>
+                        <a:schemeClr val="tx1"/>
+                      </a:solidFill>
+                      <a:prstDash val="solid"/>
+                      <a:round/>
+                      <a:headEnd type="none" w="med" len="med"/>
+                      <a:tailEnd type="none" w="med" len="med"/>
+                    </a:lnR>
+                    <a:lnT w="12700" cap="flat" cmpd="sng" algn="ctr">
+                      <a:solidFill>
+                        <a:schemeClr val="tx1"/>
+                      </a:solidFill>
+                      <a:prstDash val="solid"/>
+                      <a:round/>
+                      <a:headEnd type="none" w="med" len="med"/>
+                      <a:tailEnd type="none" w="med" len="med"/>
+                    </a:lnT>
+                    <a:lnB w="12700" cap="flat" cmpd="sng" algn="ctr">
+                      <a:solidFill>
+                        <a:schemeClr val="tx1"/>
+                      </a:solidFill>
+                      <a:prstDash val="solid"/>
+                      <a:round/>
+                      <a:headEnd type="none" w="med" len="med"/>
+                      <a:tailEnd type="none" w="med" len="med"/>
+                    </a:lnB>
+                  </a:tcPr>
+                </a:tc>
+                <a:tc>
+                  <a:txBody>
+                    <a:bodyPr/>
+                    <a:lstStyle/>
+                    <a:p>
+                      <a:pPr marL="0" marR="0" lvl="0" indent="0" algn="ctr" rtl="0" hangingPunct="0">
+                        <a:lnSpc>
+                          <a:spcPct val="100000"/>
+                        </a:lnSpc>
+                        <a:spcBef>
+                          <a:spcPts val="0"/>
+                        </a:spcBef>
+                        <a:spcAft>
+                          <a:spcPts val="0"/>
+                        </a:spcAft>
+                        <a:buNone/>
+                        <a:tabLst/>
+                      </a:pPr>
+                      <a:r>
+                        <a:rPr lang="fr-BE" sz="2000" b="0" u="none" strike="noStrike" kern="1200">
+                          <a:ln>
+                            <a:noFill/>
+                          </a:ln>
+                        </a:rPr>
+                        <a:t>event-driven</a:t>
+                      </a:r>
+                      <a:endParaRPr lang="fr-BE" sz="2000" b="0" i="0" u="none" strike="noStrike" kern="1200">
+                        <a:ln>
+                          <a:noFill/>
+                        </a:ln>
+                        <a:latin typeface="+mn-lt"/>
+                        <a:ea typeface="Microsoft YaHei" pitchFamily="2"/>
+                        <a:cs typeface="Mangal" pitchFamily="2"/>
+                      </a:endParaRPr>
+                    </a:p>
+                  </a:txBody>
+                  <a:tcPr marL="82953" marR="82953" marT="41476" marB="41476">
+                    <a:lnL w="12700" cap="flat" cmpd="sng" algn="ctr">
+                      <a:solidFill>
+                        <a:schemeClr val="tx1"/>
+                      </a:solidFill>
+                      <a:prstDash val="solid"/>
+                      <a:round/>
+                      <a:headEnd type="none" w="med" len="med"/>
+                      <a:tailEnd type="none" w="med" len="med"/>
+                    </a:lnL>
+                    <a:lnR w="12700" cap="flat" cmpd="sng" algn="ctr">
+                      <a:solidFill>
+                        <a:schemeClr val="tx1"/>
+                      </a:solidFill>
+                      <a:prstDash val="solid"/>
+                      <a:round/>
+                      <a:headEnd type="none" w="med" len="med"/>
+                      <a:tailEnd type="none" w="med" len="med"/>
+                    </a:lnR>
+                    <a:lnT w="12700" cap="flat" cmpd="sng" algn="ctr">
+                      <a:solidFill>
+                        <a:schemeClr val="tx1"/>
+                      </a:solidFill>
+                      <a:prstDash val="solid"/>
+                      <a:round/>
+                      <a:headEnd type="none" w="med" len="med"/>
+                      <a:tailEnd type="none" w="med" len="med"/>
+                    </a:lnT>
+                    <a:lnB w="12700" cap="flat" cmpd="sng" algn="ctr">
+                      <a:solidFill>
+                        <a:schemeClr val="tx1"/>
+                      </a:solidFill>
+                      <a:prstDash val="solid"/>
+                      <a:round/>
+                      <a:headEnd type="none" w="med" len="med"/>
+                      <a:tailEnd type="none" w="med" len="med"/>
+                    </a:lnB>
+                  </a:tcPr>
+                </a:tc>
+                <a:tc>
+                  <a:txBody>
+                    <a:bodyPr/>
+                    <a:lstStyle/>
+                    <a:p>
+                      <a:pPr marL="0" marR="0" indent="0" algn="ctr" rtl="0" hangingPunct="0">
+                        <a:lnSpc>
+                          <a:spcPct val="100000"/>
+                        </a:lnSpc>
+                        <a:spcBef>
+                          <a:spcPts val="0"/>
+                        </a:spcBef>
+                        <a:spcAft>
+                          <a:spcPts val="0"/>
+                        </a:spcAft>
+                        <a:tabLst/>
+                      </a:pPr>
+                      <a:r>
+                        <a:rPr lang="fr-BE" sz="2000" b="0" u="none" strike="noStrike" kern="1200">
+                          <a:ln>
+                            <a:noFill/>
+                          </a:ln>
+                        </a:rPr>
+                        <a:t>générique</a:t>
+                      </a:r>
+                      <a:endParaRPr lang="fr-BE" sz="2000" b="0" i="0" u="none" strike="noStrike" kern="1200">
+                        <a:ln>
+                          <a:noFill/>
+                        </a:ln>
+                        <a:latin typeface="+mn-lt"/>
+                        <a:ea typeface="Microsoft YaHei" pitchFamily="2"/>
+                        <a:cs typeface="Mangal" pitchFamily="2"/>
+                      </a:endParaRPr>
+                    </a:p>
+                  </a:txBody>
+                  <a:tcPr marL="82953" marR="82953" marT="41476" marB="41476">
+                    <a:lnL w="12700" cap="flat" cmpd="sng" algn="ctr">
+                      <a:solidFill>
+                        <a:schemeClr val="tx1"/>
+                      </a:solidFill>
+                      <a:prstDash val="solid"/>
+                      <a:round/>
+                      <a:headEnd type="none" w="med" len="med"/>
+                      <a:tailEnd type="none" w="med" len="med"/>
+                    </a:lnL>
+                    <a:lnR w="12700" cap="flat" cmpd="sng" algn="ctr">
+                      <a:solidFill>
+                        <a:schemeClr val="tx1"/>
+                      </a:solidFill>
+                      <a:prstDash val="solid"/>
+                      <a:round/>
+                      <a:headEnd type="none" w="med" len="med"/>
+                      <a:tailEnd type="none" w="med" len="med"/>
+                    </a:lnR>
+                    <a:lnT w="12700" cap="flat" cmpd="sng" algn="ctr">
+                      <a:solidFill>
+                        <a:schemeClr val="tx1"/>
+                      </a:solidFill>
+                      <a:prstDash val="solid"/>
+                      <a:round/>
+                      <a:headEnd type="none" w="med" len="med"/>
+                      <a:tailEnd type="none" w="med" len="med"/>
+                    </a:lnT>
+                    <a:lnB w="12700" cap="flat" cmpd="sng" algn="ctr">
+                      <a:solidFill>
+                        <a:schemeClr val="tx1"/>
+                      </a:solidFill>
+                      <a:prstDash val="solid"/>
+                      <a:round/>
+                      <a:headEnd type="none" w="med" len="med"/>
+                      <a:tailEnd type="none" w="med" len="med"/>
+                    </a:lnB>
+                  </a:tcPr>
+                </a:tc>
+                <a:tc>
+                  <a:txBody>
+                    <a:bodyPr/>
+                    <a:lstStyle/>
+                    <a:p>
+                      <a:pPr marL="0" marR="0" indent="0" algn="ctr" rtl="0" hangingPunct="0">
+                        <a:lnSpc>
+                          <a:spcPct val="100000"/>
+                        </a:lnSpc>
+                        <a:spcBef>
+                          <a:spcPts val="0"/>
+                        </a:spcBef>
+                        <a:spcAft>
+                          <a:spcPts val="0"/>
+                        </a:spcAft>
+                        <a:tabLst/>
+                      </a:pPr>
+                      <a:r>
+                        <a:rPr lang="fr-BE" sz="2000" b="0" u="none" strike="noStrike" kern="1200">
+                          <a:ln>
+                            <a:noFill/>
+                          </a:ln>
+                        </a:rPr>
+                        <a:t>générique</a:t>
+                      </a:r>
+                      <a:endParaRPr lang="fr-BE" sz="2000" b="0" i="0" u="none" strike="noStrike" kern="1200">
+                        <a:ln>
+                          <a:noFill/>
+                        </a:ln>
+                        <a:latin typeface="+mn-lt"/>
+                        <a:ea typeface="Microsoft YaHei" pitchFamily="2"/>
+                        <a:cs typeface="Mangal" pitchFamily="2"/>
+                      </a:endParaRPr>
+                    </a:p>
+                  </a:txBody>
+                  <a:tcPr marL="82953" marR="82953" marT="41476" marB="41476">
+                    <a:lnL w="12700" cap="flat" cmpd="sng" algn="ctr">
+                      <a:solidFill>
+                        <a:schemeClr val="tx1"/>
+                      </a:solidFill>
+                      <a:prstDash val="solid"/>
+                      <a:round/>
+                      <a:headEnd type="none" w="med" len="med"/>
+                      <a:tailEnd type="none" w="med" len="med"/>
+                    </a:lnL>
+                    <a:lnR w="12700" cap="flat" cmpd="sng" algn="ctr">
+                      <a:solidFill>
+                        <a:schemeClr val="tx1"/>
+                      </a:solidFill>
+                      <a:prstDash val="solid"/>
+                      <a:round/>
+                      <a:headEnd type="none" w="med" len="med"/>
+                      <a:tailEnd type="none" w="med" len="med"/>
+                    </a:lnR>
+                    <a:lnT w="12700" cap="flat" cmpd="sng" algn="ctr">
+                      <a:solidFill>
+                        <a:schemeClr val="tx1"/>
+                      </a:solidFill>
+                      <a:prstDash val="solid"/>
+                      <a:round/>
+                      <a:headEnd type="none" w="med" len="med"/>
+                      <a:tailEnd type="none" w="med" len="med"/>
+                    </a:lnT>
+                    <a:lnB w="12700" cap="flat" cmpd="sng" algn="ctr">
+                      <a:solidFill>
+                        <a:schemeClr val="tx1"/>
+                      </a:solidFill>
+                      <a:prstDash val="solid"/>
+                      <a:round/>
+                      <a:headEnd type="none" w="med" len="med"/>
+                      <a:tailEnd type="none" w="med" len="med"/>
+                    </a:lnB>
+                  </a:tcPr>
                 </a:tc>
                 <a:tc>
                   <a:txBody>
@@ -12849,7 +13605,429 @@
                       </a:r>
                     </a:p>
                   </a:txBody>
-                  <a:tcPr marL="82953" marR="82953" marT="41476" marB="41476"/>
+                  <a:tcPr marL="82953" marR="82953" marT="41476" marB="41476">
+                    <a:lnL w="12700" cap="flat" cmpd="sng" algn="ctr">
+                      <a:solidFill>
+                        <a:schemeClr val="tx1"/>
+                      </a:solidFill>
+                      <a:prstDash val="solid"/>
+                      <a:round/>
+                      <a:headEnd type="none" w="med" len="med"/>
+                      <a:tailEnd type="none" w="med" len="med"/>
+                    </a:lnL>
+                    <a:lnR w="12700" cap="flat" cmpd="sng" algn="ctr">
+                      <a:solidFill>
+                        <a:schemeClr val="tx1"/>
+                      </a:solidFill>
+                      <a:prstDash val="solid"/>
+                      <a:round/>
+                      <a:headEnd type="none" w="med" len="med"/>
+                      <a:tailEnd type="none" w="med" len="med"/>
+                    </a:lnR>
+                    <a:lnT w="12700" cap="flat" cmpd="sng" algn="ctr">
+                      <a:solidFill>
+                        <a:schemeClr val="tx1"/>
+                      </a:solidFill>
+                      <a:prstDash val="solid"/>
+                      <a:round/>
+                      <a:headEnd type="none" w="med" len="med"/>
+                      <a:tailEnd type="none" w="med" len="med"/>
+                    </a:lnT>
+                    <a:lnB w="12700" cap="flat" cmpd="sng" algn="ctr">
+                      <a:solidFill>
+                        <a:schemeClr val="tx1"/>
+                      </a:solidFill>
+                      <a:prstDash val="solid"/>
+                      <a:round/>
+                      <a:headEnd type="none" w="med" len="med"/>
+                      <a:tailEnd type="none" w="med" len="med"/>
+                    </a:lnB>
+                  </a:tcPr>
+                </a:tc>
+                <a:tc>
+                  <a:txBody>
+                    <a:bodyPr/>
+                    <a:lstStyle/>
+                    <a:p>
+                      <a:pPr marL="0" marR="0" indent="0" algn="ctr" rtl="0" hangingPunct="0">
+                        <a:lnSpc>
+                          <a:spcPct val="100000"/>
+                        </a:lnSpc>
+                        <a:spcBef>
+                          <a:spcPts val="0"/>
+                        </a:spcBef>
+                        <a:spcAft>
+                          <a:spcPts val="0"/>
+                        </a:spcAft>
+                        <a:tabLst/>
+                      </a:pPr>
+                      <a:endParaRPr lang="fr-BE" sz="2000" b="0" i="0" u="none" strike="noStrike" kern="1200">
+                        <a:ln>
+                          <a:noFill/>
+                        </a:ln>
+                        <a:latin typeface="+mn-lt"/>
+                        <a:ea typeface="Microsoft YaHei" pitchFamily="2"/>
+                        <a:cs typeface="Mangal" pitchFamily="2"/>
+                      </a:endParaRPr>
+                    </a:p>
+                  </a:txBody>
+                  <a:tcPr marL="82953" marR="82953" marT="41476" marB="41476">
+                    <a:lnL w="12700" cap="flat" cmpd="sng" algn="ctr">
+                      <a:solidFill>
+                        <a:schemeClr val="tx1"/>
+                      </a:solidFill>
+                      <a:prstDash val="solid"/>
+                      <a:round/>
+                      <a:headEnd type="none" w="med" len="med"/>
+                      <a:tailEnd type="none" w="med" len="med"/>
+                    </a:lnL>
+                    <a:lnR w="12700" cap="flat" cmpd="sng" algn="ctr">
+                      <a:solidFill>
+                        <a:schemeClr val="tx1"/>
+                      </a:solidFill>
+                      <a:prstDash val="solid"/>
+                      <a:round/>
+                      <a:headEnd type="none" w="med" len="med"/>
+                      <a:tailEnd type="none" w="med" len="med"/>
+                    </a:lnR>
+                    <a:lnT w="12700" cap="flat" cmpd="sng" algn="ctr">
+                      <a:solidFill>
+                        <a:schemeClr val="tx1"/>
+                      </a:solidFill>
+                      <a:prstDash val="solid"/>
+                      <a:round/>
+                      <a:headEnd type="none" w="med" len="med"/>
+                      <a:tailEnd type="none" w="med" len="med"/>
+                    </a:lnT>
+                    <a:lnB w="12700" cap="flat" cmpd="sng" algn="ctr">
+                      <a:solidFill>
+                        <a:schemeClr val="tx1"/>
+                      </a:solidFill>
+                      <a:prstDash val="solid"/>
+                      <a:round/>
+                      <a:headEnd type="none" w="med" len="med"/>
+                      <a:tailEnd type="none" w="med" len="med"/>
+                    </a:lnB>
+                  </a:tcPr>
+                </a:tc>
+                <a:extLst>
+                  <a:ext uri="{0D108BD9-81ED-4DB2-BD59-A6C34878D82A}">
+                    <a16:rowId xmlns:a16="http://schemas.microsoft.com/office/drawing/2014/main" val="3790466323"/>
+                  </a:ext>
+                </a:extLst>
+              </a:tr>
+              <a:tr h="414764">
+                <a:tc>
+                  <a:txBody>
+                    <a:bodyPr/>
+                    <a:lstStyle/>
+                    <a:p>
+                      <a:pPr marL="0" marR="0" lvl="0" indent="0" algn="ctr" rtl="0" hangingPunct="0">
+                        <a:lnSpc>
+                          <a:spcPct val="100000"/>
+                        </a:lnSpc>
+                        <a:spcBef>
+                          <a:spcPts val="0"/>
+                        </a:spcBef>
+                        <a:spcAft>
+                          <a:spcPts val="0"/>
+                        </a:spcAft>
+                        <a:buNone/>
+                        <a:tabLst/>
+                      </a:pPr>
+                      <a:r>
+                        <a:rPr lang="fr-BE" sz="2000" b="0" u="none" strike="noStrike" kern="1200">
+                          <a:ln>
+                            <a:noFill/>
+                          </a:ln>
+                        </a:rPr>
+                        <a:t>héritage simple</a:t>
+                      </a:r>
+                      <a:endParaRPr lang="fr-BE" sz="2000" b="0" i="0" u="none" strike="noStrike" kern="1200">
+                        <a:ln>
+                          <a:noFill/>
+                        </a:ln>
+                        <a:latin typeface="+mn-lt"/>
+                        <a:ea typeface="Microsoft YaHei" pitchFamily="2"/>
+                        <a:cs typeface="Mangal" pitchFamily="2"/>
+                      </a:endParaRPr>
+                    </a:p>
+                  </a:txBody>
+                  <a:tcPr marL="82953" marR="82953" marT="41476" marB="41476">
+                    <a:lnL w="12700" cap="flat" cmpd="sng" algn="ctr">
+                      <a:solidFill>
+                        <a:schemeClr val="tx1"/>
+                      </a:solidFill>
+                      <a:prstDash val="solid"/>
+                      <a:round/>
+                      <a:headEnd type="none" w="med" len="med"/>
+                      <a:tailEnd type="none" w="med" len="med"/>
+                    </a:lnL>
+                    <a:lnR w="12700" cap="flat" cmpd="sng" algn="ctr">
+                      <a:solidFill>
+                        <a:schemeClr val="tx1"/>
+                      </a:solidFill>
+                      <a:prstDash val="solid"/>
+                      <a:round/>
+                      <a:headEnd type="none" w="med" len="med"/>
+                      <a:tailEnd type="none" w="med" len="med"/>
+                    </a:lnR>
+                    <a:lnT w="12700" cap="flat" cmpd="sng" algn="ctr">
+                      <a:solidFill>
+                        <a:schemeClr val="tx1"/>
+                      </a:solidFill>
+                      <a:prstDash val="solid"/>
+                      <a:round/>
+                      <a:headEnd type="none" w="med" len="med"/>
+                      <a:tailEnd type="none" w="med" len="med"/>
+                    </a:lnT>
+                    <a:lnB w="12700" cap="flat" cmpd="sng" algn="ctr">
+                      <a:solidFill>
+                        <a:schemeClr val="tx1"/>
+                      </a:solidFill>
+                      <a:prstDash val="solid"/>
+                      <a:round/>
+                      <a:headEnd type="none" w="med" len="med"/>
+                      <a:tailEnd type="none" w="med" len="med"/>
+                    </a:lnB>
+                  </a:tcPr>
+                </a:tc>
+                <a:tc>
+                  <a:txBody>
+                    <a:bodyPr/>
+                    <a:lstStyle/>
+                    <a:p>
+                      <a:pPr marL="0" marR="0" lvl="0" indent="0" algn="ctr" defTabSz="914377" rtl="0" eaLnBrk="1" fontAlgn="auto" latinLnBrk="0" hangingPunct="0">
+                        <a:lnSpc>
+                          <a:spcPct val="100000"/>
+                        </a:lnSpc>
+                        <a:spcBef>
+                          <a:spcPts val="0"/>
+                        </a:spcBef>
+                        <a:spcAft>
+                          <a:spcPts val="0"/>
+                        </a:spcAft>
+                        <a:buClrTx/>
+                        <a:buSzTx/>
+                        <a:buFontTx/>
+                        <a:buNone/>
+                        <a:tabLst/>
+                        <a:defRPr/>
+                      </a:pPr>
+                      <a:r>
+                        <a:rPr lang="fr-BE" sz="2000" b="0" u="none" strike="noStrike" kern="1200">
+                          <a:ln>
+                            <a:noFill/>
+                          </a:ln>
+                        </a:rPr>
+                        <a:t>héritage simple</a:t>
+                      </a:r>
+                      <a:endParaRPr lang="fr-BE" sz="2000" b="0" i="0" u="none" strike="noStrike" kern="1200">
+                        <a:ln>
+                          <a:noFill/>
+                        </a:ln>
+                        <a:latin typeface="+mn-lt"/>
+                        <a:ea typeface="Microsoft YaHei" pitchFamily="2"/>
+                        <a:cs typeface="Mangal" pitchFamily="2"/>
+                      </a:endParaRPr>
+                    </a:p>
+                  </a:txBody>
+                  <a:tcPr marL="82953" marR="82953" marT="41476" marB="41476">
+                    <a:lnL w="12700" cap="flat" cmpd="sng" algn="ctr">
+                      <a:solidFill>
+                        <a:schemeClr val="tx1"/>
+                      </a:solidFill>
+                      <a:prstDash val="solid"/>
+                      <a:round/>
+                      <a:headEnd type="none" w="med" len="med"/>
+                      <a:tailEnd type="none" w="med" len="med"/>
+                    </a:lnL>
+                    <a:lnR w="12700" cap="flat" cmpd="sng" algn="ctr">
+                      <a:solidFill>
+                        <a:schemeClr val="tx1"/>
+                      </a:solidFill>
+                      <a:prstDash val="solid"/>
+                      <a:round/>
+                      <a:headEnd type="none" w="med" len="med"/>
+                      <a:tailEnd type="none" w="med" len="med"/>
+                    </a:lnR>
+                    <a:lnT w="12700" cap="flat" cmpd="sng" algn="ctr">
+                      <a:solidFill>
+                        <a:schemeClr val="tx1"/>
+                      </a:solidFill>
+                      <a:prstDash val="solid"/>
+                      <a:round/>
+                      <a:headEnd type="none" w="med" len="med"/>
+                      <a:tailEnd type="none" w="med" len="med"/>
+                    </a:lnT>
+                    <a:lnB w="12700" cap="flat" cmpd="sng" algn="ctr">
+                      <a:solidFill>
+                        <a:schemeClr val="tx1"/>
+                      </a:solidFill>
+                      <a:prstDash val="solid"/>
+                      <a:round/>
+                      <a:headEnd type="none" w="med" len="med"/>
+                      <a:tailEnd type="none" w="med" len="med"/>
+                    </a:lnB>
+                  </a:tcPr>
+                </a:tc>
+                <a:tc>
+                  <a:txBody>
+                    <a:bodyPr/>
+                    <a:lstStyle/>
+                    <a:p>
+                      <a:pPr marL="0" marR="0" lvl="0" indent="0" algn="ctr" defTabSz="914377" rtl="0" eaLnBrk="1" fontAlgn="auto" latinLnBrk="0" hangingPunct="0">
+                        <a:lnSpc>
+                          <a:spcPct val="100000"/>
+                        </a:lnSpc>
+                        <a:spcBef>
+                          <a:spcPts val="0"/>
+                        </a:spcBef>
+                        <a:spcAft>
+                          <a:spcPts val="0"/>
+                        </a:spcAft>
+                        <a:buClrTx/>
+                        <a:buSzTx/>
+                        <a:buFontTx/>
+                        <a:buNone/>
+                        <a:tabLst/>
+                        <a:defRPr/>
+                      </a:pPr>
+                      <a:r>
+                        <a:rPr lang="fr-BE" sz="2000" b="0" u="none" strike="noStrike" kern="1200">
+                          <a:ln>
+                            <a:noFill/>
+                          </a:ln>
+                        </a:rPr>
+                        <a:t>héritage multiple</a:t>
+                      </a:r>
+                      <a:endParaRPr lang="fr-BE" sz="2000" b="0" i="0" u="none" strike="noStrike" kern="1200">
+                        <a:ln>
+                          <a:noFill/>
+                        </a:ln>
+                        <a:latin typeface="+mn-lt"/>
+                        <a:ea typeface="Microsoft YaHei" pitchFamily="2"/>
+                        <a:cs typeface="Mangal" pitchFamily="2"/>
+                      </a:endParaRPr>
+                    </a:p>
+                  </a:txBody>
+                  <a:tcPr marL="82953" marR="82953" marT="41476" marB="41476">
+                    <a:lnL w="12700" cap="flat" cmpd="sng" algn="ctr">
+                      <a:solidFill>
+                        <a:schemeClr val="tx1"/>
+                      </a:solidFill>
+                      <a:prstDash val="solid"/>
+                      <a:round/>
+                      <a:headEnd type="none" w="med" len="med"/>
+                      <a:tailEnd type="none" w="med" len="med"/>
+                    </a:lnL>
+                    <a:lnR w="12700" cap="flat" cmpd="sng" algn="ctr">
+                      <a:solidFill>
+                        <a:schemeClr val="tx1"/>
+                      </a:solidFill>
+                      <a:prstDash val="solid"/>
+                      <a:round/>
+                      <a:headEnd type="none" w="med" len="med"/>
+                      <a:tailEnd type="none" w="med" len="med"/>
+                    </a:lnR>
+                    <a:lnT w="12700" cap="flat" cmpd="sng" algn="ctr">
+                      <a:solidFill>
+                        <a:schemeClr val="tx1"/>
+                      </a:solidFill>
+                      <a:prstDash val="solid"/>
+                      <a:round/>
+                      <a:headEnd type="none" w="med" len="med"/>
+                      <a:tailEnd type="none" w="med" len="med"/>
+                    </a:lnT>
+                    <a:lnB w="12700" cap="flat" cmpd="sng" algn="ctr">
+                      <a:solidFill>
+                        <a:schemeClr val="tx1"/>
+                      </a:solidFill>
+                      <a:prstDash val="solid"/>
+                      <a:round/>
+                      <a:headEnd type="none" w="med" len="med"/>
+                      <a:tailEnd type="none" w="med" len="med"/>
+                    </a:lnB>
+                  </a:tcPr>
+                </a:tc>
+                <a:tc>
+                  <a:txBody>
+                    <a:bodyPr/>
+                    <a:lstStyle/>
+                    <a:p>
+                      <a:pPr marL="0" marR="0" lvl="0" indent="0" algn="ctr" defTabSz="914377" rtl="0" eaLnBrk="1" fontAlgn="auto" latinLnBrk="0" hangingPunct="0">
+                        <a:lnSpc>
+                          <a:spcPct val="100000"/>
+                        </a:lnSpc>
+                        <a:spcBef>
+                          <a:spcPts val="0"/>
+                        </a:spcBef>
+                        <a:spcAft>
+                          <a:spcPts val="0"/>
+                        </a:spcAft>
+                        <a:buClrTx/>
+                        <a:buSzTx/>
+                        <a:buFontTx/>
+                        <a:buNone/>
+                        <a:tabLst/>
+                        <a:defRPr/>
+                      </a:pPr>
+                      <a:r>
+                        <a:rPr lang="fr-BE" sz="2000" b="0" u="none" strike="noStrike" kern="1200">
+                          <a:ln>
+                            <a:noFill/>
+                          </a:ln>
+                        </a:rPr>
+                        <a:t>héritage multiple</a:t>
+                      </a:r>
+                      <a:endParaRPr lang="fr-BE" sz="2000" b="0" i="0" u="none" strike="noStrike" kern="1200">
+                        <a:ln>
+                          <a:noFill/>
+                        </a:ln>
+                        <a:latin typeface="+mn-lt"/>
+                        <a:ea typeface="Microsoft YaHei" pitchFamily="2"/>
+                        <a:cs typeface="Mangal" pitchFamily="2"/>
+                      </a:endParaRPr>
+                    </a:p>
+                  </a:txBody>
+                  <a:tcPr marL="82953" marR="82953" marT="41476" marB="41476">
+                    <a:lnL w="12700" cap="flat" cmpd="sng" algn="ctr">
+                      <a:solidFill>
+                        <a:schemeClr val="tx1"/>
+                      </a:solidFill>
+                      <a:prstDash val="solid"/>
+                      <a:round/>
+                      <a:headEnd type="none" w="med" len="med"/>
+                      <a:tailEnd type="none" w="med" len="med"/>
+                    </a:lnL>
+                    <a:lnR w="12700" cap="flat" cmpd="sng" algn="ctr">
+                      <a:solidFill>
+                        <a:schemeClr val="tx1"/>
+                      </a:solidFill>
+                      <a:prstDash val="solid"/>
+                      <a:round/>
+                      <a:headEnd type="none" w="med" len="med"/>
+                      <a:tailEnd type="none" w="med" len="med"/>
+                    </a:lnR>
+                    <a:lnT w="12700" cap="flat" cmpd="sng" algn="ctr">
+                      <a:solidFill>
+                        <a:schemeClr val="tx1"/>
+                      </a:solidFill>
+                      <a:prstDash val="solid"/>
+                      <a:round/>
+                      <a:headEnd type="none" w="med" len="med"/>
+                      <a:tailEnd type="none" w="med" len="med"/>
+                    </a:lnT>
+                    <a:lnB w="12700" cap="flat" cmpd="sng" algn="ctr">
+                      <a:solidFill>
+                        <a:schemeClr val="tx1"/>
+                      </a:solidFill>
+                      <a:prstDash val="solid"/>
+                      <a:round/>
+                      <a:headEnd type="none" w="med" len="med"/>
+                      <a:tailEnd type="none" w="med" len="med"/>
+                    </a:lnB>
+                  </a:tcPr>
                 </a:tc>
                 <a:tc>
                   <a:txBody>
@@ -12877,44 +14055,48 @@
                           <a:ea typeface="Microsoft YaHei" pitchFamily="2"/>
                           <a:cs typeface="Mangal" pitchFamily="2"/>
                         </a:rPr>
-                        <a:t>générique</a:t>
+                        <a:t>prototype</a:t>
                       </a:r>
                     </a:p>
                   </a:txBody>
-                  <a:tcPr marL="82953" marR="82953" marT="41476" marB="41476"/>
-                </a:tc>
-                <a:tc>
-                  <a:txBody>
-                    <a:bodyPr/>
-                    <a:lstStyle/>
-                    <a:p>
-                      <a:pPr marL="0" marR="0" lvl="0" indent="0" algn="ctr" rtl="0" hangingPunct="0">
-                        <a:lnSpc>
-                          <a:spcPct val="100000"/>
-                        </a:lnSpc>
-                        <a:spcBef>
-                          <a:spcPts val="0"/>
-                        </a:spcBef>
-                        <a:spcAft>
-                          <a:spcPts val="0"/>
-                        </a:spcAft>
-                        <a:buNone/>
-                        <a:tabLst/>
-                      </a:pPr>
-                      <a:r>
-                        <a:rPr lang="fr-BE" sz="2200" b="0" i="0" u="none" strike="noStrike" kern="1200">
-                          <a:ln>
-                            <a:noFill/>
-                          </a:ln>
-                          <a:latin typeface="+mn-lt"/>
-                          <a:ea typeface="Microsoft YaHei" pitchFamily="2"/>
-                          <a:cs typeface="Mangal" pitchFamily="2"/>
-                        </a:rPr>
-                        <a:t>web-based</a:t>
-                      </a:r>
-                    </a:p>
-                  </a:txBody>
-                  <a:tcPr marL="82953" marR="82953" marT="41476" marB="41476"/>
+                  <a:tcPr marL="82953" marR="82953" marT="41476" marB="41476">
+                    <a:lnL w="12700" cap="flat" cmpd="sng" algn="ctr">
+                      <a:solidFill>
+                        <a:schemeClr val="tx1"/>
+                      </a:solidFill>
+                      <a:prstDash val="solid"/>
+                      <a:round/>
+                      <a:headEnd type="none" w="med" len="med"/>
+                      <a:tailEnd type="none" w="med" len="med"/>
+                    </a:lnL>
+                    <a:lnR w="12700" cap="flat" cmpd="sng" algn="ctr">
+                      <a:solidFill>
+                        <a:schemeClr val="tx1"/>
+                      </a:solidFill>
+                      <a:prstDash val="solid"/>
+                      <a:round/>
+                      <a:headEnd type="none" w="med" len="med"/>
+                      <a:tailEnd type="none" w="med" len="med"/>
+                    </a:lnR>
+                    <a:lnT w="12700" cap="flat" cmpd="sng" algn="ctr">
+                      <a:solidFill>
+                        <a:schemeClr val="tx1"/>
+                      </a:solidFill>
+                      <a:prstDash val="solid"/>
+                      <a:round/>
+                      <a:headEnd type="none" w="med" len="med"/>
+                      <a:tailEnd type="none" w="med" len="med"/>
+                    </a:lnT>
+                    <a:lnB w="12700" cap="flat" cmpd="sng" algn="ctr">
+                      <a:solidFill>
+                        <a:schemeClr val="tx1"/>
+                      </a:solidFill>
+                      <a:prstDash val="solid"/>
+                      <a:round/>
+                      <a:headEnd type="none" w="med" len="med"/>
+                      <a:tailEnd type="none" w="med" len="med"/>
+                    </a:lnB>
+                  </a:tcPr>
                 </a:tc>
                 <a:tc>
                   <a:txBody>
@@ -12942,533 +14124,56 @@
                           <a:ea typeface="Microsoft YaHei" pitchFamily="2"/>
                           <a:cs typeface="Mangal" pitchFamily="2"/>
                         </a:rPr>
-                        <a:t>générique</a:t>
+                        <a:t>prototype</a:t>
                       </a:r>
                     </a:p>
                   </a:txBody>
-                  <a:tcPr marL="82953" marR="82953" marT="41476" marB="41476"/>
+                  <a:tcPr marL="82953" marR="82953" marT="41476" marB="41476">
+                    <a:lnL w="12700" cap="flat" cmpd="sng" algn="ctr">
+                      <a:solidFill>
+                        <a:schemeClr val="tx1"/>
+                      </a:solidFill>
+                      <a:prstDash val="solid"/>
+                      <a:round/>
+                      <a:headEnd type="none" w="med" len="med"/>
+                      <a:tailEnd type="none" w="med" len="med"/>
+                    </a:lnL>
+                    <a:lnR w="12700" cap="flat" cmpd="sng" algn="ctr">
+                      <a:solidFill>
+                        <a:schemeClr val="tx1"/>
+                      </a:solidFill>
+                      <a:prstDash val="solid"/>
+                      <a:round/>
+                      <a:headEnd type="none" w="med" len="med"/>
+                      <a:tailEnd type="none" w="med" len="med"/>
+                    </a:lnR>
+                    <a:lnT w="12700" cap="flat" cmpd="sng" algn="ctr">
+                      <a:solidFill>
+                        <a:schemeClr val="tx1"/>
+                      </a:solidFill>
+                      <a:prstDash val="solid"/>
+                      <a:round/>
+                      <a:headEnd type="none" w="med" len="med"/>
+                      <a:tailEnd type="none" w="med" len="med"/>
+                    </a:lnT>
+                    <a:lnB w="12700" cap="flat" cmpd="sng" algn="ctr">
+                      <a:solidFill>
+                        <a:schemeClr val="tx1"/>
+                      </a:solidFill>
+                      <a:prstDash val="solid"/>
+                      <a:round/>
+                      <a:headEnd type="none" w="med" len="med"/>
+                      <a:tailEnd type="none" w="med" len="med"/>
+                    </a:lnB>
+                  </a:tcPr>
                 </a:tc>
                 <a:extLst>
                   <a:ext uri="{0D108BD9-81ED-4DB2-BD59-A6C34878D82A}">
-                    <a16:rowId xmlns:a16="http://schemas.microsoft.com/office/drawing/2014/main" val="3790466323"/>
-                  </a:ext>
-                </a:extLst>
-              </a:tr>
-            </a:tbl>
-          </a:graphicData>
-        </a:graphic>
-      </p:graphicFrame>
-      <p:graphicFrame>
-        <p:nvGraphicFramePr>
-          <p:cNvPr id="4" name="Espace réservé du tableau 2">
-            <a:extLst>
-              <a:ext uri="{FF2B5EF4-FFF2-40B4-BE49-F238E27FC236}">
-                <a16:creationId xmlns:a16="http://schemas.microsoft.com/office/drawing/2014/main" id="{927633F9-0563-CABA-7A76-D7AD4F0984A9}"/>
-              </a:ext>
-            </a:extLst>
-          </p:cNvPr>
-          <p:cNvGraphicFramePr>
-            <a:graphicFrameLocks/>
-          </p:cNvGraphicFramePr>
-          <p:nvPr>
-            <p:extLst>
-              <p:ext uri="{D42A27DB-BD31-4B8C-83A1-F6EECF244321}">
-                <p14:modId xmlns:p14="http://schemas.microsoft.com/office/powerpoint/2010/main" val="3259408996"/>
-              </p:ext>
-            </p:extLst>
-          </p:nvPr>
-        </p:nvGraphicFramePr>
-        <p:xfrm>
-          <a:off x="838200" y="4007799"/>
-          <a:ext cx="6308355" cy="2008208"/>
-        </p:xfrm>
-        <a:graphic>
-          <a:graphicData uri="http://schemas.openxmlformats.org/drawingml/2006/table">
-            <a:tbl>
-              <a:tblPr firstRow="1" bandRow="1"/>
-              <a:tblGrid>
-                <a:gridCol w="2102785">
-                  <a:extLst>
-                    <a:ext uri="{9D8B030D-6E8A-4147-A177-3AD203B41FA5}">
-                      <a16:colId xmlns:a16="http://schemas.microsoft.com/office/drawing/2014/main" val="2455002708"/>
-                    </a:ext>
-                  </a:extLst>
-                </a:gridCol>
-                <a:gridCol w="2102785">
-                  <a:extLst>
-                    <a:ext uri="{9D8B030D-6E8A-4147-A177-3AD203B41FA5}">
-                      <a16:colId xmlns:a16="http://schemas.microsoft.com/office/drawing/2014/main" val="4159990022"/>
-                    </a:ext>
-                  </a:extLst>
-                </a:gridCol>
-                <a:gridCol w="2102785">
-                  <a:extLst>
-                    <a:ext uri="{9D8B030D-6E8A-4147-A177-3AD203B41FA5}">
-                      <a16:colId xmlns:a16="http://schemas.microsoft.com/office/drawing/2014/main" val="1348571956"/>
-                    </a:ext>
-                  </a:extLst>
-                </a:gridCol>
-              </a:tblGrid>
-              <a:tr h="414764">
-                <a:tc>
-                  <a:txBody>
-                    <a:bodyPr/>
-                    <a:lstStyle/>
-                    <a:p>
-                      <a:pPr marL="0" marR="0" lvl="0" indent="0" algn="ctr" rtl="0" hangingPunct="0">
-                        <a:lnSpc>
-                          <a:spcPct val="100000"/>
-                        </a:lnSpc>
-                        <a:spcBef>
-                          <a:spcPts val="2319"/>
-                        </a:spcBef>
-                        <a:spcAft>
-                          <a:spcPts val="2319"/>
-                        </a:spcAft>
-                        <a:buNone/>
-                        <a:tabLst/>
-                      </a:pPr>
-                      <a:r>
-                        <a:rPr lang="fr-BE" sz="2200" b="0" i="0" u="none" strike="noStrike" kern="1200">
-                          <a:ln>
-                            <a:noFill/>
-                          </a:ln>
-                          <a:latin typeface="+mn-lt"/>
-                          <a:ea typeface="Microsoft YaHei" pitchFamily="2"/>
-                          <a:cs typeface="Mangal" pitchFamily="2"/>
-                        </a:rPr>
-                        <a:t>C</a:t>
-                      </a:r>
-                    </a:p>
-                  </a:txBody>
-                  <a:tcPr marL="82953" marR="82953" marT="41476" marB="41476"/>
-                </a:tc>
-                <a:tc>
-                  <a:txBody>
-                    <a:bodyPr/>
-                    <a:lstStyle/>
-                    <a:p>
-                      <a:pPr marL="0" marR="0" lvl="0" indent="0" algn="ctr" rtl="0" hangingPunct="0">
-                        <a:lnSpc>
-                          <a:spcPct val="100000"/>
-                        </a:lnSpc>
-                        <a:spcBef>
-                          <a:spcPts val="2319"/>
-                        </a:spcBef>
-                        <a:spcAft>
-                          <a:spcPts val="2319"/>
-                        </a:spcAft>
-                        <a:buNone/>
-                        <a:tabLst/>
-                      </a:pPr>
-                      <a:r>
-                        <a:rPr lang="fr-BE" sz="2200" b="0" i="0" u="none" strike="noStrike" kern="1200">
-                          <a:ln>
-                            <a:noFill/>
-                          </a:ln>
-                          <a:latin typeface="+mn-lt"/>
-                          <a:ea typeface="Microsoft YaHei" pitchFamily="2"/>
-                          <a:cs typeface="Mangal" pitchFamily="2"/>
-                        </a:rPr>
-                        <a:t>JavaScript</a:t>
-                      </a:r>
-                    </a:p>
-                  </a:txBody>
-                  <a:tcPr marL="82953" marR="82953" marT="41476" marB="41476"/>
-                </a:tc>
-                <a:tc>
-                  <a:txBody>
-                    <a:bodyPr/>
-                    <a:lstStyle/>
-                    <a:p>
-                      <a:pPr marL="0" marR="0" lvl="0" indent="0" algn="ctr" rtl="0" hangingPunct="0">
-                        <a:lnSpc>
-                          <a:spcPct val="100000"/>
-                        </a:lnSpc>
-                        <a:spcBef>
-                          <a:spcPts val="2611"/>
-                        </a:spcBef>
-                        <a:spcAft>
-                          <a:spcPts val="2611"/>
-                        </a:spcAft>
-                        <a:buNone/>
-                        <a:tabLst/>
-                      </a:pPr>
-                      <a:r>
-                        <a:rPr lang="fr-BE" sz="2200" b="0" i="0" u="none" strike="noStrike" kern="1200">
-                          <a:ln>
-                            <a:noFill/>
-                          </a:ln>
-                          <a:latin typeface="+mn-lt"/>
-                          <a:ea typeface="Microsoft YaHei" pitchFamily="2"/>
-                          <a:cs typeface="Mangal" pitchFamily="2"/>
-                        </a:rPr>
-                        <a:t>HTML</a:t>
-                      </a:r>
-                    </a:p>
-                  </a:txBody>
-                  <a:tcPr marL="82953" marR="82953" marT="41476" marB="41476"/>
-                </a:tc>
-                <a:extLst>
-                  <a:ext uri="{0D108BD9-81ED-4DB2-BD59-A6C34878D82A}">
-                    <a16:rowId xmlns:a16="http://schemas.microsoft.com/office/drawing/2014/main" val="3902583601"/>
+                    <a16:rowId xmlns:a16="http://schemas.microsoft.com/office/drawing/2014/main" val="101250549"/>
                   </a:ext>
                 </a:extLst>
               </a:tr>
               <a:tr h="414764">
-                <a:tc>
-                  <a:txBody>
-                    <a:bodyPr/>
-                    <a:lstStyle/>
-                    <a:p>
-                      <a:pPr marL="0" marR="0" lvl="0" indent="0" algn="ctr" rtl="0" hangingPunct="0">
-                        <a:lnSpc>
-                          <a:spcPct val="100000"/>
-                        </a:lnSpc>
-                        <a:spcBef>
-                          <a:spcPts val="0"/>
-                        </a:spcBef>
-                        <a:spcAft>
-                          <a:spcPts val="0"/>
-                        </a:spcAft>
-                        <a:buNone/>
-                        <a:tabLst/>
-                      </a:pPr>
-                      <a:r>
-                        <a:rPr lang="fr-BE" sz="2200" b="0" i="0" u="none" strike="noStrike" kern="1200">
-                          <a:ln>
-                            <a:noFill/>
-                          </a:ln>
-                          <a:latin typeface="+mn-lt"/>
-                          <a:ea typeface="Microsoft YaHei" pitchFamily="2"/>
-                          <a:cs typeface="Mangal" pitchFamily="2"/>
-                        </a:rPr>
-                        <a:t>compilé</a:t>
-                      </a:r>
-                    </a:p>
-                  </a:txBody>
-                  <a:tcPr marL="82953" marR="82953" marT="41476" marB="41476"/>
-                </a:tc>
-                <a:tc>
-                  <a:txBody>
-                    <a:bodyPr/>
-                    <a:lstStyle/>
-                    <a:p>
-                      <a:pPr marL="0" marR="0" lvl="0" indent="0" algn="ctr" rtl="0" hangingPunct="0">
-                        <a:lnSpc>
-                          <a:spcPct val="100000"/>
-                        </a:lnSpc>
-                        <a:spcBef>
-                          <a:spcPts val="0"/>
-                        </a:spcBef>
-                        <a:spcAft>
-                          <a:spcPts val="0"/>
-                        </a:spcAft>
-                        <a:buNone/>
-                        <a:tabLst/>
-                      </a:pPr>
-                      <a:r>
-                        <a:rPr lang="fr-BE" sz="2200" b="0" i="0" u="none" strike="noStrike" kern="1200">
-                          <a:ln>
-                            <a:noFill/>
-                          </a:ln>
-                          <a:latin typeface="+mn-lt"/>
-                          <a:ea typeface="Microsoft YaHei" pitchFamily="2"/>
-                          <a:cs typeface="Mangal" pitchFamily="2"/>
-                        </a:rPr>
-                        <a:t>interprêté</a:t>
-                      </a:r>
-                    </a:p>
-                  </a:txBody>
-                  <a:tcPr marL="82953" marR="82953" marT="41476" marB="41476"/>
-                </a:tc>
-                <a:tc>
-                  <a:txBody>
-                    <a:bodyPr/>
-                    <a:lstStyle/>
-                    <a:p>
-                      <a:pPr marL="0" marR="0" lvl="0" indent="0" algn="ctr" rtl="0" hangingPunct="0">
-                        <a:lnSpc>
-                          <a:spcPct val="100000"/>
-                        </a:lnSpc>
-                        <a:spcBef>
-                          <a:spcPts val="0"/>
-                        </a:spcBef>
-                        <a:spcAft>
-                          <a:spcPts val="0"/>
-                        </a:spcAft>
-                        <a:buNone/>
-                        <a:tabLst/>
-                      </a:pPr>
-                      <a:r>
-                        <a:rPr lang="fr-BE" sz="2200" b="0" i="0" u="none" strike="noStrike" kern="1200">
-                          <a:ln>
-                            <a:noFill/>
-                          </a:ln>
-                          <a:latin typeface="+mn-lt"/>
-                          <a:ea typeface="Microsoft YaHei" pitchFamily="2"/>
-                          <a:cs typeface="Mangal" pitchFamily="2"/>
-                        </a:rPr>
-                        <a:t>interprêté</a:t>
-                      </a:r>
-                    </a:p>
-                  </a:txBody>
-                  <a:tcPr marL="82953" marR="82953" marT="41476" marB="41476"/>
-                </a:tc>
-                <a:extLst>
-                  <a:ext uri="{0D108BD9-81ED-4DB2-BD59-A6C34878D82A}">
-                    <a16:rowId xmlns:a16="http://schemas.microsoft.com/office/drawing/2014/main" val="1919308479"/>
-                  </a:ext>
-                </a:extLst>
-              </a:tr>
-              <a:tr h="746574">
-                <a:tc>
-                  <a:txBody>
-                    <a:bodyPr/>
-                    <a:lstStyle/>
-                    <a:p>
-                      <a:pPr marL="0" marR="0" lvl="0" indent="0" algn="ctr" rtl="0" hangingPunct="0">
-                        <a:lnSpc>
-                          <a:spcPct val="100000"/>
-                        </a:lnSpc>
-                        <a:spcBef>
-                          <a:spcPts val="0"/>
-                        </a:spcBef>
-                        <a:spcAft>
-                          <a:spcPts val="0"/>
-                        </a:spcAft>
-                        <a:buNone/>
-                        <a:tabLst/>
-                      </a:pPr>
-                      <a:r>
-                        <a:rPr lang="fr-BE" sz="2200" b="0" i="0" u="none" strike="noStrike" kern="1200">
-                          <a:ln>
-                            <a:noFill/>
-                          </a:ln>
-                          <a:latin typeface="+mn-lt"/>
-                          <a:ea typeface="Microsoft YaHei" pitchFamily="2"/>
-                          <a:cs typeface="Mangal" pitchFamily="2"/>
-                        </a:rPr>
-                        <a:t>Procédural</a:t>
-                      </a:r>
-                    </a:p>
-                    <a:p>
-                      <a:pPr marL="0" marR="0" lvl="0" indent="0" algn="ctr" rtl="0" hangingPunct="0">
-                        <a:lnSpc>
-                          <a:spcPct val="100000"/>
-                        </a:lnSpc>
-                        <a:spcBef>
-                          <a:spcPts val="0"/>
-                        </a:spcBef>
-                        <a:spcAft>
-                          <a:spcPts val="0"/>
-                        </a:spcAft>
-                        <a:buNone/>
-                        <a:tabLst/>
-                      </a:pPr>
-                      <a:r>
-                        <a:rPr lang="fr-BE" sz="2200" b="0" i="0" u="none" strike="noStrike" kern="1200">
-                          <a:ln>
-                            <a:noFill/>
-                          </a:ln>
-                          <a:latin typeface="+mn-lt"/>
-                          <a:ea typeface="Microsoft YaHei" pitchFamily="2"/>
-                          <a:cs typeface="Mangal" pitchFamily="2"/>
-                        </a:rPr>
-                        <a:t>Non OO </a:t>
-                      </a:r>
-                      <a:r>
-                        <a:rPr lang="fr-BE" sz="2200" b="0" i="0" u="none" strike="noStrike" kern="1200">
-                          <a:ln>
-                            <a:noFill/>
-                          </a:ln>
-                          <a:latin typeface="+mn-lt"/>
-                          <a:ea typeface="Microsoft YaHei" pitchFamily="2"/>
-                          <a:cs typeface="Mangal" pitchFamily="2"/>
-                          <a:sym typeface="Wingdings" panose="05000000000000000000" pitchFamily="2" charset="2"/>
-                        </a:rPr>
-                        <a:t></a:t>
-                      </a:r>
-                      <a:endParaRPr lang="fr-BE" sz="2200" b="0" i="0" u="none" strike="noStrike" kern="1200">
-                        <a:ln>
-                          <a:noFill/>
-                        </a:ln>
-                        <a:latin typeface="+mn-lt"/>
-                        <a:ea typeface="Microsoft YaHei" pitchFamily="2"/>
-                        <a:cs typeface="Mangal" pitchFamily="2"/>
-                      </a:endParaRPr>
-                    </a:p>
-                  </a:txBody>
-                  <a:tcPr marL="82953" marR="82953" marT="41476" marB="41476"/>
-                </a:tc>
-                <a:tc>
-                  <a:txBody>
-                    <a:bodyPr/>
-                    <a:lstStyle/>
-                    <a:p>
-                      <a:pPr marL="0" marR="0" lvl="0" indent="0" algn="ctr" rtl="0" hangingPunct="0">
-                        <a:lnSpc>
-                          <a:spcPct val="100000"/>
-                        </a:lnSpc>
-                        <a:spcBef>
-                          <a:spcPts val="0"/>
-                        </a:spcBef>
-                        <a:spcAft>
-                          <a:spcPts val="0"/>
-                        </a:spcAft>
-                        <a:buNone/>
-                        <a:tabLst/>
-                      </a:pPr>
-                      <a:r>
-                        <a:rPr lang="fr-BE" sz="2200" b="0" i="0" u="none" strike="noStrike" kern="1200">
-                          <a:ln>
-                            <a:noFill/>
-                          </a:ln>
-                          <a:latin typeface="+mn-lt"/>
-                          <a:ea typeface="Microsoft YaHei" pitchFamily="2"/>
-                          <a:cs typeface="Mangal" pitchFamily="2"/>
-                        </a:rPr>
-                        <a:t>Procédural</a:t>
-                      </a:r>
-                      <a:br>
-                        <a:rPr lang="fr-BE" sz="2200" b="0" i="0" u="none" strike="noStrike" kern="1200">
-                          <a:ln>
-                            <a:noFill/>
-                          </a:ln>
-                          <a:latin typeface="+mn-lt"/>
-                          <a:ea typeface="Microsoft YaHei" pitchFamily="2"/>
-                          <a:cs typeface="Mangal" pitchFamily="2"/>
-                        </a:rPr>
-                      </a:br>
-                      <a:r>
-                        <a:rPr lang="fr-BE" sz="2200" b="0" i="0" u="none" strike="noStrike" kern="1200">
-                          <a:ln>
-                            <a:noFill/>
-                          </a:ln>
-                          <a:latin typeface="+mn-lt"/>
-                          <a:ea typeface="Microsoft YaHei" pitchFamily="2"/>
-                          <a:cs typeface="Mangal" pitchFamily="2"/>
-                        </a:rPr>
-                        <a:t> + OO</a:t>
-                      </a:r>
-                    </a:p>
-                  </a:txBody>
-                  <a:tcPr marL="82953" marR="82953" marT="41476" marB="41476"/>
-                </a:tc>
-                <a:tc>
-                  <a:txBody>
-                    <a:bodyPr/>
-                    <a:lstStyle/>
-                    <a:p>
-                      <a:pPr marL="0" marR="0" lvl="0" indent="0" algn="ctr" rtl="0" hangingPunct="0">
-                        <a:lnSpc>
-                          <a:spcPct val="100000"/>
-                        </a:lnSpc>
-                        <a:spcBef>
-                          <a:spcPts val="0"/>
-                        </a:spcBef>
-                        <a:spcAft>
-                          <a:spcPts val="0"/>
-                        </a:spcAft>
-                        <a:buNone/>
-                        <a:tabLst/>
-                      </a:pPr>
-                      <a:r>
-                        <a:rPr lang="fr-BE" sz="2200" b="0" i="0" u="none" strike="noStrike" kern="1200">
-                          <a:ln>
-                            <a:noFill/>
-                          </a:ln>
-                          <a:latin typeface="+mn-lt"/>
-                          <a:ea typeface="Microsoft YaHei" pitchFamily="2"/>
-                          <a:cs typeface="Mangal" pitchFamily="2"/>
-                        </a:rPr>
-                        <a:t>ni procédural </a:t>
-                      </a:r>
-                      <a:br>
-                        <a:rPr lang="fr-BE" sz="2200" b="0" i="0" u="none" strike="noStrike" kern="1200">
-                          <a:ln>
-                            <a:noFill/>
-                          </a:ln>
-                          <a:latin typeface="+mn-lt"/>
-                          <a:ea typeface="Microsoft YaHei" pitchFamily="2"/>
-                          <a:cs typeface="Mangal" pitchFamily="2"/>
-                        </a:rPr>
-                      </a:br>
-                      <a:r>
-                        <a:rPr lang="fr-BE" sz="2200" b="0" i="0" u="none" strike="noStrike" kern="1200">
-                          <a:ln>
-                            <a:noFill/>
-                          </a:ln>
-                          <a:latin typeface="+mn-lt"/>
-                          <a:ea typeface="Microsoft YaHei" pitchFamily="2"/>
-                          <a:cs typeface="Mangal" pitchFamily="2"/>
-                        </a:rPr>
-                        <a:t>ni OO </a:t>
-                      </a:r>
-                      <a:r>
-                        <a:rPr lang="fr-BE" sz="2200" b="0" i="0" u="none" strike="noStrike" kern="1200">
-                          <a:ln>
-                            <a:noFill/>
-                          </a:ln>
-                          <a:latin typeface="+mn-lt"/>
-                          <a:ea typeface="Microsoft YaHei" pitchFamily="2"/>
-                          <a:cs typeface="Mangal" pitchFamily="2"/>
-                          <a:sym typeface="Wingdings" panose="05000000000000000000" pitchFamily="2" charset="2"/>
-                        </a:rPr>
-                        <a:t></a:t>
-                      </a:r>
-                      <a:endParaRPr lang="fr-BE" sz="2200" b="0" i="0" u="none" strike="noStrike" kern="1200">
-                        <a:ln>
-                          <a:noFill/>
-                        </a:ln>
-                        <a:latin typeface="+mn-lt"/>
-                        <a:ea typeface="Microsoft YaHei" pitchFamily="2"/>
-                        <a:cs typeface="Mangal" pitchFamily="2"/>
-                      </a:endParaRPr>
-                    </a:p>
-                  </a:txBody>
-                  <a:tcPr marL="82953" marR="82953" marT="41476" marB="41476"/>
-                </a:tc>
-                <a:extLst>
-                  <a:ext uri="{0D108BD9-81ED-4DB2-BD59-A6C34878D82A}">
-                    <a16:rowId xmlns:a16="http://schemas.microsoft.com/office/drawing/2014/main" val="1089694101"/>
-                  </a:ext>
-                </a:extLst>
-              </a:tr>
-              <a:tr h="414764">
-                <a:tc>
-                  <a:txBody>
-                    <a:bodyPr/>
-                    <a:lstStyle/>
-                    <a:p>
-                      <a:pPr marL="0" marR="0" lvl="0" indent="0" algn="ctr" rtl="0" hangingPunct="0">
-                        <a:lnSpc>
-                          <a:spcPct val="100000"/>
-                        </a:lnSpc>
-                        <a:spcBef>
-                          <a:spcPts val="0"/>
-                        </a:spcBef>
-                        <a:spcAft>
-                          <a:spcPts val="0"/>
-                        </a:spcAft>
-                        <a:buNone/>
-                        <a:tabLst/>
-                      </a:pPr>
-                      <a:r>
-                        <a:rPr lang="fr-BE" sz="2200" b="0" i="0" u="none" strike="noStrike" kern="1200">
-                          <a:ln>
-                            <a:noFill/>
-                          </a:ln>
-                          <a:latin typeface="+mn-lt"/>
-                          <a:ea typeface="Microsoft YaHei" pitchFamily="2"/>
-                          <a:cs typeface="Mangal" pitchFamily="2"/>
-                        </a:rPr>
-                        <a:t>générique</a:t>
-                      </a:r>
-                    </a:p>
-                  </a:txBody>
-                  <a:tcPr marL="82953" marR="82953" marT="41476" marB="41476"/>
-                </a:tc>
                 <a:tc>
                   <a:txBody>
                     <a:bodyPr/>
@@ -13496,11 +14201,196 @@
                           <a:ea typeface="Microsoft YaHei" pitchFamily="2"/>
                           <a:cs typeface="Mangal" pitchFamily="2"/>
                         </a:rPr>
-                        <a:t>event-driven</a:t>
+                        <a:t>tout est classe</a:t>
                       </a:r>
                     </a:p>
                   </a:txBody>
-                  <a:tcPr marL="82953" marR="82953" marT="41476" marB="41476"/>
+                  <a:tcPr marL="82953" marR="82953" marT="41476" marB="41476">
+                    <a:lnL w="12700" cap="flat" cmpd="sng" algn="ctr">
+                      <a:solidFill>
+                        <a:schemeClr val="tx1"/>
+                      </a:solidFill>
+                      <a:prstDash val="solid"/>
+                      <a:round/>
+                      <a:headEnd type="none" w="med" len="med"/>
+                      <a:tailEnd type="none" w="med" len="med"/>
+                    </a:lnL>
+                    <a:lnR w="12700" cap="flat" cmpd="sng" algn="ctr">
+                      <a:solidFill>
+                        <a:schemeClr val="tx1"/>
+                      </a:solidFill>
+                      <a:prstDash val="solid"/>
+                      <a:round/>
+                      <a:headEnd type="none" w="med" len="med"/>
+                      <a:tailEnd type="none" w="med" len="med"/>
+                    </a:lnR>
+                    <a:lnT w="12700" cap="flat" cmpd="sng" algn="ctr">
+                      <a:solidFill>
+                        <a:schemeClr val="tx1"/>
+                      </a:solidFill>
+                      <a:prstDash val="solid"/>
+                      <a:round/>
+                      <a:headEnd type="none" w="med" len="med"/>
+                      <a:tailEnd type="none" w="med" len="med"/>
+                    </a:lnT>
+                    <a:lnB w="12700" cap="flat" cmpd="sng" algn="ctr">
+                      <a:solidFill>
+                        <a:schemeClr val="tx1"/>
+                      </a:solidFill>
+                      <a:prstDash val="solid"/>
+                      <a:round/>
+                      <a:headEnd type="none" w="med" len="med"/>
+                      <a:tailEnd type="none" w="med" len="med"/>
+                    </a:lnB>
+                  </a:tcPr>
+                </a:tc>
+                <a:tc>
+                  <a:txBody>
+                    <a:bodyPr/>
+                    <a:lstStyle/>
+                    <a:p>
+                      <a:pPr marL="0" marR="0" lvl="0" indent="0" algn="ctr" defTabSz="914377" rtl="0" eaLnBrk="1" fontAlgn="auto" latinLnBrk="0" hangingPunct="0">
+                        <a:lnSpc>
+                          <a:spcPct val="100000"/>
+                        </a:lnSpc>
+                        <a:spcBef>
+                          <a:spcPts val="0"/>
+                        </a:spcBef>
+                        <a:spcAft>
+                          <a:spcPts val="0"/>
+                        </a:spcAft>
+                        <a:buClrTx/>
+                        <a:buSzTx/>
+                        <a:buFontTx/>
+                        <a:buNone/>
+                        <a:tabLst/>
+                        <a:defRPr/>
+                      </a:pPr>
+                      <a:r>
+                        <a:rPr lang="fr-BE" sz="2000" b="0" i="0" u="none" strike="noStrike" kern="1200">
+                          <a:ln>
+                            <a:noFill/>
+                          </a:ln>
+                          <a:latin typeface="+mn-lt"/>
+                          <a:ea typeface="Microsoft YaHei" pitchFamily="2"/>
+                          <a:cs typeface="Mangal" pitchFamily="2"/>
+                        </a:rPr>
+                        <a:t>tout est classe</a:t>
+                      </a:r>
+                    </a:p>
+                  </a:txBody>
+                  <a:tcPr marL="82953" marR="82953" marT="41476" marB="41476">
+                    <a:lnL w="12700" cap="flat" cmpd="sng" algn="ctr">
+                      <a:solidFill>
+                        <a:schemeClr val="tx1"/>
+                      </a:solidFill>
+                      <a:prstDash val="solid"/>
+                      <a:round/>
+                      <a:headEnd type="none" w="med" len="med"/>
+                      <a:tailEnd type="none" w="med" len="med"/>
+                    </a:lnL>
+                    <a:lnR w="12700" cap="flat" cmpd="sng" algn="ctr">
+                      <a:solidFill>
+                        <a:schemeClr val="tx1"/>
+                      </a:solidFill>
+                      <a:prstDash val="solid"/>
+                      <a:round/>
+                      <a:headEnd type="none" w="med" len="med"/>
+                      <a:tailEnd type="none" w="med" len="med"/>
+                    </a:lnR>
+                    <a:lnT w="12700" cap="flat" cmpd="sng" algn="ctr">
+                      <a:solidFill>
+                        <a:schemeClr val="tx1"/>
+                      </a:solidFill>
+                      <a:prstDash val="solid"/>
+                      <a:round/>
+                      <a:headEnd type="none" w="med" len="med"/>
+                      <a:tailEnd type="none" w="med" len="med"/>
+                    </a:lnT>
+                    <a:lnB w="12700" cap="flat" cmpd="sng" algn="ctr">
+                      <a:solidFill>
+                        <a:schemeClr val="tx1"/>
+                      </a:solidFill>
+                      <a:prstDash val="solid"/>
+                      <a:round/>
+                      <a:headEnd type="none" w="med" len="med"/>
+                      <a:tailEnd type="none" w="med" len="med"/>
+                    </a:lnB>
+                  </a:tcPr>
+                </a:tc>
+                <a:tc>
+                  <a:txBody>
+                    <a:bodyPr/>
+                    <a:lstStyle/>
+                    <a:p>
+                      <a:pPr marL="0" marR="0" lvl="0" indent="0" algn="ctr" defTabSz="914377" rtl="0" eaLnBrk="1" fontAlgn="auto" latinLnBrk="0" hangingPunct="0">
+                        <a:lnSpc>
+                          <a:spcPct val="100000"/>
+                        </a:lnSpc>
+                        <a:spcBef>
+                          <a:spcPts val="0"/>
+                        </a:spcBef>
+                        <a:spcAft>
+                          <a:spcPts val="0"/>
+                        </a:spcAft>
+                        <a:buClrTx/>
+                        <a:buSzTx/>
+                        <a:buFontTx/>
+                        <a:buNone/>
+                        <a:tabLst/>
+                        <a:defRPr/>
+                      </a:pPr>
+                      <a:r>
+                        <a:rPr lang="fr-BE" sz="2000" b="0" i="0" u="none" strike="noStrike" kern="1200">
+                          <a:ln>
+                            <a:noFill/>
+                          </a:ln>
+                          <a:latin typeface="+mn-lt"/>
+                          <a:ea typeface="Microsoft YaHei" pitchFamily="2"/>
+                          <a:cs typeface="Mangal" pitchFamily="2"/>
+                        </a:rPr>
+                        <a:t>tout est objet</a:t>
+                      </a:r>
+                    </a:p>
+                  </a:txBody>
+                  <a:tcPr marL="82953" marR="82953" marT="41476" marB="41476">
+                    <a:lnL w="12700" cap="flat" cmpd="sng" algn="ctr">
+                      <a:solidFill>
+                        <a:schemeClr val="tx1"/>
+                      </a:solidFill>
+                      <a:prstDash val="solid"/>
+                      <a:round/>
+                      <a:headEnd type="none" w="med" len="med"/>
+                      <a:tailEnd type="none" w="med" len="med"/>
+                    </a:lnL>
+                    <a:lnR w="12700" cap="flat" cmpd="sng" algn="ctr">
+                      <a:solidFill>
+                        <a:schemeClr val="tx1"/>
+                      </a:solidFill>
+                      <a:prstDash val="solid"/>
+                      <a:round/>
+                      <a:headEnd type="none" w="med" len="med"/>
+                      <a:tailEnd type="none" w="med" len="med"/>
+                    </a:lnR>
+                    <a:lnT w="12700" cap="flat" cmpd="sng" algn="ctr">
+                      <a:solidFill>
+                        <a:schemeClr val="tx1"/>
+                      </a:solidFill>
+                      <a:prstDash val="solid"/>
+                      <a:round/>
+                      <a:headEnd type="none" w="med" len="med"/>
+                      <a:tailEnd type="none" w="med" len="med"/>
+                    </a:lnT>
+                    <a:lnB w="12700" cap="flat" cmpd="sng" algn="ctr">
+                      <a:solidFill>
+                        <a:schemeClr val="tx1"/>
+                      </a:solidFill>
+                      <a:prstDash val="solid"/>
+                      <a:round/>
+                      <a:headEnd type="none" w="med" len="med"/>
+                      <a:tailEnd type="none" w="med" len="med"/>
+                    </a:lnB>
+                  </a:tcPr>
                 </a:tc>
                 <a:tc>
                   <a:txBody>
@@ -13519,6 +14409,212 @@
                         </a:spcAft>
                         <a:tabLst/>
                       </a:pPr>
+                      <a:endParaRPr lang="fr-BE" sz="2000" b="0" i="0" u="none" strike="noStrike" kern="1200">
+                        <a:ln>
+                          <a:noFill/>
+                        </a:ln>
+                        <a:latin typeface="+mn-lt"/>
+                        <a:ea typeface="Microsoft YaHei" pitchFamily="2"/>
+                        <a:cs typeface="Mangal" pitchFamily="2"/>
+                      </a:endParaRPr>
+                    </a:p>
+                  </a:txBody>
+                  <a:tcPr marL="82953" marR="82953" marT="41476" marB="41476">
+                    <a:lnL w="12700" cap="flat" cmpd="sng" algn="ctr">
+                      <a:solidFill>
+                        <a:schemeClr val="tx1"/>
+                      </a:solidFill>
+                      <a:prstDash val="solid"/>
+                      <a:round/>
+                      <a:headEnd type="none" w="med" len="med"/>
+                      <a:tailEnd type="none" w="med" len="med"/>
+                    </a:lnL>
+                    <a:lnR w="12700" cap="flat" cmpd="sng" algn="ctr">
+                      <a:solidFill>
+                        <a:schemeClr val="tx1"/>
+                      </a:solidFill>
+                      <a:prstDash val="solid"/>
+                      <a:round/>
+                      <a:headEnd type="none" w="med" len="med"/>
+                      <a:tailEnd type="none" w="med" len="med"/>
+                    </a:lnR>
+                    <a:lnT w="12700" cap="flat" cmpd="sng" algn="ctr">
+                      <a:solidFill>
+                        <a:schemeClr val="tx1"/>
+                      </a:solidFill>
+                      <a:prstDash val="solid"/>
+                      <a:round/>
+                      <a:headEnd type="none" w="med" len="med"/>
+                      <a:tailEnd type="none" w="med" len="med"/>
+                    </a:lnT>
+                    <a:lnB w="12700" cap="flat" cmpd="sng" algn="ctr">
+                      <a:solidFill>
+                        <a:schemeClr val="tx1"/>
+                      </a:solidFill>
+                      <a:prstDash val="solid"/>
+                      <a:round/>
+                      <a:headEnd type="none" w="med" len="med"/>
+                      <a:tailEnd type="none" w="med" len="med"/>
+                    </a:lnB>
+                  </a:tcPr>
+                </a:tc>
+                <a:tc>
+                  <a:txBody>
+                    <a:bodyPr/>
+                    <a:lstStyle/>
+                    <a:p>
+                      <a:pPr marL="0" marR="0" indent="0" algn="ctr" rtl="0" hangingPunct="0">
+                        <a:lnSpc>
+                          <a:spcPct val="100000"/>
+                        </a:lnSpc>
+                        <a:spcBef>
+                          <a:spcPts val="0"/>
+                        </a:spcBef>
+                        <a:spcAft>
+                          <a:spcPts val="0"/>
+                        </a:spcAft>
+                        <a:tabLst/>
+                      </a:pPr>
+                      <a:endParaRPr lang="fr-BE" sz="2000" b="0" i="0" u="none" strike="noStrike" kern="1200">
+                        <a:ln>
+                          <a:noFill/>
+                        </a:ln>
+                        <a:latin typeface="+mn-lt"/>
+                        <a:ea typeface="Microsoft YaHei" pitchFamily="2"/>
+                        <a:cs typeface="Mangal" pitchFamily="2"/>
+                      </a:endParaRPr>
+                    </a:p>
+                  </a:txBody>
+                  <a:tcPr marL="82953" marR="82953" marT="41476" marB="41476">
+                    <a:lnL w="12700" cap="flat" cmpd="sng" algn="ctr">
+                      <a:solidFill>
+                        <a:schemeClr val="tx1"/>
+                      </a:solidFill>
+                      <a:prstDash val="solid"/>
+                      <a:round/>
+                      <a:headEnd type="none" w="med" len="med"/>
+                      <a:tailEnd type="none" w="med" len="med"/>
+                    </a:lnL>
+                    <a:lnR w="12700" cap="flat" cmpd="sng" algn="ctr">
+                      <a:solidFill>
+                        <a:schemeClr val="tx1"/>
+                      </a:solidFill>
+                      <a:prstDash val="solid"/>
+                      <a:round/>
+                      <a:headEnd type="none" w="med" len="med"/>
+                      <a:tailEnd type="none" w="med" len="med"/>
+                    </a:lnR>
+                    <a:lnT w="12700" cap="flat" cmpd="sng" algn="ctr">
+                      <a:solidFill>
+                        <a:schemeClr val="tx1"/>
+                      </a:solidFill>
+                      <a:prstDash val="solid"/>
+                      <a:round/>
+                      <a:headEnd type="none" w="med" len="med"/>
+                      <a:tailEnd type="none" w="med" len="med"/>
+                    </a:lnT>
+                    <a:lnB w="12700" cap="flat" cmpd="sng" algn="ctr">
+                      <a:solidFill>
+                        <a:schemeClr val="tx1"/>
+                      </a:solidFill>
+                      <a:prstDash val="solid"/>
+                      <a:round/>
+                      <a:headEnd type="none" w="med" len="med"/>
+                      <a:tailEnd type="none" w="med" len="med"/>
+                    </a:lnB>
+                  </a:tcPr>
+                </a:tc>
+                <a:tc>
+                  <a:txBody>
+                    <a:bodyPr/>
+                    <a:lstStyle/>
+                    <a:p>
+                      <a:pPr marL="0" marR="0" indent="0" algn="ctr" rtl="0" hangingPunct="0">
+                        <a:lnSpc>
+                          <a:spcPct val="100000"/>
+                        </a:lnSpc>
+                        <a:spcBef>
+                          <a:spcPts val="0"/>
+                        </a:spcBef>
+                        <a:spcAft>
+                          <a:spcPts val="0"/>
+                        </a:spcAft>
+                        <a:tabLst/>
+                      </a:pPr>
+                      <a:endParaRPr lang="fr-BE" sz="2000" b="0" i="0" u="none" strike="noStrike" kern="1200">
+                        <a:ln>
+                          <a:noFill/>
+                        </a:ln>
+                        <a:latin typeface="+mn-lt"/>
+                        <a:ea typeface="Microsoft YaHei" pitchFamily="2"/>
+                        <a:cs typeface="Mangal" pitchFamily="2"/>
+                      </a:endParaRPr>
+                    </a:p>
+                  </a:txBody>
+                  <a:tcPr marL="82953" marR="82953" marT="41476" marB="41476">
+                    <a:lnL w="12700" cap="flat" cmpd="sng" algn="ctr">
+                      <a:solidFill>
+                        <a:schemeClr val="tx1"/>
+                      </a:solidFill>
+                      <a:prstDash val="solid"/>
+                      <a:round/>
+                      <a:headEnd type="none" w="med" len="med"/>
+                      <a:tailEnd type="none" w="med" len="med"/>
+                    </a:lnL>
+                    <a:lnR w="12700" cap="flat" cmpd="sng" algn="ctr">
+                      <a:solidFill>
+                        <a:schemeClr val="tx1"/>
+                      </a:solidFill>
+                      <a:prstDash val="solid"/>
+                      <a:round/>
+                      <a:headEnd type="none" w="med" len="med"/>
+                      <a:tailEnd type="none" w="med" len="med"/>
+                    </a:lnR>
+                    <a:lnT w="12700" cap="flat" cmpd="sng" algn="ctr">
+                      <a:solidFill>
+                        <a:schemeClr val="tx1"/>
+                      </a:solidFill>
+                      <a:prstDash val="solid"/>
+                      <a:round/>
+                      <a:headEnd type="none" w="med" len="med"/>
+                      <a:tailEnd type="none" w="med" len="med"/>
+                    </a:lnT>
+                    <a:lnB w="12700" cap="flat" cmpd="sng" algn="ctr">
+                      <a:solidFill>
+                        <a:schemeClr val="tx1"/>
+                      </a:solidFill>
+                      <a:prstDash val="solid"/>
+                      <a:round/>
+                      <a:headEnd type="none" w="med" len="med"/>
+                      <a:tailEnd type="none" w="med" len="med"/>
+                    </a:lnB>
+                  </a:tcPr>
+                </a:tc>
+                <a:extLst>
+                  <a:ext uri="{0D108BD9-81ED-4DB2-BD59-A6C34878D82A}">
+                    <a16:rowId xmlns:a16="http://schemas.microsoft.com/office/drawing/2014/main" val="2656881595"/>
+                  </a:ext>
+                </a:extLst>
+              </a:tr>
+              <a:tr h="414764">
+                <a:tc>
+                  <a:txBody>
+                    <a:bodyPr/>
+                    <a:lstStyle/>
+                    <a:p>
+                      <a:pPr marL="0" marR="0" lvl="0" indent="0" algn="ctr" rtl="0" hangingPunct="0">
+                        <a:lnSpc>
+                          <a:spcPct val="100000"/>
+                        </a:lnSpc>
+                        <a:spcBef>
+                          <a:spcPts val="0"/>
+                        </a:spcBef>
+                        <a:spcAft>
+                          <a:spcPts val="0"/>
+                        </a:spcAft>
+                        <a:buNone/>
+                        <a:tabLst/>
+                      </a:pPr>
                       <a:r>
                         <a:rPr lang="fr-BE" sz="2000" b="0" i="0" u="none" strike="noStrike" kern="1200">
                           <a:ln>
@@ -13528,15 +14624,444 @@
                           <a:ea typeface="Microsoft YaHei" pitchFamily="2"/>
                           <a:cs typeface="Mangal" pitchFamily="2"/>
                         </a:rPr>
-                        <a:t>web-based</a:t>
+                        <a:t>typage statique</a:t>
                       </a:r>
                     </a:p>
                   </a:txBody>
-                  <a:tcPr marL="82953" marR="82953" marT="41476" marB="41476"/>
+                  <a:tcPr marL="82953" marR="82953" marT="41476" marB="41476">
+                    <a:lnL w="12700" cap="flat" cmpd="sng" algn="ctr">
+                      <a:solidFill>
+                        <a:schemeClr val="tx1"/>
+                      </a:solidFill>
+                      <a:prstDash val="solid"/>
+                      <a:round/>
+                      <a:headEnd type="none" w="med" len="med"/>
+                      <a:tailEnd type="none" w="med" len="med"/>
+                    </a:lnL>
+                    <a:lnR w="12700" cap="flat" cmpd="sng" algn="ctr">
+                      <a:solidFill>
+                        <a:schemeClr val="tx1"/>
+                      </a:solidFill>
+                      <a:prstDash val="solid"/>
+                      <a:round/>
+                      <a:headEnd type="none" w="med" len="med"/>
+                      <a:tailEnd type="none" w="med" len="med"/>
+                    </a:lnR>
+                    <a:lnT w="12700" cap="flat" cmpd="sng" algn="ctr">
+                      <a:solidFill>
+                        <a:schemeClr val="tx1"/>
+                      </a:solidFill>
+                      <a:prstDash val="solid"/>
+                      <a:round/>
+                      <a:headEnd type="none" w="med" len="med"/>
+                      <a:tailEnd type="none" w="med" len="med"/>
+                    </a:lnT>
+                    <a:lnB w="12700" cap="flat" cmpd="sng" algn="ctr">
+                      <a:solidFill>
+                        <a:schemeClr val="tx1"/>
+                      </a:solidFill>
+                      <a:prstDash val="solid"/>
+                      <a:round/>
+                      <a:headEnd type="none" w="med" len="med"/>
+                      <a:tailEnd type="none" w="med" len="med"/>
+                    </a:lnB>
+                  </a:tcPr>
+                </a:tc>
+                <a:tc>
+                  <a:txBody>
+                    <a:bodyPr/>
+                    <a:lstStyle/>
+                    <a:p>
+                      <a:pPr marL="0" marR="0" lvl="0" indent="0" algn="ctr" defTabSz="914377" rtl="0" eaLnBrk="1" fontAlgn="auto" latinLnBrk="0" hangingPunct="0">
+                        <a:lnSpc>
+                          <a:spcPct val="100000"/>
+                        </a:lnSpc>
+                        <a:spcBef>
+                          <a:spcPts val="0"/>
+                        </a:spcBef>
+                        <a:spcAft>
+                          <a:spcPts val="0"/>
+                        </a:spcAft>
+                        <a:buClrTx/>
+                        <a:buSzTx/>
+                        <a:buFontTx/>
+                        <a:buNone/>
+                        <a:tabLst/>
+                        <a:defRPr/>
+                      </a:pPr>
+                      <a:r>
+                        <a:rPr lang="fr-BE" sz="2000" b="0" i="0" u="none" strike="noStrike" kern="1200">
+                          <a:ln>
+                            <a:noFill/>
+                          </a:ln>
+                          <a:latin typeface="+mn-lt"/>
+                          <a:ea typeface="Microsoft YaHei" pitchFamily="2"/>
+                          <a:cs typeface="Mangal" pitchFamily="2"/>
+                        </a:rPr>
+                        <a:t>typage statique</a:t>
+                      </a:r>
+                    </a:p>
+                  </a:txBody>
+                  <a:tcPr marL="82953" marR="82953" marT="41476" marB="41476">
+                    <a:lnL w="12700" cap="flat" cmpd="sng" algn="ctr">
+                      <a:solidFill>
+                        <a:schemeClr val="tx1"/>
+                      </a:solidFill>
+                      <a:prstDash val="solid"/>
+                      <a:round/>
+                      <a:headEnd type="none" w="med" len="med"/>
+                      <a:tailEnd type="none" w="med" len="med"/>
+                    </a:lnL>
+                    <a:lnR w="12700" cap="flat" cmpd="sng" algn="ctr">
+                      <a:solidFill>
+                        <a:schemeClr val="tx1"/>
+                      </a:solidFill>
+                      <a:prstDash val="solid"/>
+                      <a:round/>
+                      <a:headEnd type="none" w="med" len="med"/>
+                      <a:tailEnd type="none" w="med" len="med"/>
+                    </a:lnR>
+                    <a:lnT w="12700" cap="flat" cmpd="sng" algn="ctr">
+                      <a:solidFill>
+                        <a:schemeClr val="tx1"/>
+                      </a:solidFill>
+                      <a:prstDash val="solid"/>
+                      <a:round/>
+                      <a:headEnd type="none" w="med" len="med"/>
+                      <a:tailEnd type="none" w="med" len="med"/>
+                    </a:lnT>
+                    <a:lnB w="12700" cap="flat" cmpd="sng" algn="ctr">
+                      <a:solidFill>
+                        <a:schemeClr val="tx1"/>
+                      </a:solidFill>
+                      <a:prstDash val="solid"/>
+                      <a:round/>
+                      <a:headEnd type="none" w="med" len="med"/>
+                      <a:tailEnd type="none" w="med" len="med"/>
+                    </a:lnB>
+                  </a:tcPr>
+                </a:tc>
+                <a:tc>
+                  <a:txBody>
+                    <a:bodyPr/>
+                    <a:lstStyle/>
+                    <a:p>
+                      <a:pPr marL="0" marR="0" lvl="0" indent="0" algn="ctr" defTabSz="914377" rtl="0" eaLnBrk="1" fontAlgn="auto" latinLnBrk="0" hangingPunct="0">
+                        <a:lnSpc>
+                          <a:spcPct val="100000"/>
+                        </a:lnSpc>
+                        <a:spcBef>
+                          <a:spcPts val="0"/>
+                        </a:spcBef>
+                        <a:spcAft>
+                          <a:spcPts val="0"/>
+                        </a:spcAft>
+                        <a:buClrTx/>
+                        <a:buSzTx/>
+                        <a:buFontTx/>
+                        <a:buNone/>
+                        <a:tabLst/>
+                        <a:defRPr/>
+                      </a:pPr>
+                      <a:r>
+                        <a:rPr lang="fr-BE" sz="2000" b="0" i="0" u="none" strike="noStrike" kern="1200">
+                          <a:ln>
+                            <a:noFill/>
+                          </a:ln>
+                          <a:latin typeface="+mn-lt"/>
+                          <a:ea typeface="Microsoft YaHei" pitchFamily="2"/>
+                          <a:cs typeface="Mangal" pitchFamily="2"/>
+                        </a:rPr>
+                        <a:t>typage dynamique</a:t>
+                      </a:r>
+                    </a:p>
+                  </a:txBody>
+                  <a:tcPr marL="82953" marR="82953" marT="41476" marB="41476">
+                    <a:lnL w="12700" cap="flat" cmpd="sng" algn="ctr">
+                      <a:solidFill>
+                        <a:schemeClr val="tx1"/>
+                      </a:solidFill>
+                      <a:prstDash val="solid"/>
+                      <a:round/>
+                      <a:headEnd type="none" w="med" len="med"/>
+                      <a:tailEnd type="none" w="med" len="med"/>
+                    </a:lnL>
+                    <a:lnR w="12700" cap="flat" cmpd="sng" algn="ctr">
+                      <a:solidFill>
+                        <a:schemeClr val="tx1"/>
+                      </a:solidFill>
+                      <a:prstDash val="solid"/>
+                      <a:round/>
+                      <a:headEnd type="none" w="med" len="med"/>
+                      <a:tailEnd type="none" w="med" len="med"/>
+                    </a:lnR>
+                    <a:lnT w="12700" cap="flat" cmpd="sng" algn="ctr">
+                      <a:solidFill>
+                        <a:schemeClr val="tx1"/>
+                      </a:solidFill>
+                      <a:prstDash val="solid"/>
+                      <a:round/>
+                      <a:headEnd type="none" w="med" len="med"/>
+                      <a:tailEnd type="none" w="med" len="med"/>
+                    </a:lnT>
+                    <a:lnB w="12700" cap="flat" cmpd="sng" algn="ctr">
+                      <a:solidFill>
+                        <a:schemeClr val="tx1"/>
+                      </a:solidFill>
+                      <a:prstDash val="solid"/>
+                      <a:round/>
+                      <a:headEnd type="none" w="med" len="med"/>
+                      <a:tailEnd type="none" w="med" len="med"/>
+                    </a:lnB>
+                  </a:tcPr>
+                </a:tc>
+                <a:tc>
+                  <a:txBody>
+                    <a:bodyPr/>
+                    <a:lstStyle/>
+                    <a:p>
+                      <a:pPr marL="0" marR="0" lvl="0" indent="0" algn="ctr" defTabSz="914377" rtl="0" eaLnBrk="1" fontAlgn="auto" latinLnBrk="0" hangingPunct="0">
+                        <a:lnSpc>
+                          <a:spcPct val="100000"/>
+                        </a:lnSpc>
+                        <a:spcBef>
+                          <a:spcPts val="0"/>
+                        </a:spcBef>
+                        <a:spcAft>
+                          <a:spcPts val="0"/>
+                        </a:spcAft>
+                        <a:buClrTx/>
+                        <a:buSzTx/>
+                        <a:buFontTx/>
+                        <a:buNone/>
+                        <a:tabLst/>
+                        <a:defRPr/>
+                      </a:pPr>
+                      <a:r>
+                        <a:rPr lang="fr-BE" sz="2000" b="0" i="0" u="none" strike="noStrike" kern="1200">
+                          <a:ln>
+                            <a:noFill/>
+                          </a:ln>
+                          <a:latin typeface="+mn-lt"/>
+                          <a:ea typeface="Microsoft YaHei" pitchFamily="2"/>
+                          <a:cs typeface="Mangal" pitchFamily="2"/>
+                        </a:rPr>
+                        <a:t>typage statique</a:t>
+                      </a:r>
+                    </a:p>
+                    <a:p>
+                      <a:pPr marL="0" marR="0" indent="0" algn="ctr" rtl="0" hangingPunct="0">
+                        <a:lnSpc>
+                          <a:spcPct val="100000"/>
+                        </a:lnSpc>
+                        <a:spcBef>
+                          <a:spcPts val="0"/>
+                        </a:spcBef>
+                        <a:spcAft>
+                          <a:spcPts val="0"/>
+                        </a:spcAft>
+                        <a:tabLst/>
+                      </a:pPr>
+                      <a:endParaRPr lang="fr-BE" sz="2000" b="0" i="0" u="none" strike="noStrike" kern="1200">
+                        <a:ln>
+                          <a:noFill/>
+                        </a:ln>
+                        <a:latin typeface="+mn-lt"/>
+                        <a:ea typeface="Microsoft YaHei" pitchFamily="2"/>
+                        <a:cs typeface="Mangal" pitchFamily="2"/>
+                      </a:endParaRPr>
+                    </a:p>
+                  </a:txBody>
+                  <a:tcPr marL="82953" marR="82953" marT="41476" marB="41476">
+                    <a:lnL w="12700" cap="flat" cmpd="sng" algn="ctr">
+                      <a:solidFill>
+                        <a:schemeClr val="tx1"/>
+                      </a:solidFill>
+                      <a:prstDash val="solid"/>
+                      <a:round/>
+                      <a:headEnd type="none" w="med" len="med"/>
+                      <a:tailEnd type="none" w="med" len="med"/>
+                    </a:lnL>
+                    <a:lnR w="12700" cap="flat" cmpd="sng" algn="ctr">
+                      <a:solidFill>
+                        <a:schemeClr val="tx1"/>
+                      </a:solidFill>
+                      <a:prstDash val="solid"/>
+                      <a:round/>
+                      <a:headEnd type="none" w="med" len="med"/>
+                      <a:tailEnd type="none" w="med" len="med"/>
+                    </a:lnR>
+                    <a:lnT w="12700" cap="flat" cmpd="sng" algn="ctr">
+                      <a:solidFill>
+                        <a:schemeClr val="tx1"/>
+                      </a:solidFill>
+                      <a:prstDash val="solid"/>
+                      <a:round/>
+                      <a:headEnd type="none" w="med" len="med"/>
+                      <a:tailEnd type="none" w="med" len="med"/>
+                    </a:lnT>
+                    <a:lnB w="12700" cap="flat" cmpd="sng" algn="ctr">
+                      <a:solidFill>
+                        <a:schemeClr val="tx1"/>
+                      </a:solidFill>
+                      <a:prstDash val="solid"/>
+                      <a:round/>
+                      <a:headEnd type="none" w="med" len="med"/>
+                      <a:tailEnd type="none" w="med" len="med"/>
+                    </a:lnB>
+                  </a:tcPr>
+                </a:tc>
+                <a:tc>
+                  <a:txBody>
+                    <a:bodyPr/>
+                    <a:lstStyle/>
+                    <a:p>
+                      <a:pPr marL="0" marR="0" lvl="0" indent="0" algn="ctr" defTabSz="914377" rtl="0" eaLnBrk="1" fontAlgn="auto" latinLnBrk="0" hangingPunct="0">
+                        <a:lnSpc>
+                          <a:spcPct val="100000"/>
+                        </a:lnSpc>
+                        <a:spcBef>
+                          <a:spcPts val="0"/>
+                        </a:spcBef>
+                        <a:spcAft>
+                          <a:spcPts val="0"/>
+                        </a:spcAft>
+                        <a:buClrTx/>
+                        <a:buSzTx/>
+                        <a:buFontTx/>
+                        <a:buNone/>
+                        <a:tabLst/>
+                        <a:defRPr/>
+                      </a:pPr>
+                      <a:r>
+                        <a:rPr lang="fr-BE" sz="2000" b="0" i="0" u="none" strike="noStrike" kern="1200">
+                          <a:ln>
+                            <a:noFill/>
+                          </a:ln>
+                          <a:latin typeface="+mn-lt"/>
+                          <a:ea typeface="Microsoft YaHei" pitchFamily="2"/>
+                          <a:cs typeface="Mangal" pitchFamily="2"/>
+                        </a:rPr>
+                        <a:t>typage dynamique</a:t>
+                      </a:r>
+                    </a:p>
+                  </a:txBody>
+                  <a:tcPr marL="82953" marR="82953" marT="41476" marB="41476">
+                    <a:lnL w="12700" cap="flat" cmpd="sng" algn="ctr">
+                      <a:solidFill>
+                        <a:schemeClr val="tx1"/>
+                      </a:solidFill>
+                      <a:prstDash val="solid"/>
+                      <a:round/>
+                      <a:headEnd type="none" w="med" len="med"/>
+                      <a:tailEnd type="none" w="med" len="med"/>
+                    </a:lnL>
+                    <a:lnR w="12700" cap="flat" cmpd="sng" algn="ctr">
+                      <a:solidFill>
+                        <a:schemeClr val="tx1"/>
+                      </a:solidFill>
+                      <a:prstDash val="solid"/>
+                      <a:round/>
+                      <a:headEnd type="none" w="med" len="med"/>
+                      <a:tailEnd type="none" w="med" len="med"/>
+                    </a:lnR>
+                    <a:lnT w="12700" cap="flat" cmpd="sng" algn="ctr">
+                      <a:solidFill>
+                        <a:schemeClr val="tx1"/>
+                      </a:solidFill>
+                      <a:prstDash val="solid"/>
+                      <a:round/>
+                      <a:headEnd type="none" w="med" len="med"/>
+                      <a:tailEnd type="none" w="med" len="med"/>
+                    </a:lnT>
+                    <a:lnB w="12700" cap="flat" cmpd="sng" algn="ctr">
+                      <a:solidFill>
+                        <a:schemeClr val="tx1"/>
+                      </a:solidFill>
+                      <a:prstDash val="solid"/>
+                      <a:round/>
+                      <a:headEnd type="none" w="med" len="med"/>
+                      <a:tailEnd type="none" w="med" len="med"/>
+                    </a:lnB>
+                  </a:tcPr>
+                </a:tc>
+                <a:tc>
+                  <a:txBody>
+                    <a:bodyPr/>
+                    <a:lstStyle/>
+                    <a:p>
+                      <a:pPr marL="0" marR="0" lvl="0" indent="0" algn="ctr" defTabSz="914377" rtl="0" eaLnBrk="1" fontAlgn="auto" latinLnBrk="0" hangingPunct="0">
+                        <a:lnSpc>
+                          <a:spcPct val="100000"/>
+                        </a:lnSpc>
+                        <a:spcBef>
+                          <a:spcPts val="0"/>
+                        </a:spcBef>
+                        <a:spcAft>
+                          <a:spcPts val="0"/>
+                        </a:spcAft>
+                        <a:buClrTx/>
+                        <a:buSzTx/>
+                        <a:buFontTx/>
+                        <a:buNone/>
+                        <a:tabLst/>
+                        <a:defRPr/>
+                      </a:pPr>
+                      <a:r>
+                        <a:rPr lang="fr-BE" sz="2000" b="0" i="0" u="none" strike="noStrike" kern="1200">
+                          <a:ln>
+                            <a:noFill/>
+                          </a:ln>
+                          <a:latin typeface="+mn-lt"/>
+                          <a:ea typeface="Microsoft YaHei" pitchFamily="2"/>
+                          <a:cs typeface="Mangal" pitchFamily="2"/>
+                        </a:rPr>
+                        <a:t>typage dynamique</a:t>
+                      </a:r>
+                    </a:p>
+                  </a:txBody>
+                  <a:tcPr marL="82953" marR="82953" marT="41476" marB="41476">
+                    <a:lnL w="12700" cap="flat" cmpd="sng" algn="ctr">
+                      <a:solidFill>
+                        <a:schemeClr val="tx1"/>
+                      </a:solidFill>
+                      <a:prstDash val="solid"/>
+                      <a:round/>
+                      <a:headEnd type="none" w="med" len="med"/>
+                      <a:tailEnd type="none" w="med" len="med"/>
+                    </a:lnL>
+                    <a:lnR w="12700" cap="flat" cmpd="sng" algn="ctr">
+                      <a:solidFill>
+                        <a:schemeClr val="tx1"/>
+                      </a:solidFill>
+                      <a:prstDash val="solid"/>
+                      <a:round/>
+                      <a:headEnd type="none" w="med" len="med"/>
+                      <a:tailEnd type="none" w="med" len="med"/>
+                    </a:lnR>
+                    <a:lnT w="12700" cap="flat" cmpd="sng" algn="ctr">
+                      <a:solidFill>
+                        <a:schemeClr val="tx1"/>
+                      </a:solidFill>
+                      <a:prstDash val="solid"/>
+                      <a:round/>
+                      <a:headEnd type="none" w="med" len="med"/>
+                      <a:tailEnd type="none" w="med" len="med"/>
+                    </a:lnT>
+                    <a:lnB w="12700" cap="flat" cmpd="sng" algn="ctr">
+                      <a:solidFill>
+                        <a:schemeClr val="tx1"/>
+                      </a:solidFill>
+                      <a:prstDash val="solid"/>
+                      <a:round/>
+                      <a:headEnd type="none" w="med" len="med"/>
+                      <a:tailEnd type="none" w="med" len="med"/>
+                    </a:lnB>
+                  </a:tcPr>
                 </a:tc>
                 <a:extLst>
                   <a:ext uri="{0D108BD9-81ED-4DB2-BD59-A6C34878D82A}">
-                    <a16:rowId xmlns:a16="http://schemas.microsoft.com/office/drawing/2014/main" val="3790466323"/>
+                    <a16:rowId xmlns:a16="http://schemas.microsoft.com/office/drawing/2014/main" val="2569696203"/>
                   </a:ext>
                 </a:extLst>
               </a:tr>
@@ -13564,7 +15089,7 @@
 </p:sld>
 </file>
 
-<file path=ppt/slides/slide19.xml><?xml version="1.0" encoding="utf-8"?>
+<file path=ppt/slides/slide18.xml><?xml version="1.0" encoding="utf-8"?>
 <p:sld xmlns:a="http://schemas.openxmlformats.org/drawingml/2006/main" xmlns:r="http://schemas.openxmlformats.org/officeDocument/2006/relationships" xmlns:p="http://schemas.openxmlformats.org/presentationml/2006/main">
   <p:cSld>
     <p:spTree>
@@ -14529,7 +16054,7 @@
         </p:nvSpPr>
         <p:spPr/>
         <p:txBody>
-          <a:bodyPr numCol="1" spcCol="0">
+          <a:bodyPr numCol="2" spcCol="0">
             <a:normAutofit/>
           </a:bodyPr>
           <a:lstStyle/>
@@ -14545,22 +16070,16 @@
           <a:p>
             <a:pPr lvl="1"/>
             <a:r>
-              <a:rPr lang="fi-FI"/>
-              <a:t>Google Drive </a:t>
-            </a:r>
-            <a:r>
-              <a:rPr lang="fr-BE"/>
-              <a:t> </a:t>
-            </a:r>
-          </a:p>
-          <a:p>
-            <a:pPr lvl="1"/>
-            <a:r>
               <a:rPr lang="fr-BE">
                 <a:sym typeface="Wingdings" panose="05000000000000000000" pitchFamily="2" charset="2"/>
               </a:rPr>
-              <a:t>Git</a:t>
-            </a:r>
+              <a:t>GitHub</a:t>
+            </a:r>
+            <a:br>
+              <a:rPr lang="fr-BE">
+                <a:sym typeface="Wingdings" panose="05000000000000000000" pitchFamily="2" charset="2"/>
+              </a:rPr>
+            </a:br>
             <a:endParaRPr lang="fr-BE" dirty="0">
               <a:sym typeface="Wingdings" panose="05000000000000000000" pitchFamily="2" charset="2"/>
             </a:endParaRPr>
@@ -14605,10 +16124,10 @@
       </p:sp>
       <p:pic>
         <p:nvPicPr>
-          <p:cNvPr id="3" name="Image 2">
+          <p:cNvPr id="4" name="Image 3">
             <a:extLst>
               <a:ext uri="{FF2B5EF4-FFF2-40B4-BE49-F238E27FC236}">
-                <a16:creationId xmlns:a16="http://schemas.microsoft.com/office/drawing/2014/main" id="{4877F065-183D-2268-2068-86F1BBBA5973}"/>
+                <a16:creationId xmlns:a16="http://schemas.microsoft.com/office/drawing/2014/main" id="{0AF34AB7-85BE-2C44-A2A2-1BFF128001FC}"/>
               </a:ext>
             </a:extLst>
           </p:cNvPr>
@@ -14625,8 +16144,39 @@
         </p:blipFill>
         <p:spPr>
           <a:xfrm>
-            <a:off x="7280985" y="-1"/>
-            <a:ext cx="4911016" cy="3324225"/>
+            <a:off x="5295317" y="206811"/>
+            <a:ext cx="3231023" cy="2967754"/>
+          </a:xfrm>
+          <a:prstGeom prst="rect">
+            <a:avLst/>
+          </a:prstGeom>
+        </p:spPr>
+      </p:pic>
+      <p:pic>
+        <p:nvPicPr>
+          <p:cNvPr id="6" name="Image 5">
+            <a:extLst>
+              <a:ext uri="{FF2B5EF4-FFF2-40B4-BE49-F238E27FC236}">
+                <a16:creationId xmlns:a16="http://schemas.microsoft.com/office/drawing/2014/main" id="{6503E6F6-7CC6-23E9-D289-0F7DACCFE59E}"/>
+              </a:ext>
+            </a:extLst>
+          </p:cNvPr>
+          <p:cNvPicPr>
+            <a:picLocks noChangeAspect="1"/>
+          </p:cNvPicPr>
+          <p:nvPr/>
+        </p:nvPicPr>
+        <p:blipFill>
+          <a:blip r:embed="rId5"/>
+          <a:srcRect r="38932"/>
+          <a:stretch>
+            <a:fillRect/>
+          </a:stretch>
+        </p:blipFill>
+        <p:spPr>
+          <a:xfrm>
+            <a:off x="8648700" y="2528727"/>
+            <a:ext cx="2582740" cy="3964148"/>
           </a:xfrm>
           <a:prstGeom prst="rect">
             <a:avLst/>
@@ -15716,7 +17266,7 @@
   <p:cSld>
     <p:spTree>
       <p:nvGrpSpPr>
-        <p:cNvPr id="1" name="Shape 287"/>
+        <p:cNvPr id="1" name=""/>
         <p:cNvGrpSpPr/>
         <p:nvPr/>
       </p:nvGrpSpPr>
@@ -15730,8 +17280,8 @@
       </p:grpSpPr>
       <p:sp>
         <p:nvSpPr>
-          <p:cNvPr id="288" name="Google Shape;288;p34"/>
-          <p:cNvSpPr txBox="1">
+          <p:cNvPr id="4" name="Title 3"/>
+          <p:cNvSpPr>
             <a:spLocks noGrp="1"/>
           </p:cNvSpPr>
           <p:nvPr>
@@ -15740,27 +17290,19 @@
         </p:nvSpPr>
         <p:spPr/>
         <p:txBody>
-          <a:bodyPr>
-            <a:normAutofit/>
-          </a:bodyPr>
+          <a:bodyPr/>
           <a:lstStyle/>
           <a:p>
             <a:r>
               <a:rPr lang="fr-BE"/>
-              <a:t>Outil : JetBrains PyCharm </a:t>
+              <a:t>Table des matières</a:t>
             </a:r>
           </a:p>
         </p:txBody>
       </p:sp>
       <p:sp>
         <p:nvSpPr>
-          <p:cNvPr id="11" name="Espace réservé du contenu 10">
-            <a:extLst>
-              <a:ext uri="{FF2B5EF4-FFF2-40B4-BE49-F238E27FC236}">
-                <a16:creationId xmlns:a16="http://schemas.microsoft.com/office/drawing/2014/main" id="{F897E87B-B0A6-521C-C640-788D82CDF6CF}"/>
-              </a:ext>
-            </a:extLst>
-          </p:cNvPr>
+          <p:cNvPr id="5" name="Content Placeholder 4"/>
           <p:cNvSpPr>
             <a:spLocks noGrp="1"/>
           </p:cNvSpPr>
@@ -15770,155 +17312,80 @@
         </p:nvSpPr>
         <p:spPr/>
         <p:txBody>
-          <a:bodyPr>
-            <a:normAutofit lnSpcReduction="10000"/>
+          <a:bodyPr numCol="1">
+            <a:normAutofit fontScale="92500" lnSpcReduction="10000"/>
           </a:bodyPr>
           <a:lstStyle/>
           <a:p>
             <a:r>
               <a:rPr lang="fr-BE"/>
-              <a:t>Accès à la version professionnelle JetBrains PyCharm </a:t>
+              <a:t>Introduction</a:t>
             </a:r>
           </a:p>
           <a:p>
             <a:pPr lvl="1"/>
             <a:r>
               <a:rPr lang="fr-BE"/>
-              <a:t>si inscription basée sur adresse e-mail </a:t>
-            </a:r>
-            <a:r>
-              <a:rPr lang="fr-BE" i="1"/>
-              <a:t>@isfce.be</a:t>
-            </a:r>
-          </a:p>
-          <a:p>
+              <a:t>00. Propos liminaires</a:t>
+            </a:r>
+          </a:p>
+          <a:p>
+            <a:pPr lvl="1"/>
             <a:r>
               <a:rPr lang="fr-BE"/>
-              <a:t>Installation</a:t>
-            </a:r>
-          </a:p>
-          <a:p>
-            <a:pPr marL="968375" lvl="1" indent="-514350">
-              <a:buFont typeface="+mj-lt"/>
-              <a:buAutoNum type="arabicPeriod"/>
-            </a:pPr>
+              <a:t>01. Programmation procédurale : rappel</a:t>
+            </a:r>
+          </a:p>
+          <a:p>
             <a:r>
               <a:rPr lang="fr-BE"/>
-              <a:t>créer votre compte sur </a:t>
-            </a:r>
-            <a:r>
-              <a:rPr lang="fr-BE" b="1"/>
-              <a:t>jetbrains.com</a:t>
-            </a:r>
-            <a:br>
-              <a:rPr lang="fr-BE" b="1"/>
-            </a:br>
+              <a:t>Concepts de Programmation Orientée Objet</a:t>
+            </a:r>
+          </a:p>
+          <a:p>
+            <a:pPr lvl="1"/>
             <a:r>
               <a:rPr lang="fr-BE"/>
-              <a:t>à l'aide de votre adresse e-mail </a:t>
-            </a:r>
-            <a:r>
-              <a:rPr lang="fr-BE" i="1"/>
-              <a:t>&lt;nom&gt;.&lt;prenom&gt;@isfce.be</a:t>
-            </a:r>
-          </a:p>
-          <a:p>
-            <a:pPr marL="968375" lvl="1" indent="-514350">
-              <a:buFont typeface="+mj-lt"/>
-              <a:buAutoNum type="arabicPeriod"/>
-            </a:pPr>
+              <a:t>11. Programmation orientée objet : bases </a:t>
+            </a:r>
+          </a:p>
+          <a:p>
+            <a:pPr lvl="1"/>
             <a:r>
               <a:rPr lang="fr-BE"/>
-              <a:t>télécharger et installer </a:t>
-            </a:r>
-            <a:r>
-              <a:rPr lang="fr-BE" b="1"/>
-              <a:t>PyCharm</a:t>
-            </a:r>
-          </a:p>
-          <a:p>
-            <a:pPr marL="968375" lvl="1" indent="-514350">
-              <a:buFont typeface="+mj-lt"/>
-              <a:buAutoNum type="arabicPeriod"/>
-            </a:pPr>
+              <a:t>13</a:t>
+            </a:r>
+            <a:r>
+              <a:rPr lang="fr-BE" dirty="0"/>
+              <a:t>. Programmation orientée objet : aspects avancés</a:t>
+            </a:r>
+          </a:p>
+          <a:p>
+            <a:pPr lvl="1"/>
             <a:r>
               <a:rPr lang="fr-BE"/>
-              <a:t>s'enregistrer, option : </a:t>
-            </a:r>
-            <a:r>
-              <a:rPr lang="fr-BE" i="1"/>
-              <a:t>get license from JetBrains</a:t>
-            </a:r>
-          </a:p>
-          <a:p>
-            <a:pPr marL="1416050" lvl="2" indent="-514350">
-              <a:buFont typeface="+mj-lt"/>
-              <a:buAutoNum type="arabicPeriod"/>
-            </a:pPr>
-            <a:endParaRPr lang="fr-BE"/>
-          </a:p>
-          <a:p>
-            <a:pPr marL="454025" lvl="1" indent="0">
-              <a:buNone/>
-            </a:pPr>
-            <a:r>
-              <a:rPr lang="fr-BE" i="1"/>
-              <a:t>PS : procédure à confirmer</a:t>
+              <a:t>17. Patron de conception (design pattern)</a:t>
+            </a:r>
+          </a:p>
+          <a:p>
+            <a:r>
+              <a:rPr lang="fr-BE"/>
+              <a:t>Applications de la POO</a:t>
+            </a:r>
+          </a:p>
+          <a:p>
+            <a:pPr lvl="1"/>
+            <a:r>
+              <a:rPr lang="fr-BE"/>
+              <a:t>21. Graphical User Interface</a:t>
             </a:r>
           </a:p>
         </p:txBody>
       </p:sp>
-      <p:pic>
-        <p:nvPicPr>
-          <p:cNvPr id="2050" name="Picture 2" descr="PyCharm: the Python IDE for Professional Developers by JetBrains">
-            <a:extLst>
-              <a:ext uri="{FF2B5EF4-FFF2-40B4-BE49-F238E27FC236}">
-                <a16:creationId xmlns:a16="http://schemas.microsoft.com/office/drawing/2014/main" id="{C00C3984-5D82-FA07-20EF-4968810ABAAD}"/>
-              </a:ext>
-            </a:extLst>
-          </p:cNvPr>
-          <p:cNvPicPr>
-            <a:picLocks noChangeAspect="1" noChangeArrowheads="1"/>
-          </p:cNvPicPr>
-          <p:nvPr/>
-        </p:nvPicPr>
-        <p:blipFill>
-          <a:blip r:embed="rId3">
-            <a:extLst>
-              <a:ext uri="{28A0092B-C50C-407E-A947-70E740481C1C}">
-                <a14:useLocalDpi xmlns:a14="http://schemas.microsoft.com/office/drawing/2010/main" val="0"/>
-              </a:ext>
-            </a:extLst>
-          </a:blip>
-          <a:srcRect/>
-          <a:stretch>
-            <a:fillRect/>
-          </a:stretch>
-        </p:blipFill>
-        <p:spPr bwMode="auto">
-          <a:xfrm>
-            <a:off x="10378440" y="154112"/>
-            <a:ext cx="1636014" cy="1636014"/>
-          </a:xfrm>
-          <a:prstGeom prst="rect">
-            <a:avLst/>
-          </a:prstGeom>
-          <a:noFill/>
-          <a:extLst>
-            <a:ext uri="{909E8E84-426E-40DD-AFC4-6F175D3DCCD1}">
-              <a14:hiddenFill xmlns:a14="http://schemas.microsoft.com/office/drawing/2010/main">
-                <a:solidFill>
-                  <a:srgbClr val="FFFFFF"/>
-                </a:solidFill>
-              </a14:hiddenFill>
-            </a:ext>
-          </a:extLst>
-        </p:spPr>
-      </p:pic>
     </p:spTree>
     <p:extLst>
       <p:ext uri="{BB962C8B-B14F-4D97-AF65-F5344CB8AC3E}">
-        <p14:creationId xmlns:p14="http://schemas.microsoft.com/office/powerpoint/2010/main" val="2419133113"/>
+        <p14:creationId xmlns:p14="http://schemas.microsoft.com/office/powerpoint/2010/main" val="768976842"/>
       </p:ext>
     </p:extLst>
   </p:cSld>
@@ -15959,7 +17426,13 @@
       </p:grpSpPr>
       <p:sp>
         <p:nvSpPr>
-          <p:cNvPr id="4" name="Title 3"/>
+          <p:cNvPr id="4" name="Titre 3">
+            <a:extLst>
+              <a:ext uri="{FF2B5EF4-FFF2-40B4-BE49-F238E27FC236}">
+                <a16:creationId xmlns:a16="http://schemas.microsoft.com/office/drawing/2014/main" id="{7A073167-7CE8-4613-BBAA-A4CF64E89520}"/>
+              </a:ext>
+            </a:extLst>
+          </p:cNvPr>
           <p:cNvSpPr>
             <a:spLocks noGrp="1"/>
           </p:cNvSpPr>
@@ -15974,14 +17447,20 @@
           <a:p>
             <a:r>
               <a:rPr lang="fr-BE"/>
-              <a:t>Table des matières</a:t>
+              <a:t>01. Programmation procédurale : rappel</a:t>
             </a:r>
           </a:p>
         </p:txBody>
       </p:sp>
       <p:sp>
         <p:nvSpPr>
-          <p:cNvPr id="5" name="Content Placeholder 4"/>
+          <p:cNvPr id="5" name="Espace réservé du contenu 4">
+            <a:extLst>
+              <a:ext uri="{FF2B5EF4-FFF2-40B4-BE49-F238E27FC236}">
+                <a16:creationId xmlns:a16="http://schemas.microsoft.com/office/drawing/2014/main" id="{2F0A2BBA-A21A-4BA2-9480-F293AB028D62}"/>
+              </a:ext>
+            </a:extLst>
+          </p:cNvPr>
           <p:cNvSpPr>
             <a:spLocks noGrp="1"/>
           </p:cNvSpPr>
@@ -15991,106 +17470,92 @@
         </p:nvSpPr>
         <p:spPr/>
         <p:txBody>
-          <a:bodyPr numCol="1">
-            <a:normAutofit fontScale="85000" lnSpcReduction="20000"/>
+          <a:bodyPr numCol="2">
+            <a:normAutofit/>
           </a:bodyPr>
           <a:lstStyle/>
           <a:p>
             <a:r>
               <a:rPr lang="fr-BE"/>
-              <a:t>Introduction</a:t>
-            </a:r>
-          </a:p>
-          <a:p>
-            <a:pPr lvl="1"/>
+              <a:t>Langage Python</a:t>
+            </a:r>
+          </a:p>
+          <a:p>
             <a:r>
               <a:rPr lang="fr-BE"/>
-              <a:t>00. Propos liminaires</a:t>
-            </a:r>
-          </a:p>
-          <a:p>
-            <a:pPr lvl="1"/>
+              <a:t>Variable simple</a:t>
+            </a:r>
+          </a:p>
+          <a:p>
             <a:r>
               <a:rPr lang="fr-BE"/>
-              <a:t>01. Programmation procédurale : rappel</a:t>
+              <a:t>Variable complexe</a:t>
             </a:r>
           </a:p>
           <a:p>
             <a:r>
               <a:rPr lang="fr-BE"/>
-              <a:t>Concepts de Programmation Orientée Objet</a:t>
-            </a:r>
-          </a:p>
-          <a:p>
-            <a:pPr lvl="1"/>
+              <a:t>Instruction</a:t>
+            </a:r>
+          </a:p>
+          <a:p>
             <a:r>
               <a:rPr lang="fr-BE"/>
-              <a:t>11. Programmation orientée objet : bases </a:t>
-            </a:r>
-          </a:p>
-          <a:p>
-            <a:pPr lvl="1"/>
+              <a:t>Fonction</a:t>
+            </a:r>
+          </a:p>
+          <a:p>
             <a:r>
               <a:rPr lang="fr-BE"/>
-              <a:t>13</a:t>
-            </a:r>
-            <a:r>
-              <a:rPr lang="fr-BE" dirty="0"/>
-              <a:t>. Programmation orientée objet : aspects avancés</a:t>
-            </a:r>
-          </a:p>
-          <a:p>
-            <a:pPr lvl="1"/>
+              <a:t>Structures de contrôle</a:t>
+            </a:r>
+          </a:p>
+          <a:p>
+            <a:r>
+              <a:rPr lang="fr-BE"/>
+              <a:t>Listes </a:t>
+            </a:r>
+          </a:p>
+          <a:p>
+            <a:r>
+              <a:rPr lang="fr-BE"/>
+              <a:t>Tuples</a:t>
+            </a:r>
+          </a:p>
+          <a:p>
+            <a:r>
+              <a:rPr lang="fr-BE"/>
+              <a:t>Dictionnaires</a:t>
+            </a:r>
+          </a:p>
+          <a:p>
+            <a:endParaRPr lang="fr-BE"/>
+          </a:p>
+          <a:p>
+            <a:pPr marL="0" indent="0">
+              <a:buNone/>
+            </a:pPr>
             <a:r>
               <a:rPr lang="fr-BE">
                 <a:solidFill>
-                  <a:schemeClr val="bg1">
-                    <a:lumMod val="50000"/>
-                  </a:schemeClr>
+                  <a:schemeClr val="accent2"/>
                 </a:solidFill>
+                <a:sym typeface="Wingdings" panose="05000000000000000000" pitchFamily="2" charset="2"/>
               </a:rPr>
-              <a:t>15. Représentation des objets et de leur relations</a:t>
-            </a:r>
-          </a:p>
-          <a:p>
-            <a:pPr lvl="1"/>
-            <a:r>
-              <a:rPr lang="fr-BE"/>
-              <a:t>17. Patron de conception (design pattern)</a:t>
-            </a:r>
-          </a:p>
-          <a:p>
-            <a:pPr lvl="1"/>
-            <a:r>
-              <a:rPr lang="fr-BE">
-                <a:solidFill>
-                  <a:schemeClr val="bg1">
-                    <a:lumMod val="50000"/>
-                  </a:schemeClr>
-                </a:solidFill>
-              </a:rPr>
-              <a:t>18. Programmation orientée objet : travail en équipe</a:t>
-            </a:r>
-          </a:p>
-          <a:p>
-            <a:r>
-              <a:rPr lang="fr-BE"/>
-              <a:t>Applications de la POO</a:t>
-            </a:r>
-          </a:p>
-          <a:p>
-            <a:pPr lvl="1"/>
-            <a:r>
-              <a:rPr lang="fr-BE" i="1"/>
-              <a:t>25. à définir </a:t>
-            </a:r>
+              <a:t>🏛  Python : éléments</a:t>
+            </a:r>
+            <a:endParaRPr lang="fr-BE">
+              <a:solidFill>
+                <a:schemeClr val="accent2"/>
+              </a:solidFill>
+            </a:endParaRPr>
           </a:p>
         </p:txBody>
       </p:sp>
     </p:spTree>
     <p:extLst>
       <p:ext uri="{BB962C8B-B14F-4D97-AF65-F5344CB8AC3E}">
-        <p14:creationId xmlns:p14="http://schemas.microsoft.com/office/powerpoint/2010/main" val="768976842"/>
+        <p14:creationId xmlns:p14="http://schemas.microsoft.com/office/powerpoint/2010/main" val="4138856598"/>
       </p:ext>
     </p:extLst>
   </p:cSld>
@@ -16131,13 +17596,7 @@
       </p:grpSpPr>
       <p:sp>
         <p:nvSpPr>
-          <p:cNvPr id="4" name="Titre 3">
-            <a:extLst>
-              <a:ext uri="{FF2B5EF4-FFF2-40B4-BE49-F238E27FC236}">
-                <a16:creationId xmlns:a16="http://schemas.microsoft.com/office/drawing/2014/main" id="{7A073167-7CE8-4613-BBAA-A4CF64E89520}"/>
-              </a:ext>
-            </a:extLst>
-          </p:cNvPr>
+          <p:cNvPr id="4" name="Title 3"/>
           <p:cNvSpPr>
             <a:spLocks noGrp="1"/>
           </p:cNvSpPr>
@@ -16150,22 +17609,19 @@
           <a:bodyPr/>
           <a:lstStyle/>
           <a:p>
+            <a:pPr marL="0" indent="0">
+              <a:buNone/>
+            </a:pPr>
             <a:r>
               <a:rPr lang="fr-BE"/>
-              <a:t>01. Programmation procédurale : rappel</a:t>
+              <a:t>11. Programmation orientée objet : bases </a:t>
             </a:r>
           </a:p>
         </p:txBody>
       </p:sp>
       <p:sp>
         <p:nvSpPr>
-          <p:cNvPr id="5" name="Espace réservé du contenu 4">
-            <a:extLst>
-              <a:ext uri="{FF2B5EF4-FFF2-40B4-BE49-F238E27FC236}">
-                <a16:creationId xmlns:a16="http://schemas.microsoft.com/office/drawing/2014/main" id="{2F0A2BBA-A21A-4BA2-9480-F293AB028D62}"/>
-              </a:ext>
-            </a:extLst>
-          </p:cNvPr>
+          <p:cNvPr id="5" name="Content Placeholder 4"/>
           <p:cNvSpPr>
             <a:spLocks noGrp="1"/>
           </p:cNvSpPr>
@@ -16173,71 +17629,75 @@
             <p:ph idx="1"/>
           </p:nvPr>
         </p:nvSpPr>
-        <p:spPr/>
+        <p:spPr>
+          <a:xfrm>
+            <a:off x="838200" y="1690688"/>
+            <a:ext cx="10515600" cy="5073905"/>
+          </a:xfrm>
+        </p:spPr>
         <p:txBody>
-          <a:bodyPr numCol="2">
-            <a:normAutofit/>
+          <a:bodyPr numCol="1">
+            <a:normAutofit fontScale="92500" lnSpcReduction="10000"/>
           </a:bodyPr>
           <a:lstStyle/>
           <a:p>
+            <a:pPr marL="601662" indent="-571500"/>
             <a:r>
               <a:rPr lang="fr-BE"/>
-              <a:t>Langage Python</a:t>
-            </a:r>
-          </a:p>
-          <a:p>
+              <a:t>Module</a:t>
+            </a:r>
+          </a:p>
+          <a:p>
+            <a:pPr marL="601662" indent="-571500"/>
             <a:r>
               <a:rPr lang="fr-BE"/>
-              <a:t>Variable simple</a:t>
-            </a:r>
-          </a:p>
-          <a:p>
+              <a:t>Manipulation d'un objet </a:t>
+            </a:r>
+          </a:p>
+          <a:p>
+            <a:pPr marL="601662" indent="-571500"/>
             <a:r>
               <a:rPr lang="fr-BE"/>
-              <a:t>Variable complexe</a:t>
-            </a:r>
-          </a:p>
-          <a:p>
+              <a:t>Conception et modélisation d'un objet</a:t>
+            </a:r>
+          </a:p>
+          <a:p>
+            <a:pPr marL="601662" indent="-571500"/>
             <a:r>
               <a:rPr lang="fr-BE"/>
-              <a:t>Instruction</a:t>
-            </a:r>
-          </a:p>
-          <a:p>
+              <a:t>Paramètre et méthode d'un objet</a:t>
+            </a:r>
+          </a:p>
+          <a:p>
+            <a:pPr marL="601662" indent="-571500"/>
             <a:r>
               <a:rPr lang="fr-BE"/>
-              <a:t>Fonction</a:t>
-            </a:r>
-          </a:p>
-          <a:p>
+              <a:t>Attribut public ou privé</a:t>
+            </a:r>
+          </a:p>
+          <a:p>
+            <a:pPr marL="601662" indent="-571500"/>
             <a:r>
               <a:rPr lang="fr-BE"/>
-              <a:t>Structures de contrôle</a:t>
-            </a:r>
-          </a:p>
-          <a:p>
+              <a:t>Encapsulation</a:t>
+            </a:r>
+          </a:p>
+          <a:p>
+            <a:pPr marL="601662" indent="-571500"/>
             <a:r>
               <a:rPr lang="fr-BE"/>
-              <a:t>Listes </a:t>
-            </a:r>
-          </a:p>
-          <a:p>
-            <a:r>
-              <a:rPr lang="fr-BE"/>
-              <a:t>Tuples</a:t>
-            </a:r>
-          </a:p>
-          <a:p>
-            <a:r>
-              <a:rPr lang="fr-BE"/>
-              <a:t>Dictionnaires</a:t>
-            </a:r>
-          </a:p>
-          <a:p>
+              <a:t>Variable et méthode de classe</a:t>
+            </a:r>
+          </a:p>
+          <a:p>
+            <a:pPr indent="-354013">
+              <a:buFont typeface="Arial" panose="020B0604020202020204" pitchFamily="34" charset="0"/>
+              <a:buChar char="•"/>
+            </a:pPr>
             <a:endParaRPr lang="fr-BE"/>
           </a:p>
           <a:p>
-            <a:pPr marL="0" indent="0">
+            <a:pPr marL="30162" indent="0">
               <a:buNone/>
             </a:pPr>
             <a:r>
@@ -16247,7 +17707,7 @@
                 </a:solidFill>
                 <a:sym typeface="Wingdings" panose="05000000000000000000" pitchFamily="2" charset="2"/>
               </a:rPr>
-              <a:t>🏛  Python : éléments</a:t>
+              <a:t>🏛  Orienté Objet  11-POO-basic</a:t>
             </a:r>
             <a:endParaRPr lang="fr-BE">
               <a:solidFill>
@@ -16260,7 +17720,7 @@
     </p:spTree>
     <p:extLst>
       <p:ext uri="{BB962C8B-B14F-4D97-AF65-F5344CB8AC3E}">
-        <p14:creationId xmlns:p14="http://schemas.microsoft.com/office/powerpoint/2010/main" val="4138856598"/>
+        <p14:creationId xmlns:p14="http://schemas.microsoft.com/office/powerpoint/2010/main" val="3095309843"/>
       </p:ext>
     </p:extLst>
   </p:cSld>

--- a/syllabus/main.pptx
+++ b/syllabus/main.pptx
@@ -3,29 +3,30 @@
 <p:presentation xmlns:a="http://schemas.openxmlformats.org/drawingml/2006/main" xmlns:r="http://schemas.openxmlformats.org/officeDocument/2006/relationships" xmlns:p="http://schemas.openxmlformats.org/presentationml/2006/main" showSpecialPlsOnTitleSld="0" saveSubsetFonts="1">
   <p:sldMasterIdLst>
     <p:sldMasterId id="2147483856" r:id="rId1"/>
+    <p:sldMasterId id="2147483877" r:id="rId2"/>
   </p:sldMasterIdLst>
   <p:notesMasterIdLst>
-    <p:notesMasterId r:id="rId20"/>
+    <p:notesMasterId r:id="rId21"/>
   </p:notesMasterIdLst>
   <p:sldIdLst>
-    <p:sldId id="473" r:id="rId2"/>
-    <p:sldId id="488" r:id="rId3"/>
-    <p:sldId id="257" r:id="rId4"/>
-    <p:sldId id="287" r:id="rId5"/>
-    <p:sldId id="282" r:id="rId6"/>
-    <p:sldId id="501" r:id="rId7"/>
-    <p:sldId id="496" r:id="rId8"/>
-    <p:sldId id="489" r:id="rId9"/>
-    <p:sldId id="499" r:id="rId10"/>
-    <p:sldId id="500" r:id="rId11"/>
-    <p:sldId id="497" r:id="rId12"/>
-    <p:sldId id="492" r:id="rId13"/>
-    <p:sldId id="494" r:id="rId14"/>
-    <p:sldId id="495" r:id="rId15"/>
-    <p:sldId id="294" r:id="rId16"/>
-    <p:sldId id="295" r:id="rId17"/>
-    <p:sldId id="296" r:id="rId18"/>
-    <p:sldId id="498" r:id="rId19"/>
+    <p:sldId id="473" r:id="rId3"/>
+    <p:sldId id="496" r:id="rId4"/>
+    <p:sldId id="488" r:id="rId5"/>
+    <p:sldId id="257" r:id="rId6"/>
+    <p:sldId id="287" r:id="rId7"/>
+    <p:sldId id="282" r:id="rId8"/>
+    <p:sldId id="501" r:id="rId9"/>
+    <p:sldId id="489" r:id="rId10"/>
+    <p:sldId id="499" r:id="rId11"/>
+    <p:sldId id="500" r:id="rId12"/>
+    <p:sldId id="497" r:id="rId13"/>
+    <p:sldId id="492" r:id="rId14"/>
+    <p:sldId id="494" r:id="rId15"/>
+    <p:sldId id="495" r:id="rId16"/>
+    <p:sldId id="294" r:id="rId17"/>
+    <p:sldId id="295" r:id="rId18"/>
+    <p:sldId id="296" r:id="rId19"/>
+    <p:sldId id="498" r:id="rId20"/>
   </p:sldIdLst>
   <p:sldSz cx="12192000" cy="6858000"/>
   <p:notesSz cx="6858000" cy="9144000"/>
@@ -4304,7 +4305,7 @@
           <a:p>
             <a:fld id="{FCE9742F-4DAE-47F5-9244-6ACC3985DD6B}" type="datetimeFigureOut">
               <a:rPr lang="fr-BE" smtClean="0"/>
-              <a:t>11-09-25</a:t>
+              <a:t>12-09-25</a:t>
             </a:fld>
             <a:endParaRPr lang="fr-BE"/>
           </a:p>
@@ -5754,7 +5755,7 @@
           <a:p>
             <a:fld id="{F3953782-D06E-4853-BE3C-64C197273937}" type="datetimeFigureOut">
               <a:rPr lang="fr-BE" smtClean="0"/>
-              <a:t>11-09-25</a:t>
+              <a:t>12-09-25</a:t>
             </a:fld>
             <a:endParaRPr lang="fr-BE"/>
           </a:p>
@@ -6630,7 +6631,245 @@
 </p:sldLayout>
 </file>
 
-<file path=ppt/slideLayouts/slideLayout2.xml><?xml version="1.0" encoding="utf-8"?>
+<file path=ppt/slideLayouts/slideLayout13.xml><?xml version="1.0" encoding="utf-8"?>
+<p:sldLayout xmlns:a="http://schemas.openxmlformats.org/drawingml/2006/main" xmlns:r="http://schemas.openxmlformats.org/officeDocument/2006/relationships" xmlns:p="http://schemas.openxmlformats.org/presentationml/2006/main" type="title" preserve="1">
+  <p:cSld name="Diapositive de titre">
+    <p:spTree>
+      <p:nvGrpSpPr>
+        <p:cNvPr id="1" name=""/>
+        <p:cNvGrpSpPr/>
+        <p:nvPr/>
+      </p:nvGrpSpPr>
+      <p:grpSpPr>
+        <a:xfrm>
+          <a:off x="0" y="0"/>
+          <a:ext cx="0" cy="0"/>
+          <a:chOff x="0" y="0"/>
+          <a:chExt cx="0" cy="0"/>
+        </a:xfrm>
+      </p:grpSpPr>
+      <p:sp>
+        <p:nvSpPr>
+          <p:cNvPr id="2" name="Title 1"/>
+          <p:cNvSpPr>
+            <a:spLocks noGrp="1"/>
+          </p:cNvSpPr>
+          <p:nvPr>
+            <p:ph type="ctrTitle"/>
+          </p:nvPr>
+        </p:nvSpPr>
+        <p:spPr>
+          <a:xfrm>
+            <a:off x="1524000" y="1122363"/>
+            <a:ext cx="9144000" cy="2387600"/>
+          </a:xfrm>
+          <a:solidFill>
+            <a:schemeClr val="accent3">
+              <a:lumMod val="40000"/>
+              <a:lumOff val="60000"/>
+            </a:schemeClr>
+          </a:solidFill>
+        </p:spPr>
+        <p:txBody>
+          <a:bodyPr anchor="b">
+            <a:normAutofit/>
+          </a:bodyPr>
+          <a:lstStyle>
+            <a:lvl1pPr algn="ctr">
+              <a:defRPr lang="fr-BE">
+                <a:solidFill>
+                  <a:schemeClr val="accent2"/>
+                </a:solidFill>
+              </a:defRPr>
+            </a:lvl1pPr>
+          </a:lstStyle>
+          <a:p>
+            <a:r>
+              <a:rPr lang="fr-FR"/>
+              <a:t>Modifiez le style du titre</a:t>
+            </a:r>
+            <a:endParaRPr lang="fr-BE"/>
+          </a:p>
+        </p:txBody>
+      </p:sp>
+      <p:sp>
+        <p:nvSpPr>
+          <p:cNvPr id="3" name="Subtitle 2"/>
+          <p:cNvSpPr>
+            <a:spLocks noGrp="1"/>
+          </p:cNvSpPr>
+          <p:nvPr>
+            <p:ph type="subTitle" idx="1"/>
+          </p:nvPr>
+        </p:nvSpPr>
+        <p:spPr>
+          <a:xfrm>
+            <a:off x="1524000" y="3602037"/>
+            <a:ext cx="9144000" cy="1655763"/>
+          </a:xfrm>
+        </p:spPr>
+        <p:txBody>
+          <a:bodyPr/>
+          <a:lstStyle>
+            <a:lvl1pPr marL="0" indent="0" algn="l">
+              <a:buNone/>
+              <a:defRPr sz="2400">
+                <a:solidFill>
+                  <a:schemeClr val="tx2"/>
+                </a:solidFill>
+              </a:defRPr>
+            </a:lvl1pPr>
+            <a:lvl2pPr marL="457189" indent="0" algn="ctr">
+              <a:buNone/>
+              <a:defRPr sz="2000"/>
+            </a:lvl2pPr>
+            <a:lvl3pPr marL="914377" indent="0" algn="ctr">
+              <a:buNone/>
+              <a:defRPr sz="1800"/>
+            </a:lvl3pPr>
+            <a:lvl4pPr marL="1371566" indent="0" algn="ctr">
+              <a:buNone/>
+              <a:defRPr sz="1600"/>
+            </a:lvl4pPr>
+            <a:lvl5pPr marL="1828754" indent="0" algn="ctr">
+              <a:buNone/>
+              <a:defRPr sz="1600"/>
+            </a:lvl5pPr>
+            <a:lvl6pPr marL="2285943" indent="0" algn="ctr">
+              <a:buNone/>
+              <a:defRPr sz="1600"/>
+            </a:lvl6pPr>
+            <a:lvl7pPr marL="2743131" indent="0" algn="ctr">
+              <a:buNone/>
+              <a:defRPr sz="1600"/>
+            </a:lvl7pPr>
+            <a:lvl8pPr marL="3200320" indent="0" algn="ctr">
+              <a:buNone/>
+              <a:defRPr sz="1600"/>
+            </a:lvl8pPr>
+            <a:lvl9pPr marL="3657509" indent="0" algn="ctr">
+              <a:buNone/>
+              <a:defRPr sz="1600"/>
+            </a:lvl9pPr>
+          </a:lstStyle>
+          <a:p>
+            <a:r>
+              <a:rPr lang="fr-FR"/>
+              <a:t>Modifiez le style des sous-titres du masque</a:t>
+            </a:r>
+            <a:endParaRPr lang="fr-BE"/>
+          </a:p>
+        </p:txBody>
+      </p:sp>
+      <p:sp>
+        <p:nvSpPr>
+          <p:cNvPr id="4" name="Espace réservé de la date 3">
+            <a:extLst>
+              <a:ext uri="{FF2B5EF4-FFF2-40B4-BE49-F238E27FC236}">
+                <a16:creationId xmlns:a16="http://schemas.microsoft.com/office/drawing/2014/main" id="{7F8EFA58-10A1-BAA7-B65E-A754A43B7544}"/>
+              </a:ext>
+            </a:extLst>
+          </p:cNvPr>
+          <p:cNvSpPr>
+            <a:spLocks noGrp="1"/>
+          </p:cNvSpPr>
+          <p:nvPr>
+            <p:ph type="dt" sz="half" idx="10"/>
+          </p:nvPr>
+        </p:nvSpPr>
+        <p:spPr/>
+        <p:txBody>
+          <a:bodyPr/>
+          <a:lstStyle/>
+          <a:p>
+            <a:fld id="{F3953782-D06E-4853-BE3C-64C197273937}" type="datetimeFigureOut">
+              <a:rPr lang="fr-BE" smtClean="0"/>
+              <a:t>12-09-25</a:t>
+            </a:fld>
+            <a:endParaRPr lang="fr-BE"/>
+          </a:p>
+        </p:txBody>
+      </p:sp>
+      <p:sp>
+        <p:nvSpPr>
+          <p:cNvPr id="5" name="Espace réservé du pied de page 4">
+            <a:extLst>
+              <a:ext uri="{FF2B5EF4-FFF2-40B4-BE49-F238E27FC236}">
+                <a16:creationId xmlns:a16="http://schemas.microsoft.com/office/drawing/2014/main" id="{314B8606-B65F-6EB2-899E-91B5C83E7578}"/>
+              </a:ext>
+            </a:extLst>
+          </p:cNvPr>
+          <p:cNvSpPr>
+            <a:spLocks noGrp="1"/>
+          </p:cNvSpPr>
+          <p:nvPr>
+            <p:ph type="ftr" sz="quarter" idx="11"/>
+          </p:nvPr>
+        </p:nvSpPr>
+        <p:spPr/>
+        <p:txBody>
+          <a:bodyPr/>
+          <a:lstStyle/>
+          <a:p>
+            <a:endParaRPr lang="fr-BE"/>
+          </a:p>
+        </p:txBody>
+      </p:sp>
+      <p:sp>
+        <p:nvSpPr>
+          <p:cNvPr id="6" name="Espace réservé du numéro de diapositive 5">
+            <a:extLst>
+              <a:ext uri="{FF2B5EF4-FFF2-40B4-BE49-F238E27FC236}">
+                <a16:creationId xmlns:a16="http://schemas.microsoft.com/office/drawing/2014/main" id="{CB2FA919-3ED3-80D3-E61B-53F97BE66BE0}"/>
+              </a:ext>
+            </a:extLst>
+          </p:cNvPr>
+          <p:cNvSpPr>
+            <a:spLocks noGrp="1"/>
+          </p:cNvSpPr>
+          <p:nvPr>
+            <p:ph type="sldNum" sz="quarter" idx="12"/>
+          </p:nvPr>
+        </p:nvSpPr>
+        <p:spPr/>
+        <p:txBody>
+          <a:bodyPr/>
+          <a:lstStyle/>
+          <a:p>
+            <a:fld id="{02C092ED-0E97-497E-99D9-BB9DD7276F53}" type="slidenum">
+              <a:rPr lang="fr-BE" smtClean="0"/>
+              <a:t>‹N°›</a:t>
+            </a:fld>
+            <a:endParaRPr lang="fr-BE"/>
+          </a:p>
+        </p:txBody>
+      </p:sp>
+    </p:spTree>
+    <p:extLst>
+      <p:ext uri="{BB962C8B-B14F-4D97-AF65-F5344CB8AC3E}">
+        <p14:creationId xmlns:p14="http://schemas.microsoft.com/office/powerpoint/2010/main" val="661625028"/>
+      </p:ext>
+    </p:extLst>
+  </p:cSld>
+  <p:clrMapOvr>
+    <a:masterClrMapping/>
+  </p:clrMapOvr>
+  <mc:AlternateContent xmlns:mc="http://schemas.openxmlformats.org/markup-compatibility/2006" xmlns:p14="http://schemas.microsoft.com/office/powerpoint/2010/main">
+    <mc:Choice Requires="p14">
+      <p:transition spd="slow">
+        <p14:reveal/>
+      </p:transition>
+    </mc:Choice>
+    <mc:Fallback xmlns="">
+      <p:transition spd="slow">
+        <p:fade/>
+      </p:transition>
+    </mc:Fallback>
+  </mc:AlternateContent>
+</p:sldLayout>
+</file>
+
+<file path=ppt/slideLayouts/slideLayout14.xml><?xml version="1.0" encoding="utf-8"?>
 <p:sldLayout xmlns:a="http://schemas.openxmlformats.org/drawingml/2006/main" xmlns:r="http://schemas.openxmlformats.org/officeDocument/2006/relationships" xmlns:p="http://schemas.openxmlformats.org/presentationml/2006/main" type="obj" preserve="1">
   <p:cSld name="Titre et contenu">
     <p:spTree>
@@ -6750,7 +6989,7 @@
           <a:p>
             <a:fld id="{F3953782-D06E-4853-BE3C-64C197273937}" type="datetimeFigureOut">
               <a:rPr lang="fr-BE" smtClean="0"/>
-              <a:t>11-09-25</a:t>
+              <a:t>12-09-25</a:t>
             </a:fld>
             <a:endParaRPr lang="fr-BE"/>
           </a:p>
@@ -6813,7 +7052,7 @@
     </p:spTree>
     <p:extLst>
       <p:ext uri="{BB962C8B-B14F-4D97-AF65-F5344CB8AC3E}">
-        <p14:creationId xmlns:p14="http://schemas.microsoft.com/office/powerpoint/2010/main" val="3580694023"/>
+        <p14:creationId xmlns:p14="http://schemas.microsoft.com/office/powerpoint/2010/main" val="1357047743"/>
       </p:ext>
     </p:extLst>
   </p:cSld>
@@ -6835,7 +7074,7 @@
 </p:sldLayout>
 </file>
 
-<file path=ppt/slideLayouts/slideLayout3.xml><?xml version="1.0" encoding="utf-8"?>
+<file path=ppt/slideLayouts/slideLayout15.xml><?xml version="1.0" encoding="utf-8"?>
 <p:sldLayout xmlns:a="http://schemas.openxmlformats.org/drawingml/2006/main" xmlns:r="http://schemas.openxmlformats.org/officeDocument/2006/relationships" xmlns:p="http://schemas.openxmlformats.org/presentationml/2006/main" preserve="1">
   <p:cSld name="Titre de section">
     <p:spTree>
@@ -7066,7 +7305,1883 @@
           <a:p>
             <a:fld id="{F3953782-D06E-4853-BE3C-64C197273937}" type="datetimeFigureOut">
               <a:rPr lang="fr-BE" smtClean="0"/>
-              <a:t>11-09-25</a:t>
+              <a:t>12-09-25</a:t>
+            </a:fld>
+            <a:endParaRPr lang="fr-BE"/>
+          </a:p>
+        </p:txBody>
+      </p:sp>
+      <p:sp>
+        <p:nvSpPr>
+          <p:cNvPr id="6" name="Espace réservé du pied de page 5">
+            <a:extLst>
+              <a:ext uri="{FF2B5EF4-FFF2-40B4-BE49-F238E27FC236}">
+                <a16:creationId xmlns:a16="http://schemas.microsoft.com/office/drawing/2014/main" id="{EBC20ED6-7274-FD2F-773B-9069D53732E9}"/>
+              </a:ext>
+            </a:extLst>
+          </p:cNvPr>
+          <p:cNvSpPr>
+            <a:spLocks noGrp="1"/>
+          </p:cNvSpPr>
+          <p:nvPr>
+            <p:ph type="ftr" sz="quarter" idx="12"/>
+          </p:nvPr>
+        </p:nvSpPr>
+        <p:spPr/>
+        <p:txBody>
+          <a:bodyPr/>
+          <a:lstStyle/>
+          <a:p>
+            <a:endParaRPr lang="fr-BE"/>
+          </a:p>
+        </p:txBody>
+      </p:sp>
+      <p:sp>
+        <p:nvSpPr>
+          <p:cNvPr id="7" name="Espace réservé du numéro de diapositive 6">
+            <a:extLst>
+              <a:ext uri="{FF2B5EF4-FFF2-40B4-BE49-F238E27FC236}">
+                <a16:creationId xmlns:a16="http://schemas.microsoft.com/office/drawing/2014/main" id="{DB282271-26EC-908B-2E9D-6EE95CFBEB1C}"/>
+              </a:ext>
+            </a:extLst>
+          </p:cNvPr>
+          <p:cNvSpPr>
+            <a:spLocks noGrp="1"/>
+          </p:cNvSpPr>
+          <p:nvPr>
+            <p:ph type="sldNum" sz="quarter" idx="13"/>
+          </p:nvPr>
+        </p:nvSpPr>
+        <p:spPr/>
+        <p:txBody>
+          <a:bodyPr/>
+          <a:lstStyle/>
+          <a:p>
+            <a:fld id="{02C092ED-0E97-497E-99D9-BB9DD7276F53}" type="slidenum">
+              <a:rPr lang="fr-BE" smtClean="0"/>
+              <a:t>‹N°›</a:t>
+            </a:fld>
+            <a:endParaRPr lang="fr-BE"/>
+          </a:p>
+        </p:txBody>
+      </p:sp>
+    </p:spTree>
+    <p:extLst>
+      <p:ext uri="{BB962C8B-B14F-4D97-AF65-F5344CB8AC3E}">
+        <p14:creationId xmlns:p14="http://schemas.microsoft.com/office/powerpoint/2010/main" val="1774579351"/>
+      </p:ext>
+    </p:extLst>
+  </p:cSld>
+  <p:clrMapOvr>
+    <a:masterClrMapping/>
+  </p:clrMapOvr>
+  <mc:AlternateContent xmlns:mc="http://schemas.openxmlformats.org/markup-compatibility/2006" xmlns:p14="http://schemas.microsoft.com/office/powerpoint/2010/main">
+    <mc:Choice Requires="p14">
+      <p:transition spd="slow">
+        <p14:reveal/>
+      </p:transition>
+    </mc:Choice>
+    <mc:Fallback xmlns="">
+      <p:transition spd="slow">
+        <p:fade/>
+      </p:transition>
+    </mc:Fallback>
+  </mc:AlternateContent>
+</p:sldLayout>
+</file>
+
+<file path=ppt/slideLayouts/slideLayout16.xml><?xml version="1.0" encoding="utf-8"?>
+<p:sldLayout xmlns:a="http://schemas.openxmlformats.org/drawingml/2006/main" xmlns:r="http://schemas.openxmlformats.org/officeDocument/2006/relationships" xmlns:p="http://schemas.openxmlformats.org/presentationml/2006/main" preserve="1">
+  <p:cSld name="Sub-Section Header">
+    <p:spTree>
+      <p:nvGrpSpPr>
+        <p:cNvPr id="1" name=""/>
+        <p:cNvGrpSpPr/>
+        <p:nvPr/>
+      </p:nvGrpSpPr>
+      <p:grpSpPr>
+        <a:xfrm>
+          <a:off x="0" y="0"/>
+          <a:ext cx="0" cy="0"/>
+          <a:chOff x="0" y="0"/>
+          <a:chExt cx="0" cy="0"/>
+        </a:xfrm>
+      </p:grpSpPr>
+      <p:sp>
+        <p:nvSpPr>
+          <p:cNvPr id="2" name="Title 1"/>
+          <p:cNvSpPr>
+            <a:spLocks noGrp="1"/>
+          </p:cNvSpPr>
+          <p:nvPr>
+            <p:ph type="title"/>
+          </p:nvPr>
+        </p:nvSpPr>
+        <p:spPr>
+          <a:xfrm>
+            <a:off x="831851" y="4544704"/>
+            <a:ext cx="10515600" cy="1628211"/>
+          </a:xfrm>
+        </p:spPr>
+        <p:txBody>
+          <a:bodyPr anchor="b">
+            <a:normAutofit/>
+          </a:bodyPr>
+          <a:lstStyle>
+            <a:lvl1pPr>
+              <a:defRPr sz="3600">
+                <a:solidFill>
+                  <a:schemeClr val="accent2"/>
+                </a:solidFill>
+              </a:defRPr>
+            </a:lvl1pPr>
+          </a:lstStyle>
+          <a:p>
+            <a:r>
+              <a:rPr lang="fr-FR"/>
+              <a:t>Modifiez le style du titre</a:t>
+            </a:r>
+            <a:endParaRPr lang="fr-BE" dirty="0"/>
+          </a:p>
+        </p:txBody>
+      </p:sp>
+      <p:sp>
+        <p:nvSpPr>
+          <p:cNvPr id="5" name="Espace réservé pour une image  4">
+            <a:extLst>
+              <a:ext uri="{FF2B5EF4-FFF2-40B4-BE49-F238E27FC236}">
+                <a16:creationId xmlns:a16="http://schemas.microsoft.com/office/drawing/2014/main" id="{4FDD30A2-EFB1-4B31-8365-64458F4E13E2}"/>
+              </a:ext>
+            </a:extLst>
+          </p:cNvPr>
+          <p:cNvSpPr>
+            <a:spLocks noGrp="1"/>
+          </p:cNvSpPr>
+          <p:nvPr>
+            <p:ph type="pic" sz="quarter" idx="10"/>
+          </p:nvPr>
+        </p:nvSpPr>
+        <p:spPr>
+          <a:xfrm>
+            <a:off x="9000000" y="720000"/>
+            <a:ext cx="1440000" cy="1440000"/>
+          </a:xfrm>
+        </p:spPr>
+        <p:txBody>
+          <a:bodyPr/>
+          <a:lstStyle/>
+          <a:p>
+            <a:r>
+              <a:rPr lang="fr-FR"/>
+              <a:t>Cliquez sur l'icône pour ajouter une image</a:t>
+            </a:r>
+            <a:endParaRPr lang="fr-BE" dirty="0"/>
+          </a:p>
+        </p:txBody>
+      </p:sp>
+      <p:sp>
+        <p:nvSpPr>
+          <p:cNvPr id="3" name="Espace réservé de la date 2">
+            <a:extLst>
+              <a:ext uri="{FF2B5EF4-FFF2-40B4-BE49-F238E27FC236}">
+                <a16:creationId xmlns:a16="http://schemas.microsoft.com/office/drawing/2014/main" id="{B8BD7575-5E4D-B6F7-D511-002E7EBB1A2F}"/>
+              </a:ext>
+            </a:extLst>
+          </p:cNvPr>
+          <p:cNvSpPr>
+            <a:spLocks noGrp="1"/>
+          </p:cNvSpPr>
+          <p:nvPr>
+            <p:ph type="dt" sz="half" idx="11"/>
+          </p:nvPr>
+        </p:nvSpPr>
+        <p:spPr/>
+        <p:txBody>
+          <a:bodyPr/>
+          <a:lstStyle/>
+          <a:p>
+            <a:fld id="{F3953782-D06E-4853-BE3C-64C197273937}" type="datetimeFigureOut">
+              <a:rPr lang="fr-BE" smtClean="0"/>
+              <a:t>12-09-25</a:t>
+            </a:fld>
+            <a:endParaRPr lang="fr-BE"/>
+          </a:p>
+        </p:txBody>
+      </p:sp>
+      <p:sp>
+        <p:nvSpPr>
+          <p:cNvPr id="4" name="Espace réservé du pied de page 3">
+            <a:extLst>
+              <a:ext uri="{FF2B5EF4-FFF2-40B4-BE49-F238E27FC236}">
+                <a16:creationId xmlns:a16="http://schemas.microsoft.com/office/drawing/2014/main" id="{F57AA542-0BD3-6896-CFBC-925661457ED8}"/>
+              </a:ext>
+            </a:extLst>
+          </p:cNvPr>
+          <p:cNvSpPr>
+            <a:spLocks noGrp="1"/>
+          </p:cNvSpPr>
+          <p:nvPr>
+            <p:ph type="ftr" sz="quarter" idx="12"/>
+          </p:nvPr>
+        </p:nvSpPr>
+        <p:spPr/>
+        <p:txBody>
+          <a:bodyPr/>
+          <a:lstStyle/>
+          <a:p>
+            <a:endParaRPr lang="fr-BE"/>
+          </a:p>
+        </p:txBody>
+      </p:sp>
+      <p:sp>
+        <p:nvSpPr>
+          <p:cNvPr id="6" name="Espace réservé du numéro de diapositive 5">
+            <a:extLst>
+              <a:ext uri="{FF2B5EF4-FFF2-40B4-BE49-F238E27FC236}">
+                <a16:creationId xmlns:a16="http://schemas.microsoft.com/office/drawing/2014/main" id="{FF1D4A95-E4A4-1574-4F11-DE8F1961354B}"/>
+              </a:ext>
+            </a:extLst>
+          </p:cNvPr>
+          <p:cNvSpPr>
+            <a:spLocks noGrp="1"/>
+          </p:cNvSpPr>
+          <p:nvPr>
+            <p:ph type="sldNum" sz="quarter" idx="13"/>
+          </p:nvPr>
+        </p:nvSpPr>
+        <p:spPr/>
+        <p:txBody>
+          <a:bodyPr/>
+          <a:lstStyle/>
+          <a:p>
+            <a:fld id="{02C092ED-0E97-497E-99D9-BB9DD7276F53}" type="slidenum">
+              <a:rPr lang="fr-BE" smtClean="0"/>
+              <a:t>‹N°›</a:t>
+            </a:fld>
+            <a:endParaRPr lang="fr-BE"/>
+          </a:p>
+        </p:txBody>
+      </p:sp>
+    </p:spTree>
+    <p:extLst>
+      <p:ext uri="{BB962C8B-B14F-4D97-AF65-F5344CB8AC3E}">
+        <p14:creationId xmlns:p14="http://schemas.microsoft.com/office/powerpoint/2010/main" val="4021790684"/>
+      </p:ext>
+    </p:extLst>
+  </p:cSld>
+  <p:clrMapOvr>
+    <a:masterClrMapping/>
+  </p:clrMapOvr>
+  <mc:AlternateContent xmlns:mc="http://schemas.openxmlformats.org/markup-compatibility/2006" xmlns:p14="http://schemas.microsoft.com/office/powerpoint/2010/main">
+    <mc:Choice Requires="p14">
+      <p:transition spd="slow">
+        <p14:reveal/>
+      </p:transition>
+    </mc:Choice>
+    <mc:Fallback xmlns="">
+      <p:transition spd="slow">
+        <p:fade/>
+      </p:transition>
+    </mc:Fallback>
+  </mc:AlternateContent>
+</p:sldLayout>
+</file>
+
+<file path=ppt/slideLayouts/slideLayout17.xml><?xml version="1.0" encoding="utf-8"?>
+<p:sldLayout xmlns:a="http://schemas.openxmlformats.org/drawingml/2006/main" xmlns:r="http://schemas.openxmlformats.org/officeDocument/2006/relationships" xmlns:p="http://schemas.openxmlformats.org/presentationml/2006/main" type="twoObj" preserve="1">
+  <p:cSld name="Deux contenus">
+    <p:spTree>
+      <p:nvGrpSpPr>
+        <p:cNvPr id="1" name=""/>
+        <p:cNvGrpSpPr/>
+        <p:nvPr/>
+      </p:nvGrpSpPr>
+      <p:grpSpPr>
+        <a:xfrm>
+          <a:off x="0" y="0"/>
+          <a:ext cx="0" cy="0"/>
+          <a:chOff x="0" y="0"/>
+          <a:chExt cx="0" cy="0"/>
+        </a:xfrm>
+      </p:grpSpPr>
+      <p:sp>
+        <p:nvSpPr>
+          <p:cNvPr id="2" name="Title 1"/>
+          <p:cNvSpPr>
+            <a:spLocks noGrp="1"/>
+          </p:cNvSpPr>
+          <p:nvPr>
+            <p:ph type="title"/>
+          </p:nvPr>
+        </p:nvSpPr>
+        <p:spPr/>
+        <p:txBody>
+          <a:bodyPr/>
+          <a:lstStyle/>
+          <a:p>
+            <a:r>
+              <a:rPr lang="fr-FR"/>
+              <a:t>Modifiez le style du titre</a:t>
+            </a:r>
+            <a:endParaRPr lang="fr-BE"/>
+          </a:p>
+        </p:txBody>
+      </p:sp>
+      <p:sp>
+        <p:nvSpPr>
+          <p:cNvPr id="3" name="Content Placeholder 2"/>
+          <p:cNvSpPr>
+            <a:spLocks noGrp="1"/>
+          </p:cNvSpPr>
+          <p:nvPr>
+            <p:ph sz="half" idx="1"/>
+          </p:nvPr>
+        </p:nvSpPr>
+        <p:spPr>
+          <a:xfrm>
+            <a:off x="838200" y="1690689"/>
+            <a:ext cx="5181600" cy="4486276"/>
+          </a:xfrm>
+        </p:spPr>
+        <p:txBody>
+          <a:bodyPr/>
+          <a:lstStyle/>
+          <a:p>
+            <a:pPr lvl="0"/>
+            <a:r>
+              <a:rPr lang="fr-FR"/>
+              <a:t>Cliquez pour modifier les styles du texte du masque</a:t>
+            </a:r>
+          </a:p>
+          <a:p>
+            <a:pPr lvl="1"/>
+            <a:r>
+              <a:rPr lang="fr-FR"/>
+              <a:t>Deuxième niveau</a:t>
+            </a:r>
+          </a:p>
+          <a:p>
+            <a:pPr lvl="2"/>
+            <a:r>
+              <a:rPr lang="fr-FR"/>
+              <a:t>Troisième niveau</a:t>
+            </a:r>
+          </a:p>
+          <a:p>
+            <a:pPr lvl="3"/>
+            <a:r>
+              <a:rPr lang="fr-FR"/>
+              <a:t>Quatrième niveau</a:t>
+            </a:r>
+          </a:p>
+          <a:p>
+            <a:pPr lvl="4"/>
+            <a:r>
+              <a:rPr lang="fr-FR"/>
+              <a:t>Cinquième niveau</a:t>
+            </a:r>
+            <a:endParaRPr lang="fr-BE" dirty="0"/>
+          </a:p>
+        </p:txBody>
+      </p:sp>
+      <p:sp>
+        <p:nvSpPr>
+          <p:cNvPr id="4" name="Content Placeholder 3"/>
+          <p:cNvSpPr>
+            <a:spLocks noGrp="1"/>
+          </p:cNvSpPr>
+          <p:nvPr>
+            <p:ph sz="half" idx="2"/>
+          </p:nvPr>
+        </p:nvSpPr>
+        <p:spPr>
+          <a:xfrm>
+            <a:off x="6172200" y="1690689"/>
+            <a:ext cx="5181600" cy="4486276"/>
+          </a:xfrm>
+        </p:spPr>
+        <p:txBody>
+          <a:bodyPr/>
+          <a:lstStyle/>
+          <a:p>
+            <a:pPr lvl="0"/>
+            <a:r>
+              <a:rPr lang="fr-FR"/>
+              <a:t>Cliquez pour modifier les styles du texte du masque</a:t>
+            </a:r>
+          </a:p>
+          <a:p>
+            <a:pPr lvl="1"/>
+            <a:r>
+              <a:rPr lang="fr-FR"/>
+              <a:t>Deuxième niveau</a:t>
+            </a:r>
+          </a:p>
+          <a:p>
+            <a:pPr lvl="2"/>
+            <a:r>
+              <a:rPr lang="fr-FR"/>
+              <a:t>Troisième niveau</a:t>
+            </a:r>
+          </a:p>
+          <a:p>
+            <a:pPr lvl="3"/>
+            <a:r>
+              <a:rPr lang="fr-FR"/>
+              <a:t>Quatrième niveau</a:t>
+            </a:r>
+          </a:p>
+          <a:p>
+            <a:pPr lvl="4"/>
+            <a:r>
+              <a:rPr lang="fr-FR"/>
+              <a:t>Cinquième niveau</a:t>
+            </a:r>
+            <a:endParaRPr lang="fr-BE" dirty="0"/>
+          </a:p>
+        </p:txBody>
+      </p:sp>
+      <p:sp>
+        <p:nvSpPr>
+          <p:cNvPr id="5" name="Espace réservé de la date 4">
+            <a:extLst>
+              <a:ext uri="{FF2B5EF4-FFF2-40B4-BE49-F238E27FC236}">
+                <a16:creationId xmlns:a16="http://schemas.microsoft.com/office/drawing/2014/main" id="{023EE368-836F-D6B7-3720-94E515B8ED49}"/>
+              </a:ext>
+            </a:extLst>
+          </p:cNvPr>
+          <p:cNvSpPr>
+            <a:spLocks noGrp="1"/>
+          </p:cNvSpPr>
+          <p:nvPr>
+            <p:ph type="dt" sz="half" idx="10"/>
+          </p:nvPr>
+        </p:nvSpPr>
+        <p:spPr/>
+        <p:txBody>
+          <a:bodyPr/>
+          <a:lstStyle/>
+          <a:p>
+            <a:fld id="{F3953782-D06E-4853-BE3C-64C197273937}" type="datetimeFigureOut">
+              <a:rPr lang="fr-BE" smtClean="0"/>
+              <a:t>12-09-25</a:t>
+            </a:fld>
+            <a:endParaRPr lang="fr-BE"/>
+          </a:p>
+        </p:txBody>
+      </p:sp>
+      <p:sp>
+        <p:nvSpPr>
+          <p:cNvPr id="6" name="Espace réservé du pied de page 5">
+            <a:extLst>
+              <a:ext uri="{FF2B5EF4-FFF2-40B4-BE49-F238E27FC236}">
+                <a16:creationId xmlns:a16="http://schemas.microsoft.com/office/drawing/2014/main" id="{940FC0D1-460C-5274-B67A-CADD301151E8}"/>
+              </a:ext>
+            </a:extLst>
+          </p:cNvPr>
+          <p:cNvSpPr>
+            <a:spLocks noGrp="1"/>
+          </p:cNvSpPr>
+          <p:nvPr>
+            <p:ph type="ftr" sz="quarter" idx="11"/>
+          </p:nvPr>
+        </p:nvSpPr>
+        <p:spPr/>
+        <p:txBody>
+          <a:bodyPr/>
+          <a:lstStyle/>
+          <a:p>
+            <a:endParaRPr lang="fr-BE"/>
+          </a:p>
+        </p:txBody>
+      </p:sp>
+      <p:sp>
+        <p:nvSpPr>
+          <p:cNvPr id="7" name="Espace réservé du numéro de diapositive 6">
+            <a:extLst>
+              <a:ext uri="{FF2B5EF4-FFF2-40B4-BE49-F238E27FC236}">
+                <a16:creationId xmlns:a16="http://schemas.microsoft.com/office/drawing/2014/main" id="{7D5E82B2-87DB-8B8E-12FD-843E81352499}"/>
+              </a:ext>
+            </a:extLst>
+          </p:cNvPr>
+          <p:cNvSpPr>
+            <a:spLocks noGrp="1"/>
+          </p:cNvSpPr>
+          <p:nvPr>
+            <p:ph type="sldNum" sz="quarter" idx="12"/>
+          </p:nvPr>
+        </p:nvSpPr>
+        <p:spPr/>
+        <p:txBody>
+          <a:bodyPr/>
+          <a:lstStyle/>
+          <a:p>
+            <a:fld id="{02C092ED-0E97-497E-99D9-BB9DD7276F53}" type="slidenum">
+              <a:rPr lang="fr-BE" smtClean="0"/>
+              <a:t>‹N°›</a:t>
+            </a:fld>
+            <a:endParaRPr lang="fr-BE"/>
+          </a:p>
+        </p:txBody>
+      </p:sp>
+    </p:spTree>
+    <p:extLst>
+      <p:ext uri="{BB962C8B-B14F-4D97-AF65-F5344CB8AC3E}">
+        <p14:creationId xmlns:p14="http://schemas.microsoft.com/office/powerpoint/2010/main" val="4198971046"/>
+      </p:ext>
+    </p:extLst>
+  </p:cSld>
+  <p:clrMapOvr>
+    <a:masterClrMapping/>
+  </p:clrMapOvr>
+  <mc:AlternateContent xmlns:mc="http://schemas.openxmlformats.org/markup-compatibility/2006" xmlns:p14="http://schemas.microsoft.com/office/powerpoint/2010/main">
+    <mc:Choice Requires="p14">
+      <p:transition spd="slow">
+        <p14:reveal/>
+      </p:transition>
+    </mc:Choice>
+    <mc:Fallback xmlns="">
+      <p:transition spd="slow">
+        <p:fade/>
+      </p:transition>
+    </mc:Fallback>
+  </mc:AlternateContent>
+  <p:hf hdr="0" ftr="0"/>
+</p:sldLayout>
+</file>
+
+<file path=ppt/slideLayouts/slideLayout18.xml><?xml version="1.0" encoding="utf-8"?>
+<p:sldLayout xmlns:a="http://schemas.openxmlformats.org/drawingml/2006/main" xmlns:r="http://schemas.openxmlformats.org/officeDocument/2006/relationships" xmlns:p="http://schemas.openxmlformats.org/presentationml/2006/main" type="twoTxTwoObj" preserve="1">
+  <p:cSld name="Comparaison">
+    <p:spTree>
+      <p:nvGrpSpPr>
+        <p:cNvPr id="1" name=""/>
+        <p:cNvGrpSpPr/>
+        <p:nvPr/>
+      </p:nvGrpSpPr>
+      <p:grpSpPr>
+        <a:xfrm>
+          <a:off x="0" y="0"/>
+          <a:ext cx="0" cy="0"/>
+          <a:chOff x="0" y="0"/>
+          <a:chExt cx="0" cy="0"/>
+        </a:xfrm>
+      </p:grpSpPr>
+      <p:sp>
+        <p:nvSpPr>
+          <p:cNvPr id="2" name="Title 1"/>
+          <p:cNvSpPr>
+            <a:spLocks noGrp="1"/>
+          </p:cNvSpPr>
+          <p:nvPr>
+            <p:ph type="title"/>
+          </p:nvPr>
+        </p:nvSpPr>
+        <p:spPr>
+          <a:xfrm>
+            <a:off x="839788" y="365125"/>
+            <a:ext cx="10515600" cy="1325563"/>
+          </a:xfrm>
+        </p:spPr>
+        <p:txBody>
+          <a:bodyPr/>
+          <a:lstStyle/>
+          <a:p>
+            <a:r>
+              <a:rPr lang="fr-FR"/>
+              <a:t>Modifiez le style du titre</a:t>
+            </a:r>
+            <a:endParaRPr lang="fr-BE"/>
+          </a:p>
+        </p:txBody>
+      </p:sp>
+      <p:sp>
+        <p:nvSpPr>
+          <p:cNvPr id="3" name="Text Placeholder 2"/>
+          <p:cNvSpPr>
+            <a:spLocks noGrp="1"/>
+          </p:cNvSpPr>
+          <p:nvPr>
+            <p:ph type="body" idx="1"/>
+          </p:nvPr>
+        </p:nvSpPr>
+        <p:spPr>
+          <a:xfrm>
+            <a:off x="839789" y="1681163"/>
+            <a:ext cx="5157787" cy="823912"/>
+          </a:xfrm>
+        </p:spPr>
+        <p:txBody>
+          <a:bodyPr anchor="b"/>
+          <a:lstStyle>
+            <a:lvl1pPr marL="0" indent="0">
+              <a:buNone/>
+              <a:defRPr sz="2400" b="1"/>
+            </a:lvl1pPr>
+            <a:lvl2pPr marL="457189" indent="0">
+              <a:buNone/>
+              <a:defRPr sz="2000" b="1"/>
+            </a:lvl2pPr>
+            <a:lvl3pPr marL="914377" indent="0">
+              <a:buNone/>
+              <a:defRPr sz="1800" b="1"/>
+            </a:lvl3pPr>
+            <a:lvl4pPr marL="1371566" indent="0">
+              <a:buNone/>
+              <a:defRPr sz="1600" b="1"/>
+            </a:lvl4pPr>
+            <a:lvl5pPr marL="1828754" indent="0">
+              <a:buNone/>
+              <a:defRPr sz="1600" b="1"/>
+            </a:lvl5pPr>
+            <a:lvl6pPr marL="2285943" indent="0">
+              <a:buNone/>
+              <a:defRPr sz="1600" b="1"/>
+            </a:lvl6pPr>
+            <a:lvl7pPr marL="2743131" indent="0">
+              <a:buNone/>
+              <a:defRPr sz="1600" b="1"/>
+            </a:lvl7pPr>
+            <a:lvl8pPr marL="3200320" indent="0">
+              <a:buNone/>
+              <a:defRPr sz="1600" b="1"/>
+            </a:lvl8pPr>
+            <a:lvl9pPr marL="3657509" indent="0">
+              <a:buNone/>
+              <a:defRPr sz="1600" b="1"/>
+            </a:lvl9pPr>
+          </a:lstStyle>
+          <a:p>
+            <a:pPr lvl="0"/>
+            <a:r>
+              <a:rPr lang="fr-FR"/>
+              <a:t>Cliquez pour modifier les styles du texte du masque</a:t>
+            </a:r>
+          </a:p>
+        </p:txBody>
+      </p:sp>
+      <p:sp>
+        <p:nvSpPr>
+          <p:cNvPr id="4" name="Content Placeholder 3"/>
+          <p:cNvSpPr>
+            <a:spLocks noGrp="1"/>
+          </p:cNvSpPr>
+          <p:nvPr>
+            <p:ph sz="half" idx="2"/>
+          </p:nvPr>
+        </p:nvSpPr>
+        <p:spPr>
+          <a:xfrm>
+            <a:off x="839789" y="2505075"/>
+            <a:ext cx="5157787" cy="3684588"/>
+          </a:xfrm>
+        </p:spPr>
+        <p:txBody>
+          <a:bodyPr/>
+          <a:lstStyle/>
+          <a:p>
+            <a:pPr lvl="0"/>
+            <a:r>
+              <a:rPr lang="fr-FR"/>
+              <a:t>Cliquez pour modifier les styles du texte du masque</a:t>
+            </a:r>
+          </a:p>
+          <a:p>
+            <a:pPr lvl="1"/>
+            <a:r>
+              <a:rPr lang="fr-FR"/>
+              <a:t>Deuxième niveau</a:t>
+            </a:r>
+          </a:p>
+          <a:p>
+            <a:pPr lvl="2"/>
+            <a:r>
+              <a:rPr lang="fr-FR"/>
+              <a:t>Troisième niveau</a:t>
+            </a:r>
+          </a:p>
+          <a:p>
+            <a:pPr lvl="3"/>
+            <a:r>
+              <a:rPr lang="fr-FR"/>
+              <a:t>Quatrième niveau</a:t>
+            </a:r>
+          </a:p>
+          <a:p>
+            <a:pPr lvl="4"/>
+            <a:r>
+              <a:rPr lang="fr-FR"/>
+              <a:t>Cinquième niveau</a:t>
+            </a:r>
+            <a:endParaRPr lang="fr-BE"/>
+          </a:p>
+        </p:txBody>
+      </p:sp>
+      <p:sp>
+        <p:nvSpPr>
+          <p:cNvPr id="5" name="Text Placeholder 4"/>
+          <p:cNvSpPr>
+            <a:spLocks noGrp="1"/>
+          </p:cNvSpPr>
+          <p:nvPr>
+            <p:ph type="body" sz="quarter" idx="3"/>
+          </p:nvPr>
+        </p:nvSpPr>
+        <p:spPr>
+          <a:xfrm>
+            <a:off x="6172201" y="1681163"/>
+            <a:ext cx="5183188" cy="823912"/>
+          </a:xfrm>
+        </p:spPr>
+        <p:txBody>
+          <a:bodyPr anchor="b"/>
+          <a:lstStyle>
+            <a:lvl1pPr marL="0" indent="0">
+              <a:buNone/>
+              <a:defRPr sz="2400" b="1"/>
+            </a:lvl1pPr>
+            <a:lvl2pPr marL="457189" indent="0">
+              <a:buNone/>
+              <a:defRPr sz="2000" b="1"/>
+            </a:lvl2pPr>
+            <a:lvl3pPr marL="914377" indent="0">
+              <a:buNone/>
+              <a:defRPr sz="1800" b="1"/>
+            </a:lvl3pPr>
+            <a:lvl4pPr marL="1371566" indent="0">
+              <a:buNone/>
+              <a:defRPr sz="1600" b="1"/>
+            </a:lvl4pPr>
+            <a:lvl5pPr marL="1828754" indent="0">
+              <a:buNone/>
+              <a:defRPr sz="1600" b="1"/>
+            </a:lvl5pPr>
+            <a:lvl6pPr marL="2285943" indent="0">
+              <a:buNone/>
+              <a:defRPr sz="1600" b="1"/>
+            </a:lvl6pPr>
+            <a:lvl7pPr marL="2743131" indent="0">
+              <a:buNone/>
+              <a:defRPr sz="1600" b="1"/>
+            </a:lvl7pPr>
+            <a:lvl8pPr marL="3200320" indent="0">
+              <a:buNone/>
+              <a:defRPr sz="1600" b="1"/>
+            </a:lvl8pPr>
+            <a:lvl9pPr marL="3657509" indent="0">
+              <a:buNone/>
+              <a:defRPr sz="1600" b="1"/>
+            </a:lvl9pPr>
+          </a:lstStyle>
+          <a:p>
+            <a:pPr lvl="0"/>
+            <a:r>
+              <a:rPr lang="fr-FR"/>
+              <a:t>Cliquez pour modifier les styles du texte du masque</a:t>
+            </a:r>
+          </a:p>
+        </p:txBody>
+      </p:sp>
+      <p:sp>
+        <p:nvSpPr>
+          <p:cNvPr id="6" name="Content Placeholder 5"/>
+          <p:cNvSpPr>
+            <a:spLocks noGrp="1"/>
+          </p:cNvSpPr>
+          <p:nvPr>
+            <p:ph sz="quarter" idx="4"/>
+          </p:nvPr>
+        </p:nvSpPr>
+        <p:spPr>
+          <a:xfrm>
+            <a:off x="6172201" y="2505075"/>
+            <a:ext cx="5183188" cy="3684588"/>
+          </a:xfrm>
+        </p:spPr>
+        <p:txBody>
+          <a:bodyPr/>
+          <a:lstStyle/>
+          <a:p>
+            <a:pPr lvl="0"/>
+            <a:r>
+              <a:rPr lang="fr-FR"/>
+              <a:t>Cliquez pour modifier les styles du texte du masque</a:t>
+            </a:r>
+          </a:p>
+          <a:p>
+            <a:pPr lvl="1"/>
+            <a:r>
+              <a:rPr lang="fr-FR"/>
+              <a:t>Deuxième niveau</a:t>
+            </a:r>
+          </a:p>
+          <a:p>
+            <a:pPr lvl="2"/>
+            <a:r>
+              <a:rPr lang="fr-FR"/>
+              <a:t>Troisième niveau</a:t>
+            </a:r>
+          </a:p>
+          <a:p>
+            <a:pPr lvl="3"/>
+            <a:r>
+              <a:rPr lang="fr-FR"/>
+              <a:t>Quatrième niveau</a:t>
+            </a:r>
+          </a:p>
+          <a:p>
+            <a:pPr lvl="4"/>
+            <a:r>
+              <a:rPr lang="fr-FR"/>
+              <a:t>Cinquième niveau</a:t>
+            </a:r>
+            <a:endParaRPr lang="fr-BE"/>
+          </a:p>
+        </p:txBody>
+      </p:sp>
+      <p:sp>
+        <p:nvSpPr>
+          <p:cNvPr id="7" name="Espace réservé de la date 6">
+            <a:extLst>
+              <a:ext uri="{FF2B5EF4-FFF2-40B4-BE49-F238E27FC236}">
+                <a16:creationId xmlns:a16="http://schemas.microsoft.com/office/drawing/2014/main" id="{D605DBAD-E815-DA9F-C843-1DE122AA5FFF}"/>
+              </a:ext>
+            </a:extLst>
+          </p:cNvPr>
+          <p:cNvSpPr>
+            <a:spLocks noGrp="1"/>
+          </p:cNvSpPr>
+          <p:nvPr>
+            <p:ph type="dt" sz="half" idx="10"/>
+          </p:nvPr>
+        </p:nvSpPr>
+        <p:spPr/>
+        <p:txBody>
+          <a:bodyPr/>
+          <a:lstStyle/>
+          <a:p>
+            <a:fld id="{F3953782-D06E-4853-BE3C-64C197273937}" type="datetimeFigureOut">
+              <a:rPr lang="fr-BE" smtClean="0"/>
+              <a:t>12-09-25</a:t>
+            </a:fld>
+            <a:endParaRPr lang="fr-BE"/>
+          </a:p>
+        </p:txBody>
+      </p:sp>
+      <p:sp>
+        <p:nvSpPr>
+          <p:cNvPr id="8" name="Espace réservé du pied de page 7">
+            <a:extLst>
+              <a:ext uri="{FF2B5EF4-FFF2-40B4-BE49-F238E27FC236}">
+                <a16:creationId xmlns:a16="http://schemas.microsoft.com/office/drawing/2014/main" id="{F344211E-58E3-3B61-D18C-DCC7772A096B}"/>
+              </a:ext>
+            </a:extLst>
+          </p:cNvPr>
+          <p:cNvSpPr>
+            <a:spLocks noGrp="1"/>
+          </p:cNvSpPr>
+          <p:nvPr>
+            <p:ph type="ftr" sz="quarter" idx="11"/>
+          </p:nvPr>
+        </p:nvSpPr>
+        <p:spPr/>
+        <p:txBody>
+          <a:bodyPr/>
+          <a:lstStyle/>
+          <a:p>
+            <a:endParaRPr lang="fr-BE"/>
+          </a:p>
+        </p:txBody>
+      </p:sp>
+      <p:sp>
+        <p:nvSpPr>
+          <p:cNvPr id="9" name="Espace réservé du numéro de diapositive 8">
+            <a:extLst>
+              <a:ext uri="{FF2B5EF4-FFF2-40B4-BE49-F238E27FC236}">
+                <a16:creationId xmlns:a16="http://schemas.microsoft.com/office/drawing/2014/main" id="{85F2F6A2-3605-D138-CBD4-299C105E107C}"/>
+              </a:ext>
+            </a:extLst>
+          </p:cNvPr>
+          <p:cNvSpPr>
+            <a:spLocks noGrp="1"/>
+          </p:cNvSpPr>
+          <p:nvPr>
+            <p:ph type="sldNum" sz="quarter" idx="12"/>
+          </p:nvPr>
+        </p:nvSpPr>
+        <p:spPr/>
+        <p:txBody>
+          <a:bodyPr/>
+          <a:lstStyle/>
+          <a:p>
+            <a:fld id="{02C092ED-0E97-497E-99D9-BB9DD7276F53}" type="slidenum">
+              <a:rPr lang="fr-BE" smtClean="0"/>
+              <a:t>‹N°›</a:t>
+            </a:fld>
+            <a:endParaRPr lang="fr-BE"/>
+          </a:p>
+        </p:txBody>
+      </p:sp>
+    </p:spTree>
+    <p:extLst>
+      <p:ext uri="{BB962C8B-B14F-4D97-AF65-F5344CB8AC3E}">
+        <p14:creationId xmlns:p14="http://schemas.microsoft.com/office/powerpoint/2010/main" val="832915547"/>
+      </p:ext>
+    </p:extLst>
+  </p:cSld>
+  <p:clrMapOvr>
+    <a:masterClrMapping/>
+  </p:clrMapOvr>
+  <mc:AlternateContent xmlns:mc="http://schemas.openxmlformats.org/markup-compatibility/2006" xmlns:p14="http://schemas.microsoft.com/office/powerpoint/2010/main">
+    <mc:Choice Requires="p14">
+      <p:transition spd="slow">
+        <p14:reveal/>
+      </p:transition>
+    </mc:Choice>
+    <mc:Fallback xmlns="">
+      <p:transition spd="slow">
+        <p:fade/>
+      </p:transition>
+    </mc:Fallback>
+  </mc:AlternateContent>
+  <p:hf hdr="0" ftr="0"/>
+</p:sldLayout>
+</file>
+
+<file path=ppt/slideLayouts/slideLayout19.xml><?xml version="1.0" encoding="utf-8"?>
+<p:sldLayout xmlns:a="http://schemas.openxmlformats.org/drawingml/2006/main" xmlns:r="http://schemas.openxmlformats.org/officeDocument/2006/relationships" xmlns:p="http://schemas.openxmlformats.org/presentationml/2006/main" type="titleOnly" preserve="1">
+  <p:cSld name="Titre seul">
+    <p:spTree>
+      <p:nvGrpSpPr>
+        <p:cNvPr id="1" name=""/>
+        <p:cNvGrpSpPr/>
+        <p:nvPr/>
+      </p:nvGrpSpPr>
+      <p:grpSpPr>
+        <a:xfrm>
+          <a:off x="0" y="0"/>
+          <a:ext cx="0" cy="0"/>
+          <a:chOff x="0" y="0"/>
+          <a:chExt cx="0" cy="0"/>
+        </a:xfrm>
+      </p:grpSpPr>
+      <p:sp>
+        <p:nvSpPr>
+          <p:cNvPr id="2" name="Title 1"/>
+          <p:cNvSpPr>
+            <a:spLocks noGrp="1"/>
+          </p:cNvSpPr>
+          <p:nvPr>
+            <p:ph type="title"/>
+          </p:nvPr>
+        </p:nvSpPr>
+        <p:spPr/>
+        <p:txBody>
+          <a:bodyPr/>
+          <a:lstStyle/>
+          <a:p>
+            <a:r>
+              <a:rPr lang="fr-FR"/>
+              <a:t>Modifiez le style du titre</a:t>
+            </a:r>
+            <a:endParaRPr lang="fr-BE"/>
+          </a:p>
+        </p:txBody>
+      </p:sp>
+      <p:sp>
+        <p:nvSpPr>
+          <p:cNvPr id="3" name="Espace réservé de la date 2">
+            <a:extLst>
+              <a:ext uri="{FF2B5EF4-FFF2-40B4-BE49-F238E27FC236}">
+                <a16:creationId xmlns:a16="http://schemas.microsoft.com/office/drawing/2014/main" id="{BB23E5C8-1D92-E25A-D482-9866759B5BD2}"/>
+              </a:ext>
+            </a:extLst>
+          </p:cNvPr>
+          <p:cNvSpPr>
+            <a:spLocks noGrp="1"/>
+          </p:cNvSpPr>
+          <p:nvPr>
+            <p:ph type="dt" sz="half" idx="10"/>
+          </p:nvPr>
+        </p:nvSpPr>
+        <p:spPr/>
+        <p:txBody>
+          <a:bodyPr/>
+          <a:lstStyle/>
+          <a:p>
+            <a:fld id="{F3953782-D06E-4853-BE3C-64C197273937}" type="datetimeFigureOut">
+              <a:rPr lang="fr-BE" smtClean="0"/>
+              <a:t>12-09-25</a:t>
+            </a:fld>
+            <a:endParaRPr lang="fr-BE"/>
+          </a:p>
+        </p:txBody>
+      </p:sp>
+      <p:sp>
+        <p:nvSpPr>
+          <p:cNvPr id="4" name="Espace réservé du pied de page 3">
+            <a:extLst>
+              <a:ext uri="{FF2B5EF4-FFF2-40B4-BE49-F238E27FC236}">
+                <a16:creationId xmlns:a16="http://schemas.microsoft.com/office/drawing/2014/main" id="{55ACAADE-10AC-A5C6-B021-C668BC2068AC}"/>
+              </a:ext>
+            </a:extLst>
+          </p:cNvPr>
+          <p:cNvSpPr>
+            <a:spLocks noGrp="1"/>
+          </p:cNvSpPr>
+          <p:nvPr>
+            <p:ph type="ftr" sz="quarter" idx="11"/>
+          </p:nvPr>
+        </p:nvSpPr>
+        <p:spPr/>
+        <p:txBody>
+          <a:bodyPr/>
+          <a:lstStyle/>
+          <a:p>
+            <a:endParaRPr lang="fr-BE"/>
+          </a:p>
+        </p:txBody>
+      </p:sp>
+      <p:sp>
+        <p:nvSpPr>
+          <p:cNvPr id="5" name="Espace réservé du numéro de diapositive 4">
+            <a:extLst>
+              <a:ext uri="{FF2B5EF4-FFF2-40B4-BE49-F238E27FC236}">
+                <a16:creationId xmlns:a16="http://schemas.microsoft.com/office/drawing/2014/main" id="{64BD460E-C94D-0F17-7C77-D32F9CC12D7A}"/>
+              </a:ext>
+            </a:extLst>
+          </p:cNvPr>
+          <p:cNvSpPr>
+            <a:spLocks noGrp="1"/>
+          </p:cNvSpPr>
+          <p:nvPr>
+            <p:ph type="sldNum" sz="quarter" idx="12"/>
+          </p:nvPr>
+        </p:nvSpPr>
+        <p:spPr/>
+        <p:txBody>
+          <a:bodyPr/>
+          <a:lstStyle/>
+          <a:p>
+            <a:fld id="{02C092ED-0E97-497E-99D9-BB9DD7276F53}" type="slidenum">
+              <a:rPr lang="fr-BE" smtClean="0"/>
+              <a:t>‹N°›</a:t>
+            </a:fld>
+            <a:endParaRPr lang="fr-BE"/>
+          </a:p>
+        </p:txBody>
+      </p:sp>
+    </p:spTree>
+    <p:extLst>
+      <p:ext uri="{BB962C8B-B14F-4D97-AF65-F5344CB8AC3E}">
+        <p14:creationId xmlns:p14="http://schemas.microsoft.com/office/powerpoint/2010/main" val="1853437165"/>
+      </p:ext>
+    </p:extLst>
+  </p:cSld>
+  <p:clrMapOvr>
+    <a:masterClrMapping/>
+  </p:clrMapOvr>
+  <mc:AlternateContent xmlns:mc="http://schemas.openxmlformats.org/markup-compatibility/2006" xmlns:p14="http://schemas.microsoft.com/office/powerpoint/2010/main">
+    <mc:Choice Requires="p14">
+      <p:transition spd="slow">
+        <p14:reveal/>
+      </p:transition>
+    </mc:Choice>
+    <mc:Fallback xmlns="">
+      <p:transition spd="slow">
+        <p:fade/>
+      </p:transition>
+    </mc:Fallback>
+  </mc:AlternateContent>
+</p:sldLayout>
+</file>
+
+<file path=ppt/slideLayouts/slideLayout2.xml><?xml version="1.0" encoding="utf-8"?>
+<p:sldLayout xmlns:a="http://schemas.openxmlformats.org/drawingml/2006/main" xmlns:r="http://schemas.openxmlformats.org/officeDocument/2006/relationships" xmlns:p="http://schemas.openxmlformats.org/presentationml/2006/main" type="obj" preserve="1">
+  <p:cSld name="Titre et contenu">
+    <p:spTree>
+      <p:nvGrpSpPr>
+        <p:cNvPr id="1" name=""/>
+        <p:cNvGrpSpPr/>
+        <p:nvPr/>
+      </p:nvGrpSpPr>
+      <p:grpSpPr>
+        <a:xfrm>
+          <a:off x="0" y="0"/>
+          <a:ext cx="0" cy="0"/>
+          <a:chOff x="0" y="0"/>
+          <a:chExt cx="0" cy="0"/>
+        </a:xfrm>
+      </p:grpSpPr>
+      <p:sp>
+        <p:nvSpPr>
+          <p:cNvPr id="2" name="Title 1"/>
+          <p:cNvSpPr>
+            <a:spLocks noGrp="1"/>
+          </p:cNvSpPr>
+          <p:nvPr>
+            <p:ph type="title"/>
+          </p:nvPr>
+        </p:nvSpPr>
+        <p:spPr/>
+        <p:txBody>
+          <a:bodyPr/>
+          <a:lstStyle/>
+          <a:p>
+            <a:r>
+              <a:rPr lang="fr-FR"/>
+              <a:t>Modifiez le style du titre</a:t>
+            </a:r>
+            <a:endParaRPr lang="fr-BE"/>
+          </a:p>
+        </p:txBody>
+      </p:sp>
+      <p:sp>
+        <p:nvSpPr>
+          <p:cNvPr id="3" name="Content Placeholder 2"/>
+          <p:cNvSpPr>
+            <a:spLocks noGrp="1"/>
+          </p:cNvSpPr>
+          <p:nvPr>
+            <p:ph idx="1"/>
+          </p:nvPr>
+        </p:nvSpPr>
+        <p:spPr>
+          <a:xfrm>
+            <a:off x="838200" y="1690689"/>
+            <a:ext cx="10515600" cy="4486276"/>
+          </a:xfrm>
+        </p:spPr>
+        <p:txBody>
+          <a:bodyPr/>
+          <a:lstStyle/>
+          <a:p>
+            <a:pPr lvl="0"/>
+            <a:r>
+              <a:rPr lang="fr-FR"/>
+              <a:t>Cliquez pour modifier les styles du texte du masque</a:t>
+            </a:r>
+          </a:p>
+          <a:p>
+            <a:pPr lvl="1"/>
+            <a:r>
+              <a:rPr lang="fr-FR"/>
+              <a:t>Deuxième niveau</a:t>
+            </a:r>
+          </a:p>
+          <a:p>
+            <a:pPr lvl="2"/>
+            <a:r>
+              <a:rPr lang="fr-FR"/>
+              <a:t>Troisième niveau</a:t>
+            </a:r>
+          </a:p>
+          <a:p>
+            <a:pPr lvl="3"/>
+            <a:r>
+              <a:rPr lang="fr-FR"/>
+              <a:t>Quatrième niveau</a:t>
+            </a:r>
+          </a:p>
+          <a:p>
+            <a:pPr lvl="4"/>
+            <a:r>
+              <a:rPr lang="fr-FR"/>
+              <a:t>Cinquième niveau</a:t>
+            </a:r>
+            <a:endParaRPr lang="fr-BE"/>
+          </a:p>
+        </p:txBody>
+      </p:sp>
+      <p:sp>
+        <p:nvSpPr>
+          <p:cNvPr id="4" name="Espace réservé de la date 3">
+            <a:extLst>
+              <a:ext uri="{FF2B5EF4-FFF2-40B4-BE49-F238E27FC236}">
+                <a16:creationId xmlns:a16="http://schemas.microsoft.com/office/drawing/2014/main" id="{3268EF8D-0946-4672-F93D-1040FBC99710}"/>
+              </a:ext>
+            </a:extLst>
+          </p:cNvPr>
+          <p:cNvSpPr>
+            <a:spLocks noGrp="1"/>
+          </p:cNvSpPr>
+          <p:nvPr>
+            <p:ph type="dt" sz="half" idx="10"/>
+          </p:nvPr>
+        </p:nvSpPr>
+        <p:spPr/>
+        <p:txBody>
+          <a:bodyPr/>
+          <a:lstStyle/>
+          <a:p>
+            <a:fld id="{F3953782-D06E-4853-BE3C-64C197273937}" type="datetimeFigureOut">
+              <a:rPr lang="fr-BE" smtClean="0"/>
+              <a:t>12-09-25</a:t>
+            </a:fld>
+            <a:endParaRPr lang="fr-BE"/>
+          </a:p>
+        </p:txBody>
+      </p:sp>
+      <p:sp>
+        <p:nvSpPr>
+          <p:cNvPr id="5" name="Espace réservé du pied de page 4">
+            <a:extLst>
+              <a:ext uri="{FF2B5EF4-FFF2-40B4-BE49-F238E27FC236}">
+                <a16:creationId xmlns:a16="http://schemas.microsoft.com/office/drawing/2014/main" id="{8F8A40D7-7FAD-432F-7B9F-71125A565A95}"/>
+              </a:ext>
+            </a:extLst>
+          </p:cNvPr>
+          <p:cNvSpPr>
+            <a:spLocks noGrp="1"/>
+          </p:cNvSpPr>
+          <p:nvPr>
+            <p:ph type="ftr" sz="quarter" idx="11"/>
+          </p:nvPr>
+        </p:nvSpPr>
+        <p:spPr/>
+        <p:txBody>
+          <a:bodyPr/>
+          <a:lstStyle/>
+          <a:p>
+            <a:endParaRPr lang="fr-BE"/>
+          </a:p>
+        </p:txBody>
+      </p:sp>
+      <p:sp>
+        <p:nvSpPr>
+          <p:cNvPr id="6" name="Espace réservé du numéro de diapositive 5">
+            <a:extLst>
+              <a:ext uri="{FF2B5EF4-FFF2-40B4-BE49-F238E27FC236}">
+                <a16:creationId xmlns:a16="http://schemas.microsoft.com/office/drawing/2014/main" id="{54A3E5DF-3F32-A840-9AC0-4B04DF13C487}"/>
+              </a:ext>
+            </a:extLst>
+          </p:cNvPr>
+          <p:cNvSpPr>
+            <a:spLocks noGrp="1"/>
+          </p:cNvSpPr>
+          <p:nvPr>
+            <p:ph type="sldNum" sz="quarter" idx="12"/>
+          </p:nvPr>
+        </p:nvSpPr>
+        <p:spPr/>
+        <p:txBody>
+          <a:bodyPr/>
+          <a:lstStyle/>
+          <a:p>
+            <a:fld id="{02C092ED-0E97-497E-99D9-BB9DD7276F53}" type="slidenum">
+              <a:rPr lang="fr-BE" smtClean="0"/>
+              <a:t>‹N°›</a:t>
+            </a:fld>
+            <a:endParaRPr lang="fr-BE"/>
+          </a:p>
+        </p:txBody>
+      </p:sp>
+    </p:spTree>
+    <p:extLst>
+      <p:ext uri="{BB962C8B-B14F-4D97-AF65-F5344CB8AC3E}">
+        <p14:creationId xmlns:p14="http://schemas.microsoft.com/office/powerpoint/2010/main" val="3580694023"/>
+      </p:ext>
+    </p:extLst>
+  </p:cSld>
+  <p:clrMapOvr>
+    <a:masterClrMapping/>
+  </p:clrMapOvr>
+  <mc:AlternateContent xmlns:mc="http://schemas.openxmlformats.org/markup-compatibility/2006" xmlns:p14="http://schemas.microsoft.com/office/powerpoint/2010/main">
+    <mc:Choice Requires="p14">
+      <p:transition spd="slow">
+        <p14:reveal/>
+      </p:transition>
+    </mc:Choice>
+    <mc:Fallback xmlns="">
+      <p:transition spd="slow">
+        <p:fade/>
+      </p:transition>
+    </mc:Fallback>
+  </mc:AlternateContent>
+</p:sldLayout>
+</file>
+
+<file path=ppt/slideLayouts/slideLayout20.xml><?xml version="1.0" encoding="utf-8"?>
+<p:sldLayout xmlns:a="http://schemas.openxmlformats.org/drawingml/2006/main" xmlns:r="http://schemas.openxmlformats.org/officeDocument/2006/relationships" xmlns:p="http://schemas.openxmlformats.org/presentationml/2006/main" type="blank" preserve="1">
+  <p:cSld name="Vide">
+    <p:spTree>
+      <p:nvGrpSpPr>
+        <p:cNvPr id="1" name=""/>
+        <p:cNvGrpSpPr/>
+        <p:nvPr/>
+      </p:nvGrpSpPr>
+      <p:grpSpPr>
+        <a:xfrm>
+          <a:off x="0" y="0"/>
+          <a:ext cx="0" cy="0"/>
+          <a:chOff x="0" y="0"/>
+          <a:chExt cx="0" cy="0"/>
+        </a:xfrm>
+      </p:grpSpPr>
+    </p:spTree>
+    <p:extLst>
+      <p:ext uri="{BB962C8B-B14F-4D97-AF65-F5344CB8AC3E}">
+        <p14:creationId xmlns:p14="http://schemas.microsoft.com/office/powerpoint/2010/main" val="2081545549"/>
+      </p:ext>
+    </p:extLst>
+  </p:cSld>
+  <p:clrMapOvr>
+    <a:masterClrMapping/>
+  </p:clrMapOvr>
+  <mc:AlternateContent xmlns:mc="http://schemas.openxmlformats.org/markup-compatibility/2006" xmlns:p14="http://schemas.microsoft.com/office/powerpoint/2010/main">
+    <mc:Choice Requires="p14">
+      <p:transition spd="slow">
+        <p14:reveal/>
+      </p:transition>
+    </mc:Choice>
+    <mc:Fallback xmlns="">
+      <p:transition spd="slow">
+        <p:fade/>
+      </p:transition>
+    </mc:Fallback>
+  </mc:AlternateContent>
+</p:sldLayout>
+</file>
+
+<file path=ppt/slideLayouts/slideLayout21.xml><?xml version="1.0" encoding="utf-8"?>
+<p:sldLayout xmlns:a="http://schemas.openxmlformats.org/drawingml/2006/main" xmlns:r="http://schemas.openxmlformats.org/officeDocument/2006/relationships" xmlns:p="http://schemas.openxmlformats.org/presentationml/2006/main" type="objTx" preserve="1">
+  <p:cSld name="Contenu avec légende">
+    <p:spTree>
+      <p:nvGrpSpPr>
+        <p:cNvPr id="1" name=""/>
+        <p:cNvGrpSpPr/>
+        <p:nvPr/>
+      </p:nvGrpSpPr>
+      <p:grpSpPr>
+        <a:xfrm>
+          <a:off x="0" y="0"/>
+          <a:ext cx="0" cy="0"/>
+          <a:chOff x="0" y="0"/>
+          <a:chExt cx="0" cy="0"/>
+        </a:xfrm>
+      </p:grpSpPr>
+      <p:sp>
+        <p:nvSpPr>
+          <p:cNvPr id="2" name="Title 1"/>
+          <p:cNvSpPr>
+            <a:spLocks noGrp="1"/>
+          </p:cNvSpPr>
+          <p:nvPr>
+            <p:ph type="title"/>
+          </p:nvPr>
+        </p:nvSpPr>
+        <p:spPr>
+          <a:xfrm>
+            <a:off x="839788" y="457200"/>
+            <a:ext cx="3932237" cy="1600200"/>
+          </a:xfrm>
+        </p:spPr>
+        <p:txBody>
+          <a:bodyPr anchor="b"/>
+          <a:lstStyle>
+            <a:lvl1pPr>
+              <a:defRPr sz="3200"/>
+            </a:lvl1pPr>
+          </a:lstStyle>
+          <a:p>
+            <a:r>
+              <a:rPr lang="fr-FR"/>
+              <a:t>Modifiez le style du titre</a:t>
+            </a:r>
+            <a:endParaRPr lang="fr-BE"/>
+          </a:p>
+        </p:txBody>
+      </p:sp>
+      <p:sp>
+        <p:nvSpPr>
+          <p:cNvPr id="3" name="Content Placeholder 2"/>
+          <p:cNvSpPr>
+            <a:spLocks noGrp="1"/>
+          </p:cNvSpPr>
+          <p:nvPr>
+            <p:ph idx="1"/>
+          </p:nvPr>
+        </p:nvSpPr>
+        <p:spPr>
+          <a:xfrm>
+            <a:off x="5183188" y="457200"/>
+            <a:ext cx="6172200" cy="5403851"/>
+          </a:xfrm>
+        </p:spPr>
+        <p:txBody>
+          <a:bodyPr/>
+          <a:lstStyle>
+            <a:lvl1pPr>
+              <a:defRPr sz="3200"/>
+            </a:lvl1pPr>
+            <a:lvl2pPr>
+              <a:defRPr sz="2800"/>
+            </a:lvl2pPr>
+            <a:lvl3pPr>
+              <a:defRPr sz="2400"/>
+            </a:lvl3pPr>
+            <a:lvl4pPr>
+              <a:defRPr sz="2000"/>
+            </a:lvl4pPr>
+            <a:lvl5pPr>
+              <a:defRPr sz="2000"/>
+            </a:lvl5pPr>
+            <a:lvl6pPr>
+              <a:defRPr sz="2000"/>
+            </a:lvl6pPr>
+            <a:lvl7pPr>
+              <a:defRPr sz="2000"/>
+            </a:lvl7pPr>
+            <a:lvl8pPr>
+              <a:defRPr sz="2000"/>
+            </a:lvl8pPr>
+            <a:lvl9pPr>
+              <a:defRPr sz="2000"/>
+            </a:lvl9pPr>
+          </a:lstStyle>
+          <a:p>
+            <a:pPr lvl="0"/>
+            <a:r>
+              <a:rPr lang="fr-FR"/>
+              <a:t>Cliquez pour modifier les styles du texte du masque</a:t>
+            </a:r>
+          </a:p>
+          <a:p>
+            <a:pPr lvl="1"/>
+            <a:r>
+              <a:rPr lang="fr-FR"/>
+              <a:t>Deuxième niveau</a:t>
+            </a:r>
+          </a:p>
+          <a:p>
+            <a:pPr lvl="2"/>
+            <a:r>
+              <a:rPr lang="fr-FR"/>
+              <a:t>Troisième niveau</a:t>
+            </a:r>
+          </a:p>
+          <a:p>
+            <a:pPr lvl="3"/>
+            <a:r>
+              <a:rPr lang="fr-FR"/>
+              <a:t>Quatrième niveau</a:t>
+            </a:r>
+          </a:p>
+          <a:p>
+            <a:pPr lvl="4"/>
+            <a:r>
+              <a:rPr lang="fr-FR"/>
+              <a:t>Cinquième niveau</a:t>
+            </a:r>
+            <a:endParaRPr lang="fr-BE" dirty="0"/>
+          </a:p>
+        </p:txBody>
+      </p:sp>
+      <p:sp>
+        <p:nvSpPr>
+          <p:cNvPr id="4" name="Text Placeholder 3"/>
+          <p:cNvSpPr>
+            <a:spLocks noGrp="1"/>
+          </p:cNvSpPr>
+          <p:nvPr>
+            <p:ph type="body" sz="half" idx="2"/>
+          </p:nvPr>
+        </p:nvSpPr>
+        <p:spPr>
+          <a:xfrm>
+            <a:off x="839788" y="2057401"/>
+            <a:ext cx="3932237" cy="3811588"/>
+          </a:xfrm>
+        </p:spPr>
+        <p:txBody>
+          <a:bodyPr/>
+          <a:lstStyle>
+            <a:lvl1pPr marL="0" indent="0">
+              <a:buNone/>
+              <a:defRPr sz="1600"/>
+            </a:lvl1pPr>
+            <a:lvl2pPr marL="457189" indent="0">
+              <a:buNone/>
+              <a:defRPr sz="1400"/>
+            </a:lvl2pPr>
+            <a:lvl3pPr marL="914377" indent="0">
+              <a:buNone/>
+              <a:defRPr sz="1200"/>
+            </a:lvl3pPr>
+            <a:lvl4pPr marL="1371566" indent="0">
+              <a:buNone/>
+              <a:defRPr sz="1000"/>
+            </a:lvl4pPr>
+            <a:lvl5pPr marL="1828754" indent="0">
+              <a:buNone/>
+              <a:defRPr sz="1000"/>
+            </a:lvl5pPr>
+            <a:lvl6pPr marL="2285943" indent="0">
+              <a:buNone/>
+              <a:defRPr sz="1000"/>
+            </a:lvl6pPr>
+            <a:lvl7pPr marL="2743131" indent="0">
+              <a:buNone/>
+              <a:defRPr sz="1000"/>
+            </a:lvl7pPr>
+            <a:lvl8pPr marL="3200320" indent="0">
+              <a:buNone/>
+              <a:defRPr sz="1000"/>
+            </a:lvl8pPr>
+            <a:lvl9pPr marL="3657509" indent="0">
+              <a:buNone/>
+              <a:defRPr sz="1000"/>
+            </a:lvl9pPr>
+          </a:lstStyle>
+          <a:p>
+            <a:pPr lvl="0"/>
+            <a:r>
+              <a:rPr lang="fr-FR"/>
+              <a:t>Cliquez pour modifier les styles du texte du masque</a:t>
+            </a:r>
+          </a:p>
+        </p:txBody>
+      </p:sp>
+      <p:sp>
+        <p:nvSpPr>
+          <p:cNvPr id="5" name="Espace réservé de la date 4">
+            <a:extLst>
+              <a:ext uri="{FF2B5EF4-FFF2-40B4-BE49-F238E27FC236}">
+                <a16:creationId xmlns:a16="http://schemas.microsoft.com/office/drawing/2014/main" id="{433BACDB-1022-3581-CB46-1F85D70253ED}"/>
+              </a:ext>
+            </a:extLst>
+          </p:cNvPr>
+          <p:cNvSpPr>
+            <a:spLocks noGrp="1"/>
+          </p:cNvSpPr>
+          <p:nvPr>
+            <p:ph type="dt" sz="half" idx="10"/>
+          </p:nvPr>
+        </p:nvSpPr>
+        <p:spPr/>
+        <p:txBody>
+          <a:bodyPr/>
+          <a:lstStyle/>
+          <a:p>
+            <a:fld id="{F3953782-D06E-4853-BE3C-64C197273937}" type="datetimeFigureOut">
+              <a:rPr lang="fr-BE" smtClean="0"/>
+              <a:t>12-09-25</a:t>
+            </a:fld>
+            <a:endParaRPr lang="fr-BE"/>
+          </a:p>
+        </p:txBody>
+      </p:sp>
+      <p:sp>
+        <p:nvSpPr>
+          <p:cNvPr id="6" name="Espace réservé du pied de page 5">
+            <a:extLst>
+              <a:ext uri="{FF2B5EF4-FFF2-40B4-BE49-F238E27FC236}">
+                <a16:creationId xmlns:a16="http://schemas.microsoft.com/office/drawing/2014/main" id="{9C8F4609-0312-F825-CC91-FAC10F330180}"/>
+              </a:ext>
+            </a:extLst>
+          </p:cNvPr>
+          <p:cNvSpPr>
+            <a:spLocks noGrp="1"/>
+          </p:cNvSpPr>
+          <p:nvPr>
+            <p:ph type="ftr" sz="quarter" idx="11"/>
+          </p:nvPr>
+        </p:nvSpPr>
+        <p:spPr/>
+        <p:txBody>
+          <a:bodyPr/>
+          <a:lstStyle/>
+          <a:p>
+            <a:endParaRPr lang="fr-BE"/>
+          </a:p>
+        </p:txBody>
+      </p:sp>
+      <p:sp>
+        <p:nvSpPr>
+          <p:cNvPr id="7" name="Espace réservé du numéro de diapositive 6">
+            <a:extLst>
+              <a:ext uri="{FF2B5EF4-FFF2-40B4-BE49-F238E27FC236}">
+                <a16:creationId xmlns:a16="http://schemas.microsoft.com/office/drawing/2014/main" id="{91F0E555-3A77-670E-9C69-DE1D8DE232F9}"/>
+              </a:ext>
+            </a:extLst>
+          </p:cNvPr>
+          <p:cNvSpPr>
+            <a:spLocks noGrp="1"/>
+          </p:cNvSpPr>
+          <p:nvPr>
+            <p:ph type="sldNum" sz="quarter" idx="12"/>
+          </p:nvPr>
+        </p:nvSpPr>
+        <p:spPr/>
+        <p:txBody>
+          <a:bodyPr/>
+          <a:lstStyle/>
+          <a:p>
+            <a:fld id="{02C092ED-0E97-497E-99D9-BB9DD7276F53}" type="slidenum">
+              <a:rPr lang="fr-BE" smtClean="0"/>
+              <a:t>‹N°›</a:t>
+            </a:fld>
+            <a:endParaRPr lang="fr-BE"/>
+          </a:p>
+        </p:txBody>
+      </p:sp>
+    </p:spTree>
+    <p:extLst>
+      <p:ext uri="{BB962C8B-B14F-4D97-AF65-F5344CB8AC3E}">
+        <p14:creationId xmlns:p14="http://schemas.microsoft.com/office/powerpoint/2010/main" val="523660437"/>
+      </p:ext>
+    </p:extLst>
+  </p:cSld>
+  <p:clrMapOvr>
+    <a:masterClrMapping/>
+  </p:clrMapOvr>
+  <mc:AlternateContent xmlns:mc="http://schemas.openxmlformats.org/markup-compatibility/2006" xmlns:p14="http://schemas.microsoft.com/office/powerpoint/2010/main">
+    <mc:Choice Requires="p14">
+      <p:transition spd="slow">
+        <p14:reveal/>
+      </p:transition>
+    </mc:Choice>
+    <mc:Fallback xmlns="">
+      <p:transition spd="slow">
+        <p:fade/>
+      </p:transition>
+    </mc:Fallback>
+  </mc:AlternateContent>
+</p:sldLayout>
+</file>
+
+<file path=ppt/slideLayouts/slideLayout3.xml><?xml version="1.0" encoding="utf-8"?>
+<p:sldLayout xmlns:a="http://schemas.openxmlformats.org/drawingml/2006/main" xmlns:r="http://schemas.openxmlformats.org/officeDocument/2006/relationships" xmlns:p="http://schemas.openxmlformats.org/presentationml/2006/main" preserve="1">
+  <p:cSld name="Titre de section">
+    <p:spTree>
+      <p:nvGrpSpPr>
+        <p:cNvPr id="1" name=""/>
+        <p:cNvGrpSpPr/>
+        <p:nvPr/>
+      </p:nvGrpSpPr>
+      <p:grpSpPr>
+        <a:xfrm>
+          <a:off x="0" y="0"/>
+          <a:ext cx="0" cy="0"/>
+          <a:chOff x="0" y="0"/>
+          <a:chExt cx="0" cy="0"/>
+        </a:xfrm>
+      </p:grpSpPr>
+      <p:sp>
+        <p:nvSpPr>
+          <p:cNvPr id="2" name="Title 1"/>
+          <p:cNvSpPr>
+            <a:spLocks noGrp="1"/>
+          </p:cNvSpPr>
+          <p:nvPr>
+            <p:ph type="title"/>
+          </p:nvPr>
+        </p:nvSpPr>
+        <p:spPr>
+          <a:xfrm>
+            <a:off x="831851" y="1709740"/>
+            <a:ext cx="10515600" cy="2852737"/>
+          </a:xfrm>
+        </p:spPr>
+        <p:txBody>
+          <a:bodyPr anchor="b">
+            <a:normAutofit/>
+          </a:bodyPr>
+          <a:lstStyle>
+            <a:lvl1pPr>
+              <a:defRPr lang="fr-BE">
+                <a:solidFill>
+                  <a:schemeClr val="accent2"/>
+                </a:solidFill>
+              </a:defRPr>
+            </a:lvl1pPr>
+          </a:lstStyle>
+          <a:p>
+            <a:r>
+              <a:rPr lang="fr-FR"/>
+              <a:t>Modifiez le style du titre</a:t>
+            </a:r>
+            <a:endParaRPr lang="fr-BE"/>
+          </a:p>
+        </p:txBody>
+      </p:sp>
+      <p:sp>
+        <p:nvSpPr>
+          <p:cNvPr id="3" name="Text Placeholder 2"/>
+          <p:cNvSpPr>
+            <a:spLocks noGrp="1"/>
+          </p:cNvSpPr>
+          <p:nvPr>
+            <p:ph type="body" idx="1"/>
+          </p:nvPr>
+        </p:nvSpPr>
+        <p:spPr>
+          <a:xfrm>
+            <a:off x="831851" y="4589464"/>
+            <a:ext cx="10515600" cy="1500187"/>
+          </a:xfrm>
+        </p:spPr>
+        <p:txBody>
+          <a:bodyPr/>
+          <a:lstStyle>
+            <a:lvl1pPr marL="0" indent="0">
+              <a:buNone/>
+              <a:defRPr sz="2400">
+                <a:solidFill>
+                  <a:schemeClr val="tx1">
+                    <a:tint val="75000"/>
+                  </a:schemeClr>
+                </a:solidFill>
+              </a:defRPr>
+            </a:lvl1pPr>
+            <a:lvl2pPr marL="457189" indent="0">
+              <a:buNone/>
+              <a:defRPr sz="2000">
+                <a:solidFill>
+                  <a:schemeClr val="tx1">
+                    <a:tint val="75000"/>
+                  </a:schemeClr>
+                </a:solidFill>
+              </a:defRPr>
+            </a:lvl2pPr>
+            <a:lvl3pPr marL="914377" indent="0">
+              <a:buNone/>
+              <a:defRPr sz="1800">
+                <a:solidFill>
+                  <a:schemeClr val="tx1">
+                    <a:tint val="75000"/>
+                  </a:schemeClr>
+                </a:solidFill>
+              </a:defRPr>
+            </a:lvl3pPr>
+            <a:lvl4pPr marL="1371566" indent="0">
+              <a:buNone/>
+              <a:defRPr sz="1600">
+                <a:solidFill>
+                  <a:schemeClr val="tx1">
+                    <a:tint val="75000"/>
+                  </a:schemeClr>
+                </a:solidFill>
+              </a:defRPr>
+            </a:lvl4pPr>
+            <a:lvl5pPr marL="1828754" indent="0">
+              <a:buNone/>
+              <a:defRPr sz="1600">
+                <a:solidFill>
+                  <a:schemeClr val="tx1">
+                    <a:tint val="75000"/>
+                  </a:schemeClr>
+                </a:solidFill>
+              </a:defRPr>
+            </a:lvl5pPr>
+            <a:lvl6pPr marL="2285943" indent="0">
+              <a:buNone/>
+              <a:defRPr sz="1600">
+                <a:solidFill>
+                  <a:schemeClr val="tx1">
+                    <a:tint val="75000"/>
+                  </a:schemeClr>
+                </a:solidFill>
+              </a:defRPr>
+            </a:lvl6pPr>
+            <a:lvl7pPr marL="2743131" indent="0">
+              <a:buNone/>
+              <a:defRPr sz="1600">
+                <a:solidFill>
+                  <a:schemeClr val="tx1">
+                    <a:tint val="75000"/>
+                  </a:schemeClr>
+                </a:solidFill>
+              </a:defRPr>
+            </a:lvl7pPr>
+            <a:lvl8pPr marL="3200320" indent="0">
+              <a:buNone/>
+              <a:defRPr sz="1600">
+                <a:solidFill>
+                  <a:schemeClr val="tx1">
+                    <a:tint val="75000"/>
+                  </a:schemeClr>
+                </a:solidFill>
+              </a:defRPr>
+            </a:lvl8pPr>
+            <a:lvl9pPr marL="3657509" indent="0">
+              <a:buNone/>
+              <a:defRPr sz="1600">
+                <a:solidFill>
+                  <a:schemeClr val="tx1">
+                    <a:tint val="75000"/>
+                  </a:schemeClr>
+                </a:solidFill>
+              </a:defRPr>
+            </a:lvl9pPr>
+          </a:lstStyle>
+          <a:p>
+            <a:pPr lvl="0"/>
+            <a:r>
+              <a:rPr lang="fr-FR"/>
+              <a:t>Cliquez pour modifier les styles du texte du masque</a:t>
+            </a:r>
+          </a:p>
+        </p:txBody>
+      </p:sp>
+      <p:sp>
+        <p:nvSpPr>
+          <p:cNvPr id="5" name="Espace réservé pour une image  4">
+            <a:extLst>
+              <a:ext uri="{FF2B5EF4-FFF2-40B4-BE49-F238E27FC236}">
+                <a16:creationId xmlns:a16="http://schemas.microsoft.com/office/drawing/2014/main" id="{83B7C617-6903-4988-8F47-3C72C68028FF}"/>
+              </a:ext>
+            </a:extLst>
+          </p:cNvPr>
+          <p:cNvSpPr>
+            <a:spLocks noGrp="1"/>
+          </p:cNvSpPr>
+          <p:nvPr>
+            <p:ph type="pic" sz="quarter" idx="10"/>
+          </p:nvPr>
+        </p:nvSpPr>
+        <p:spPr>
+          <a:xfrm>
+            <a:off x="9000000" y="720000"/>
+            <a:ext cx="2160000" cy="2160000"/>
+          </a:xfrm>
+        </p:spPr>
+        <p:txBody>
+          <a:bodyPr/>
+          <a:lstStyle/>
+          <a:p>
+            <a:r>
+              <a:rPr lang="fr-FR"/>
+              <a:t>Cliquez sur l'icône pour ajouter une image</a:t>
+            </a:r>
+            <a:endParaRPr lang="fr-BE" dirty="0"/>
+          </a:p>
+        </p:txBody>
+      </p:sp>
+      <p:sp>
+        <p:nvSpPr>
+          <p:cNvPr id="4" name="Espace réservé de la date 3">
+            <a:extLst>
+              <a:ext uri="{FF2B5EF4-FFF2-40B4-BE49-F238E27FC236}">
+                <a16:creationId xmlns:a16="http://schemas.microsoft.com/office/drawing/2014/main" id="{F2D67B63-F450-35EF-442C-62311487D2F4}"/>
+              </a:ext>
+            </a:extLst>
+          </p:cNvPr>
+          <p:cNvSpPr>
+            <a:spLocks noGrp="1"/>
+          </p:cNvSpPr>
+          <p:nvPr>
+            <p:ph type="dt" sz="half" idx="11"/>
+          </p:nvPr>
+        </p:nvSpPr>
+        <p:spPr/>
+        <p:txBody>
+          <a:bodyPr/>
+          <a:lstStyle/>
+          <a:p>
+            <a:fld id="{F3953782-D06E-4853-BE3C-64C197273937}" type="datetimeFigureOut">
+              <a:rPr lang="fr-BE" smtClean="0"/>
+              <a:t>12-09-25</a:t>
             </a:fld>
             <a:endParaRPr lang="fr-BE"/>
           </a:p>
@@ -7263,7 +9378,7 @@
           <a:p>
             <a:fld id="{F3953782-D06E-4853-BE3C-64C197273937}" type="datetimeFigureOut">
               <a:rPr lang="fr-BE" smtClean="0"/>
-              <a:t>11-09-25</a:t>
+              <a:t>12-09-25</a:t>
             </a:fld>
             <a:endParaRPr lang="fr-BE"/>
           </a:p>
@@ -7525,7 +9640,7 @@
           <a:p>
             <a:fld id="{F3953782-D06E-4853-BE3C-64C197273937}" type="datetimeFigureOut">
               <a:rPr lang="fr-BE" smtClean="0"/>
-              <a:t>11-09-25</a:t>
+              <a:t>12-09-25</a:t>
             </a:fld>
             <a:endParaRPr lang="fr-BE"/>
           </a:p>
@@ -7923,7 +10038,7 @@
           <a:p>
             <a:fld id="{F3953782-D06E-4853-BE3C-64C197273937}" type="datetimeFigureOut">
               <a:rPr lang="fr-BE" smtClean="0"/>
-              <a:t>11-09-25</a:t>
+              <a:t>12-09-25</a:t>
             </a:fld>
             <a:endParaRPr lang="fr-BE"/>
           </a:p>
@@ -8072,7 +10187,7 @@
           <a:p>
             <a:fld id="{F3953782-D06E-4853-BE3C-64C197273937}" type="datetimeFigureOut">
               <a:rPr lang="fr-BE" smtClean="0"/>
-              <a:t>11-09-25</a:t>
+              <a:t>12-09-25</a:t>
             </a:fld>
             <a:endParaRPr lang="fr-BE"/>
           </a:p>
@@ -8421,7 +10536,7 @@
           <a:p>
             <a:fld id="{F3953782-D06E-4853-BE3C-64C197273937}" type="datetimeFigureOut">
               <a:rPr lang="fr-BE" smtClean="0"/>
-              <a:t>11-09-25</a:t>
+              <a:t>12-09-25</a:t>
             </a:fld>
             <a:endParaRPr lang="fr-BE"/>
           </a:p>
@@ -8747,7 +10862,7 @@
           <a:p>
             <a:fld id="{F3953782-D06E-4853-BE3C-64C197273937}" type="datetimeFigureOut">
               <a:rPr lang="fr-BE" smtClean="0"/>
-              <a:t>11-09-25</a:t>
+              <a:t>12-09-25</a:t>
             </a:fld>
             <a:endParaRPr lang="fr-BE"/>
           </a:p>
@@ -9231,9 +11346,742 @@
 </p:sldMaster>
 </file>
 
+<file path=ppt/slideMasters/slideMaster2.xml><?xml version="1.0" encoding="utf-8"?>
+<p:sldMaster xmlns:a="http://schemas.openxmlformats.org/drawingml/2006/main" xmlns:r="http://schemas.openxmlformats.org/officeDocument/2006/relationships" xmlns:p="http://schemas.openxmlformats.org/presentationml/2006/main">
+  <p:cSld>
+    <p:bg>
+      <p:bgPr>
+        <a:solidFill>
+          <a:schemeClr val="accent3">
+            <a:lumMod val="40000"/>
+            <a:lumOff val="60000"/>
+          </a:schemeClr>
+        </a:solidFill>
+        <a:effectLst/>
+      </p:bgPr>
+    </p:bg>
+    <p:spTree>
+      <p:nvGrpSpPr>
+        <p:cNvPr id="1" name=""/>
+        <p:cNvGrpSpPr/>
+        <p:nvPr/>
+      </p:nvGrpSpPr>
+      <p:grpSpPr>
+        <a:xfrm>
+          <a:off x="0" y="0"/>
+          <a:ext cx="0" cy="0"/>
+          <a:chOff x="0" y="0"/>
+          <a:chExt cx="0" cy="0"/>
+        </a:xfrm>
+      </p:grpSpPr>
+      <p:sp>
+        <p:nvSpPr>
+          <p:cNvPr id="2" name="Title Placeholder 1"/>
+          <p:cNvSpPr>
+            <a:spLocks noGrp="1"/>
+          </p:cNvSpPr>
+          <p:nvPr>
+            <p:ph type="title"/>
+          </p:nvPr>
+        </p:nvSpPr>
+        <p:spPr>
+          <a:xfrm>
+            <a:off x="838200" y="365125"/>
+            <a:ext cx="10515600" cy="1325563"/>
+          </a:xfrm>
+          <a:prstGeom prst="rect">
+            <a:avLst/>
+          </a:prstGeom>
+        </p:spPr>
+        <p:txBody>
+          <a:bodyPr vert="horz" lIns="91440" tIns="45720" rIns="91440" bIns="45720" rtlCol="0" anchor="ctr">
+            <a:normAutofit/>
+          </a:bodyPr>
+          <a:lstStyle/>
+          <a:p>
+            <a:r>
+              <a:rPr lang="fr-FR"/>
+              <a:t>Modifiez le style du titre</a:t>
+            </a:r>
+            <a:endParaRPr lang="fr-BE"/>
+          </a:p>
+        </p:txBody>
+      </p:sp>
+      <p:sp>
+        <p:nvSpPr>
+          <p:cNvPr id="3" name="Text Placeholder 2"/>
+          <p:cNvSpPr>
+            <a:spLocks noGrp="1"/>
+          </p:cNvSpPr>
+          <p:nvPr>
+            <p:ph type="body" idx="1"/>
+          </p:nvPr>
+        </p:nvSpPr>
+        <p:spPr>
+          <a:xfrm>
+            <a:off x="838200" y="1825625"/>
+            <a:ext cx="10515600" cy="4351339"/>
+          </a:xfrm>
+          <a:prstGeom prst="rect">
+            <a:avLst/>
+          </a:prstGeom>
+        </p:spPr>
+        <p:txBody>
+          <a:bodyPr vert="horz" lIns="91440" tIns="45720" rIns="91440" bIns="45720" rtlCol="0">
+            <a:normAutofit/>
+          </a:bodyPr>
+          <a:lstStyle/>
+          <a:p>
+            <a:pPr lvl="0"/>
+            <a:r>
+              <a:rPr lang="fr-FR"/>
+              <a:t>Cliquez pour modifier les styles du texte du masque</a:t>
+            </a:r>
+          </a:p>
+          <a:p>
+            <a:pPr lvl="1"/>
+            <a:r>
+              <a:rPr lang="fr-FR"/>
+              <a:t>Deuxième niveau</a:t>
+            </a:r>
+          </a:p>
+          <a:p>
+            <a:pPr lvl="2"/>
+            <a:r>
+              <a:rPr lang="fr-FR"/>
+              <a:t>Troisième niveau</a:t>
+            </a:r>
+          </a:p>
+          <a:p>
+            <a:pPr lvl="3"/>
+            <a:r>
+              <a:rPr lang="fr-FR"/>
+              <a:t>Quatrième niveau</a:t>
+            </a:r>
+          </a:p>
+          <a:p>
+            <a:pPr lvl="4"/>
+            <a:r>
+              <a:rPr lang="fr-FR"/>
+              <a:t>Cinquième niveau</a:t>
+            </a:r>
+            <a:endParaRPr lang="fr-BE"/>
+          </a:p>
+        </p:txBody>
+      </p:sp>
+      <p:pic>
+        <p:nvPicPr>
+          <p:cNvPr id="8" name="Picture 7"/>
+          <p:cNvPicPr>
+            <a:picLocks noChangeAspect="1"/>
+          </p:cNvPicPr>
+          <p:nvPr/>
+        </p:nvPicPr>
+        <p:blipFill>
+          <a:blip r:embed="rId11">
+            <a:extLst>
+              <a:ext uri="{28A0092B-C50C-407E-A947-70E740481C1C}">
+                <a14:useLocalDpi xmlns:a14="http://schemas.microsoft.com/office/drawing/2010/main" val="0"/>
+              </a:ext>
+            </a:extLst>
+          </a:blip>
+          <a:stretch>
+            <a:fillRect/>
+          </a:stretch>
+        </p:blipFill>
+        <p:spPr>
+          <a:xfrm>
+            <a:off x="10830515" y="5719725"/>
+            <a:ext cx="1046571" cy="914479"/>
+          </a:xfrm>
+          <a:prstGeom prst="rect">
+            <a:avLst/>
+          </a:prstGeom>
+        </p:spPr>
+      </p:pic>
+      <p:sp>
+        <p:nvSpPr>
+          <p:cNvPr id="4" name="Espace réservé du numéro de diapositive 3">
+            <a:extLst>
+              <a:ext uri="{FF2B5EF4-FFF2-40B4-BE49-F238E27FC236}">
+                <a16:creationId xmlns:a16="http://schemas.microsoft.com/office/drawing/2014/main" id="{FD73148E-CCCA-4F1F-A836-655D884BBFFF}"/>
+              </a:ext>
+            </a:extLst>
+          </p:cNvPr>
+          <p:cNvSpPr>
+            <a:spLocks noGrp="1"/>
+          </p:cNvSpPr>
+          <p:nvPr>
+            <p:ph type="sldNum" sz="quarter" idx="4"/>
+          </p:nvPr>
+        </p:nvSpPr>
+        <p:spPr>
+          <a:xfrm>
+            <a:off x="8610600" y="6359526"/>
+            <a:ext cx="2743200" cy="365125"/>
+          </a:xfrm>
+          <a:prstGeom prst="rect">
+            <a:avLst/>
+          </a:prstGeom>
+        </p:spPr>
+        <p:txBody>
+          <a:bodyPr vert="horz" lIns="91440" tIns="45720" rIns="91440" bIns="45720" rtlCol="0" anchor="ctr"/>
+          <a:lstStyle>
+            <a:lvl1pPr algn="r">
+              <a:defRPr sz="1200">
+                <a:solidFill>
+                  <a:schemeClr val="tx1">
+                    <a:tint val="75000"/>
+                  </a:schemeClr>
+                </a:solidFill>
+              </a:defRPr>
+            </a:lvl1pPr>
+          </a:lstStyle>
+          <a:p>
+            <a:fld id="{02C092ED-0E97-497E-99D9-BB9DD7276F53}" type="slidenum">
+              <a:rPr lang="fr-BE" smtClean="0"/>
+              <a:t>‹N°›</a:t>
+            </a:fld>
+            <a:endParaRPr lang="fr-BE"/>
+          </a:p>
+        </p:txBody>
+      </p:sp>
+      <p:sp>
+        <p:nvSpPr>
+          <p:cNvPr id="5" name="Espace réservé de la date 4">
+            <a:extLst>
+              <a:ext uri="{FF2B5EF4-FFF2-40B4-BE49-F238E27FC236}">
+                <a16:creationId xmlns:a16="http://schemas.microsoft.com/office/drawing/2014/main" id="{7E29B381-A1A5-FC30-27CA-947A2690386C}"/>
+              </a:ext>
+            </a:extLst>
+          </p:cNvPr>
+          <p:cNvSpPr>
+            <a:spLocks noGrp="1"/>
+          </p:cNvSpPr>
+          <p:nvPr>
+            <p:ph type="dt" sz="half" idx="2"/>
+          </p:nvPr>
+        </p:nvSpPr>
+        <p:spPr>
+          <a:xfrm>
+            <a:off x="838200" y="6356350"/>
+            <a:ext cx="2743200" cy="365125"/>
+          </a:xfrm>
+          <a:prstGeom prst="rect">
+            <a:avLst/>
+          </a:prstGeom>
+        </p:spPr>
+        <p:txBody>
+          <a:bodyPr vert="horz" lIns="91440" tIns="45720" rIns="91440" bIns="45720" rtlCol="0" anchor="ctr"/>
+          <a:lstStyle>
+            <a:lvl1pPr algn="l">
+              <a:defRPr sz="1200">
+                <a:solidFill>
+                  <a:schemeClr val="tx1">
+                    <a:tint val="75000"/>
+                  </a:schemeClr>
+                </a:solidFill>
+              </a:defRPr>
+            </a:lvl1pPr>
+          </a:lstStyle>
+          <a:p>
+            <a:fld id="{F3953782-D06E-4853-BE3C-64C197273937}" type="datetimeFigureOut">
+              <a:rPr lang="fr-BE" smtClean="0"/>
+              <a:t>12-09-25</a:t>
+            </a:fld>
+            <a:endParaRPr lang="fr-BE"/>
+          </a:p>
+        </p:txBody>
+      </p:sp>
+      <p:sp>
+        <p:nvSpPr>
+          <p:cNvPr id="6" name="Espace réservé du pied de page 5">
+            <a:extLst>
+              <a:ext uri="{FF2B5EF4-FFF2-40B4-BE49-F238E27FC236}">
+                <a16:creationId xmlns:a16="http://schemas.microsoft.com/office/drawing/2014/main" id="{7BFB2116-0A00-B6AB-43FF-F23B8EB09A31}"/>
+              </a:ext>
+            </a:extLst>
+          </p:cNvPr>
+          <p:cNvSpPr>
+            <a:spLocks noGrp="1"/>
+          </p:cNvSpPr>
+          <p:nvPr>
+            <p:ph type="ftr" sz="quarter" idx="3"/>
+          </p:nvPr>
+        </p:nvSpPr>
+        <p:spPr>
+          <a:xfrm>
+            <a:off x="4038600" y="6356350"/>
+            <a:ext cx="4114800" cy="365125"/>
+          </a:xfrm>
+          <a:prstGeom prst="rect">
+            <a:avLst/>
+          </a:prstGeom>
+        </p:spPr>
+        <p:txBody>
+          <a:bodyPr vert="horz" lIns="91440" tIns="45720" rIns="91440" bIns="45720" rtlCol="0" anchor="ctr"/>
+          <a:lstStyle>
+            <a:lvl1pPr algn="ctr">
+              <a:defRPr sz="1200">
+                <a:solidFill>
+                  <a:schemeClr val="tx1">
+                    <a:tint val="75000"/>
+                  </a:schemeClr>
+                </a:solidFill>
+              </a:defRPr>
+            </a:lvl1pPr>
+          </a:lstStyle>
+          <a:p>
+            <a:endParaRPr lang="fr-BE"/>
+          </a:p>
+        </p:txBody>
+      </p:sp>
+      <p:pic>
+        <p:nvPicPr>
+          <p:cNvPr id="7" name="Picture 7">
+            <a:extLst>
+              <a:ext uri="{FF2B5EF4-FFF2-40B4-BE49-F238E27FC236}">
+                <a16:creationId xmlns:a16="http://schemas.microsoft.com/office/drawing/2014/main" id="{A41F4FB6-710C-0762-0E1F-46EEB8C2FAF2}"/>
+              </a:ext>
+            </a:extLst>
+          </p:cNvPr>
+          <p:cNvPicPr>
+            <a:picLocks noChangeAspect="1"/>
+          </p:cNvPicPr>
+          <p:nvPr userDrawn="1"/>
+        </p:nvPicPr>
+        <p:blipFill>
+          <a:blip r:embed="rId11">
+            <a:extLst>
+              <a:ext uri="{28A0092B-C50C-407E-A947-70E740481C1C}">
+                <a14:useLocalDpi xmlns:a14="http://schemas.microsoft.com/office/drawing/2010/main" val="0"/>
+              </a:ext>
+            </a:extLst>
+          </a:blip>
+          <a:stretch>
+            <a:fillRect/>
+          </a:stretch>
+        </p:blipFill>
+        <p:spPr>
+          <a:xfrm>
+            <a:off x="10830515" y="5719725"/>
+            <a:ext cx="1046571" cy="914479"/>
+          </a:xfrm>
+          <a:prstGeom prst="rect">
+            <a:avLst/>
+          </a:prstGeom>
+        </p:spPr>
+      </p:pic>
+    </p:spTree>
+    <p:extLst>
+      <p:ext uri="{BB962C8B-B14F-4D97-AF65-F5344CB8AC3E}">
+        <p14:creationId xmlns:p14="http://schemas.microsoft.com/office/powerpoint/2010/main" val="3303982722"/>
+      </p:ext>
+    </p:extLst>
+  </p:cSld>
+  <p:clrMap bg1="lt1" tx1="dk1" bg2="lt2" tx2="dk2" accent1="accent1" accent2="accent2" accent3="accent3" accent4="accent4" accent5="accent5" accent6="accent6" hlink="hlink" folHlink="folHlink"/>
+  <p:sldLayoutIdLst>
+    <p:sldLayoutId id="2147483878" r:id="rId1"/>
+    <p:sldLayoutId id="2147483879" r:id="rId2"/>
+    <p:sldLayoutId id="2147483880" r:id="rId3"/>
+    <p:sldLayoutId id="2147483881" r:id="rId4"/>
+    <p:sldLayoutId id="2147483882" r:id="rId5"/>
+    <p:sldLayoutId id="2147483883" r:id="rId6"/>
+    <p:sldLayoutId id="2147483884" r:id="rId7"/>
+    <p:sldLayoutId id="2147483885" r:id="rId8"/>
+    <p:sldLayoutId id="2147483886" r:id="rId9"/>
+  </p:sldLayoutIdLst>
+  <mc:AlternateContent xmlns:mc="http://schemas.openxmlformats.org/markup-compatibility/2006" xmlns:p14="http://schemas.microsoft.com/office/powerpoint/2010/main">
+    <mc:Choice Requires="p14">
+      <p:transition spd="slow">
+        <p14:reveal/>
+      </p:transition>
+    </mc:Choice>
+    <mc:Fallback xmlns="">
+      <p:transition spd="slow">
+        <p:fade/>
+      </p:transition>
+    </mc:Fallback>
+  </mc:AlternateContent>
+  <p:hf hdr="0" ftr="0"/>
+  <p:txStyles>
+    <p:titleStyle>
+      <a:lvl1pPr algn="l" defTabSz="914377" rtl="0" eaLnBrk="1" latinLnBrk="0" hangingPunct="1">
+        <a:lnSpc>
+          <a:spcPct val="90000"/>
+        </a:lnSpc>
+        <a:spcBef>
+          <a:spcPct val="0"/>
+        </a:spcBef>
+        <a:buNone/>
+        <a:defRPr sz="4400" b="1" kern="1200">
+          <a:solidFill>
+            <a:schemeClr val="accent5"/>
+          </a:solidFill>
+          <a:latin typeface="+mn-lt"/>
+          <a:ea typeface="+mj-ea"/>
+          <a:cs typeface="+mj-cs"/>
+        </a:defRPr>
+      </a:lvl1pPr>
+      <a:lvl2pPr eaLnBrk="1" hangingPunct="1">
+        <a:defRPr>
+          <a:solidFill>
+            <a:schemeClr val="tx2"/>
+          </a:solidFill>
+        </a:defRPr>
+      </a:lvl2pPr>
+      <a:lvl3pPr eaLnBrk="1" hangingPunct="1">
+        <a:defRPr>
+          <a:solidFill>
+            <a:schemeClr val="tx2"/>
+          </a:solidFill>
+        </a:defRPr>
+      </a:lvl3pPr>
+      <a:lvl4pPr eaLnBrk="1" hangingPunct="1">
+        <a:defRPr>
+          <a:solidFill>
+            <a:schemeClr val="tx2"/>
+          </a:solidFill>
+        </a:defRPr>
+      </a:lvl4pPr>
+      <a:lvl5pPr eaLnBrk="1" hangingPunct="1">
+        <a:defRPr>
+          <a:solidFill>
+            <a:schemeClr val="tx2"/>
+          </a:solidFill>
+        </a:defRPr>
+      </a:lvl5pPr>
+      <a:lvl6pPr eaLnBrk="1" hangingPunct="1">
+        <a:defRPr>
+          <a:solidFill>
+            <a:schemeClr val="tx2"/>
+          </a:solidFill>
+        </a:defRPr>
+      </a:lvl6pPr>
+      <a:lvl7pPr eaLnBrk="1" hangingPunct="1">
+        <a:defRPr>
+          <a:solidFill>
+            <a:schemeClr val="tx2"/>
+          </a:solidFill>
+        </a:defRPr>
+      </a:lvl7pPr>
+      <a:lvl8pPr eaLnBrk="1" hangingPunct="1">
+        <a:defRPr>
+          <a:solidFill>
+            <a:schemeClr val="tx2"/>
+          </a:solidFill>
+        </a:defRPr>
+      </a:lvl8pPr>
+      <a:lvl9pPr eaLnBrk="1" hangingPunct="1">
+        <a:defRPr>
+          <a:solidFill>
+            <a:schemeClr val="tx2"/>
+          </a:solidFill>
+        </a:defRPr>
+      </a:lvl9pPr>
+    </p:titleStyle>
+    <p:bodyStyle>
+      <a:lvl1pPr marL="228594" indent="-228594" algn="l" defTabSz="914377" rtl="0" eaLnBrk="1" latinLnBrk="0" hangingPunct="1">
+        <a:lnSpc>
+          <a:spcPct val="90000"/>
+        </a:lnSpc>
+        <a:spcBef>
+          <a:spcPts val="1000"/>
+        </a:spcBef>
+        <a:buClr>
+          <a:schemeClr val="bg1">
+            <a:lumMod val="50000"/>
+          </a:schemeClr>
+        </a:buClr>
+        <a:buFont typeface="Wingdings" panose="05000000000000000000" pitchFamily="2" charset="2"/>
+        <a:buChar char="§"/>
+        <a:defRPr sz="3600" kern="1200">
+          <a:solidFill>
+            <a:schemeClr val="tx1"/>
+          </a:solidFill>
+          <a:latin typeface="+mn-lt"/>
+          <a:ea typeface="+mn-ea"/>
+          <a:cs typeface="+mn-cs"/>
+        </a:defRPr>
+      </a:lvl1pPr>
+      <a:lvl2pPr marL="685783" indent="-228594" algn="l" defTabSz="914377" rtl="0" eaLnBrk="1" latinLnBrk="0" hangingPunct="1">
+        <a:lnSpc>
+          <a:spcPct val="90000"/>
+        </a:lnSpc>
+        <a:spcBef>
+          <a:spcPts val="500"/>
+        </a:spcBef>
+        <a:buClr>
+          <a:schemeClr val="bg1">
+            <a:lumMod val="50000"/>
+          </a:schemeClr>
+        </a:buClr>
+        <a:buFont typeface="Wingdings" panose="05000000000000000000" pitchFamily="2" charset="2"/>
+        <a:buChar char="§"/>
+        <a:defRPr sz="3200" kern="1200">
+          <a:solidFill>
+            <a:schemeClr val="tx1"/>
+          </a:solidFill>
+          <a:latin typeface="+mn-lt"/>
+          <a:ea typeface="+mn-ea"/>
+          <a:cs typeface="+mn-cs"/>
+        </a:defRPr>
+      </a:lvl2pPr>
+      <a:lvl3pPr marL="1142971" indent="-228594" algn="l" defTabSz="914377" rtl="0" eaLnBrk="1" latinLnBrk="0" hangingPunct="1">
+        <a:lnSpc>
+          <a:spcPct val="90000"/>
+        </a:lnSpc>
+        <a:spcBef>
+          <a:spcPts val="500"/>
+        </a:spcBef>
+        <a:buClr>
+          <a:schemeClr val="bg1">
+            <a:lumMod val="50000"/>
+          </a:schemeClr>
+        </a:buClr>
+        <a:buFont typeface="Wingdings" panose="05000000000000000000" pitchFamily="2" charset="2"/>
+        <a:buChar char="§"/>
+        <a:defRPr sz="2800" kern="1200">
+          <a:solidFill>
+            <a:schemeClr val="tx1"/>
+          </a:solidFill>
+          <a:latin typeface="+mn-lt"/>
+          <a:ea typeface="+mn-ea"/>
+          <a:cs typeface="+mn-cs"/>
+        </a:defRPr>
+      </a:lvl3pPr>
+      <a:lvl4pPr marL="1600160" indent="-228594" algn="l" defTabSz="914377" rtl="0" eaLnBrk="1" latinLnBrk="0" hangingPunct="1">
+        <a:lnSpc>
+          <a:spcPct val="90000"/>
+        </a:lnSpc>
+        <a:spcBef>
+          <a:spcPts val="500"/>
+        </a:spcBef>
+        <a:buClr>
+          <a:schemeClr val="bg1">
+            <a:lumMod val="50000"/>
+          </a:schemeClr>
+        </a:buClr>
+        <a:buFont typeface="Wingdings" panose="05000000000000000000" pitchFamily="2" charset="2"/>
+        <a:buChar char="§"/>
+        <a:defRPr sz="2400" kern="1200">
+          <a:solidFill>
+            <a:schemeClr val="tx1"/>
+          </a:solidFill>
+          <a:latin typeface="+mn-lt"/>
+          <a:ea typeface="+mn-ea"/>
+          <a:cs typeface="+mn-cs"/>
+        </a:defRPr>
+      </a:lvl4pPr>
+      <a:lvl5pPr marL="2057349" indent="-228594" algn="l" defTabSz="914377" rtl="0" eaLnBrk="1" latinLnBrk="0" hangingPunct="1">
+        <a:lnSpc>
+          <a:spcPct val="90000"/>
+        </a:lnSpc>
+        <a:spcBef>
+          <a:spcPts val="500"/>
+        </a:spcBef>
+        <a:buClr>
+          <a:schemeClr val="bg1">
+            <a:lumMod val="50000"/>
+          </a:schemeClr>
+        </a:buClr>
+        <a:buFont typeface="Wingdings" panose="05000000000000000000" pitchFamily="2" charset="2"/>
+        <a:buChar char="§"/>
+        <a:defRPr sz="2400" kern="1200">
+          <a:solidFill>
+            <a:schemeClr val="tx1"/>
+          </a:solidFill>
+          <a:latin typeface="+mn-lt"/>
+          <a:ea typeface="+mn-ea"/>
+          <a:cs typeface="+mn-cs"/>
+        </a:defRPr>
+      </a:lvl5pPr>
+      <a:lvl6pPr marL="2514537" indent="-228594" algn="l" defTabSz="914377" rtl="0" eaLnBrk="1" latinLnBrk="0" hangingPunct="1">
+        <a:lnSpc>
+          <a:spcPct val="90000"/>
+        </a:lnSpc>
+        <a:spcBef>
+          <a:spcPts val="500"/>
+        </a:spcBef>
+        <a:buFont typeface="Arial" panose="020B0604020202020204" pitchFamily="34" charset="0"/>
+        <a:buChar char="•"/>
+        <a:defRPr sz="1800" kern="1200">
+          <a:solidFill>
+            <a:schemeClr val="tx1"/>
+          </a:solidFill>
+          <a:latin typeface="+mn-lt"/>
+          <a:ea typeface="+mn-ea"/>
+          <a:cs typeface="+mn-cs"/>
+        </a:defRPr>
+      </a:lvl6pPr>
+      <a:lvl7pPr marL="2971726" indent="-228594" algn="l" defTabSz="914377" rtl="0" eaLnBrk="1" latinLnBrk="0" hangingPunct="1">
+        <a:lnSpc>
+          <a:spcPct val="90000"/>
+        </a:lnSpc>
+        <a:spcBef>
+          <a:spcPts val="500"/>
+        </a:spcBef>
+        <a:buFont typeface="Arial" panose="020B0604020202020204" pitchFamily="34" charset="0"/>
+        <a:buChar char="•"/>
+        <a:defRPr sz="1800" kern="1200">
+          <a:solidFill>
+            <a:schemeClr val="tx1"/>
+          </a:solidFill>
+          <a:latin typeface="+mn-lt"/>
+          <a:ea typeface="+mn-ea"/>
+          <a:cs typeface="+mn-cs"/>
+        </a:defRPr>
+      </a:lvl7pPr>
+      <a:lvl8pPr marL="3428914" indent="-228594" algn="l" defTabSz="914377" rtl="0" eaLnBrk="1" latinLnBrk="0" hangingPunct="1">
+        <a:lnSpc>
+          <a:spcPct val="90000"/>
+        </a:lnSpc>
+        <a:spcBef>
+          <a:spcPts val="500"/>
+        </a:spcBef>
+        <a:buFont typeface="Arial" panose="020B0604020202020204" pitchFamily="34" charset="0"/>
+        <a:buChar char="•"/>
+        <a:defRPr sz="1800" kern="1200">
+          <a:solidFill>
+            <a:schemeClr val="tx1"/>
+          </a:solidFill>
+          <a:latin typeface="+mn-lt"/>
+          <a:ea typeface="+mn-ea"/>
+          <a:cs typeface="+mn-cs"/>
+        </a:defRPr>
+      </a:lvl8pPr>
+      <a:lvl9pPr marL="3886103" indent="-228594" algn="l" defTabSz="914377" rtl="0" eaLnBrk="1" latinLnBrk="0" hangingPunct="1">
+        <a:lnSpc>
+          <a:spcPct val="90000"/>
+        </a:lnSpc>
+        <a:spcBef>
+          <a:spcPts val="500"/>
+        </a:spcBef>
+        <a:buFont typeface="Arial" panose="020B0604020202020204" pitchFamily="34" charset="0"/>
+        <a:buChar char="•"/>
+        <a:defRPr sz="1800" kern="1200">
+          <a:solidFill>
+            <a:schemeClr val="tx1"/>
+          </a:solidFill>
+          <a:latin typeface="+mn-lt"/>
+          <a:ea typeface="+mn-ea"/>
+          <a:cs typeface="+mn-cs"/>
+        </a:defRPr>
+      </a:lvl9pPr>
+    </p:bodyStyle>
+    <p:otherStyle>
+      <a:defPPr>
+        <a:defRPr lang="fr-FR"/>
+      </a:defPPr>
+      <a:lvl1pPr marL="0" algn="l" defTabSz="914377" rtl="0" eaLnBrk="1" latinLnBrk="0" hangingPunct="1">
+        <a:defRPr sz="1800" kern="1200">
+          <a:solidFill>
+            <a:schemeClr val="tx1"/>
+          </a:solidFill>
+          <a:latin typeface="+mn-lt"/>
+          <a:ea typeface="+mn-ea"/>
+          <a:cs typeface="+mn-cs"/>
+        </a:defRPr>
+      </a:lvl1pPr>
+      <a:lvl2pPr marL="457189" algn="l" defTabSz="914377" rtl="0" eaLnBrk="1" latinLnBrk="0" hangingPunct="1">
+        <a:defRPr sz="1800" kern="1200">
+          <a:solidFill>
+            <a:schemeClr val="tx1"/>
+          </a:solidFill>
+          <a:latin typeface="+mn-lt"/>
+          <a:ea typeface="+mn-ea"/>
+          <a:cs typeface="+mn-cs"/>
+        </a:defRPr>
+      </a:lvl2pPr>
+      <a:lvl3pPr marL="914377" algn="l" defTabSz="914377" rtl="0" eaLnBrk="1" latinLnBrk="0" hangingPunct="1">
+        <a:defRPr sz="1800" kern="1200">
+          <a:solidFill>
+            <a:schemeClr val="tx1"/>
+          </a:solidFill>
+          <a:latin typeface="+mn-lt"/>
+          <a:ea typeface="+mn-ea"/>
+          <a:cs typeface="+mn-cs"/>
+        </a:defRPr>
+      </a:lvl3pPr>
+      <a:lvl4pPr marL="1371566" algn="l" defTabSz="914377" rtl="0" eaLnBrk="1" latinLnBrk="0" hangingPunct="1">
+        <a:defRPr sz="1800" kern="1200">
+          <a:solidFill>
+            <a:schemeClr val="tx1"/>
+          </a:solidFill>
+          <a:latin typeface="+mn-lt"/>
+          <a:ea typeface="+mn-ea"/>
+          <a:cs typeface="+mn-cs"/>
+        </a:defRPr>
+      </a:lvl4pPr>
+      <a:lvl5pPr marL="1828754" algn="l" defTabSz="914377" rtl="0" eaLnBrk="1" latinLnBrk="0" hangingPunct="1">
+        <a:defRPr sz="1800" kern="1200">
+          <a:solidFill>
+            <a:schemeClr val="tx1"/>
+          </a:solidFill>
+          <a:latin typeface="+mn-lt"/>
+          <a:ea typeface="+mn-ea"/>
+          <a:cs typeface="+mn-cs"/>
+        </a:defRPr>
+      </a:lvl5pPr>
+      <a:lvl6pPr marL="2285943" algn="l" defTabSz="914377" rtl="0" eaLnBrk="1" latinLnBrk="0" hangingPunct="1">
+        <a:defRPr sz="1800" kern="1200">
+          <a:solidFill>
+            <a:schemeClr val="tx1"/>
+          </a:solidFill>
+          <a:latin typeface="+mn-lt"/>
+          <a:ea typeface="+mn-ea"/>
+          <a:cs typeface="+mn-cs"/>
+        </a:defRPr>
+      </a:lvl6pPr>
+      <a:lvl7pPr marL="2743131" algn="l" defTabSz="914377" rtl="0" eaLnBrk="1" latinLnBrk="0" hangingPunct="1">
+        <a:defRPr sz="1800" kern="1200">
+          <a:solidFill>
+            <a:schemeClr val="tx1"/>
+          </a:solidFill>
+          <a:latin typeface="+mn-lt"/>
+          <a:ea typeface="+mn-ea"/>
+          <a:cs typeface="+mn-cs"/>
+        </a:defRPr>
+      </a:lvl7pPr>
+      <a:lvl8pPr marL="3200320" algn="l" defTabSz="914377" rtl="0" eaLnBrk="1" latinLnBrk="0" hangingPunct="1">
+        <a:defRPr sz="1800" kern="1200">
+          <a:solidFill>
+            <a:schemeClr val="tx1"/>
+          </a:solidFill>
+          <a:latin typeface="+mn-lt"/>
+          <a:ea typeface="+mn-ea"/>
+          <a:cs typeface="+mn-cs"/>
+        </a:defRPr>
+      </a:lvl8pPr>
+      <a:lvl9pPr marL="3657509" algn="l" defTabSz="914377" rtl="0" eaLnBrk="1" latinLnBrk="0" hangingPunct="1">
+        <a:defRPr sz="1800" kern="1200">
+          <a:solidFill>
+            <a:schemeClr val="tx1"/>
+          </a:solidFill>
+          <a:latin typeface="+mn-lt"/>
+          <a:ea typeface="+mn-ea"/>
+          <a:cs typeface="+mn-cs"/>
+        </a:defRPr>
+      </a:lvl9pPr>
+    </p:otherStyle>
+  </p:txStyles>
+</p:sldMaster>
+</file>
+
 <file path=ppt/slides/slide1.xml><?xml version="1.0" encoding="utf-8"?>
 <p:sld xmlns:a="http://schemas.openxmlformats.org/drawingml/2006/main" xmlns:r="http://schemas.openxmlformats.org/officeDocument/2006/relationships" xmlns:p="http://schemas.openxmlformats.org/presentationml/2006/main">
   <p:cSld>
+    <p:bg>
+      <p:bgPr>
+        <a:solidFill>
+          <a:schemeClr val="accent3">
+            <a:lumMod val="40000"/>
+            <a:lumOff val="60000"/>
+          </a:schemeClr>
+        </a:solidFill>
+        <a:effectLst/>
+      </p:bgPr>
+    </p:bg>
     <p:spTree>
       <p:nvGrpSpPr>
         <p:cNvPr id="1" name=""/>
@@ -9263,6 +12111,7 @@
             <a:off x="2567354" y="1122363"/>
             <a:ext cx="8100646" cy="2387600"/>
           </a:xfrm>
+          <a:noFill/>
         </p:spPr>
         <p:txBody>
           <a:bodyPr>
@@ -15301,6 +18150,156 @@
           <a:chExt cx="0" cy="0"/>
         </a:xfrm>
       </p:grpSpPr>
+      <p:sp>
+        <p:nvSpPr>
+          <p:cNvPr id="4" name="Title 3"/>
+          <p:cNvSpPr>
+            <a:spLocks noGrp="1"/>
+          </p:cNvSpPr>
+          <p:nvPr>
+            <p:ph type="title"/>
+          </p:nvPr>
+        </p:nvSpPr>
+        <p:spPr/>
+        <p:txBody>
+          <a:bodyPr/>
+          <a:lstStyle/>
+          <a:p>
+            <a:r>
+              <a:rPr lang="fr-BE"/>
+              <a:t>Table des matières</a:t>
+            </a:r>
+          </a:p>
+        </p:txBody>
+      </p:sp>
+      <p:sp>
+        <p:nvSpPr>
+          <p:cNvPr id="5" name="Content Placeholder 4"/>
+          <p:cNvSpPr>
+            <a:spLocks noGrp="1"/>
+          </p:cNvSpPr>
+          <p:nvPr>
+            <p:ph idx="1"/>
+          </p:nvPr>
+        </p:nvSpPr>
+        <p:spPr/>
+        <p:txBody>
+          <a:bodyPr numCol="1">
+            <a:normAutofit fontScale="92500" lnSpcReduction="10000"/>
+          </a:bodyPr>
+          <a:lstStyle/>
+          <a:p>
+            <a:r>
+              <a:rPr lang="fr-BE"/>
+              <a:t>Introduction</a:t>
+            </a:r>
+          </a:p>
+          <a:p>
+            <a:pPr lvl="1"/>
+            <a:r>
+              <a:rPr lang="fr-BE">
+                <a:solidFill>
+                  <a:schemeClr val="accent2"/>
+                </a:solidFill>
+              </a:rPr>
+              <a:t>00. Propos liminaires</a:t>
+            </a:r>
+          </a:p>
+          <a:p>
+            <a:pPr lvl="1"/>
+            <a:r>
+              <a:rPr lang="fr-BE"/>
+              <a:t>01. Programmation procédurale : rappel</a:t>
+            </a:r>
+          </a:p>
+          <a:p>
+            <a:r>
+              <a:rPr lang="fr-BE"/>
+              <a:t>Concepts de Programmation Orientée Objet</a:t>
+            </a:r>
+          </a:p>
+          <a:p>
+            <a:pPr lvl="1"/>
+            <a:r>
+              <a:rPr lang="fr-BE"/>
+              <a:t>11. Programmation orientée objet : bases </a:t>
+            </a:r>
+          </a:p>
+          <a:p>
+            <a:pPr lvl="1"/>
+            <a:r>
+              <a:rPr lang="fr-BE"/>
+              <a:t>13</a:t>
+            </a:r>
+            <a:r>
+              <a:rPr lang="fr-BE" dirty="0"/>
+              <a:t>. Programmation orientée objet : aspects avancés</a:t>
+            </a:r>
+          </a:p>
+          <a:p>
+            <a:pPr lvl="1"/>
+            <a:r>
+              <a:rPr lang="fr-BE"/>
+              <a:t>17. Patron de conception (design pattern)</a:t>
+            </a:r>
+          </a:p>
+          <a:p>
+            <a:r>
+              <a:rPr lang="fr-BE"/>
+              <a:t>Applications de la POO</a:t>
+            </a:r>
+          </a:p>
+          <a:p>
+            <a:pPr lvl="1"/>
+            <a:r>
+              <a:rPr lang="fr-BE"/>
+              <a:t>21. Graphical User Interface</a:t>
+            </a:r>
+          </a:p>
+        </p:txBody>
+      </p:sp>
+    </p:spTree>
+    <p:extLst>
+      <p:ext uri="{BB962C8B-B14F-4D97-AF65-F5344CB8AC3E}">
+        <p14:creationId xmlns:p14="http://schemas.microsoft.com/office/powerpoint/2010/main" val="768976842"/>
+      </p:ext>
+    </p:extLst>
+  </p:cSld>
+  <p:clrMapOvr>
+    <a:masterClrMapping/>
+  </p:clrMapOvr>
+  <mc:AlternateContent xmlns:mc="http://schemas.openxmlformats.org/markup-compatibility/2006" xmlns:p14="http://schemas.microsoft.com/office/powerpoint/2010/main">
+    <mc:Choice Requires="p14">
+      <p:transition spd="slow">
+        <p14:reveal/>
+      </p:transition>
+    </mc:Choice>
+    <mc:Fallback xmlns="">
+      <p:transition spd="slow">
+        <p:fade/>
+      </p:transition>
+    </mc:Fallback>
+  </mc:AlternateContent>
+</p:sld>
+</file>
+
+<file path=ppt/slides/slide3.xml><?xml version="1.0" encoding="utf-8"?>
+<p:sld xmlns:a="http://schemas.openxmlformats.org/drawingml/2006/main" xmlns:r="http://schemas.openxmlformats.org/officeDocument/2006/relationships" xmlns:p="http://schemas.openxmlformats.org/presentationml/2006/main">
+  <p:cSld>
+    <p:spTree>
+      <p:nvGrpSpPr>
+        <p:cNvPr id="1" name=""/>
+        <p:cNvGrpSpPr/>
+        <p:nvPr/>
+      </p:nvGrpSpPr>
+      <p:grpSpPr>
+        <a:xfrm>
+          <a:off x="0" y="0"/>
+          <a:ext cx="0" cy="0"/>
+          <a:chOff x="0" y="0"/>
+          <a:chExt cx="0" cy="0"/>
+        </a:xfrm>
+      </p:grpSpPr>
       <p:pic>
         <p:nvPicPr>
           <p:cNvPr id="21" name="Image 20">
@@ -15712,7 +18711,7 @@
 </p:sld>
 </file>
 
-<file path=ppt/slides/slide3.xml><?xml version="1.0" encoding="utf-8"?>
+<file path=ppt/slides/slide4.xml><?xml version="1.0" encoding="utf-8"?>
 <p:sld xmlns:a="http://schemas.openxmlformats.org/drawingml/2006/main" xmlns:r="http://schemas.openxmlformats.org/officeDocument/2006/relationships" xmlns:p="http://schemas.openxmlformats.org/presentationml/2006/main">
   <p:cSld>
     <p:spTree>
@@ -16003,7 +19002,7 @@
 </p:sld>
 </file>
 
-<file path=ppt/slides/slide4.xml><?xml version="1.0" encoding="utf-8"?>
+<file path=ppt/slides/slide5.xml><?xml version="1.0" encoding="utf-8"?>
 <p:sld xmlns:a="http://schemas.openxmlformats.org/drawingml/2006/main" xmlns:r="http://schemas.openxmlformats.org/officeDocument/2006/relationships" xmlns:p="http://schemas.openxmlformats.org/presentationml/2006/main">
   <p:cSld>
     <p:spTree>
@@ -16203,7 +19202,7 @@
 </p:sld>
 </file>
 
-<file path=ppt/slides/slide5.xml><?xml version="1.0" encoding="utf-8"?>
+<file path=ppt/slides/slide6.xml><?xml version="1.0" encoding="utf-8"?>
 <p:sld xmlns:a="http://schemas.openxmlformats.org/drawingml/2006/main" xmlns:r="http://schemas.openxmlformats.org/officeDocument/2006/relationships" xmlns:p="http://schemas.openxmlformats.org/presentationml/2006/main">
   <p:cSld>
     <p:spTree>
@@ -17032,7 +20031,7 @@
 </p:sld>
 </file>
 
-<file path=ppt/slides/slide6.xml><?xml version="1.0" encoding="utf-8"?>
+<file path=ppt/slides/slide7.xml><?xml version="1.0" encoding="utf-8"?>
 <p:sld xmlns:a="http://schemas.openxmlformats.org/drawingml/2006/main" xmlns:r="http://schemas.openxmlformats.org/officeDocument/2006/relationships" xmlns:p="http://schemas.openxmlformats.org/presentationml/2006/main">
   <p:cSld>
     <p:spTree>
@@ -17240,152 +20239,6 @@
     <p:extLst>
       <p:ext uri="{BB962C8B-B14F-4D97-AF65-F5344CB8AC3E}">
         <p14:creationId xmlns:p14="http://schemas.microsoft.com/office/powerpoint/2010/main" val="223947706"/>
-      </p:ext>
-    </p:extLst>
-  </p:cSld>
-  <p:clrMapOvr>
-    <a:masterClrMapping/>
-  </p:clrMapOvr>
-  <mc:AlternateContent xmlns:mc="http://schemas.openxmlformats.org/markup-compatibility/2006" xmlns:p14="http://schemas.microsoft.com/office/powerpoint/2010/main">
-    <mc:Choice Requires="p14">
-      <p:transition spd="slow">
-        <p14:reveal/>
-      </p:transition>
-    </mc:Choice>
-    <mc:Fallback xmlns="">
-      <p:transition spd="slow">
-        <p:fade/>
-      </p:transition>
-    </mc:Fallback>
-  </mc:AlternateContent>
-</p:sld>
-</file>
-
-<file path=ppt/slides/slide7.xml><?xml version="1.0" encoding="utf-8"?>
-<p:sld xmlns:a="http://schemas.openxmlformats.org/drawingml/2006/main" xmlns:r="http://schemas.openxmlformats.org/officeDocument/2006/relationships" xmlns:p="http://schemas.openxmlformats.org/presentationml/2006/main">
-  <p:cSld>
-    <p:spTree>
-      <p:nvGrpSpPr>
-        <p:cNvPr id="1" name=""/>
-        <p:cNvGrpSpPr/>
-        <p:nvPr/>
-      </p:nvGrpSpPr>
-      <p:grpSpPr>
-        <a:xfrm>
-          <a:off x="0" y="0"/>
-          <a:ext cx="0" cy="0"/>
-          <a:chOff x="0" y="0"/>
-          <a:chExt cx="0" cy="0"/>
-        </a:xfrm>
-      </p:grpSpPr>
-      <p:sp>
-        <p:nvSpPr>
-          <p:cNvPr id="4" name="Title 3"/>
-          <p:cNvSpPr>
-            <a:spLocks noGrp="1"/>
-          </p:cNvSpPr>
-          <p:nvPr>
-            <p:ph type="title"/>
-          </p:nvPr>
-        </p:nvSpPr>
-        <p:spPr/>
-        <p:txBody>
-          <a:bodyPr/>
-          <a:lstStyle/>
-          <a:p>
-            <a:r>
-              <a:rPr lang="fr-BE"/>
-              <a:t>Table des matières</a:t>
-            </a:r>
-          </a:p>
-        </p:txBody>
-      </p:sp>
-      <p:sp>
-        <p:nvSpPr>
-          <p:cNvPr id="5" name="Content Placeholder 4"/>
-          <p:cNvSpPr>
-            <a:spLocks noGrp="1"/>
-          </p:cNvSpPr>
-          <p:nvPr>
-            <p:ph idx="1"/>
-          </p:nvPr>
-        </p:nvSpPr>
-        <p:spPr/>
-        <p:txBody>
-          <a:bodyPr numCol="1">
-            <a:normAutofit fontScale="92500" lnSpcReduction="10000"/>
-          </a:bodyPr>
-          <a:lstStyle/>
-          <a:p>
-            <a:r>
-              <a:rPr lang="fr-BE"/>
-              <a:t>Introduction</a:t>
-            </a:r>
-          </a:p>
-          <a:p>
-            <a:pPr lvl="1"/>
-            <a:r>
-              <a:rPr lang="fr-BE"/>
-              <a:t>00. Propos liminaires</a:t>
-            </a:r>
-          </a:p>
-          <a:p>
-            <a:pPr lvl="1"/>
-            <a:r>
-              <a:rPr lang="fr-BE"/>
-              <a:t>01. Programmation procédurale : rappel</a:t>
-            </a:r>
-          </a:p>
-          <a:p>
-            <a:r>
-              <a:rPr lang="fr-BE"/>
-              <a:t>Concepts de Programmation Orientée Objet</a:t>
-            </a:r>
-          </a:p>
-          <a:p>
-            <a:pPr lvl="1"/>
-            <a:r>
-              <a:rPr lang="fr-BE"/>
-              <a:t>11. Programmation orientée objet : bases </a:t>
-            </a:r>
-          </a:p>
-          <a:p>
-            <a:pPr lvl="1"/>
-            <a:r>
-              <a:rPr lang="fr-BE"/>
-              <a:t>13</a:t>
-            </a:r>
-            <a:r>
-              <a:rPr lang="fr-BE" dirty="0"/>
-              <a:t>. Programmation orientée objet : aspects avancés</a:t>
-            </a:r>
-          </a:p>
-          <a:p>
-            <a:pPr lvl="1"/>
-            <a:r>
-              <a:rPr lang="fr-BE"/>
-              <a:t>17. Patron de conception (design pattern)</a:t>
-            </a:r>
-          </a:p>
-          <a:p>
-            <a:r>
-              <a:rPr lang="fr-BE"/>
-              <a:t>Applications de la POO</a:t>
-            </a:r>
-          </a:p>
-          <a:p>
-            <a:pPr lvl="1"/>
-            <a:r>
-              <a:rPr lang="fr-BE"/>
-              <a:t>21. Graphical User Interface</a:t>
-            </a:r>
-          </a:p>
-        </p:txBody>
-      </p:sp>
-    </p:spTree>
-    <p:extLst>
-      <p:ext uri="{BB962C8B-B14F-4D97-AF65-F5344CB8AC3E}">
-        <p14:creationId xmlns:p14="http://schemas.microsoft.com/office/powerpoint/2010/main" val="768976842"/>
       </p:ext>
     </p:extLst>
   </p:cSld>
@@ -17952,6 +20805,215 @@
 </file>
 
 <file path=ppt/theme/theme2.xml><?xml version="1.0" encoding="utf-8"?>
+<a:theme xmlns:a="http://schemas.openxmlformats.org/drawingml/2006/main" name="1_burotix">
+  <a:themeElements>
+    <a:clrScheme name="Custom 4">
+      <a:dk1>
+        <a:sysClr val="windowText" lastClr="000000"/>
+      </a:dk1>
+      <a:lt1>
+        <a:sysClr val="window" lastClr="FFFFFF"/>
+      </a:lt1>
+      <a:dk2>
+        <a:srgbClr val="162F33"/>
+      </a:dk2>
+      <a:lt2>
+        <a:srgbClr val="EAF0E0"/>
+      </a:lt2>
+      <a:accent1>
+        <a:srgbClr val="0DD3D1"/>
+      </a:accent1>
+      <a:accent2>
+        <a:srgbClr val="1963A1"/>
+      </a:accent2>
+      <a:accent3>
+        <a:srgbClr val="E5CBAD"/>
+      </a:accent3>
+      <a:accent4>
+        <a:srgbClr val="5DF5F3"/>
+      </a:accent4>
+      <a:accent5>
+        <a:srgbClr val="56A4E4"/>
+      </a:accent5>
+      <a:accent6>
+        <a:srgbClr val="EFDFCD"/>
+      </a:accent6>
+      <a:hlink>
+        <a:srgbClr val="000000"/>
+      </a:hlink>
+      <a:folHlink>
+        <a:srgbClr val="3F3F3F"/>
+      </a:folHlink>
+    </a:clrScheme>
+    <a:fontScheme name="Garamond">
+      <a:majorFont>
+        <a:latin typeface="Garamond" panose="02020404030301010803"/>
+        <a:ea typeface=""/>
+        <a:cs typeface=""/>
+        <a:font script="Jpan" typeface="ＭＳ Ｐゴシック"/>
+        <a:font script="Hang" typeface="돋움"/>
+        <a:font script="Hans" typeface="方正舒体"/>
+        <a:font script="Hant" typeface="微軟正黑體"/>
+        <a:font script="Arab" typeface="Arial"/>
+        <a:font script="Hebr" typeface="Arial"/>
+        <a:font script="Thai" typeface="Cordia New"/>
+        <a:font script="Ethi" typeface="Nyala"/>
+        <a:font script="Beng" typeface="Vrinda"/>
+        <a:font script="Gujr" typeface="Shruti"/>
+        <a:font script="Khmr" typeface="DaunPenh"/>
+        <a:font script="Knda" typeface="Tunga"/>
+        <a:font script="Guru" typeface="Raavi"/>
+        <a:font script="Cans" typeface="Euphemia"/>
+        <a:font script="Cher" typeface="Plantagenet Cherokee"/>
+        <a:font script="Yiii" typeface="Microsoft Yi Baiti"/>
+        <a:font script="Tibt" typeface="Microsoft Himalaya"/>
+        <a:font script="Thaa" typeface="MV Boli"/>
+        <a:font script="Deva" typeface="Mangal"/>
+        <a:font script="Telu" typeface="Gautami"/>
+        <a:font script="Taml" typeface="Latha"/>
+        <a:font script="Syrc" typeface="Estrangelo Edessa"/>
+        <a:font script="Orya" typeface="Kalinga"/>
+        <a:font script="Mlym" typeface="Kartika"/>
+        <a:font script="Laoo" typeface="DokChampa"/>
+        <a:font script="Sinh" typeface="Iskoola Pota"/>
+        <a:font script="Mong" typeface="Mongolian Baiti"/>
+        <a:font script="Viet" typeface="Arial"/>
+        <a:font script="Uigh" typeface="Microsoft Uighur"/>
+        <a:font script="Geor" typeface="Sylfaen"/>
+      </a:majorFont>
+      <a:minorFont>
+        <a:latin typeface="Garamond" panose="02020404030301010803"/>
+        <a:ea typeface=""/>
+        <a:cs typeface=""/>
+        <a:font script="Jpan" typeface="ＭＳ Ｐゴシック"/>
+        <a:font script="Hang" typeface="돋움"/>
+        <a:font script="Hans" typeface="方正舒体"/>
+        <a:font script="Hant" typeface="微軟正黑體"/>
+        <a:font script="Arab" typeface="Arial"/>
+        <a:font script="Hebr" typeface="Arial"/>
+        <a:font script="Thai" typeface="Cordia New"/>
+        <a:font script="Ethi" typeface="Nyala"/>
+        <a:font script="Beng" typeface="Vrinda"/>
+        <a:font script="Gujr" typeface="Shruti"/>
+        <a:font script="Khmr" typeface="DaunPenh"/>
+        <a:font script="Knda" typeface="Tunga"/>
+        <a:font script="Guru" typeface="Raavi"/>
+        <a:font script="Cans" typeface="Euphemia"/>
+        <a:font script="Cher" typeface="Plantagenet Cherokee"/>
+        <a:font script="Yiii" typeface="Microsoft Yi Baiti"/>
+        <a:font script="Tibt" typeface="Microsoft Himalaya"/>
+        <a:font script="Thaa" typeface="MV Boli"/>
+        <a:font script="Deva" typeface="Mangal"/>
+        <a:font script="Telu" typeface="Gautami"/>
+        <a:font script="Taml" typeface="Latha"/>
+        <a:font script="Syrc" typeface="Estrangelo Edessa"/>
+        <a:font script="Orya" typeface="Kalinga"/>
+        <a:font script="Mlym" typeface="Kartika"/>
+        <a:font script="Laoo" typeface="DokChampa"/>
+        <a:font script="Sinh" typeface="Iskoola Pota"/>
+        <a:font script="Mong" typeface="Mongolian Baiti"/>
+        <a:font script="Viet" typeface="Arial"/>
+        <a:font script="Uigh" typeface="Microsoft Uighur"/>
+        <a:font script="Geor" typeface="Sylfaen"/>
+      </a:minorFont>
+    </a:fontScheme>
+    <a:fmtScheme name="Solides discrets">
+      <a:fillStyleLst>
+        <a:solidFill>
+          <a:schemeClr val="phClr"/>
+        </a:solidFill>
+        <a:solidFill>
+          <a:schemeClr val="phClr">
+            <a:tint val="65000"/>
+          </a:schemeClr>
+        </a:solidFill>
+        <a:solidFill>
+          <a:schemeClr val="phClr">
+            <a:shade val="80000"/>
+            <a:satMod val="150000"/>
+          </a:schemeClr>
+        </a:solidFill>
+      </a:fillStyleLst>
+      <a:lnStyleLst>
+        <a:ln w="9525" cap="flat" cmpd="sng" algn="ctr">
+          <a:solidFill>
+            <a:schemeClr val="phClr"/>
+          </a:solidFill>
+          <a:prstDash val="solid"/>
+        </a:ln>
+        <a:ln w="10795" cap="flat" cmpd="sng" algn="ctr">
+          <a:solidFill>
+            <a:schemeClr val="phClr"/>
+          </a:solidFill>
+          <a:prstDash val="solid"/>
+        </a:ln>
+        <a:ln w="17145" cap="flat" cmpd="sng" algn="ctr">
+          <a:solidFill>
+            <a:schemeClr val="phClr">
+              <a:shade val="95000"/>
+              <a:alpha val="50000"/>
+              <a:satMod val="150000"/>
+            </a:schemeClr>
+          </a:solidFill>
+          <a:prstDash val="solid"/>
+        </a:ln>
+      </a:lnStyleLst>
+      <a:effectStyleLst>
+        <a:effectStyle>
+          <a:effectLst/>
+        </a:effectStyle>
+        <a:effectStyle>
+          <a:effectLst/>
+        </a:effectStyle>
+        <a:effectStyle>
+          <a:effectLst>
+            <a:outerShdw blurRad="44450" dist="13970" dir="5400000" algn="ctr" rotWithShape="0">
+              <a:srgbClr val="000000">
+                <a:alpha val="45000"/>
+              </a:srgbClr>
+            </a:outerShdw>
+          </a:effectLst>
+          <a:scene3d>
+            <a:camera prst="orthographicFront">
+              <a:rot lat="0" lon="0" rev="0"/>
+            </a:camera>
+            <a:lightRig rig="twoPt" dir="tl"/>
+          </a:scene3d>
+          <a:sp3d prstMaterial="flat">
+            <a:bevelT w="12700" h="25400" prst="coolSlant"/>
+          </a:sp3d>
+        </a:effectStyle>
+      </a:effectStyleLst>
+      <a:bgFillStyleLst>
+        <a:solidFill>
+          <a:schemeClr val="phClr"/>
+        </a:solidFill>
+        <a:solidFill>
+          <a:schemeClr val="phClr">
+            <a:tint val="95000"/>
+            <a:satMod val="170000"/>
+          </a:schemeClr>
+        </a:solidFill>
+        <a:solidFill>
+          <a:schemeClr val="phClr">
+            <a:shade val="95000"/>
+            <a:satMod val="170000"/>
+          </a:schemeClr>
+        </a:solidFill>
+      </a:bgFillStyleLst>
+    </a:fmtScheme>
+  </a:themeElements>
+  <a:objectDefaults/>
+  <a:extraClrSchemeLst/>
+  <a:extLst>
+    <a:ext uri="{05A4C25C-085E-4340-85A3-A5531E510DB2}">
+      <thm15:themeFamily xmlns:thm15="http://schemas.microsoft.com/office/thememl/2012/main" name="burotix2025.potm" id="{9A679E22-159F-4468-BD25-5554C2F5C34C}" vid="{02412E46-CBBA-45C1-A7EE-8401C077A527}"/>
+    </a:ext>
+  </a:extLst>
+</a:theme>
+</file>
+
+<file path=ppt/theme/theme3.xml><?xml version="1.0" encoding="utf-8"?>
 <a:theme xmlns:a="http://schemas.openxmlformats.org/drawingml/2006/main" name="Office Theme">
   <a:themeElements>
     <a:clrScheme name="Office">
